--- a/01 Classes/Aula 07 - Aplicação Cloud Indústria 40 Python IoT Plataforma Outras Soluções.pptx
+++ b/01 Classes/Aula 07 - Aplicação Cloud Indústria 40 Python IoT Plataforma Outras Soluções.pptx
@@ -5,17 +5,32 @@
     <p:sldMasterId id="2147483648" r:id="rId1"/>
   </p:sldMasterIdLst>
   <p:notesMasterIdLst>
-    <p:notesMasterId r:id="rId10"/>
+    <p:notesMasterId r:id="rId25"/>
   </p:notesMasterIdLst>
   <p:sldIdLst>
     <p:sldId id="256" r:id="rId2"/>
     <p:sldId id="291" r:id="rId3"/>
     <p:sldId id="347" r:id="rId4"/>
-    <p:sldId id="333" r:id="rId5"/>
-    <p:sldId id="323" r:id="rId6"/>
-    <p:sldId id="345" r:id="rId7"/>
-    <p:sldId id="337" r:id="rId8"/>
-    <p:sldId id="309" r:id="rId9"/>
+    <p:sldId id="348" r:id="rId5"/>
+    <p:sldId id="349" r:id="rId6"/>
+    <p:sldId id="350" r:id="rId7"/>
+    <p:sldId id="351" r:id="rId8"/>
+    <p:sldId id="352" r:id="rId9"/>
+    <p:sldId id="353" r:id="rId10"/>
+    <p:sldId id="359" r:id="rId11"/>
+    <p:sldId id="360" r:id="rId12"/>
+    <p:sldId id="361" r:id="rId13"/>
+    <p:sldId id="362" r:id="rId14"/>
+    <p:sldId id="354" r:id="rId15"/>
+    <p:sldId id="355" r:id="rId16"/>
+    <p:sldId id="356" r:id="rId17"/>
+    <p:sldId id="358" r:id="rId18"/>
+    <p:sldId id="357" r:id="rId19"/>
+    <p:sldId id="333" r:id="rId20"/>
+    <p:sldId id="323" r:id="rId21"/>
+    <p:sldId id="345" r:id="rId22"/>
+    <p:sldId id="337" r:id="rId23"/>
+    <p:sldId id="309" r:id="rId24"/>
   </p:sldIdLst>
   <p:sldSz cx="9144000" cy="5143500" type="screen16x9"/>
   <p:notesSz cx="6858000" cy="9144000"/>
@@ -562,6 +577,666 @@
 </p:notes>
 </file>
 
+<file path=ppt/notesSlides/notesSlide10.xml><?xml version="1.0" encoding="utf-8"?>
+<p:notes xmlns:a="http://schemas.openxmlformats.org/drawingml/2006/main" xmlns:r="http://schemas.openxmlformats.org/officeDocument/2006/relationships" xmlns:p="http://schemas.openxmlformats.org/presentationml/2006/main">
+  <p:cSld>
+    <p:spTree>
+      <p:nvGrpSpPr>
+        <p:cNvPr id="1" name=""/>
+        <p:cNvGrpSpPr/>
+        <p:nvPr/>
+      </p:nvGrpSpPr>
+      <p:grpSpPr>
+        <a:xfrm>
+          <a:off x="0" y="0"/>
+          <a:ext cx="0" cy="0"/>
+          <a:chOff x="0" y="0"/>
+          <a:chExt cx="0" cy="0"/>
+        </a:xfrm>
+      </p:grpSpPr>
+      <p:sp>
+        <p:nvSpPr>
+          <p:cNvPr id="2" name="Espaço Reservado para Imagem de Slide 1"/>
+          <p:cNvSpPr>
+            <a:spLocks noGrp="1" noRot="1" noChangeAspect="1"/>
+          </p:cNvSpPr>
+          <p:nvPr>
+            <p:ph type="sldImg"/>
+          </p:nvPr>
+        </p:nvSpPr>
+        <p:spPr>
+          <a:xfrm>
+            <a:off x="381000" y="685800"/>
+            <a:ext cx="6096000" cy="3429000"/>
+          </a:xfrm>
+        </p:spPr>
+      </p:sp>
+      <p:sp>
+        <p:nvSpPr>
+          <p:cNvPr id="3" name="Espaço Reservado para Anotações 2"/>
+          <p:cNvSpPr>
+            <a:spLocks noGrp="1"/>
+          </p:cNvSpPr>
+          <p:nvPr>
+            <p:ph type="body" idx="1"/>
+          </p:nvPr>
+        </p:nvSpPr>
+        <p:spPr/>
+        <p:txBody>
+          <a:bodyPr/>
+          <a:lstStyle/>
+          <a:p>
+            <a:endParaRPr lang="pt-BR" dirty="0"/>
+          </a:p>
+        </p:txBody>
+      </p:sp>
+    </p:spTree>
+    <p:extLst>
+      <p:ext uri="{BB962C8B-B14F-4D97-AF65-F5344CB8AC3E}">
+        <p14:creationId xmlns:p14="http://schemas.microsoft.com/office/powerpoint/2010/main" val="1171497482"/>
+      </p:ext>
+    </p:extLst>
+  </p:cSld>
+  <p:clrMapOvr>
+    <a:masterClrMapping/>
+  </p:clrMapOvr>
+</p:notes>
+</file>
+
+<file path=ppt/notesSlides/notesSlide11.xml><?xml version="1.0" encoding="utf-8"?>
+<p:notes xmlns:a="http://schemas.openxmlformats.org/drawingml/2006/main" xmlns:r="http://schemas.openxmlformats.org/officeDocument/2006/relationships" xmlns:p="http://schemas.openxmlformats.org/presentationml/2006/main">
+  <p:cSld>
+    <p:spTree>
+      <p:nvGrpSpPr>
+        <p:cNvPr id="1" name=""/>
+        <p:cNvGrpSpPr/>
+        <p:nvPr/>
+      </p:nvGrpSpPr>
+      <p:grpSpPr>
+        <a:xfrm>
+          <a:off x="0" y="0"/>
+          <a:ext cx="0" cy="0"/>
+          <a:chOff x="0" y="0"/>
+          <a:chExt cx="0" cy="0"/>
+        </a:xfrm>
+      </p:grpSpPr>
+      <p:sp>
+        <p:nvSpPr>
+          <p:cNvPr id="2" name="Espaço Reservado para Imagem de Slide 1"/>
+          <p:cNvSpPr>
+            <a:spLocks noGrp="1" noRot="1" noChangeAspect="1"/>
+          </p:cNvSpPr>
+          <p:nvPr>
+            <p:ph type="sldImg"/>
+          </p:nvPr>
+        </p:nvSpPr>
+        <p:spPr>
+          <a:xfrm>
+            <a:off x="381000" y="685800"/>
+            <a:ext cx="6096000" cy="3429000"/>
+          </a:xfrm>
+        </p:spPr>
+      </p:sp>
+      <p:sp>
+        <p:nvSpPr>
+          <p:cNvPr id="3" name="Espaço Reservado para Anotações 2"/>
+          <p:cNvSpPr>
+            <a:spLocks noGrp="1"/>
+          </p:cNvSpPr>
+          <p:nvPr>
+            <p:ph type="body" idx="1"/>
+          </p:nvPr>
+        </p:nvSpPr>
+        <p:spPr/>
+        <p:txBody>
+          <a:bodyPr/>
+          <a:lstStyle/>
+          <a:p>
+            <a:endParaRPr lang="pt-BR" dirty="0"/>
+          </a:p>
+        </p:txBody>
+      </p:sp>
+    </p:spTree>
+    <p:extLst>
+      <p:ext uri="{BB962C8B-B14F-4D97-AF65-F5344CB8AC3E}">
+        <p14:creationId xmlns:p14="http://schemas.microsoft.com/office/powerpoint/2010/main" val="1506016742"/>
+      </p:ext>
+    </p:extLst>
+  </p:cSld>
+  <p:clrMapOvr>
+    <a:masterClrMapping/>
+  </p:clrMapOvr>
+</p:notes>
+</file>
+
+<file path=ppt/notesSlides/notesSlide12.xml><?xml version="1.0" encoding="utf-8"?>
+<p:notes xmlns:a="http://schemas.openxmlformats.org/drawingml/2006/main" xmlns:r="http://schemas.openxmlformats.org/officeDocument/2006/relationships" xmlns:p="http://schemas.openxmlformats.org/presentationml/2006/main">
+  <p:cSld>
+    <p:spTree>
+      <p:nvGrpSpPr>
+        <p:cNvPr id="1" name=""/>
+        <p:cNvGrpSpPr/>
+        <p:nvPr/>
+      </p:nvGrpSpPr>
+      <p:grpSpPr>
+        <a:xfrm>
+          <a:off x="0" y="0"/>
+          <a:ext cx="0" cy="0"/>
+          <a:chOff x="0" y="0"/>
+          <a:chExt cx="0" cy="0"/>
+        </a:xfrm>
+      </p:grpSpPr>
+      <p:sp>
+        <p:nvSpPr>
+          <p:cNvPr id="2" name="Espaço Reservado para Imagem de Slide 1"/>
+          <p:cNvSpPr>
+            <a:spLocks noGrp="1" noRot="1" noChangeAspect="1"/>
+          </p:cNvSpPr>
+          <p:nvPr>
+            <p:ph type="sldImg"/>
+          </p:nvPr>
+        </p:nvSpPr>
+        <p:spPr>
+          <a:xfrm>
+            <a:off x="381000" y="685800"/>
+            <a:ext cx="6096000" cy="3429000"/>
+          </a:xfrm>
+        </p:spPr>
+      </p:sp>
+      <p:sp>
+        <p:nvSpPr>
+          <p:cNvPr id="3" name="Espaço Reservado para Anotações 2"/>
+          <p:cNvSpPr>
+            <a:spLocks noGrp="1"/>
+          </p:cNvSpPr>
+          <p:nvPr>
+            <p:ph type="body" idx="1"/>
+          </p:nvPr>
+        </p:nvSpPr>
+        <p:spPr/>
+        <p:txBody>
+          <a:bodyPr/>
+          <a:lstStyle/>
+          <a:p>
+            <a:endParaRPr lang="pt-BR" dirty="0"/>
+          </a:p>
+        </p:txBody>
+      </p:sp>
+    </p:spTree>
+    <p:extLst>
+      <p:ext uri="{BB962C8B-B14F-4D97-AF65-F5344CB8AC3E}">
+        <p14:creationId xmlns:p14="http://schemas.microsoft.com/office/powerpoint/2010/main" val="4225303052"/>
+      </p:ext>
+    </p:extLst>
+  </p:cSld>
+  <p:clrMapOvr>
+    <a:masterClrMapping/>
+  </p:clrMapOvr>
+</p:notes>
+</file>
+
+<file path=ppt/notesSlides/notesSlide13.xml><?xml version="1.0" encoding="utf-8"?>
+<p:notes xmlns:a="http://schemas.openxmlformats.org/drawingml/2006/main" xmlns:r="http://schemas.openxmlformats.org/officeDocument/2006/relationships" xmlns:p="http://schemas.openxmlformats.org/presentationml/2006/main">
+  <p:cSld>
+    <p:spTree>
+      <p:nvGrpSpPr>
+        <p:cNvPr id="1" name=""/>
+        <p:cNvGrpSpPr/>
+        <p:nvPr/>
+      </p:nvGrpSpPr>
+      <p:grpSpPr>
+        <a:xfrm>
+          <a:off x="0" y="0"/>
+          <a:ext cx="0" cy="0"/>
+          <a:chOff x="0" y="0"/>
+          <a:chExt cx="0" cy="0"/>
+        </a:xfrm>
+      </p:grpSpPr>
+      <p:sp>
+        <p:nvSpPr>
+          <p:cNvPr id="2" name="Espaço Reservado para Imagem de Slide 1"/>
+          <p:cNvSpPr>
+            <a:spLocks noGrp="1" noRot="1" noChangeAspect="1"/>
+          </p:cNvSpPr>
+          <p:nvPr>
+            <p:ph type="sldImg"/>
+          </p:nvPr>
+        </p:nvSpPr>
+        <p:spPr>
+          <a:xfrm>
+            <a:off x="381000" y="685800"/>
+            <a:ext cx="6096000" cy="3429000"/>
+          </a:xfrm>
+        </p:spPr>
+      </p:sp>
+      <p:sp>
+        <p:nvSpPr>
+          <p:cNvPr id="3" name="Espaço Reservado para Anotações 2"/>
+          <p:cNvSpPr>
+            <a:spLocks noGrp="1"/>
+          </p:cNvSpPr>
+          <p:nvPr>
+            <p:ph type="body" idx="1"/>
+          </p:nvPr>
+        </p:nvSpPr>
+        <p:spPr/>
+        <p:txBody>
+          <a:bodyPr/>
+          <a:lstStyle/>
+          <a:p>
+            <a:endParaRPr lang="pt-BR" dirty="0"/>
+          </a:p>
+        </p:txBody>
+      </p:sp>
+    </p:spTree>
+    <p:extLst>
+      <p:ext uri="{BB962C8B-B14F-4D97-AF65-F5344CB8AC3E}">
+        <p14:creationId xmlns:p14="http://schemas.microsoft.com/office/powerpoint/2010/main" val="3707754585"/>
+      </p:ext>
+    </p:extLst>
+  </p:cSld>
+  <p:clrMapOvr>
+    <a:masterClrMapping/>
+  </p:clrMapOvr>
+</p:notes>
+</file>
+
+<file path=ppt/notesSlides/notesSlide14.xml><?xml version="1.0" encoding="utf-8"?>
+<p:notes xmlns:a="http://schemas.openxmlformats.org/drawingml/2006/main" xmlns:r="http://schemas.openxmlformats.org/officeDocument/2006/relationships" xmlns:p="http://schemas.openxmlformats.org/presentationml/2006/main">
+  <p:cSld>
+    <p:spTree>
+      <p:nvGrpSpPr>
+        <p:cNvPr id="1" name=""/>
+        <p:cNvGrpSpPr/>
+        <p:nvPr/>
+      </p:nvGrpSpPr>
+      <p:grpSpPr>
+        <a:xfrm>
+          <a:off x="0" y="0"/>
+          <a:ext cx="0" cy="0"/>
+          <a:chOff x="0" y="0"/>
+          <a:chExt cx="0" cy="0"/>
+        </a:xfrm>
+      </p:grpSpPr>
+      <p:sp>
+        <p:nvSpPr>
+          <p:cNvPr id="2" name="Espaço Reservado para Imagem de Slide 1"/>
+          <p:cNvSpPr>
+            <a:spLocks noGrp="1" noRot="1" noChangeAspect="1"/>
+          </p:cNvSpPr>
+          <p:nvPr>
+            <p:ph type="sldImg"/>
+          </p:nvPr>
+        </p:nvSpPr>
+        <p:spPr>
+          <a:xfrm>
+            <a:off x="381000" y="685800"/>
+            <a:ext cx="6096000" cy="3429000"/>
+          </a:xfrm>
+        </p:spPr>
+      </p:sp>
+      <p:sp>
+        <p:nvSpPr>
+          <p:cNvPr id="3" name="Espaço Reservado para Anotações 2"/>
+          <p:cNvSpPr>
+            <a:spLocks noGrp="1"/>
+          </p:cNvSpPr>
+          <p:nvPr>
+            <p:ph type="body" idx="1"/>
+          </p:nvPr>
+        </p:nvSpPr>
+        <p:spPr/>
+        <p:txBody>
+          <a:bodyPr/>
+          <a:lstStyle/>
+          <a:p>
+            <a:endParaRPr lang="pt-BR" dirty="0"/>
+          </a:p>
+        </p:txBody>
+      </p:sp>
+    </p:spTree>
+    <p:extLst>
+      <p:ext uri="{BB962C8B-B14F-4D97-AF65-F5344CB8AC3E}">
+        <p14:creationId xmlns:p14="http://schemas.microsoft.com/office/powerpoint/2010/main" val="1257880996"/>
+      </p:ext>
+    </p:extLst>
+  </p:cSld>
+  <p:clrMapOvr>
+    <a:masterClrMapping/>
+  </p:clrMapOvr>
+</p:notes>
+</file>
+
+<file path=ppt/notesSlides/notesSlide15.xml><?xml version="1.0" encoding="utf-8"?>
+<p:notes xmlns:a="http://schemas.openxmlformats.org/drawingml/2006/main" xmlns:r="http://schemas.openxmlformats.org/officeDocument/2006/relationships" xmlns:p="http://schemas.openxmlformats.org/presentationml/2006/main">
+  <p:cSld>
+    <p:spTree>
+      <p:nvGrpSpPr>
+        <p:cNvPr id="1" name=""/>
+        <p:cNvGrpSpPr/>
+        <p:nvPr/>
+      </p:nvGrpSpPr>
+      <p:grpSpPr>
+        <a:xfrm>
+          <a:off x="0" y="0"/>
+          <a:ext cx="0" cy="0"/>
+          <a:chOff x="0" y="0"/>
+          <a:chExt cx="0" cy="0"/>
+        </a:xfrm>
+      </p:grpSpPr>
+      <p:sp>
+        <p:nvSpPr>
+          <p:cNvPr id="2" name="Espaço Reservado para Imagem de Slide 1"/>
+          <p:cNvSpPr>
+            <a:spLocks noGrp="1" noRot="1" noChangeAspect="1"/>
+          </p:cNvSpPr>
+          <p:nvPr>
+            <p:ph type="sldImg"/>
+          </p:nvPr>
+        </p:nvSpPr>
+        <p:spPr>
+          <a:xfrm>
+            <a:off x="381000" y="685800"/>
+            <a:ext cx="6096000" cy="3429000"/>
+          </a:xfrm>
+        </p:spPr>
+      </p:sp>
+      <p:sp>
+        <p:nvSpPr>
+          <p:cNvPr id="3" name="Espaço Reservado para Anotações 2"/>
+          <p:cNvSpPr>
+            <a:spLocks noGrp="1"/>
+          </p:cNvSpPr>
+          <p:nvPr>
+            <p:ph type="body" idx="1"/>
+          </p:nvPr>
+        </p:nvSpPr>
+        <p:spPr/>
+        <p:txBody>
+          <a:bodyPr/>
+          <a:lstStyle/>
+          <a:p>
+            <a:endParaRPr lang="pt-BR" dirty="0"/>
+          </a:p>
+        </p:txBody>
+      </p:sp>
+    </p:spTree>
+    <p:extLst>
+      <p:ext uri="{BB962C8B-B14F-4D97-AF65-F5344CB8AC3E}">
+        <p14:creationId xmlns:p14="http://schemas.microsoft.com/office/powerpoint/2010/main" val="2880007436"/>
+      </p:ext>
+    </p:extLst>
+  </p:cSld>
+  <p:clrMapOvr>
+    <a:masterClrMapping/>
+  </p:clrMapOvr>
+</p:notes>
+</file>
+
+<file path=ppt/notesSlides/notesSlide16.xml><?xml version="1.0" encoding="utf-8"?>
+<p:notes xmlns:a="http://schemas.openxmlformats.org/drawingml/2006/main" xmlns:r="http://schemas.openxmlformats.org/officeDocument/2006/relationships" xmlns:p="http://schemas.openxmlformats.org/presentationml/2006/main">
+  <p:cSld>
+    <p:spTree>
+      <p:nvGrpSpPr>
+        <p:cNvPr id="1" name=""/>
+        <p:cNvGrpSpPr/>
+        <p:nvPr/>
+      </p:nvGrpSpPr>
+      <p:grpSpPr>
+        <a:xfrm>
+          <a:off x="0" y="0"/>
+          <a:ext cx="0" cy="0"/>
+          <a:chOff x="0" y="0"/>
+          <a:chExt cx="0" cy="0"/>
+        </a:xfrm>
+      </p:grpSpPr>
+      <p:sp>
+        <p:nvSpPr>
+          <p:cNvPr id="2" name="Espaço Reservado para Imagem de Slide 1"/>
+          <p:cNvSpPr>
+            <a:spLocks noGrp="1" noRot="1" noChangeAspect="1"/>
+          </p:cNvSpPr>
+          <p:nvPr>
+            <p:ph type="sldImg"/>
+          </p:nvPr>
+        </p:nvSpPr>
+        <p:spPr>
+          <a:xfrm>
+            <a:off x="381000" y="685800"/>
+            <a:ext cx="6096000" cy="3429000"/>
+          </a:xfrm>
+        </p:spPr>
+      </p:sp>
+      <p:sp>
+        <p:nvSpPr>
+          <p:cNvPr id="3" name="Espaço Reservado para Anotações 2"/>
+          <p:cNvSpPr>
+            <a:spLocks noGrp="1"/>
+          </p:cNvSpPr>
+          <p:nvPr>
+            <p:ph type="body" idx="1"/>
+          </p:nvPr>
+        </p:nvSpPr>
+        <p:spPr/>
+        <p:txBody>
+          <a:bodyPr/>
+          <a:lstStyle/>
+          <a:p>
+            <a:endParaRPr lang="pt-BR" dirty="0"/>
+          </a:p>
+        </p:txBody>
+      </p:sp>
+    </p:spTree>
+    <p:extLst>
+      <p:ext uri="{BB962C8B-B14F-4D97-AF65-F5344CB8AC3E}">
+        <p14:creationId xmlns:p14="http://schemas.microsoft.com/office/powerpoint/2010/main" val="700711434"/>
+      </p:ext>
+    </p:extLst>
+  </p:cSld>
+  <p:clrMapOvr>
+    <a:masterClrMapping/>
+  </p:clrMapOvr>
+</p:notes>
+</file>
+
+<file path=ppt/notesSlides/notesSlide17.xml><?xml version="1.0" encoding="utf-8"?>
+<p:notes xmlns:a="http://schemas.openxmlformats.org/drawingml/2006/main" xmlns:r="http://schemas.openxmlformats.org/officeDocument/2006/relationships" xmlns:p="http://schemas.openxmlformats.org/presentationml/2006/main">
+  <p:cSld>
+    <p:spTree>
+      <p:nvGrpSpPr>
+        <p:cNvPr id="1" name=""/>
+        <p:cNvGrpSpPr/>
+        <p:nvPr/>
+      </p:nvGrpSpPr>
+      <p:grpSpPr>
+        <a:xfrm>
+          <a:off x="0" y="0"/>
+          <a:ext cx="0" cy="0"/>
+          <a:chOff x="0" y="0"/>
+          <a:chExt cx="0" cy="0"/>
+        </a:xfrm>
+      </p:grpSpPr>
+      <p:sp>
+        <p:nvSpPr>
+          <p:cNvPr id="2" name="Espaço Reservado para Imagem de Slide 1"/>
+          <p:cNvSpPr>
+            <a:spLocks noGrp="1" noRot="1" noChangeAspect="1"/>
+          </p:cNvSpPr>
+          <p:nvPr>
+            <p:ph type="sldImg"/>
+          </p:nvPr>
+        </p:nvSpPr>
+        <p:spPr>
+          <a:xfrm>
+            <a:off x="381000" y="685800"/>
+            <a:ext cx="6096000" cy="3429000"/>
+          </a:xfrm>
+        </p:spPr>
+      </p:sp>
+      <p:sp>
+        <p:nvSpPr>
+          <p:cNvPr id="3" name="Espaço Reservado para Anotações 2"/>
+          <p:cNvSpPr>
+            <a:spLocks noGrp="1"/>
+          </p:cNvSpPr>
+          <p:nvPr>
+            <p:ph type="body" idx="1"/>
+          </p:nvPr>
+        </p:nvSpPr>
+        <p:spPr/>
+        <p:txBody>
+          <a:bodyPr/>
+          <a:lstStyle/>
+          <a:p>
+            <a:endParaRPr lang="pt-BR" dirty="0"/>
+          </a:p>
+        </p:txBody>
+      </p:sp>
+    </p:spTree>
+    <p:extLst>
+      <p:ext uri="{BB962C8B-B14F-4D97-AF65-F5344CB8AC3E}">
+        <p14:creationId xmlns:p14="http://schemas.microsoft.com/office/powerpoint/2010/main" val="1800483915"/>
+      </p:ext>
+    </p:extLst>
+  </p:cSld>
+  <p:clrMapOvr>
+    <a:masterClrMapping/>
+  </p:clrMapOvr>
+</p:notes>
+</file>
+
+<file path=ppt/notesSlides/notesSlide18.xml><?xml version="1.0" encoding="utf-8"?>
+<p:notes xmlns:a="http://schemas.openxmlformats.org/drawingml/2006/main" xmlns:r="http://schemas.openxmlformats.org/officeDocument/2006/relationships" xmlns:p="http://schemas.openxmlformats.org/presentationml/2006/main">
+  <p:cSld>
+    <p:spTree>
+      <p:nvGrpSpPr>
+        <p:cNvPr id="1" name=""/>
+        <p:cNvGrpSpPr/>
+        <p:nvPr/>
+      </p:nvGrpSpPr>
+      <p:grpSpPr>
+        <a:xfrm>
+          <a:off x="0" y="0"/>
+          <a:ext cx="0" cy="0"/>
+          <a:chOff x="0" y="0"/>
+          <a:chExt cx="0" cy="0"/>
+        </a:xfrm>
+      </p:grpSpPr>
+      <p:sp>
+        <p:nvSpPr>
+          <p:cNvPr id="2" name="Espaço Reservado para Imagem de Slide 1"/>
+          <p:cNvSpPr>
+            <a:spLocks noGrp="1" noRot="1" noChangeAspect="1"/>
+          </p:cNvSpPr>
+          <p:nvPr>
+            <p:ph type="sldImg"/>
+          </p:nvPr>
+        </p:nvSpPr>
+        <p:spPr>
+          <a:xfrm>
+            <a:off x="381000" y="685800"/>
+            <a:ext cx="6096000" cy="3429000"/>
+          </a:xfrm>
+        </p:spPr>
+      </p:sp>
+      <p:sp>
+        <p:nvSpPr>
+          <p:cNvPr id="3" name="Espaço Reservado para Anotações 2"/>
+          <p:cNvSpPr>
+            <a:spLocks noGrp="1"/>
+          </p:cNvSpPr>
+          <p:nvPr>
+            <p:ph type="body" idx="1"/>
+          </p:nvPr>
+        </p:nvSpPr>
+        <p:spPr/>
+        <p:txBody>
+          <a:bodyPr/>
+          <a:lstStyle/>
+          <a:p>
+            <a:endParaRPr lang="pt-BR" dirty="0"/>
+          </a:p>
+        </p:txBody>
+      </p:sp>
+    </p:spTree>
+    <p:extLst>
+      <p:ext uri="{BB962C8B-B14F-4D97-AF65-F5344CB8AC3E}">
+        <p14:creationId xmlns:p14="http://schemas.microsoft.com/office/powerpoint/2010/main" val="585304384"/>
+      </p:ext>
+    </p:extLst>
+  </p:cSld>
+  <p:clrMapOvr>
+    <a:masterClrMapping/>
+  </p:clrMapOvr>
+</p:notes>
+</file>
+
+<file path=ppt/notesSlides/notesSlide19.xml><?xml version="1.0" encoding="utf-8"?>
+<p:notes xmlns:a="http://schemas.openxmlformats.org/drawingml/2006/main" xmlns:r="http://schemas.openxmlformats.org/officeDocument/2006/relationships" xmlns:p="http://schemas.openxmlformats.org/presentationml/2006/main">
+  <p:cSld>
+    <p:spTree>
+      <p:nvGrpSpPr>
+        <p:cNvPr id="1" name=""/>
+        <p:cNvGrpSpPr/>
+        <p:nvPr/>
+      </p:nvGrpSpPr>
+      <p:grpSpPr>
+        <a:xfrm>
+          <a:off x="0" y="0"/>
+          <a:ext cx="0" cy="0"/>
+          <a:chOff x="0" y="0"/>
+          <a:chExt cx="0" cy="0"/>
+        </a:xfrm>
+      </p:grpSpPr>
+      <p:sp>
+        <p:nvSpPr>
+          <p:cNvPr id="2" name="Espaço Reservado para Imagem de Slide 1"/>
+          <p:cNvSpPr>
+            <a:spLocks noGrp="1" noRot="1" noChangeAspect="1"/>
+          </p:cNvSpPr>
+          <p:nvPr>
+            <p:ph type="sldImg"/>
+          </p:nvPr>
+        </p:nvSpPr>
+        <p:spPr>
+          <a:xfrm>
+            <a:off x="381000" y="685800"/>
+            <a:ext cx="6096000" cy="3429000"/>
+          </a:xfrm>
+        </p:spPr>
+      </p:sp>
+      <p:sp>
+        <p:nvSpPr>
+          <p:cNvPr id="3" name="Espaço Reservado para Anotações 2"/>
+          <p:cNvSpPr>
+            <a:spLocks noGrp="1"/>
+          </p:cNvSpPr>
+          <p:nvPr>
+            <p:ph type="body" idx="1"/>
+          </p:nvPr>
+        </p:nvSpPr>
+        <p:spPr/>
+        <p:txBody>
+          <a:bodyPr/>
+          <a:lstStyle/>
+          <a:p>
+            <a:endParaRPr lang="pt-BR" dirty="0"/>
+          </a:p>
+        </p:txBody>
+      </p:sp>
+    </p:spTree>
+    <p:extLst>
+      <p:ext uri="{BB962C8B-B14F-4D97-AF65-F5344CB8AC3E}">
+        <p14:creationId xmlns:p14="http://schemas.microsoft.com/office/powerpoint/2010/main" val="2709569597"/>
+      </p:ext>
+    </p:extLst>
+  </p:cSld>
+  <p:clrMapOvr>
+    <a:masterClrMapping/>
+  </p:clrMapOvr>
+</p:notes>
+</file>
+
 <file path=ppt/notesSlides/notesSlide2.xml><?xml version="1.0" encoding="utf-8"?>
 <p:notes xmlns:a="http://schemas.openxmlformats.org/drawingml/2006/main" xmlns:r="http://schemas.openxmlformats.org/officeDocument/2006/relationships" xmlns:p="http://schemas.openxmlformats.org/presentationml/2006/main">
   <p:cSld>
@@ -619,6 +1294,138 @@
     <p:extLst>
       <p:ext uri="{BB962C8B-B14F-4D97-AF65-F5344CB8AC3E}">
         <p14:creationId xmlns:p14="http://schemas.microsoft.com/office/powerpoint/2010/main" val="1662896905"/>
+      </p:ext>
+    </p:extLst>
+  </p:cSld>
+  <p:clrMapOvr>
+    <a:masterClrMapping/>
+  </p:clrMapOvr>
+</p:notes>
+</file>
+
+<file path=ppt/notesSlides/notesSlide20.xml><?xml version="1.0" encoding="utf-8"?>
+<p:notes xmlns:a="http://schemas.openxmlformats.org/drawingml/2006/main" xmlns:r="http://schemas.openxmlformats.org/officeDocument/2006/relationships" xmlns:p="http://schemas.openxmlformats.org/presentationml/2006/main">
+  <p:cSld>
+    <p:spTree>
+      <p:nvGrpSpPr>
+        <p:cNvPr id="1" name=""/>
+        <p:cNvGrpSpPr/>
+        <p:nvPr/>
+      </p:nvGrpSpPr>
+      <p:grpSpPr>
+        <a:xfrm>
+          <a:off x="0" y="0"/>
+          <a:ext cx="0" cy="0"/>
+          <a:chOff x="0" y="0"/>
+          <a:chExt cx="0" cy="0"/>
+        </a:xfrm>
+      </p:grpSpPr>
+      <p:sp>
+        <p:nvSpPr>
+          <p:cNvPr id="2" name="Espaço Reservado para Imagem de Slide 1"/>
+          <p:cNvSpPr>
+            <a:spLocks noGrp="1" noRot="1" noChangeAspect="1"/>
+          </p:cNvSpPr>
+          <p:nvPr>
+            <p:ph type="sldImg"/>
+          </p:nvPr>
+        </p:nvSpPr>
+        <p:spPr>
+          <a:xfrm>
+            <a:off x="381000" y="685800"/>
+            <a:ext cx="6096000" cy="3429000"/>
+          </a:xfrm>
+        </p:spPr>
+      </p:sp>
+      <p:sp>
+        <p:nvSpPr>
+          <p:cNvPr id="3" name="Espaço Reservado para Anotações 2"/>
+          <p:cNvSpPr>
+            <a:spLocks noGrp="1"/>
+          </p:cNvSpPr>
+          <p:nvPr>
+            <p:ph type="body" idx="1"/>
+          </p:nvPr>
+        </p:nvSpPr>
+        <p:spPr/>
+        <p:txBody>
+          <a:bodyPr/>
+          <a:lstStyle/>
+          <a:p>
+            <a:endParaRPr lang="pt-BR" dirty="0"/>
+          </a:p>
+        </p:txBody>
+      </p:sp>
+    </p:spTree>
+    <p:extLst>
+      <p:ext uri="{BB962C8B-B14F-4D97-AF65-F5344CB8AC3E}">
+        <p14:creationId xmlns:p14="http://schemas.microsoft.com/office/powerpoint/2010/main" val="3863516043"/>
+      </p:ext>
+    </p:extLst>
+  </p:cSld>
+  <p:clrMapOvr>
+    <a:masterClrMapping/>
+  </p:clrMapOvr>
+</p:notes>
+</file>
+
+<file path=ppt/notesSlides/notesSlide21.xml><?xml version="1.0" encoding="utf-8"?>
+<p:notes xmlns:a="http://schemas.openxmlformats.org/drawingml/2006/main" xmlns:r="http://schemas.openxmlformats.org/officeDocument/2006/relationships" xmlns:p="http://schemas.openxmlformats.org/presentationml/2006/main">
+  <p:cSld>
+    <p:spTree>
+      <p:nvGrpSpPr>
+        <p:cNvPr id="1" name=""/>
+        <p:cNvGrpSpPr/>
+        <p:nvPr/>
+      </p:nvGrpSpPr>
+      <p:grpSpPr>
+        <a:xfrm>
+          <a:off x="0" y="0"/>
+          <a:ext cx="0" cy="0"/>
+          <a:chOff x="0" y="0"/>
+          <a:chExt cx="0" cy="0"/>
+        </a:xfrm>
+      </p:grpSpPr>
+      <p:sp>
+        <p:nvSpPr>
+          <p:cNvPr id="2" name="Espaço Reservado para Imagem de Slide 1"/>
+          <p:cNvSpPr>
+            <a:spLocks noGrp="1" noRot="1" noChangeAspect="1"/>
+          </p:cNvSpPr>
+          <p:nvPr>
+            <p:ph type="sldImg"/>
+          </p:nvPr>
+        </p:nvSpPr>
+        <p:spPr>
+          <a:xfrm>
+            <a:off x="381000" y="685800"/>
+            <a:ext cx="6096000" cy="3429000"/>
+          </a:xfrm>
+        </p:spPr>
+      </p:sp>
+      <p:sp>
+        <p:nvSpPr>
+          <p:cNvPr id="3" name="Espaço Reservado para Anotações 2"/>
+          <p:cNvSpPr>
+            <a:spLocks noGrp="1"/>
+          </p:cNvSpPr>
+          <p:nvPr>
+            <p:ph type="body" idx="1"/>
+          </p:nvPr>
+        </p:nvSpPr>
+        <p:spPr/>
+        <p:txBody>
+          <a:bodyPr/>
+          <a:lstStyle/>
+          <a:p>
+            <a:endParaRPr lang="pt-BR" dirty="0"/>
+          </a:p>
+        </p:txBody>
+      </p:sp>
+    </p:spTree>
+    <p:extLst>
+      <p:ext uri="{BB962C8B-B14F-4D97-AF65-F5344CB8AC3E}">
+        <p14:creationId xmlns:p14="http://schemas.microsoft.com/office/powerpoint/2010/main" val="4290351292"/>
       </p:ext>
     </p:extLst>
   </p:cSld>
@@ -684,7 +1491,7 @@
     </p:spTree>
     <p:extLst>
       <p:ext uri="{BB962C8B-B14F-4D97-AF65-F5344CB8AC3E}">
-        <p14:creationId xmlns:p14="http://schemas.microsoft.com/office/powerpoint/2010/main" val="585304384"/>
+        <p14:creationId xmlns:p14="http://schemas.microsoft.com/office/powerpoint/2010/main" val="2527313613"/>
       </p:ext>
     </p:extLst>
   </p:cSld>
@@ -750,7 +1557,7 @@
     </p:spTree>
     <p:extLst>
       <p:ext uri="{BB962C8B-B14F-4D97-AF65-F5344CB8AC3E}">
-        <p14:creationId xmlns:p14="http://schemas.microsoft.com/office/powerpoint/2010/main" val="2709569597"/>
+        <p14:creationId xmlns:p14="http://schemas.microsoft.com/office/powerpoint/2010/main" val="1038032017"/>
       </p:ext>
     </p:extLst>
   </p:cSld>
@@ -816,7 +1623,7 @@
     </p:spTree>
     <p:extLst>
       <p:ext uri="{BB962C8B-B14F-4D97-AF65-F5344CB8AC3E}">
-        <p14:creationId xmlns:p14="http://schemas.microsoft.com/office/powerpoint/2010/main" val="3863516043"/>
+        <p14:creationId xmlns:p14="http://schemas.microsoft.com/office/powerpoint/2010/main" val="2063771746"/>
       </p:ext>
     </p:extLst>
   </p:cSld>
@@ -882,7 +1689,205 @@
     </p:spTree>
     <p:extLst>
       <p:ext uri="{BB962C8B-B14F-4D97-AF65-F5344CB8AC3E}">
-        <p14:creationId xmlns:p14="http://schemas.microsoft.com/office/powerpoint/2010/main" val="4290351292"/>
+        <p14:creationId xmlns:p14="http://schemas.microsoft.com/office/powerpoint/2010/main" val="3400520152"/>
+      </p:ext>
+    </p:extLst>
+  </p:cSld>
+  <p:clrMapOvr>
+    <a:masterClrMapping/>
+  </p:clrMapOvr>
+</p:notes>
+</file>
+
+<file path=ppt/notesSlides/notesSlide7.xml><?xml version="1.0" encoding="utf-8"?>
+<p:notes xmlns:a="http://schemas.openxmlformats.org/drawingml/2006/main" xmlns:r="http://schemas.openxmlformats.org/officeDocument/2006/relationships" xmlns:p="http://schemas.openxmlformats.org/presentationml/2006/main">
+  <p:cSld>
+    <p:spTree>
+      <p:nvGrpSpPr>
+        <p:cNvPr id="1" name=""/>
+        <p:cNvGrpSpPr/>
+        <p:nvPr/>
+      </p:nvGrpSpPr>
+      <p:grpSpPr>
+        <a:xfrm>
+          <a:off x="0" y="0"/>
+          <a:ext cx="0" cy="0"/>
+          <a:chOff x="0" y="0"/>
+          <a:chExt cx="0" cy="0"/>
+        </a:xfrm>
+      </p:grpSpPr>
+      <p:sp>
+        <p:nvSpPr>
+          <p:cNvPr id="2" name="Espaço Reservado para Imagem de Slide 1"/>
+          <p:cNvSpPr>
+            <a:spLocks noGrp="1" noRot="1" noChangeAspect="1"/>
+          </p:cNvSpPr>
+          <p:nvPr>
+            <p:ph type="sldImg"/>
+          </p:nvPr>
+        </p:nvSpPr>
+        <p:spPr>
+          <a:xfrm>
+            <a:off x="381000" y="685800"/>
+            <a:ext cx="6096000" cy="3429000"/>
+          </a:xfrm>
+        </p:spPr>
+      </p:sp>
+      <p:sp>
+        <p:nvSpPr>
+          <p:cNvPr id="3" name="Espaço Reservado para Anotações 2"/>
+          <p:cNvSpPr>
+            <a:spLocks noGrp="1"/>
+          </p:cNvSpPr>
+          <p:nvPr>
+            <p:ph type="body" idx="1"/>
+          </p:nvPr>
+        </p:nvSpPr>
+        <p:spPr/>
+        <p:txBody>
+          <a:bodyPr/>
+          <a:lstStyle/>
+          <a:p>
+            <a:endParaRPr lang="pt-BR" dirty="0"/>
+          </a:p>
+        </p:txBody>
+      </p:sp>
+    </p:spTree>
+    <p:extLst>
+      <p:ext uri="{BB962C8B-B14F-4D97-AF65-F5344CB8AC3E}">
+        <p14:creationId xmlns:p14="http://schemas.microsoft.com/office/powerpoint/2010/main" val="2089852982"/>
+      </p:ext>
+    </p:extLst>
+  </p:cSld>
+  <p:clrMapOvr>
+    <a:masterClrMapping/>
+  </p:clrMapOvr>
+</p:notes>
+</file>
+
+<file path=ppt/notesSlides/notesSlide8.xml><?xml version="1.0" encoding="utf-8"?>
+<p:notes xmlns:a="http://schemas.openxmlformats.org/drawingml/2006/main" xmlns:r="http://schemas.openxmlformats.org/officeDocument/2006/relationships" xmlns:p="http://schemas.openxmlformats.org/presentationml/2006/main">
+  <p:cSld>
+    <p:spTree>
+      <p:nvGrpSpPr>
+        <p:cNvPr id="1" name=""/>
+        <p:cNvGrpSpPr/>
+        <p:nvPr/>
+      </p:nvGrpSpPr>
+      <p:grpSpPr>
+        <a:xfrm>
+          <a:off x="0" y="0"/>
+          <a:ext cx="0" cy="0"/>
+          <a:chOff x="0" y="0"/>
+          <a:chExt cx="0" cy="0"/>
+        </a:xfrm>
+      </p:grpSpPr>
+      <p:sp>
+        <p:nvSpPr>
+          <p:cNvPr id="2" name="Espaço Reservado para Imagem de Slide 1"/>
+          <p:cNvSpPr>
+            <a:spLocks noGrp="1" noRot="1" noChangeAspect="1"/>
+          </p:cNvSpPr>
+          <p:nvPr>
+            <p:ph type="sldImg"/>
+          </p:nvPr>
+        </p:nvSpPr>
+        <p:spPr>
+          <a:xfrm>
+            <a:off x="381000" y="685800"/>
+            <a:ext cx="6096000" cy="3429000"/>
+          </a:xfrm>
+        </p:spPr>
+      </p:sp>
+      <p:sp>
+        <p:nvSpPr>
+          <p:cNvPr id="3" name="Espaço Reservado para Anotações 2"/>
+          <p:cNvSpPr>
+            <a:spLocks noGrp="1"/>
+          </p:cNvSpPr>
+          <p:nvPr>
+            <p:ph type="body" idx="1"/>
+          </p:nvPr>
+        </p:nvSpPr>
+        <p:spPr/>
+        <p:txBody>
+          <a:bodyPr/>
+          <a:lstStyle/>
+          <a:p>
+            <a:endParaRPr lang="pt-BR" dirty="0"/>
+          </a:p>
+        </p:txBody>
+      </p:sp>
+    </p:spTree>
+    <p:extLst>
+      <p:ext uri="{BB962C8B-B14F-4D97-AF65-F5344CB8AC3E}">
+        <p14:creationId xmlns:p14="http://schemas.microsoft.com/office/powerpoint/2010/main" val="471828457"/>
+      </p:ext>
+    </p:extLst>
+  </p:cSld>
+  <p:clrMapOvr>
+    <a:masterClrMapping/>
+  </p:clrMapOvr>
+</p:notes>
+</file>
+
+<file path=ppt/notesSlides/notesSlide9.xml><?xml version="1.0" encoding="utf-8"?>
+<p:notes xmlns:a="http://schemas.openxmlformats.org/drawingml/2006/main" xmlns:r="http://schemas.openxmlformats.org/officeDocument/2006/relationships" xmlns:p="http://schemas.openxmlformats.org/presentationml/2006/main">
+  <p:cSld>
+    <p:spTree>
+      <p:nvGrpSpPr>
+        <p:cNvPr id="1" name=""/>
+        <p:cNvGrpSpPr/>
+        <p:nvPr/>
+      </p:nvGrpSpPr>
+      <p:grpSpPr>
+        <a:xfrm>
+          <a:off x="0" y="0"/>
+          <a:ext cx="0" cy="0"/>
+          <a:chOff x="0" y="0"/>
+          <a:chExt cx="0" cy="0"/>
+        </a:xfrm>
+      </p:grpSpPr>
+      <p:sp>
+        <p:nvSpPr>
+          <p:cNvPr id="2" name="Espaço Reservado para Imagem de Slide 1"/>
+          <p:cNvSpPr>
+            <a:spLocks noGrp="1" noRot="1" noChangeAspect="1"/>
+          </p:cNvSpPr>
+          <p:nvPr>
+            <p:ph type="sldImg"/>
+          </p:nvPr>
+        </p:nvSpPr>
+        <p:spPr>
+          <a:xfrm>
+            <a:off x="381000" y="685800"/>
+            <a:ext cx="6096000" cy="3429000"/>
+          </a:xfrm>
+        </p:spPr>
+      </p:sp>
+      <p:sp>
+        <p:nvSpPr>
+          <p:cNvPr id="3" name="Espaço Reservado para Anotações 2"/>
+          <p:cNvSpPr>
+            <a:spLocks noGrp="1"/>
+          </p:cNvSpPr>
+          <p:nvPr>
+            <p:ph type="body" idx="1"/>
+          </p:nvPr>
+        </p:nvSpPr>
+        <p:spPr/>
+        <p:txBody>
+          <a:bodyPr/>
+          <a:lstStyle/>
+          <a:p>
+            <a:endParaRPr lang="pt-BR" dirty="0"/>
+          </a:p>
+        </p:txBody>
+      </p:sp>
+    </p:spTree>
+    <p:extLst>
+      <p:ext uri="{BB962C8B-B14F-4D97-AF65-F5344CB8AC3E}">
+        <p14:creationId xmlns:p14="http://schemas.microsoft.com/office/powerpoint/2010/main" val="1587017568"/>
       </p:ext>
     </p:extLst>
   </p:cSld>
@@ -3829,6 +4834,3819 @@
 </p:sld>
 </file>
 
+<file path=ppt/slides/slide10.xml><?xml version="1.0" encoding="utf-8"?>
+<p:sld xmlns:a="http://schemas.openxmlformats.org/drawingml/2006/main" xmlns:r="http://schemas.openxmlformats.org/officeDocument/2006/relationships" xmlns:p="http://schemas.openxmlformats.org/presentationml/2006/main">
+  <p:cSld>
+    <p:spTree>
+      <p:nvGrpSpPr>
+        <p:cNvPr id="1" name=""/>
+        <p:cNvGrpSpPr/>
+        <p:nvPr/>
+      </p:nvGrpSpPr>
+      <p:grpSpPr>
+        <a:xfrm>
+          <a:off x="0" y="0"/>
+          <a:ext cx="0" cy="0"/>
+          <a:chOff x="0" y="0"/>
+          <a:chExt cx="0" cy="0"/>
+        </a:xfrm>
+      </p:grpSpPr>
+      <p:sp>
+        <p:nvSpPr>
+          <p:cNvPr id="6" name="Title 1"/>
+          <p:cNvSpPr>
+            <a:spLocks noGrp="1"/>
+          </p:cNvSpPr>
+          <p:nvPr>
+            <p:ph type="title"/>
+          </p:nvPr>
+        </p:nvSpPr>
+        <p:spPr>
+          <a:xfrm>
+            <a:off x="457200" y="205980"/>
+            <a:ext cx="8229600" cy="857251"/>
+          </a:xfrm>
+        </p:spPr>
+        <p:txBody>
+          <a:bodyPr>
+            <a:normAutofit/>
+          </a:bodyPr>
+          <a:lstStyle/>
+          <a:p>
+            <a:r>
+              <a:rPr lang="pt-BR" b="1" dirty="0">
+                <a:solidFill>
+                  <a:srgbClr val="0070C0"/>
+                </a:solidFill>
+              </a:rPr>
+              <a:t>Áreas de Aplicações com Python</a:t>
+            </a:r>
+            <a:endParaRPr lang="en-US" b="1" dirty="0">
+              <a:solidFill>
+                <a:srgbClr val="0070C0"/>
+              </a:solidFill>
+            </a:endParaRPr>
+          </a:p>
+        </p:txBody>
+      </p:sp>
+      <p:sp>
+        <p:nvSpPr>
+          <p:cNvPr id="8" name="Text Placeholder 2"/>
+          <p:cNvSpPr>
+            <a:spLocks noGrp="1"/>
+          </p:cNvSpPr>
+          <p:nvPr>
+            <p:ph type="body" sz="half" idx="1"/>
+          </p:nvPr>
+        </p:nvSpPr>
+        <p:spPr>
+          <a:xfrm>
+            <a:off x="142865" y="1200150"/>
+            <a:ext cx="8865056" cy="3737370"/>
+          </a:xfrm>
+        </p:spPr>
+        <p:txBody>
+          <a:bodyPr>
+            <a:noAutofit/>
+          </a:bodyPr>
+          <a:lstStyle/>
+          <a:p>
+            <a:pPr marL="0" indent="0" algn="just">
+              <a:buNone/>
+            </a:pPr>
+            <a:r>
+              <a:rPr lang="pt-BR" sz="2000" b="1" dirty="0">
+                <a:latin typeface="Times New Roman" panose="02020603050405020304" pitchFamily="18" charset="0"/>
+                <a:cs typeface="Times New Roman" panose="02020603050405020304" pitchFamily="18" charset="0"/>
+              </a:rPr>
+              <a:t>Área de dados em Python</a:t>
+            </a:r>
+          </a:p>
+          <a:p>
+            <a:pPr marL="0" indent="0" algn="just">
+              <a:buNone/>
+            </a:pPr>
+            <a:endParaRPr lang="pt-BR" sz="2000" dirty="0">
+              <a:latin typeface="Times New Roman" panose="02020603050405020304" pitchFamily="18" charset="0"/>
+              <a:cs typeface="Times New Roman" panose="02020603050405020304" pitchFamily="18" charset="0"/>
+            </a:endParaRPr>
+          </a:p>
+          <a:p>
+            <a:pPr algn="just">
+              <a:buFont typeface="Wingdings" panose="05000000000000000000" pitchFamily="2" charset="2"/>
+              <a:buChar char="§"/>
+            </a:pPr>
+            <a:r>
+              <a:rPr lang="pt-BR" sz="1800" b="1" dirty="0">
+                <a:solidFill>
+                  <a:srgbClr val="FF0000"/>
+                </a:solidFill>
+                <a:latin typeface="Times New Roman" panose="02020603050405020304" pitchFamily="18" charset="0"/>
+                <a:cs typeface="Times New Roman" panose="02020603050405020304" pitchFamily="18" charset="0"/>
+              </a:rPr>
+              <a:t>Pandas e </a:t>
+            </a:r>
+            <a:r>
+              <a:rPr lang="pt-BR" sz="1800" b="1" dirty="0" err="1">
+                <a:solidFill>
+                  <a:srgbClr val="FF0000"/>
+                </a:solidFill>
+                <a:latin typeface="Times New Roman" panose="02020603050405020304" pitchFamily="18" charset="0"/>
+                <a:cs typeface="Times New Roman" panose="02020603050405020304" pitchFamily="18" charset="0"/>
+              </a:rPr>
+              <a:t>Numpy</a:t>
+            </a:r>
+            <a:r>
+              <a:rPr lang="pt-BR" sz="1800" b="1" dirty="0">
+                <a:solidFill>
+                  <a:srgbClr val="FF0000"/>
+                </a:solidFill>
+                <a:latin typeface="Times New Roman" panose="02020603050405020304" pitchFamily="18" charset="0"/>
+                <a:cs typeface="Times New Roman" panose="02020603050405020304" pitchFamily="18" charset="0"/>
+              </a:rPr>
+              <a:t> </a:t>
+            </a:r>
+            <a:r>
+              <a:rPr lang="pt-BR" sz="1800" dirty="0">
+                <a:latin typeface="Times New Roman" panose="02020603050405020304" pitchFamily="18" charset="0"/>
+                <a:cs typeface="Times New Roman" panose="02020603050405020304" pitchFamily="18" charset="0"/>
+              </a:rPr>
+              <a:t>→ Uma das funções do </a:t>
+            </a:r>
+            <a:r>
+              <a:rPr lang="pt-BR" sz="1800" b="1" dirty="0">
+                <a:latin typeface="Times New Roman" panose="02020603050405020304" pitchFamily="18" charset="0"/>
+                <a:cs typeface="Times New Roman" panose="02020603050405020304" pitchFamily="18" charset="0"/>
+              </a:rPr>
+              <a:t>Pandas</a:t>
+            </a:r>
+            <a:r>
+              <a:rPr lang="pt-BR" sz="1800" dirty="0">
+                <a:latin typeface="Times New Roman" panose="02020603050405020304" pitchFamily="18" charset="0"/>
+                <a:cs typeface="Times New Roman" panose="02020603050405020304" pitchFamily="18" charset="0"/>
+              </a:rPr>
+              <a:t> é permitir integrar o Python com o Excel, além de outras integrações com o </a:t>
+            </a:r>
+            <a:r>
+              <a:rPr lang="pt-BR" sz="1800" b="1" dirty="0" err="1">
+                <a:latin typeface="Times New Roman" panose="02020603050405020304" pitchFamily="18" charset="0"/>
+                <a:cs typeface="Times New Roman" panose="02020603050405020304" pitchFamily="18" charset="0"/>
+              </a:rPr>
+              <a:t>Numpy</a:t>
+            </a:r>
+            <a:r>
+              <a:rPr lang="pt-BR" sz="1800" dirty="0">
+                <a:latin typeface="Times New Roman" panose="02020603050405020304" pitchFamily="18" charset="0"/>
+                <a:cs typeface="Times New Roman" panose="02020603050405020304" pitchFamily="18" charset="0"/>
+              </a:rPr>
+              <a:t> que consegue otimizar, trabalhando com um grande volume de dados.</a:t>
+            </a:r>
+          </a:p>
+          <a:p>
+            <a:pPr algn="just">
+              <a:buFont typeface="Wingdings" panose="05000000000000000000" pitchFamily="2" charset="2"/>
+              <a:buChar char="§"/>
+            </a:pPr>
+            <a:endParaRPr lang="pt-BR" sz="1800" dirty="0">
+              <a:latin typeface="Times New Roman" panose="02020603050405020304" pitchFamily="18" charset="0"/>
+              <a:cs typeface="Times New Roman" panose="02020603050405020304" pitchFamily="18" charset="0"/>
+            </a:endParaRPr>
+          </a:p>
+          <a:p>
+            <a:pPr algn="just">
+              <a:buFont typeface="Wingdings" panose="05000000000000000000" pitchFamily="2" charset="2"/>
+              <a:buChar char="§"/>
+            </a:pPr>
+            <a:r>
+              <a:rPr lang="pt-BR" sz="1800" b="1" dirty="0">
+                <a:solidFill>
+                  <a:srgbClr val="FF0000"/>
+                </a:solidFill>
+                <a:latin typeface="Times New Roman" panose="02020603050405020304" pitchFamily="18" charset="0"/>
+                <a:cs typeface="Times New Roman" panose="02020603050405020304" pitchFamily="18" charset="0"/>
+              </a:rPr>
+              <a:t>Gráficos</a:t>
+            </a:r>
+            <a:r>
+              <a:rPr lang="pt-BR" sz="1800" dirty="0">
+                <a:latin typeface="Times New Roman" panose="02020603050405020304" pitchFamily="18" charset="0"/>
+                <a:cs typeface="Times New Roman" panose="02020603050405020304" pitchFamily="18" charset="0"/>
+              </a:rPr>
+              <a:t> → Dominar bibliotecas de gráficos.</a:t>
+            </a:r>
+          </a:p>
+          <a:p>
+            <a:pPr algn="just">
+              <a:buFont typeface="Wingdings" panose="05000000000000000000" pitchFamily="2" charset="2"/>
+              <a:buChar char="§"/>
+            </a:pPr>
+            <a:endParaRPr lang="pt-BR" sz="1800" dirty="0">
+              <a:latin typeface="Times New Roman" panose="02020603050405020304" pitchFamily="18" charset="0"/>
+              <a:cs typeface="Times New Roman" panose="02020603050405020304" pitchFamily="18" charset="0"/>
+            </a:endParaRPr>
+          </a:p>
+          <a:p>
+            <a:pPr algn="just">
+              <a:buFont typeface="Wingdings" panose="05000000000000000000" pitchFamily="2" charset="2"/>
+              <a:buChar char="§"/>
+            </a:pPr>
+            <a:r>
+              <a:rPr lang="pt-BR" sz="1800" b="1" dirty="0">
+                <a:solidFill>
+                  <a:srgbClr val="FF0000"/>
+                </a:solidFill>
+                <a:latin typeface="Times New Roman" panose="02020603050405020304" pitchFamily="18" charset="0"/>
+                <a:cs typeface="Times New Roman" panose="02020603050405020304" pitchFamily="18" charset="0"/>
+              </a:rPr>
+              <a:t>Dashboards</a:t>
+            </a:r>
+            <a:r>
+              <a:rPr lang="pt-BR" sz="1800" dirty="0">
+                <a:latin typeface="Times New Roman" panose="02020603050405020304" pitchFamily="18" charset="0"/>
+                <a:cs typeface="Times New Roman" panose="02020603050405020304" pitchFamily="18" charset="0"/>
+              </a:rPr>
+              <a:t> → Para trabalhar com Dashboards você vai precisar integrar o Python com o Power BI ou utilizar bibliotecas especializadas do Python que podem ir além, criando pequenos sites visuais para sua apresentação.</a:t>
+            </a:r>
+          </a:p>
+        </p:txBody>
+      </p:sp>
+    </p:spTree>
+    <p:extLst>
+      <p:ext uri="{BB962C8B-B14F-4D97-AF65-F5344CB8AC3E}">
+        <p14:creationId xmlns:p14="http://schemas.microsoft.com/office/powerpoint/2010/main" val="554931909"/>
+      </p:ext>
+    </p:extLst>
+  </p:cSld>
+  <p:clrMapOvr>
+    <a:masterClrMapping/>
+  </p:clrMapOvr>
+  <p:transition spd="med"/>
+</p:sld>
+</file>
+
+<file path=ppt/slides/slide11.xml><?xml version="1.0" encoding="utf-8"?>
+<p:sld xmlns:a="http://schemas.openxmlformats.org/drawingml/2006/main" xmlns:r="http://schemas.openxmlformats.org/officeDocument/2006/relationships" xmlns:p="http://schemas.openxmlformats.org/presentationml/2006/main">
+  <p:cSld>
+    <p:spTree>
+      <p:nvGrpSpPr>
+        <p:cNvPr id="1" name=""/>
+        <p:cNvGrpSpPr/>
+        <p:nvPr/>
+      </p:nvGrpSpPr>
+      <p:grpSpPr>
+        <a:xfrm>
+          <a:off x="0" y="0"/>
+          <a:ext cx="0" cy="0"/>
+          <a:chOff x="0" y="0"/>
+          <a:chExt cx="0" cy="0"/>
+        </a:xfrm>
+      </p:grpSpPr>
+      <p:sp>
+        <p:nvSpPr>
+          <p:cNvPr id="6" name="Title 1"/>
+          <p:cNvSpPr>
+            <a:spLocks noGrp="1"/>
+          </p:cNvSpPr>
+          <p:nvPr>
+            <p:ph type="title"/>
+          </p:nvPr>
+        </p:nvSpPr>
+        <p:spPr>
+          <a:xfrm>
+            <a:off x="457200" y="205980"/>
+            <a:ext cx="8229600" cy="857251"/>
+          </a:xfrm>
+        </p:spPr>
+        <p:txBody>
+          <a:bodyPr>
+            <a:normAutofit/>
+          </a:bodyPr>
+          <a:lstStyle/>
+          <a:p>
+            <a:r>
+              <a:rPr lang="pt-BR" b="1" dirty="0">
+                <a:solidFill>
+                  <a:srgbClr val="0070C0"/>
+                </a:solidFill>
+              </a:rPr>
+              <a:t>Áreas de Aplicações com Python</a:t>
+            </a:r>
+            <a:endParaRPr lang="en-US" b="1" dirty="0">
+              <a:solidFill>
+                <a:srgbClr val="0070C0"/>
+              </a:solidFill>
+            </a:endParaRPr>
+          </a:p>
+        </p:txBody>
+      </p:sp>
+      <p:sp>
+        <p:nvSpPr>
+          <p:cNvPr id="8" name="Text Placeholder 2"/>
+          <p:cNvSpPr>
+            <a:spLocks noGrp="1"/>
+          </p:cNvSpPr>
+          <p:nvPr>
+            <p:ph type="body" sz="half" idx="1"/>
+          </p:nvPr>
+        </p:nvSpPr>
+        <p:spPr>
+          <a:xfrm>
+            <a:off x="142865" y="1029462"/>
+            <a:ext cx="8865056" cy="3908058"/>
+          </a:xfrm>
+        </p:spPr>
+        <p:txBody>
+          <a:bodyPr>
+            <a:noAutofit/>
+          </a:bodyPr>
+          <a:lstStyle/>
+          <a:p>
+            <a:pPr marL="0" indent="0" algn="just">
+              <a:buNone/>
+            </a:pPr>
+            <a:r>
+              <a:rPr lang="pt-BR" sz="2000" b="1" dirty="0">
+                <a:latin typeface="Times New Roman" panose="02020603050405020304" pitchFamily="18" charset="0"/>
+                <a:cs typeface="Times New Roman" panose="02020603050405020304" pitchFamily="18" charset="0"/>
+              </a:rPr>
+              <a:t>Inteligência Artificial</a:t>
+            </a:r>
+          </a:p>
+          <a:p>
+            <a:pPr marL="0" indent="0" algn="just">
+              <a:buNone/>
+            </a:pPr>
+            <a:endParaRPr lang="pt-BR" sz="2000" dirty="0">
+              <a:latin typeface="Times New Roman" panose="02020603050405020304" pitchFamily="18" charset="0"/>
+              <a:cs typeface="Times New Roman" panose="02020603050405020304" pitchFamily="18" charset="0"/>
+            </a:endParaRPr>
+          </a:p>
+          <a:p>
+            <a:pPr marL="0" indent="0" algn="just">
+              <a:buNone/>
+            </a:pPr>
+            <a:r>
+              <a:rPr lang="pt-BR" sz="2000" b="1" dirty="0" err="1">
+                <a:solidFill>
+                  <a:srgbClr val="FF0000"/>
+                </a:solidFill>
+                <a:latin typeface="Times New Roman" panose="02020603050405020304" pitchFamily="18" charset="0"/>
+                <a:cs typeface="Times New Roman" panose="02020603050405020304" pitchFamily="18" charset="0"/>
+              </a:rPr>
+              <a:t>ScikitLearn</a:t>
+            </a:r>
+            <a:r>
+              <a:rPr lang="pt-BR" sz="2000" dirty="0">
+                <a:latin typeface="Times New Roman" panose="02020603050405020304" pitchFamily="18" charset="0"/>
+                <a:cs typeface="Times New Roman" panose="02020603050405020304" pitchFamily="18" charset="0"/>
+              </a:rPr>
+              <a:t> → Esta é a primeira grande biblioteca de inteligência artificial, dependendo da área de inteligência artificial que você queira atuar vão existir outras bibliotecas como: </a:t>
+            </a:r>
+            <a:r>
+              <a:rPr lang="pt-BR" sz="2000" dirty="0">
+                <a:solidFill>
+                  <a:srgbClr val="002060"/>
+                </a:solidFill>
+                <a:latin typeface="Times New Roman" panose="02020603050405020304" pitchFamily="18" charset="0"/>
+                <a:cs typeface="Times New Roman" panose="02020603050405020304" pitchFamily="18" charset="0"/>
+              </a:rPr>
+              <a:t>Cada uma dessas bibliotecas é especializada em uma área diferente</a:t>
+            </a:r>
+            <a:r>
+              <a:rPr lang="pt-BR" sz="2000" dirty="0">
+                <a:latin typeface="Times New Roman" panose="02020603050405020304" pitchFamily="18" charset="0"/>
+                <a:cs typeface="Times New Roman" panose="02020603050405020304" pitchFamily="18" charset="0"/>
+              </a:rPr>
+              <a:t>.</a:t>
+            </a:r>
+          </a:p>
+          <a:p>
+            <a:pPr marL="0" indent="0" algn="just">
+              <a:buNone/>
+            </a:pPr>
+            <a:endParaRPr lang="pt-BR" sz="2000" dirty="0">
+              <a:latin typeface="Times New Roman" panose="02020603050405020304" pitchFamily="18" charset="0"/>
+              <a:cs typeface="Times New Roman" panose="02020603050405020304" pitchFamily="18" charset="0"/>
+            </a:endParaRPr>
+          </a:p>
+          <a:p>
+            <a:pPr algn="just">
+              <a:buFont typeface="Wingdings" panose="05000000000000000000" pitchFamily="2" charset="2"/>
+              <a:buChar char="§"/>
+            </a:pPr>
+            <a:r>
+              <a:rPr lang="pt-BR" sz="1800" dirty="0" err="1">
+                <a:latin typeface="Times New Roman" panose="02020603050405020304" pitchFamily="18" charset="0"/>
+                <a:cs typeface="Times New Roman" panose="02020603050405020304" pitchFamily="18" charset="0"/>
+              </a:rPr>
+              <a:t>TensorFlow</a:t>
+            </a:r>
+            <a:endParaRPr lang="pt-BR" sz="1800" dirty="0">
+              <a:latin typeface="Times New Roman" panose="02020603050405020304" pitchFamily="18" charset="0"/>
+              <a:cs typeface="Times New Roman" panose="02020603050405020304" pitchFamily="18" charset="0"/>
+            </a:endParaRPr>
+          </a:p>
+          <a:p>
+            <a:pPr algn="just">
+              <a:buFont typeface="Wingdings" panose="05000000000000000000" pitchFamily="2" charset="2"/>
+              <a:buChar char="§"/>
+            </a:pPr>
+            <a:r>
+              <a:rPr lang="pt-BR" sz="1800" dirty="0" err="1">
+                <a:latin typeface="Times New Roman" panose="02020603050405020304" pitchFamily="18" charset="0"/>
+                <a:cs typeface="Times New Roman" panose="02020603050405020304" pitchFamily="18" charset="0"/>
+              </a:rPr>
+              <a:t>Keras</a:t>
+            </a:r>
+            <a:endParaRPr lang="pt-BR" sz="1800" dirty="0">
+              <a:latin typeface="Times New Roman" panose="02020603050405020304" pitchFamily="18" charset="0"/>
+              <a:cs typeface="Times New Roman" panose="02020603050405020304" pitchFamily="18" charset="0"/>
+            </a:endParaRPr>
+          </a:p>
+          <a:p>
+            <a:pPr algn="just">
+              <a:buFont typeface="Wingdings" panose="05000000000000000000" pitchFamily="2" charset="2"/>
+              <a:buChar char="§"/>
+            </a:pPr>
+            <a:r>
+              <a:rPr lang="pt-BR" sz="1800" dirty="0" err="1">
+                <a:latin typeface="Times New Roman" panose="02020603050405020304" pitchFamily="18" charset="0"/>
+                <a:cs typeface="Times New Roman" panose="02020603050405020304" pitchFamily="18" charset="0"/>
+              </a:rPr>
+              <a:t>Nitk</a:t>
+            </a:r>
+            <a:endParaRPr lang="pt-BR" sz="1800" dirty="0">
+              <a:latin typeface="Times New Roman" panose="02020603050405020304" pitchFamily="18" charset="0"/>
+              <a:cs typeface="Times New Roman" panose="02020603050405020304" pitchFamily="18" charset="0"/>
+            </a:endParaRPr>
+          </a:p>
+          <a:p>
+            <a:pPr algn="just">
+              <a:buFont typeface="Wingdings" panose="05000000000000000000" pitchFamily="2" charset="2"/>
+              <a:buChar char="§"/>
+            </a:pPr>
+            <a:r>
+              <a:rPr lang="pt-BR" sz="1800" dirty="0" err="1">
+                <a:latin typeface="Times New Roman" panose="02020603050405020304" pitchFamily="18" charset="0"/>
+                <a:cs typeface="Times New Roman" panose="02020603050405020304" pitchFamily="18" charset="0"/>
+              </a:rPr>
+              <a:t>PyTorch</a:t>
+            </a:r>
+            <a:endParaRPr lang="pt-BR" sz="1800" dirty="0">
+              <a:latin typeface="Times New Roman" panose="02020603050405020304" pitchFamily="18" charset="0"/>
+              <a:cs typeface="Times New Roman" panose="02020603050405020304" pitchFamily="18" charset="0"/>
+            </a:endParaRPr>
+          </a:p>
+          <a:p>
+            <a:pPr algn="just">
+              <a:buFont typeface="Wingdings" panose="05000000000000000000" pitchFamily="2" charset="2"/>
+              <a:buChar char="§"/>
+            </a:pPr>
+            <a:r>
+              <a:rPr lang="pt-BR" sz="1800" dirty="0" err="1">
+                <a:latin typeface="Times New Roman" panose="02020603050405020304" pitchFamily="18" charset="0"/>
+                <a:cs typeface="Times New Roman" panose="02020603050405020304" pitchFamily="18" charset="0"/>
+              </a:rPr>
+              <a:t>OpenCV</a:t>
+            </a:r>
+            <a:endParaRPr lang="pt-BR" sz="1800" dirty="0">
+              <a:latin typeface="Times New Roman" panose="02020603050405020304" pitchFamily="18" charset="0"/>
+              <a:cs typeface="Times New Roman" panose="02020603050405020304" pitchFamily="18" charset="0"/>
+            </a:endParaRPr>
+          </a:p>
+        </p:txBody>
+      </p:sp>
+    </p:spTree>
+    <p:extLst>
+      <p:ext uri="{BB962C8B-B14F-4D97-AF65-F5344CB8AC3E}">
+        <p14:creationId xmlns:p14="http://schemas.microsoft.com/office/powerpoint/2010/main" val="3450331513"/>
+      </p:ext>
+    </p:extLst>
+  </p:cSld>
+  <p:clrMapOvr>
+    <a:masterClrMapping/>
+  </p:clrMapOvr>
+  <p:transition spd="med"/>
+</p:sld>
+</file>
+
+<file path=ppt/slides/slide12.xml><?xml version="1.0" encoding="utf-8"?>
+<p:sld xmlns:a="http://schemas.openxmlformats.org/drawingml/2006/main" xmlns:r="http://schemas.openxmlformats.org/officeDocument/2006/relationships" xmlns:p="http://schemas.openxmlformats.org/presentationml/2006/main">
+  <p:cSld>
+    <p:spTree>
+      <p:nvGrpSpPr>
+        <p:cNvPr id="1" name=""/>
+        <p:cNvGrpSpPr/>
+        <p:nvPr/>
+      </p:nvGrpSpPr>
+      <p:grpSpPr>
+        <a:xfrm>
+          <a:off x="0" y="0"/>
+          <a:ext cx="0" cy="0"/>
+          <a:chOff x="0" y="0"/>
+          <a:chExt cx="0" cy="0"/>
+        </a:xfrm>
+      </p:grpSpPr>
+      <p:sp>
+        <p:nvSpPr>
+          <p:cNvPr id="6" name="Title 1"/>
+          <p:cNvSpPr>
+            <a:spLocks noGrp="1"/>
+          </p:cNvSpPr>
+          <p:nvPr>
+            <p:ph type="title"/>
+          </p:nvPr>
+        </p:nvSpPr>
+        <p:spPr>
+          <a:xfrm>
+            <a:off x="457200" y="205980"/>
+            <a:ext cx="8229600" cy="857251"/>
+          </a:xfrm>
+        </p:spPr>
+        <p:txBody>
+          <a:bodyPr>
+            <a:normAutofit/>
+          </a:bodyPr>
+          <a:lstStyle/>
+          <a:p>
+            <a:r>
+              <a:rPr lang="pt-BR" b="1" dirty="0">
+                <a:solidFill>
+                  <a:srgbClr val="0070C0"/>
+                </a:solidFill>
+              </a:rPr>
+              <a:t>Áreas de Aplicações com Python</a:t>
+            </a:r>
+            <a:endParaRPr lang="en-US" b="1" dirty="0">
+              <a:solidFill>
+                <a:srgbClr val="0070C0"/>
+              </a:solidFill>
+            </a:endParaRPr>
+          </a:p>
+        </p:txBody>
+      </p:sp>
+      <p:sp>
+        <p:nvSpPr>
+          <p:cNvPr id="8" name="Text Placeholder 2"/>
+          <p:cNvSpPr>
+            <a:spLocks noGrp="1"/>
+          </p:cNvSpPr>
+          <p:nvPr>
+            <p:ph type="body" sz="half" idx="1"/>
+          </p:nvPr>
+        </p:nvSpPr>
+        <p:spPr>
+          <a:xfrm>
+            <a:off x="142865" y="1200150"/>
+            <a:ext cx="8865056" cy="3737370"/>
+          </a:xfrm>
+        </p:spPr>
+        <p:txBody>
+          <a:bodyPr>
+            <a:noAutofit/>
+          </a:bodyPr>
+          <a:lstStyle/>
+          <a:p>
+            <a:pPr marL="0" indent="0" algn="just">
+              <a:buNone/>
+            </a:pPr>
+            <a:r>
+              <a:rPr lang="pt-BR" sz="2000" b="1" dirty="0">
+                <a:latin typeface="Times New Roman" panose="02020603050405020304" pitchFamily="18" charset="0"/>
+                <a:cs typeface="Times New Roman" panose="02020603050405020304" pitchFamily="18" charset="0"/>
+              </a:rPr>
+              <a:t>Criação de sistemas Web /</a:t>
+            </a:r>
+            <a:r>
+              <a:rPr lang="pt-BR" sz="2000" dirty="0">
+                <a:latin typeface="Times New Roman" panose="02020603050405020304" pitchFamily="18" charset="0"/>
+                <a:cs typeface="Times New Roman" panose="02020603050405020304" pitchFamily="18" charset="0"/>
+              </a:rPr>
+              <a:t> </a:t>
+            </a:r>
+            <a:r>
+              <a:rPr lang="pt-BR" sz="2000" b="1" dirty="0">
+                <a:latin typeface="Times New Roman" panose="02020603050405020304" pitchFamily="18" charset="0"/>
+                <a:cs typeface="Times New Roman" panose="02020603050405020304" pitchFamily="18" charset="0"/>
+              </a:rPr>
+              <a:t>Criação de sites com Python</a:t>
+            </a:r>
+          </a:p>
+          <a:p>
+            <a:pPr marL="0" indent="0" algn="just">
+              <a:buNone/>
+            </a:pPr>
+            <a:endParaRPr lang="pt-BR" sz="2000" dirty="0">
+              <a:latin typeface="Times New Roman" panose="02020603050405020304" pitchFamily="18" charset="0"/>
+              <a:cs typeface="Times New Roman" panose="02020603050405020304" pitchFamily="18" charset="0"/>
+            </a:endParaRPr>
+          </a:p>
+          <a:p>
+            <a:pPr marL="0" indent="0" algn="just">
+              <a:buNone/>
+            </a:pPr>
+            <a:r>
+              <a:rPr lang="pt-BR" sz="2000" dirty="0">
+                <a:latin typeface="Times New Roman" panose="02020603050405020304" pitchFamily="18" charset="0"/>
+                <a:cs typeface="Times New Roman" panose="02020603050405020304" pitchFamily="18" charset="0"/>
+              </a:rPr>
+              <a:t>Frameworks que geralmente as empresas trabalham para a criação de sites e APIs:</a:t>
+            </a:r>
+          </a:p>
+          <a:p>
+            <a:pPr marL="0" indent="0" algn="just">
+              <a:buNone/>
+            </a:pPr>
+            <a:endParaRPr lang="pt-BR" sz="2000" dirty="0">
+              <a:latin typeface="Times New Roman" panose="02020603050405020304" pitchFamily="18" charset="0"/>
+              <a:cs typeface="Times New Roman" panose="02020603050405020304" pitchFamily="18" charset="0"/>
+            </a:endParaRPr>
+          </a:p>
+          <a:p>
+            <a:pPr algn="just">
+              <a:buFont typeface="Wingdings" panose="05000000000000000000" pitchFamily="2" charset="2"/>
+              <a:buChar char="§"/>
+            </a:pPr>
+            <a:r>
+              <a:rPr lang="pt-BR" sz="1800" b="1" dirty="0">
+                <a:solidFill>
+                  <a:srgbClr val="FF0000"/>
+                </a:solidFill>
+                <a:latin typeface="Times New Roman" panose="02020603050405020304" pitchFamily="18" charset="0"/>
+                <a:cs typeface="Times New Roman" panose="02020603050405020304" pitchFamily="18" charset="0"/>
+              </a:rPr>
+              <a:t>Django</a:t>
+            </a:r>
+          </a:p>
+          <a:p>
+            <a:pPr algn="just">
+              <a:buFont typeface="Wingdings" panose="05000000000000000000" pitchFamily="2" charset="2"/>
+              <a:buChar char="§"/>
+            </a:pPr>
+            <a:r>
+              <a:rPr lang="pt-BR" sz="1800" b="1" dirty="0" err="1">
+                <a:solidFill>
+                  <a:srgbClr val="FF0000"/>
+                </a:solidFill>
+                <a:latin typeface="Times New Roman" panose="02020603050405020304" pitchFamily="18" charset="0"/>
+                <a:cs typeface="Times New Roman" panose="02020603050405020304" pitchFamily="18" charset="0"/>
+              </a:rPr>
+              <a:t>Flask</a:t>
+            </a:r>
+            <a:endParaRPr lang="pt-BR" sz="1800" b="1" dirty="0">
+              <a:solidFill>
+                <a:srgbClr val="FF0000"/>
+              </a:solidFill>
+              <a:latin typeface="Times New Roman" panose="02020603050405020304" pitchFamily="18" charset="0"/>
+              <a:cs typeface="Times New Roman" panose="02020603050405020304" pitchFamily="18" charset="0"/>
+            </a:endParaRPr>
+          </a:p>
+          <a:p>
+            <a:pPr algn="just">
+              <a:buFont typeface="Wingdings" panose="05000000000000000000" pitchFamily="2" charset="2"/>
+              <a:buChar char="§"/>
+            </a:pPr>
+            <a:r>
+              <a:rPr lang="pt-BR" sz="1800" b="1" dirty="0" err="1">
+                <a:solidFill>
+                  <a:srgbClr val="FF0000"/>
+                </a:solidFill>
+                <a:latin typeface="Times New Roman" panose="02020603050405020304" pitchFamily="18" charset="0"/>
+                <a:cs typeface="Times New Roman" panose="02020603050405020304" pitchFamily="18" charset="0"/>
+              </a:rPr>
+              <a:t>FastAPI</a:t>
+            </a:r>
+            <a:endParaRPr lang="pt-BR" sz="1800" b="1" dirty="0">
+              <a:solidFill>
+                <a:srgbClr val="FF0000"/>
+              </a:solidFill>
+              <a:latin typeface="Times New Roman" panose="02020603050405020304" pitchFamily="18" charset="0"/>
+              <a:cs typeface="Times New Roman" panose="02020603050405020304" pitchFamily="18" charset="0"/>
+            </a:endParaRPr>
+          </a:p>
+          <a:p>
+            <a:pPr marL="0" indent="0" algn="just">
+              <a:buNone/>
+            </a:pPr>
+            <a:endParaRPr lang="pt-BR" sz="2000" dirty="0">
+              <a:latin typeface="Times New Roman" panose="02020603050405020304" pitchFamily="18" charset="0"/>
+              <a:cs typeface="Times New Roman" panose="02020603050405020304" pitchFamily="18" charset="0"/>
+            </a:endParaRPr>
+          </a:p>
+          <a:p>
+            <a:pPr marL="0" indent="0" algn="just">
+              <a:buNone/>
+            </a:pPr>
+            <a:r>
+              <a:rPr lang="pt-BR" sz="2000" dirty="0">
+                <a:latin typeface="Times New Roman" panose="02020603050405020304" pitchFamily="18" charset="0"/>
+                <a:cs typeface="Times New Roman" panose="02020603050405020304" pitchFamily="18" charset="0"/>
+              </a:rPr>
+              <a:t>O ideal é que você domine muito bem pelo menos um deles e tenha uma boa noção do outro.</a:t>
+            </a:r>
+          </a:p>
+        </p:txBody>
+      </p:sp>
+    </p:spTree>
+    <p:extLst>
+      <p:ext uri="{BB962C8B-B14F-4D97-AF65-F5344CB8AC3E}">
+        <p14:creationId xmlns:p14="http://schemas.microsoft.com/office/powerpoint/2010/main" val="3771568055"/>
+      </p:ext>
+    </p:extLst>
+  </p:cSld>
+  <p:clrMapOvr>
+    <a:masterClrMapping/>
+  </p:clrMapOvr>
+  <p:transition spd="med"/>
+</p:sld>
+</file>
+
+<file path=ppt/slides/slide13.xml><?xml version="1.0" encoding="utf-8"?>
+<p:sld xmlns:a="http://schemas.openxmlformats.org/drawingml/2006/main" xmlns:r="http://schemas.openxmlformats.org/officeDocument/2006/relationships" xmlns:p="http://schemas.openxmlformats.org/presentationml/2006/main">
+  <p:cSld>
+    <p:spTree>
+      <p:nvGrpSpPr>
+        <p:cNvPr id="1" name=""/>
+        <p:cNvGrpSpPr/>
+        <p:nvPr/>
+      </p:nvGrpSpPr>
+      <p:grpSpPr>
+        <a:xfrm>
+          <a:off x="0" y="0"/>
+          <a:ext cx="0" cy="0"/>
+          <a:chOff x="0" y="0"/>
+          <a:chExt cx="0" cy="0"/>
+        </a:xfrm>
+      </p:grpSpPr>
+      <p:sp>
+        <p:nvSpPr>
+          <p:cNvPr id="6" name="Title 1"/>
+          <p:cNvSpPr>
+            <a:spLocks noGrp="1"/>
+          </p:cNvSpPr>
+          <p:nvPr>
+            <p:ph type="title"/>
+          </p:nvPr>
+        </p:nvSpPr>
+        <p:spPr>
+          <a:xfrm>
+            <a:off x="457200" y="205980"/>
+            <a:ext cx="8229600" cy="857251"/>
+          </a:xfrm>
+        </p:spPr>
+        <p:txBody>
+          <a:bodyPr>
+            <a:normAutofit/>
+          </a:bodyPr>
+          <a:lstStyle/>
+          <a:p>
+            <a:r>
+              <a:rPr lang="pt-BR" b="1" dirty="0">
+                <a:solidFill>
+                  <a:srgbClr val="0070C0"/>
+                </a:solidFill>
+              </a:rPr>
+              <a:t>Áreas de Aplicações com Python</a:t>
+            </a:r>
+            <a:endParaRPr lang="en-US" b="1" dirty="0">
+              <a:solidFill>
+                <a:srgbClr val="0070C0"/>
+              </a:solidFill>
+            </a:endParaRPr>
+          </a:p>
+        </p:txBody>
+      </p:sp>
+      <p:sp>
+        <p:nvSpPr>
+          <p:cNvPr id="8" name="Text Placeholder 2"/>
+          <p:cNvSpPr>
+            <a:spLocks noGrp="1"/>
+          </p:cNvSpPr>
+          <p:nvPr>
+            <p:ph type="body" sz="half" idx="1"/>
+          </p:nvPr>
+        </p:nvSpPr>
+        <p:spPr>
+          <a:xfrm>
+            <a:off x="142865" y="1053846"/>
+            <a:ext cx="8865056" cy="3969258"/>
+          </a:xfrm>
+        </p:spPr>
+        <p:txBody>
+          <a:bodyPr>
+            <a:noAutofit/>
+          </a:bodyPr>
+          <a:lstStyle/>
+          <a:p>
+            <a:pPr marL="0" indent="0" algn="just">
+              <a:buNone/>
+            </a:pPr>
+            <a:r>
+              <a:rPr lang="pt-BR" sz="2000" b="1" dirty="0">
+                <a:latin typeface="Times New Roman" panose="02020603050405020304" pitchFamily="18" charset="0"/>
+                <a:cs typeface="Times New Roman" panose="02020603050405020304" pitchFamily="18" charset="0"/>
+              </a:rPr>
+              <a:t>Criação de sistemas para rodar dentro do computador – Aplicativos</a:t>
+            </a:r>
+            <a:endParaRPr lang="pt-BR" sz="2000" dirty="0">
+              <a:latin typeface="Times New Roman" panose="02020603050405020304" pitchFamily="18" charset="0"/>
+              <a:cs typeface="Times New Roman" panose="02020603050405020304" pitchFamily="18" charset="0"/>
+            </a:endParaRPr>
+          </a:p>
+          <a:p>
+            <a:pPr marL="0" indent="0" algn="just">
+              <a:buNone/>
+            </a:pPr>
+            <a:endParaRPr lang="pt-BR" sz="2000" dirty="0">
+              <a:latin typeface="Times New Roman" panose="02020603050405020304" pitchFamily="18" charset="0"/>
+              <a:cs typeface="Times New Roman" panose="02020603050405020304" pitchFamily="18" charset="0"/>
+            </a:endParaRPr>
+          </a:p>
+          <a:p>
+            <a:pPr marL="0" indent="0" algn="just">
+              <a:buNone/>
+            </a:pPr>
+            <a:r>
+              <a:rPr lang="pt-BR" sz="2000" dirty="0">
+                <a:latin typeface="Times New Roman" panose="02020603050405020304" pitchFamily="18" charset="0"/>
+                <a:cs typeface="Times New Roman" panose="02020603050405020304" pitchFamily="18" charset="0"/>
+              </a:rPr>
+              <a:t>No Python a mesma aplicação que faz o APP faz também o programa. Criar um único programa que consegue rodar no computador, no IOS, no androide, etc.</a:t>
+            </a:r>
+          </a:p>
+          <a:p>
+            <a:pPr marL="0" indent="0" algn="just">
+              <a:buNone/>
+            </a:pPr>
+            <a:endParaRPr lang="pt-BR" sz="2000" dirty="0">
+              <a:latin typeface="Times New Roman" panose="02020603050405020304" pitchFamily="18" charset="0"/>
+              <a:cs typeface="Times New Roman" panose="02020603050405020304" pitchFamily="18" charset="0"/>
+            </a:endParaRPr>
+          </a:p>
+          <a:p>
+            <a:pPr marL="0" indent="0" algn="just">
+              <a:buNone/>
+            </a:pPr>
+            <a:r>
+              <a:rPr lang="pt-BR" sz="1800" b="1" dirty="0" err="1">
+                <a:solidFill>
+                  <a:srgbClr val="FF0000"/>
+                </a:solidFill>
+                <a:latin typeface="Times New Roman" panose="02020603050405020304" pitchFamily="18" charset="0"/>
+                <a:cs typeface="Times New Roman" panose="02020603050405020304" pitchFamily="18" charset="0"/>
+              </a:rPr>
+              <a:t>Kivy</a:t>
+            </a:r>
+            <a:r>
+              <a:rPr lang="pt-BR" sz="1800" dirty="0">
+                <a:latin typeface="Times New Roman" panose="02020603050405020304" pitchFamily="18" charset="0"/>
+                <a:cs typeface="Times New Roman" panose="02020603050405020304" pitchFamily="18" charset="0"/>
+              </a:rPr>
+              <a:t> -&gt; Cria programas para rodar dentro do seu PC, aplicativos para celular, esta aplicação faz tanto a tela quanto a parte de códigos por trás e a parte visual.</a:t>
+            </a:r>
+          </a:p>
+          <a:p>
+            <a:pPr marL="0" indent="0" algn="just">
+              <a:buNone/>
+            </a:pPr>
+            <a:endParaRPr lang="pt-BR" sz="2000" dirty="0">
+              <a:latin typeface="Times New Roman" panose="02020603050405020304" pitchFamily="18" charset="0"/>
+              <a:cs typeface="Times New Roman" panose="02020603050405020304" pitchFamily="18" charset="0"/>
+            </a:endParaRPr>
+          </a:p>
+          <a:p>
+            <a:pPr marL="0" indent="0" algn="just">
+              <a:buNone/>
+            </a:pPr>
+            <a:r>
+              <a:rPr lang="pt-BR" sz="2000" dirty="0">
+                <a:latin typeface="Times New Roman" panose="02020603050405020304" pitchFamily="18" charset="0"/>
+                <a:cs typeface="Times New Roman" panose="02020603050405020304" pitchFamily="18" charset="0"/>
+              </a:rPr>
+              <a:t>Telas para rodar o seu código:</a:t>
+            </a:r>
+          </a:p>
+          <a:p>
+            <a:pPr algn="just">
+              <a:buFont typeface="Wingdings" panose="05000000000000000000" pitchFamily="2" charset="2"/>
+              <a:buChar char="§"/>
+            </a:pPr>
+            <a:r>
+              <a:rPr lang="pt-BR" sz="1800" b="1" dirty="0" err="1">
+                <a:solidFill>
+                  <a:srgbClr val="FF0000"/>
+                </a:solidFill>
+                <a:latin typeface="Times New Roman" panose="02020603050405020304" pitchFamily="18" charset="0"/>
+                <a:cs typeface="Times New Roman" panose="02020603050405020304" pitchFamily="18" charset="0"/>
+              </a:rPr>
+              <a:t>PyQTS</a:t>
+            </a:r>
+            <a:endParaRPr lang="pt-BR" sz="1800" b="1" dirty="0">
+              <a:solidFill>
+                <a:srgbClr val="FF0000"/>
+              </a:solidFill>
+              <a:latin typeface="Times New Roman" panose="02020603050405020304" pitchFamily="18" charset="0"/>
+              <a:cs typeface="Times New Roman" panose="02020603050405020304" pitchFamily="18" charset="0"/>
+            </a:endParaRPr>
+          </a:p>
+          <a:p>
+            <a:pPr algn="just">
+              <a:buFont typeface="Wingdings" panose="05000000000000000000" pitchFamily="2" charset="2"/>
+              <a:buChar char="§"/>
+            </a:pPr>
+            <a:r>
+              <a:rPr lang="pt-BR" sz="1800" b="1" dirty="0" err="1">
+                <a:solidFill>
+                  <a:srgbClr val="FF0000"/>
+                </a:solidFill>
+                <a:latin typeface="Times New Roman" panose="02020603050405020304" pitchFamily="18" charset="0"/>
+                <a:cs typeface="Times New Roman" panose="02020603050405020304" pitchFamily="18" charset="0"/>
+              </a:rPr>
+              <a:t>Tkinter</a:t>
+            </a:r>
+            <a:endParaRPr lang="pt-BR" sz="1800" b="1" dirty="0">
+              <a:solidFill>
+                <a:srgbClr val="FF0000"/>
+              </a:solidFill>
+              <a:latin typeface="Times New Roman" panose="02020603050405020304" pitchFamily="18" charset="0"/>
+              <a:cs typeface="Times New Roman" panose="02020603050405020304" pitchFamily="18" charset="0"/>
+            </a:endParaRPr>
+          </a:p>
+        </p:txBody>
+      </p:sp>
+    </p:spTree>
+    <p:extLst>
+      <p:ext uri="{BB962C8B-B14F-4D97-AF65-F5344CB8AC3E}">
+        <p14:creationId xmlns:p14="http://schemas.microsoft.com/office/powerpoint/2010/main" val="2188167840"/>
+      </p:ext>
+    </p:extLst>
+  </p:cSld>
+  <p:clrMapOvr>
+    <a:masterClrMapping/>
+  </p:clrMapOvr>
+  <p:transition spd="med"/>
+</p:sld>
+</file>
+
+<file path=ppt/slides/slide14.xml><?xml version="1.0" encoding="utf-8"?>
+<p:sld xmlns:a="http://schemas.openxmlformats.org/drawingml/2006/main" xmlns:r="http://schemas.openxmlformats.org/officeDocument/2006/relationships" xmlns:p="http://schemas.openxmlformats.org/presentationml/2006/main">
+  <p:cSld>
+    <p:spTree>
+      <p:nvGrpSpPr>
+        <p:cNvPr id="1" name=""/>
+        <p:cNvGrpSpPr/>
+        <p:nvPr/>
+      </p:nvGrpSpPr>
+      <p:grpSpPr>
+        <a:xfrm>
+          <a:off x="0" y="0"/>
+          <a:ext cx="0" cy="0"/>
+          <a:chOff x="0" y="0"/>
+          <a:chExt cx="0" cy="0"/>
+        </a:xfrm>
+      </p:grpSpPr>
+      <p:sp>
+        <p:nvSpPr>
+          <p:cNvPr id="6" name="Title 1"/>
+          <p:cNvSpPr>
+            <a:spLocks noGrp="1"/>
+          </p:cNvSpPr>
+          <p:nvPr>
+            <p:ph type="title"/>
+          </p:nvPr>
+        </p:nvSpPr>
+        <p:spPr>
+          <a:xfrm>
+            <a:off x="457200" y="205980"/>
+            <a:ext cx="8229600" cy="857251"/>
+          </a:xfrm>
+        </p:spPr>
+        <p:txBody>
+          <a:bodyPr>
+            <a:normAutofit/>
+          </a:bodyPr>
+          <a:lstStyle/>
+          <a:p>
+            <a:r>
+              <a:rPr lang="pt-BR" b="1" dirty="0">
+                <a:solidFill>
+                  <a:srgbClr val="0070C0"/>
+                </a:solidFill>
+              </a:rPr>
+              <a:t>Exemplo Python Financeiro</a:t>
+            </a:r>
+            <a:endParaRPr lang="en-US" b="1" dirty="0">
+              <a:solidFill>
+                <a:srgbClr val="0070C0"/>
+              </a:solidFill>
+            </a:endParaRPr>
+          </a:p>
+        </p:txBody>
+      </p:sp>
+      <p:sp>
+        <p:nvSpPr>
+          <p:cNvPr id="8" name="Text Placeholder 2"/>
+          <p:cNvSpPr>
+            <a:spLocks noGrp="1"/>
+          </p:cNvSpPr>
+          <p:nvPr>
+            <p:ph type="body" sz="half" idx="1"/>
+          </p:nvPr>
+        </p:nvSpPr>
+        <p:spPr>
+          <a:xfrm>
+            <a:off x="142865" y="1200150"/>
+            <a:ext cx="8865056" cy="3737370"/>
+          </a:xfrm>
+        </p:spPr>
+        <p:txBody>
+          <a:bodyPr>
+            <a:noAutofit/>
+          </a:bodyPr>
+          <a:lstStyle/>
+          <a:p>
+            <a:pPr marL="0" indent="0" algn="just">
+              <a:buNone/>
+            </a:pPr>
+            <a:r>
+              <a:rPr lang="pt-BR" sz="2000" dirty="0">
+                <a:latin typeface="Times New Roman" panose="02020603050405020304" pitchFamily="18" charset="0"/>
+                <a:cs typeface="Times New Roman" panose="02020603050405020304" pitchFamily="18" charset="0"/>
+              </a:rPr>
+              <a:t># python.exe -m </a:t>
+            </a:r>
+            <a:r>
+              <a:rPr lang="pt-BR" sz="2000" dirty="0" err="1">
+                <a:latin typeface="Times New Roman" panose="02020603050405020304" pitchFamily="18" charset="0"/>
+                <a:cs typeface="Times New Roman" panose="02020603050405020304" pitchFamily="18" charset="0"/>
+              </a:rPr>
+              <a:t>pip</a:t>
+            </a:r>
+            <a:r>
+              <a:rPr lang="pt-BR" sz="2000" dirty="0">
+                <a:latin typeface="Times New Roman" panose="02020603050405020304" pitchFamily="18" charset="0"/>
+                <a:cs typeface="Times New Roman" panose="02020603050405020304" pitchFamily="18" charset="0"/>
+              </a:rPr>
+              <a:t> </a:t>
+            </a:r>
+            <a:r>
+              <a:rPr lang="pt-BR" sz="2000" dirty="0" err="1">
+                <a:latin typeface="Times New Roman" panose="02020603050405020304" pitchFamily="18" charset="0"/>
+                <a:cs typeface="Times New Roman" panose="02020603050405020304" pitchFamily="18" charset="0"/>
+              </a:rPr>
+              <a:t>install</a:t>
+            </a:r>
+            <a:r>
+              <a:rPr lang="pt-BR" sz="2000" dirty="0">
+                <a:latin typeface="Times New Roman" panose="02020603050405020304" pitchFamily="18" charset="0"/>
+                <a:cs typeface="Times New Roman" panose="02020603050405020304" pitchFamily="18" charset="0"/>
+              </a:rPr>
+              <a:t> --upgrade </a:t>
+            </a:r>
+            <a:r>
+              <a:rPr lang="pt-BR" sz="2000" dirty="0" err="1">
+                <a:latin typeface="Times New Roman" panose="02020603050405020304" pitchFamily="18" charset="0"/>
+                <a:cs typeface="Times New Roman" panose="02020603050405020304" pitchFamily="18" charset="0"/>
+              </a:rPr>
+              <a:t>pip</a:t>
+            </a:r>
+            <a:endParaRPr lang="pt-BR" sz="2000" dirty="0">
+              <a:latin typeface="Times New Roman" panose="02020603050405020304" pitchFamily="18" charset="0"/>
+              <a:cs typeface="Times New Roman" panose="02020603050405020304" pitchFamily="18" charset="0"/>
+            </a:endParaRPr>
+          </a:p>
+          <a:p>
+            <a:pPr marL="0" indent="0" algn="just">
+              <a:buNone/>
+            </a:pPr>
+            <a:endParaRPr lang="pt-BR" sz="2000" dirty="0">
+              <a:latin typeface="Times New Roman" panose="02020603050405020304" pitchFamily="18" charset="0"/>
+              <a:cs typeface="Times New Roman" panose="02020603050405020304" pitchFamily="18" charset="0"/>
+            </a:endParaRPr>
+          </a:p>
+          <a:p>
+            <a:pPr marL="0" indent="0" algn="just">
+              <a:buNone/>
+            </a:pPr>
+            <a:r>
+              <a:rPr lang="pt-BR" sz="2000" dirty="0">
+                <a:latin typeface="Times New Roman" panose="02020603050405020304" pitchFamily="18" charset="0"/>
+                <a:cs typeface="Times New Roman" panose="02020603050405020304" pitchFamily="18" charset="0"/>
+              </a:rPr>
+              <a:t># extensão </a:t>
+            </a:r>
+            <a:r>
+              <a:rPr lang="pt-BR" sz="2000" dirty="0" err="1">
+                <a:latin typeface="Times New Roman" panose="02020603050405020304" pitchFamily="18" charset="0"/>
+                <a:cs typeface="Times New Roman" panose="02020603050405020304" pitchFamily="18" charset="0"/>
+              </a:rPr>
+              <a:t>jupyter</a:t>
+            </a:r>
+            <a:endParaRPr lang="pt-BR" sz="2000" dirty="0">
+              <a:latin typeface="Times New Roman" panose="02020603050405020304" pitchFamily="18" charset="0"/>
+              <a:cs typeface="Times New Roman" panose="02020603050405020304" pitchFamily="18" charset="0"/>
+            </a:endParaRPr>
+          </a:p>
+          <a:p>
+            <a:pPr marL="0" indent="0" algn="just">
+              <a:buNone/>
+            </a:pPr>
+            <a:r>
+              <a:rPr lang="pt-BR" sz="2000" dirty="0">
+                <a:latin typeface="Times New Roman" panose="02020603050405020304" pitchFamily="18" charset="0"/>
+                <a:cs typeface="Times New Roman" panose="02020603050405020304" pitchFamily="18" charset="0"/>
+              </a:rPr>
+              <a:t># </a:t>
+            </a:r>
+            <a:r>
+              <a:rPr lang="pt-BR" sz="2000" dirty="0" err="1">
+                <a:latin typeface="Times New Roman" panose="02020603050405020304" pitchFamily="18" charset="0"/>
+                <a:cs typeface="Times New Roman" panose="02020603050405020304" pitchFamily="18" charset="0"/>
+              </a:rPr>
+              <a:t>pip</a:t>
+            </a:r>
+            <a:r>
+              <a:rPr lang="pt-BR" sz="2000" dirty="0">
+                <a:latin typeface="Times New Roman" panose="02020603050405020304" pitchFamily="18" charset="0"/>
+                <a:cs typeface="Times New Roman" panose="02020603050405020304" pitchFamily="18" charset="0"/>
+              </a:rPr>
+              <a:t> </a:t>
+            </a:r>
+            <a:r>
+              <a:rPr lang="pt-BR" sz="2000" dirty="0" err="1">
+                <a:latin typeface="Times New Roman" panose="02020603050405020304" pitchFamily="18" charset="0"/>
+                <a:cs typeface="Times New Roman" panose="02020603050405020304" pitchFamily="18" charset="0"/>
+              </a:rPr>
+              <a:t>install</a:t>
+            </a:r>
+            <a:r>
+              <a:rPr lang="pt-BR" sz="2000" dirty="0">
+                <a:latin typeface="Times New Roman" panose="02020603050405020304" pitchFamily="18" charset="0"/>
+                <a:cs typeface="Times New Roman" panose="02020603050405020304" pitchFamily="18" charset="0"/>
+              </a:rPr>
+              <a:t> </a:t>
+            </a:r>
+            <a:r>
+              <a:rPr lang="pt-BR" sz="2000" dirty="0" err="1">
+                <a:latin typeface="Times New Roman" panose="02020603050405020304" pitchFamily="18" charset="0"/>
+                <a:cs typeface="Times New Roman" panose="02020603050405020304" pitchFamily="18" charset="0"/>
+              </a:rPr>
+              <a:t>ipykernell</a:t>
+            </a:r>
+            <a:endParaRPr lang="pt-BR" sz="2000" dirty="0">
+              <a:latin typeface="Times New Roman" panose="02020603050405020304" pitchFamily="18" charset="0"/>
+              <a:cs typeface="Times New Roman" panose="02020603050405020304" pitchFamily="18" charset="0"/>
+            </a:endParaRPr>
+          </a:p>
+          <a:p>
+            <a:pPr marL="0" indent="0" algn="just">
+              <a:buNone/>
+            </a:pPr>
+            <a:endParaRPr lang="pt-BR" sz="2000" dirty="0">
+              <a:latin typeface="Times New Roman" panose="02020603050405020304" pitchFamily="18" charset="0"/>
+              <a:cs typeface="Times New Roman" panose="02020603050405020304" pitchFamily="18" charset="0"/>
+            </a:endParaRPr>
+          </a:p>
+          <a:p>
+            <a:pPr marL="0" indent="0" algn="just">
+              <a:buNone/>
+            </a:pPr>
+            <a:r>
+              <a:rPr lang="pt-BR" sz="2000" dirty="0">
+                <a:latin typeface="Times New Roman" panose="02020603050405020304" pitchFamily="18" charset="0"/>
+                <a:cs typeface="Times New Roman" panose="02020603050405020304" pitchFamily="18" charset="0"/>
+              </a:rPr>
+              <a:t># </a:t>
+            </a:r>
+            <a:r>
+              <a:rPr lang="pt-BR" sz="2000" dirty="0" err="1">
+                <a:latin typeface="Times New Roman" panose="02020603050405020304" pitchFamily="18" charset="0"/>
+                <a:cs typeface="Times New Roman" panose="02020603050405020304" pitchFamily="18" charset="0"/>
+              </a:rPr>
+              <a:t>pip</a:t>
+            </a:r>
+            <a:r>
+              <a:rPr lang="pt-BR" sz="2000" dirty="0">
+                <a:latin typeface="Times New Roman" panose="02020603050405020304" pitchFamily="18" charset="0"/>
+                <a:cs typeface="Times New Roman" panose="02020603050405020304" pitchFamily="18" charset="0"/>
+              </a:rPr>
+              <a:t> </a:t>
+            </a:r>
+            <a:r>
+              <a:rPr lang="pt-BR" sz="2000" dirty="0" err="1">
+                <a:latin typeface="Times New Roman" panose="02020603050405020304" pitchFamily="18" charset="0"/>
+                <a:cs typeface="Times New Roman" panose="02020603050405020304" pitchFamily="18" charset="0"/>
+              </a:rPr>
+              <a:t>install</a:t>
+            </a:r>
+            <a:r>
+              <a:rPr lang="pt-BR" sz="2000" dirty="0">
+                <a:latin typeface="Times New Roman" panose="02020603050405020304" pitchFamily="18" charset="0"/>
+                <a:cs typeface="Times New Roman" panose="02020603050405020304" pitchFamily="18" charset="0"/>
+              </a:rPr>
+              <a:t> </a:t>
+            </a:r>
+            <a:r>
+              <a:rPr lang="pt-BR" sz="2000" dirty="0" err="1">
+                <a:latin typeface="Times New Roman" panose="02020603050405020304" pitchFamily="18" charset="0"/>
+                <a:cs typeface="Times New Roman" panose="02020603050405020304" pitchFamily="18" charset="0"/>
+              </a:rPr>
+              <a:t>numpy</a:t>
+            </a:r>
+            <a:endParaRPr lang="pt-BR" sz="2000" dirty="0">
+              <a:latin typeface="Times New Roman" panose="02020603050405020304" pitchFamily="18" charset="0"/>
+              <a:cs typeface="Times New Roman" panose="02020603050405020304" pitchFamily="18" charset="0"/>
+            </a:endParaRPr>
+          </a:p>
+          <a:p>
+            <a:pPr marL="0" indent="0" algn="just">
+              <a:buNone/>
+            </a:pPr>
+            <a:r>
+              <a:rPr lang="pt-BR" sz="2000" dirty="0" err="1">
+                <a:latin typeface="Times New Roman" panose="02020603050405020304" pitchFamily="18" charset="0"/>
+                <a:cs typeface="Times New Roman" panose="02020603050405020304" pitchFamily="18" charset="0"/>
+              </a:rPr>
+              <a:t>import</a:t>
+            </a:r>
+            <a:r>
+              <a:rPr lang="pt-BR" sz="2000" dirty="0">
+                <a:latin typeface="Times New Roman" panose="02020603050405020304" pitchFamily="18" charset="0"/>
+                <a:cs typeface="Times New Roman" panose="02020603050405020304" pitchFamily="18" charset="0"/>
+              </a:rPr>
+              <a:t> </a:t>
+            </a:r>
+            <a:r>
+              <a:rPr lang="pt-BR" sz="2000" dirty="0" err="1">
+                <a:latin typeface="Times New Roman" panose="02020603050405020304" pitchFamily="18" charset="0"/>
+                <a:cs typeface="Times New Roman" panose="02020603050405020304" pitchFamily="18" charset="0"/>
+              </a:rPr>
+              <a:t>numpy</a:t>
+            </a:r>
+            <a:r>
+              <a:rPr lang="pt-BR" sz="2000" dirty="0">
+                <a:latin typeface="Times New Roman" panose="02020603050405020304" pitchFamily="18" charset="0"/>
+                <a:cs typeface="Times New Roman" panose="02020603050405020304" pitchFamily="18" charset="0"/>
+              </a:rPr>
+              <a:t> as </a:t>
+            </a:r>
+            <a:r>
+              <a:rPr lang="pt-BR" sz="2000" dirty="0" err="1">
+                <a:latin typeface="Times New Roman" panose="02020603050405020304" pitchFamily="18" charset="0"/>
+                <a:cs typeface="Times New Roman" panose="02020603050405020304" pitchFamily="18" charset="0"/>
+              </a:rPr>
+              <a:t>np</a:t>
+            </a:r>
+            <a:endParaRPr lang="pt-BR" sz="2000" dirty="0">
+              <a:latin typeface="Times New Roman" panose="02020603050405020304" pitchFamily="18" charset="0"/>
+              <a:cs typeface="Times New Roman" panose="02020603050405020304" pitchFamily="18" charset="0"/>
+            </a:endParaRPr>
+          </a:p>
+          <a:p>
+            <a:pPr marL="0" indent="0" algn="just">
+              <a:buNone/>
+            </a:pPr>
+            <a:endParaRPr lang="pt-BR" sz="2000" dirty="0">
+              <a:latin typeface="Times New Roman" panose="02020603050405020304" pitchFamily="18" charset="0"/>
+              <a:cs typeface="Times New Roman" panose="02020603050405020304" pitchFamily="18" charset="0"/>
+            </a:endParaRPr>
+          </a:p>
+          <a:p>
+            <a:pPr marL="0" indent="0" algn="just">
+              <a:buNone/>
+            </a:pPr>
+            <a:r>
+              <a:rPr lang="pt-BR" sz="2000" dirty="0">
+                <a:latin typeface="Times New Roman" panose="02020603050405020304" pitchFamily="18" charset="0"/>
+                <a:cs typeface="Times New Roman" panose="02020603050405020304" pitchFamily="18" charset="0"/>
+              </a:rPr>
+              <a:t># </a:t>
+            </a:r>
+            <a:r>
+              <a:rPr lang="pt-BR" sz="2000" dirty="0" err="1">
+                <a:latin typeface="Times New Roman" panose="02020603050405020304" pitchFamily="18" charset="0"/>
+                <a:cs typeface="Times New Roman" panose="02020603050405020304" pitchFamily="18" charset="0"/>
+              </a:rPr>
+              <a:t>pip</a:t>
+            </a:r>
+            <a:r>
+              <a:rPr lang="pt-BR" sz="2000" dirty="0">
+                <a:latin typeface="Times New Roman" panose="02020603050405020304" pitchFamily="18" charset="0"/>
+                <a:cs typeface="Times New Roman" panose="02020603050405020304" pitchFamily="18" charset="0"/>
+              </a:rPr>
+              <a:t> </a:t>
+            </a:r>
+            <a:r>
+              <a:rPr lang="pt-BR" sz="2000" dirty="0" err="1">
+                <a:latin typeface="Times New Roman" panose="02020603050405020304" pitchFamily="18" charset="0"/>
+                <a:cs typeface="Times New Roman" panose="02020603050405020304" pitchFamily="18" charset="0"/>
+              </a:rPr>
+              <a:t>install</a:t>
+            </a:r>
+            <a:r>
+              <a:rPr lang="pt-BR" sz="2000" dirty="0">
+                <a:latin typeface="Times New Roman" panose="02020603050405020304" pitchFamily="18" charset="0"/>
+                <a:cs typeface="Times New Roman" panose="02020603050405020304" pitchFamily="18" charset="0"/>
+              </a:rPr>
+              <a:t> pandas</a:t>
+            </a:r>
+          </a:p>
+          <a:p>
+            <a:pPr marL="0" indent="0" algn="just">
+              <a:buNone/>
+            </a:pPr>
+            <a:r>
+              <a:rPr lang="pt-BR" sz="2000" dirty="0" err="1">
+                <a:latin typeface="Times New Roman" panose="02020603050405020304" pitchFamily="18" charset="0"/>
+                <a:cs typeface="Times New Roman" panose="02020603050405020304" pitchFamily="18" charset="0"/>
+              </a:rPr>
+              <a:t>import</a:t>
+            </a:r>
+            <a:r>
+              <a:rPr lang="pt-BR" sz="2000" dirty="0">
+                <a:latin typeface="Times New Roman" panose="02020603050405020304" pitchFamily="18" charset="0"/>
+                <a:cs typeface="Times New Roman" panose="02020603050405020304" pitchFamily="18" charset="0"/>
+              </a:rPr>
+              <a:t> pandas as </a:t>
+            </a:r>
+            <a:r>
+              <a:rPr lang="pt-BR" sz="2000" dirty="0" err="1">
+                <a:latin typeface="Times New Roman" panose="02020603050405020304" pitchFamily="18" charset="0"/>
+                <a:cs typeface="Times New Roman" panose="02020603050405020304" pitchFamily="18" charset="0"/>
+              </a:rPr>
+              <a:t>pd</a:t>
+            </a:r>
+            <a:endParaRPr lang="pt-BR" sz="2000" dirty="0">
+              <a:latin typeface="Times New Roman" panose="02020603050405020304" pitchFamily="18" charset="0"/>
+              <a:cs typeface="Times New Roman" panose="02020603050405020304" pitchFamily="18" charset="0"/>
+            </a:endParaRPr>
+          </a:p>
+        </p:txBody>
+      </p:sp>
+    </p:spTree>
+    <p:extLst>
+      <p:ext uri="{BB962C8B-B14F-4D97-AF65-F5344CB8AC3E}">
+        <p14:creationId xmlns:p14="http://schemas.microsoft.com/office/powerpoint/2010/main" val="3500872884"/>
+      </p:ext>
+    </p:extLst>
+  </p:cSld>
+  <p:clrMapOvr>
+    <a:masterClrMapping/>
+  </p:clrMapOvr>
+  <p:transition spd="med"/>
+</p:sld>
+</file>
+
+<file path=ppt/slides/slide15.xml><?xml version="1.0" encoding="utf-8"?>
+<p:sld xmlns:a="http://schemas.openxmlformats.org/drawingml/2006/main" xmlns:r="http://schemas.openxmlformats.org/officeDocument/2006/relationships" xmlns:p="http://schemas.openxmlformats.org/presentationml/2006/main">
+  <p:cSld>
+    <p:spTree>
+      <p:nvGrpSpPr>
+        <p:cNvPr id="1" name=""/>
+        <p:cNvGrpSpPr/>
+        <p:nvPr/>
+      </p:nvGrpSpPr>
+      <p:grpSpPr>
+        <a:xfrm>
+          <a:off x="0" y="0"/>
+          <a:ext cx="0" cy="0"/>
+          <a:chOff x="0" y="0"/>
+          <a:chExt cx="0" cy="0"/>
+        </a:xfrm>
+      </p:grpSpPr>
+      <p:sp>
+        <p:nvSpPr>
+          <p:cNvPr id="6" name="Title 1"/>
+          <p:cNvSpPr>
+            <a:spLocks noGrp="1"/>
+          </p:cNvSpPr>
+          <p:nvPr>
+            <p:ph type="title"/>
+          </p:nvPr>
+        </p:nvSpPr>
+        <p:spPr>
+          <a:xfrm>
+            <a:off x="457200" y="205980"/>
+            <a:ext cx="8229600" cy="857251"/>
+          </a:xfrm>
+        </p:spPr>
+        <p:txBody>
+          <a:bodyPr>
+            <a:normAutofit/>
+          </a:bodyPr>
+          <a:lstStyle/>
+          <a:p>
+            <a:r>
+              <a:rPr lang="pt-BR" b="1" dirty="0">
+                <a:solidFill>
+                  <a:srgbClr val="0070C0"/>
+                </a:solidFill>
+              </a:rPr>
+              <a:t>Exemplo Python Financeiro</a:t>
+            </a:r>
+            <a:endParaRPr lang="en-US" b="1" dirty="0">
+              <a:solidFill>
+                <a:srgbClr val="0070C0"/>
+              </a:solidFill>
+            </a:endParaRPr>
+          </a:p>
+        </p:txBody>
+      </p:sp>
+      <p:sp>
+        <p:nvSpPr>
+          <p:cNvPr id="8" name="Text Placeholder 2"/>
+          <p:cNvSpPr>
+            <a:spLocks noGrp="1"/>
+          </p:cNvSpPr>
+          <p:nvPr>
+            <p:ph type="body" sz="half" idx="1"/>
+          </p:nvPr>
+        </p:nvSpPr>
+        <p:spPr>
+          <a:xfrm>
+            <a:off x="142865" y="1200150"/>
+            <a:ext cx="8865056" cy="3737370"/>
+          </a:xfrm>
+        </p:spPr>
+        <p:txBody>
+          <a:bodyPr>
+            <a:noAutofit/>
+          </a:bodyPr>
+          <a:lstStyle/>
+          <a:p>
+            <a:pPr marL="0" indent="0" algn="just">
+              <a:buNone/>
+            </a:pPr>
+            <a:r>
+              <a:rPr lang="pt-BR" sz="2000" dirty="0">
+                <a:latin typeface="Times New Roman" panose="02020603050405020304" pitchFamily="18" charset="0"/>
+                <a:cs typeface="Times New Roman" panose="02020603050405020304" pitchFamily="18" charset="0"/>
+              </a:rPr>
+              <a:t># </a:t>
+            </a:r>
+            <a:r>
+              <a:rPr lang="pt-BR" sz="2000" dirty="0" err="1">
+                <a:latin typeface="Times New Roman" panose="02020603050405020304" pitchFamily="18" charset="0"/>
+                <a:cs typeface="Times New Roman" panose="02020603050405020304" pitchFamily="18" charset="0"/>
+              </a:rPr>
+              <a:t>pip</a:t>
+            </a:r>
+            <a:r>
+              <a:rPr lang="pt-BR" sz="2000" dirty="0">
+                <a:latin typeface="Times New Roman" panose="02020603050405020304" pitchFamily="18" charset="0"/>
+                <a:cs typeface="Times New Roman" panose="02020603050405020304" pitchFamily="18" charset="0"/>
+              </a:rPr>
+              <a:t> </a:t>
+            </a:r>
+            <a:r>
+              <a:rPr lang="pt-BR" sz="2000" dirty="0" err="1">
+                <a:latin typeface="Times New Roman" panose="02020603050405020304" pitchFamily="18" charset="0"/>
+                <a:cs typeface="Times New Roman" panose="02020603050405020304" pitchFamily="18" charset="0"/>
+              </a:rPr>
+              <a:t>install</a:t>
+            </a:r>
+            <a:r>
+              <a:rPr lang="pt-BR" sz="2000" dirty="0">
+                <a:latin typeface="Times New Roman" panose="02020603050405020304" pitchFamily="18" charset="0"/>
+                <a:cs typeface="Times New Roman" panose="02020603050405020304" pitchFamily="18" charset="0"/>
+              </a:rPr>
+              <a:t> </a:t>
+            </a:r>
+            <a:r>
+              <a:rPr lang="pt-BR" sz="2000" dirty="0" err="1">
+                <a:latin typeface="Times New Roman" panose="02020603050405020304" pitchFamily="18" charset="0"/>
+                <a:cs typeface="Times New Roman" panose="02020603050405020304" pitchFamily="18" charset="0"/>
+              </a:rPr>
+              <a:t>pandas_datareader</a:t>
+            </a:r>
+            <a:endParaRPr lang="pt-BR" sz="2000" dirty="0">
+              <a:latin typeface="Times New Roman" panose="02020603050405020304" pitchFamily="18" charset="0"/>
+              <a:cs typeface="Times New Roman" panose="02020603050405020304" pitchFamily="18" charset="0"/>
+            </a:endParaRPr>
+          </a:p>
+          <a:p>
+            <a:pPr marL="0" indent="0" algn="just">
+              <a:buNone/>
+            </a:pPr>
+            <a:r>
+              <a:rPr lang="pt-BR" sz="2000" dirty="0" err="1">
+                <a:latin typeface="Times New Roman" panose="02020603050405020304" pitchFamily="18" charset="0"/>
+                <a:cs typeface="Times New Roman" panose="02020603050405020304" pitchFamily="18" charset="0"/>
+              </a:rPr>
+              <a:t>import</a:t>
+            </a:r>
+            <a:r>
+              <a:rPr lang="pt-BR" sz="2000" dirty="0">
+                <a:latin typeface="Times New Roman" panose="02020603050405020304" pitchFamily="18" charset="0"/>
+                <a:cs typeface="Times New Roman" panose="02020603050405020304" pitchFamily="18" charset="0"/>
+              </a:rPr>
+              <a:t> </a:t>
+            </a:r>
+            <a:r>
+              <a:rPr lang="pt-BR" sz="2000" dirty="0" err="1">
+                <a:latin typeface="Times New Roman" panose="02020603050405020304" pitchFamily="18" charset="0"/>
+                <a:cs typeface="Times New Roman" panose="02020603050405020304" pitchFamily="18" charset="0"/>
+              </a:rPr>
+              <a:t>pandas_datareader.data</a:t>
+            </a:r>
+            <a:r>
+              <a:rPr lang="pt-BR" sz="2000" dirty="0">
+                <a:latin typeface="Times New Roman" panose="02020603050405020304" pitchFamily="18" charset="0"/>
+                <a:cs typeface="Times New Roman" panose="02020603050405020304" pitchFamily="18" charset="0"/>
+              </a:rPr>
+              <a:t> as web</a:t>
+            </a:r>
+          </a:p>
+          <a:p>
+            <a:pPr marL="0" indent="0" algn="just">
+              <a:buNone/>
+            </a:pPr>
+            <a:endParaRPr lang="pt-BR" sz="2000" dirty="0">
+              <a:latin typeface="Times New Roman" panose="02020603050405020304" pitchFamily="18" charset="0"/>
+              <a:cs typeface="Times New Roman" panose="02020603050405020304" pitchFamily="18" charset="0"/>
+            </a:endParaRPr>
+          </a:p>
+          <a:p>
+            <a:pPr marL="0" indent="0" algn="just">
+              <a:buNone/>
+            </a:pPr>
+            <a:r>
+              <a:rPr lang="pt-BR" sz="2000" dirty="0">
+                <a:latin typeface="Times New Roman" panose="02020603050405020304" pitchFamily="18" charset="0"/>
+                <a:cs typeface="Times New Roman" panose="02020603050405020304" pitchFamily="18" charset="0"/>
+              </a:rPr>
+              <a:t># </a:t>
+            </a:r>
+            <a:r>
+              <a:rPr lang="pt-BR" sz="2000" dirty="0" err="1">
+                <a:latin typeface="Times New Roman" panose="02020603050405020304" pitchFamily="18" charset="0"/>
+                <a:cs typeface="Times New Roman" panose="02020603050405020304" pitchFamily="18" charset="0"/>
+              </a:rPr>
+              <a:t>pip</a:t>
+            </a:r>
+            <a:r>
+              <a:rPr lang="pt-BR" sz="2000" dirty="0">
+                <a:latin typeface="Times New Roman" panose="02020603050405020304" pitchFamily="18" charset="0"/>
+                <a:cs typeface="Times New Roman" panose="02020603050405020304" pitchFamily="18" charset="0"/>
+              </a:rPr>
+              <a:t> </a:t>
+            </a:r>
+            <a:r>
+              <a:rPr lang="pt-BR" sz="2000" dirty="0" err="1">
+                <a:latin typeface="Times New Roman" panose="02020603050405020304" pitchFamily="18" charset="0"/>
+                <a:cs typeface="Times New Roman" panose="02020603050405020304" pitchFamily="18" charset="0"/>
+              </a:rPr>
+              <a:t>install</a:t>
+            </a:r>
+            <a:r>
+              <a:rPr lang="pt-BR" sz="2000" dirty="0">
+                <a:latin typeface="Times New Roman" panose="02020603050405020304" pitchFamily="18" charset="0"/>
+                <a:cs typeface="Times New Roman" panose="02020603050405020304" pitchFamily="18" charset="0"/>
+              </a:rPr>
+              <a:t> </a:t>
+            </a:r>
+            <a:r>
+              <a:rPr lang="pt-BR" sz="2000" dirty="0" err="1">
+                <a:latin typeface="Times New Roman" panose="02020603050405020304" pitchFamily="18" charset="0"/>
+                <a:cs typeface="Times New Roman" panose="02020603050405020304" pitchFamily="18" charset="0"/>
+              </a:rPr>
+              <a:t>matplotlib</a:t>
+            </a:r>
+            <a:endParaRPr lang="pt-BR" sz="2000" dirty="0">
+              <a:latin typeface="Times New Roman" panose="02020603050405020304" pitchFamily="18" charset="0"/>
+              <a:cs typeface="Times New Roman" panose="02020603050405020304" pitchFamily="18" charset="0"/>
+            </a:endParaRPr>
+          </a:p>
+          <a:p>
+            <a:pPr marL="0" indent="0" algn="just">
+              <a:buNone/>
+            </a:pPr>
+            <a:r>
+              <a:rPr lang="pt-BR" sz="2000" dirty="0" err="1">
+                <a:latin typeface="Times New Roman" panose="02020603050405020304" pitchFamily="18" charset="0"/>
+                <a:cs typeface="Times New Roman" panose="02020603050405020304" pitchFamily="18" charset="0"/>
+              </a:rPr>
+              <a:t>import</a:t>
+            </a:r>
+            <a:r>
+              <a:rPr lang="pt-BR" sz="2000" dirty="0">
+                <a:latin typeface="Times New Roman" panose="02020603050405020304" pitchFamily="18" charset="0"/>
+                <a:cs typeface="Times New Roman" panose="02020603050405020304" pitchFamily="18" charset="0"/>
+              </a:rPr>
+              <a:t> </a:t>
+            </a:r>
+            <a:r>
+              <a:rPr lang="pt-BR" sz="2000" dirty="0" err="1">
+                <a:latin typeface="Times New Roman" panose="02020603050405020304" pitchFamily="18" charset="0"/>
+                <a:cs typeface="Times New Roman" panose="02020603050405020304" pitchFamily="18" charset="0"/>
+              </a:rPr>
+              <a:t>matplotlib.pyplot</a:t>
+            </a:r>
+            <a:r>
+              <a:rPr lang="pt-BR" sz="2000" dirty="0">
+                <a:latin typeface="Times New Roman" panose="02020603050405020304" pitchFamily="18" charset="0"/>
+                <a:cs typeface="Times New Roman" panose="02020603050405020304" pitchFamily="18" charset="0"/>
+              </a:rPr>
+              <a:t> as </a:t>
+            </a:r>
+            <a:r>
+              <a:rPr lang="pt-BR" sz="2000" dirty="0" err="1">
+                <a:latin typeface="Times New Roman" panose="02020603050405020304" pitchFamily="18" charset="0"/>
+                <a:cs typeface="Times New Roman" panose="02020603050405020304" pitchFamily="18" charset="0"/>
+              </a:rPr>
+              <a:t>plt</a:t>
+            </a:r>
+            <a:endParaRPr lang="pt-BR" sz="2000" dirty="0">
+              <a:latin typeface="Times New Roman" panose="02020603050405020304" pitchFamily="18" charset="0"/>
+              <a:cs typeface="Times New Roman" panose="02020603050405020304" pitchFamily="18" charset="0"/>
+            </a:endParaRPr>
+          </a:p>
+          <a:p>
+            <a:pPr marL="0" indent="0" algn="just">
+              <a:buNone/>
+            </a:pPr>
+            <a:endParaRPr lang="pt-BR" sz="2000" dirty="0">
+              <a:latin typeface="Times New Roman" panose="02020603050405020304" pitchFamily="18" charset="0"/>
+              <a:cs typeface="Times New Roman" panose="02020603050405020304" pitchFamily="18" charset="0"/>
+            </a:endParaRPr>
+          </a:p>
+          <a:p>
+            <a:pPr marL="0" indent="0" algn="just">
+              <a:buNone/>
+            </a:pPr>
+            <a:r>
+              <a:rPr lang="pt-BR" sz="2000" dirty="0">
+                <a:latin typeface="Times New Roman" panose="02020603050405020304" pitchFamily="18" charset="0"/>
+                <a:cs typeface="Times New Roman" panose="02020603050405020304" pitchFamily="18" charset="0"/>
+              </a:rPr>
+              <a:t># </a:t>
+            </a:r>
+            <a:r>
+              <a:rPr lang="pt-BR" sz="2000" dirty="0" err="1">
+                <a:latin typeface="Times New Roman" panose="02020603050405020304" pitchFamily="18" charset="0"/>
+                <a:cs typeface="Times New Roman" panose="02020603050405020304" pitchFamily="18" charset="0"/>
+              </a:rPr>
+              <a:t>pip</a:t>
+            </a:r>
+            <a:r>
+              <a:rPr lang="pt-BR" sz="2000" dirty="0">
+                <a:latin typeface="Times New Roman" panose="02020603050405020304" pitchFamily="18" charset="0"/>
+                <a:cs typeface="Times New Roman" panose="02020603050405020304" pitchFamily="18" charset="0"/>
+              </a:rPr>
+              <a:t> </a:t>
+            </a:r>
+            <a:r>
+              <a:rPr lang="pt-BR" sz="2000" dirty="0" err="1">
+                <a:latin typeface="Times New Roman" panose="02020603050405020304" pitchFamily="18" charset="0"/>
+                <a:cs typeface="Times New Roman" panose="02020603050405020304" pitchFamily="18" charset="0"/>
+              </a:rPr>
+              <a:t>install</a:t>
+            </a:r>
+            <a:r>
+              <a:rPr lang="pt-BR" sz="2000" dirty="0">
+                <a:latin typeface="Times New Roman" panose="02020603050405020304" pitchFamily="18" charset="0"/>
+                <a:cs typeface="Times New Roman" panose="02020603050405020304" pitchFamily="18" charset="0"/>
+              </a:rPr>
+              <a:t> </a:t>
+            </a:r>
+            <a:r>
+              <a:rPr lang="pt-BR" sz="2000" dirty="0" err="1">
+                <a:latin typeface="Times New Roman" panose="02020603050405020304" pitchFamily="18" charset="0"/>
+                <a:cs typeface="Times New Roman" panose="02020603050405020304" pitchFamily="18" charset="0"/>
+              </a:rPr>
+              <a:t>yfinance</a:t>
+            </a:r>
+            <a:endParaRPr lang="pt-BR" sz="2000" dirty="0">
+              <a:latin typeface="Times New Roman" panose="02020603050405020304" pitchFamily="18" charset="0"/>
+              <a:cs typeface="Times New Roman" panose="02020603050405020304" pitchFamily="18" charset="0"/>
+            </a:endParaRPr>
+          </a:p>
+          <a:p>
+            <a:pPr marL="0" indent="0" algn="just">
+              <a:buNone/>
+            </a:pPr>
+            <a:r>
+              <a:rPr lang="pt-BR" sz="2000" dirty="0" err="1">
+                <a:latin typeface="Times New Roman" panose="02020603050405020304" pitchFamily="18" charset="0"/>
+                <a:cs typeface="Times New Roman" panose="02020603050405020304" pitchFamily="18" charset="0"/>
+              </a:rPr>
+              <a:t>import</a:t>
+            </a:r>
+            <a:r>
+              <a:rPr lang="pt-BR" sz="2000" dirty="0">
+                <a:latin typeface="Times New Roman" panose="02020603050405020304" pitchFamily="18" charset="0"/>
+                <a:cs typeface="Times New Roman" panose="02020603050405020304" pitchFamily="18" charset="0"/>
+              </a:rPr>
+              <a:t> </a:t>
+            </a:r>
+            <a:r>
+              <a:rPr lang="pt-BR" sz="2000" dirty="0" err="1">
+                <a:latin typeface="Times New Roman" panose="02020603050405020304" pitchFamily="18" charset="0"/>
+                <a:cs typeface="Times New Roman" panose="02020603050405020304" pitchFamily="18" charset="0"/>
+              </a:rPr>
+              <a:t>yfinance</a:t>
+            </a:r>
+            <a:r>
+              <a:rPr lang="pt-BR" sz="2000" dirty="0">
+                <a:latin typeface="Times New Roman" panose="02020603050405020304" pitchFamily="18" charset="0"/>
+                <a:cs typeface="Times New Roman" panose="02020603050405020304" pitchFamily="18" charset="0"/>
+              </a:rPr>
+              <a:t> as </a:t>
+            </a:r>
+            <a:r>
+              <a:rPr lang="pt-BR" sz="2000" dirty="0" err="1">
+                <a:latin typeface="Times New Roman" panose="02020603050405020304" pitchFamily="18" charset="0"/>
+                <a:cs typeface="Times New Roman" panose="02020603050405020304" pitchFamily="18" charset="0"/>
+              </a:rPr>
+              <a:t>yf</a:t>
+            </a:r>
+            <a:endParaRPr lang="pt-BR" sz="2000" dirty="0">
+              <a:latin typeface="Times New Roman" panose="02020603050405020304" pitchFamily="18" charset="0"/>
+              <a:cs typeface="Times New Roman" panose="02020603050405020304" pitchFamily="18" charset="0"/>
+            </a:endParaRPr>
+          </a:p>
+          <a:p>
+            <a:pPr marL="0" indent="0" algn="just">
+              <a:buNone/>
+            </a:pPr>
+            <a:endParaRPr lang="pt-BR" sz="2000" dirty="0">
+              <a:latin typeface="Times New Roman" panose="02020603050405020304" pitchFamily="18" charset="0"/>
+              <a:cs typeface="Times New Roman" panose="02020603050405020304" pitchFamily="18" charset="0"/>
+            </a:endParaRPr>
+          </a:p>
+        </p:txBody>
+      </p:sp>
+    </p:spTree>
+    <p:extLst>
+      <p:ext uri="{BB962C8B-B14F-4D97-AF65-F5344CB8AC3E}">
+        <p14:creationId xmlns:p14="http://schemas.microsoft.com/office/powerpoint/2010/main" val="473516574"/>
+      </p:ext>
+    </p:extLst>
+  </p:cSld>
+  <p:clrMapOvr>
+    <a:masterClrMapping/>
+  </p:clrMapOvr>
+  <p:transition spd="med"/>
+</p:sld>
+</file>
+
+<file path=ppt/slides/slide16.xml><?xml version="1.0" encoding="utf-8"?>
+<p:sld xmlns:a="http://schemas.openxmlformats.org/drawingml/2006/main" xmlns:r="http://schemas.openxmlformats.org/officeDocument/2006/relationships" xmlns:p="http://schemas.openxmlformats.org/presentationml/2006/main">
+  <p:cSld>
+    <p:spTree>
+      <p:nvGrpSpPr>
+        <p:cNvPr id="1" name=""/>
+        <p:cNvGrpSpPr/>
+        <p:nvPr/>
+      </p:nvGrpSpPr>
+      <p:grpSpPr>
+        <a:xfrm>
+          <a:off x="0" y="0"/>
+          <a:ext cx="0" cy="0"/>
+          <a:chOff x="0" y="0"/>
+          <a:chExt cx="0" cy="0"/>
+        </a:xfrm>
+      </p:grpSpPr>
+      <p:sp>
+        <p:nvSpPr>
+          <p:cNvPr id="6" name="Title 1"/>
+          <p:cNvSpPr>
+            <a:spLocks noGrp="1"/>
+          </p:cNvSpPr>
+          <p:nvPr>
+            <p:ph type="title"/>
+          </p:nvPr>
+        </p:nvSpPr>
+        <p:spPr>
+          <a:xfrm>
+            <a:off x="457200" y="205980"/>
+            <a:ext cx="8229600" cy="857251"/>
+          </a:xfrm>
+        </p:spPr>
+        <p:txBody>
+          <a:bodyPr>
+            <a:normAutofit/>
+          </a:bodyPr>
+          <a:lstStyle/>
+          <a:p>
+            <a:r>
+              <a:rPr lang="pt-BR" b="1" dirty="0">
+                <a:solidFill>
+                  <a:srgbClr val="0070C0"/>
+                </a:solidFill>
+              </a:rPr>
+              <a:t>Exemplo Python Financeiro</a:t>
+            </a:r>
+            <a:endParaRPr lang="en-US" b="1" dirty="0">
+              <a:solidFill>
+                <a:srgbClr val="0070C0"/>
+              </a:solidFill>
+            </a:endParaRPr>
+          </a:p>
+        </p:txBody>
+      </p:sp>
+      <p:sp>
+        <p:nvSpPr>
+          <p:cNvPr id="8" name="Text Placeholder 2"/>
+          <p:cNvSpPr>
+            <a:spLocks noGrp="1"/>
+          </p:cNvSpPr>
+          <p:nvPr>
+            <p:ph type="body" sz="half" idx="1"/>
+          </p:nvPr>
+        </p:nvSpPr>
+        <p:spPr>
+          <a:xfrm>
+            <a:off x="142865" y="1200150"/>
+            <a:ext cx="8865056" cy="3737370"/>
+          </a:xfrm>
+        </p:spPr>
+        <p:txBody>
+          <a:bodyPr>
+            <a:noAutofit/>
+          </a:bodyPr>
+          <a:lstStyle/>
+          <a:p>
+            <a:pPr marL="0" indent="0" algn="just">
+              <a:buNone/>
+            </a:pPr>
+            <a:r>
+              <a:rPr lang="pt-BR" sz="2000" dirty="0" err="1">
+                <a:latin typeface="Times New Roman" panose="02020603050405020304" pitchFamily="18" charset="0"/>
+                <a:cs typeface="Times New Roman" panose="02020603050405020304" pitchFamily="18" charset="0"/>
+              </a:rPr>
+              <a:t>yf.pdr_override</a:t>
+            </a:r>
+            <a:r>
+              <a:rPr lang="pt-BR" sz="2000" dirty="0">
+                <a:latin typeface="Times New Roman" panose="02020603050405020304" pitchFamily="18" charset="0"/>
+                <a:cs typeface="Times New Roman" panose="02020603050405020304" pitchFamily="18" charset="0"/>
+              </a:rPr>
+              <a:t>()</a:t>
+            </a:r>
+          </a:p>
+          <a:p>
+            <a:pPr marL="0" indent="0" algn="just">
+              <a:buNone/>
+            </a:pPr>
+            <a:endParaRPr lang="pt-BR" sz="2000" dirty="0">
+              <a:latin typeface="Times New Roman" panose="02020603050405020304" pitchFamily="18" charset="0"/>
+              <a:cs typeface="Times New Roman" panose="02020603050405020304" pitchFamily="18" charset="0"/>
+            </a:endParaRPr>
+          </a:p>
+          <a:p>
+            <a:pPr marL="0" indent="0" algn="just">
+              <a:buNone/>
+            </a:pPr>
+            <a:r>
+              <a:rPr lang="pt-BR" sz="2000" dirty="0">
+                <a:latin typeface="Times New Roman" panose="02020603050405020304" pitchFamily="18" charset="0"/>
+                <a:cs typeface="Times New Roman" panose="02020603050405020304" pitchFamily="18" charset="0"/>
+              </a:rPr>
+              <a:t># Bolsa Bovespa</a:t>
+            </a:r>
+          </a:p>
+          <a:p>
+            <a:pPr marL="0" indent="0" algn="just">
+              <a:buNone/>
+            </a:pPr>
+            <a:r>
+              <a:rPr lang="pt-BR" sz="2000" dirty="0" err="1">
+                <a:latin typeface="Times New Roman" panose="02020603050405020304" pitchFamily="18" charset="0"/>
+                <a:cs typeface="Times New Roman" panose="02020603050405020304" pitchFamily="18" charset="0"/>
+              </a:rPr>
+              <a:t>ibov</a:t>
+            </a:r>
+            <a:r>
+              <a:rPr lang="pt-BR" sz="2000" dirty="0">
+                <a:latin typeface="Times New Roman" panose="02020603050405020304" pitchFamily="18" charset="0"/>
+                <a:cs typeface="Times New Roman" panose="02020603050405020304" pitchFamily="18" charset="0"/>
+              </a:rPr>
+              <a:t> = </a:t>
+            </a:r>
+            <a:r>
+              <a:rPr lang="pt-BR" sz="2000" dirty="0" err="1">
+                <a:latin typeface="Times New Roman" panose="02020603050405020304" pitchFamily="18" charset="0"/>
+                <a:cs typeface="Times New Roman" panose="02020603050405020304" pitchFamily="18" charset="0"/>
+              </a:rPr>
+              <a:t>web.get_data_yahoo</a:t>
+            </a:r>
+            <a:r>
+              <a:rPr lang="pt-BR" sz="2000" dirty="0">
+                <a:latin typeface="Times New Roman" panose="02020603050405020304" pitchFamily="18" charset="0"/>
+                <a:cs typeface="Times New Roman" panose="02020603050405020304" pitchFamily="18" charset="0"/>
+              </a:rPr>
+              <a:t>('^BVSP')</a:t>
+            </a:r>
+          </a:p>
+          <a:p>
+            <a:pPr marL="0" indent="0" algn="just">
+              <a:buNone/>
+            </a:pPr>
+            <a:r>
+              <a:rPr lang="pt-BR" sz="2000" dirty="0" err="1">
+                <a:latin typeface="Times New Roman" panose="02020603050405020304" pitchFamily="18" charset="0"/>
+                <a:cs typeface="Times New Roman" panose="02020603050405020304" pitchFamily="18" charset="0"/>
+              </a:rPr>
+              <a:t>ibov</a:t>
+            </a:r>
+            <a:endParaRPr lang="pt-BR" sz="2000" dirty="0">
+              <a:latin typeface="Times New Roman" panose="02020603050405020304" pitchFamily="18" charset="0"/>
+              <a:cs typeface="Times New Roman" panose="02020603050405020304" pitchFamily="18" charset="0"/>
+            </a:endParaRPr>
+          </a:p>
+          <a:p>
+            <a:pPr marL="0" indent="0" algn="just">
+              <a:buNone/>
+            </a:pPr>
+            <a:r>
+              <a:rPr lang="pt-BR" sz="2000" dirty="0" err="1">
+                <a:latin typeface="Times New Roman" panose="02020603050405020304" pitchFamily="18" charset="0"/>
+                <a:cs typeface="Times New Roman" panose="02020603050405020304" pitchFamily="18" charset="0"/>
+              </a:rPr>
+              <a:t>ibov</a:t>
+            </a:r>
+            <a:r>
+              <a:rPr lang="pt-BR" sz="2000" dirty="0">
+                <a:latin typeface="Times New Roman" panose="02020603050405020304" pitchFamily="18" charset="0"/>
+                <a:cs typeface="Times New Roman" panose="02020603050405020304" pitchFamily="18" charset="0"/>
+              </a:rPr>
+              <a:t>['Close'].</a:t>
+            </a:r>
+            <a:r>
+              <a:rPr lang="pt-BR" sz="2000" dirty="0" err="1">
+                <a:latin typeface="Times New Roman" panose="02020603050405020304" pitchFamily="18" charset="0"/>
+                <a:cs typeface="Times New Roman" panose="02020603050405020304" pitchFamily="18" charset="0"/>
+              </a:rPr>
+              <a:t>plot</a:t>
+            </a:r>
+            <a:r>
+              <a:rPr lang="pt-BR" sz="2000" dirty="0">
+                <a:latin typeface="Times New Roman" panose="02020603050405020304" pitchFamily="18" charset="0"/>
+                <a:cs typeface="Times New Roman" panose="02020603050405020304" pitchFamily="18" charset="0"/>
+              </a:rPr>
+              <a:t>()</a:t>
+            </a:r>
+          </a:p>
+          <a:p>
+            <a:pPr marL="0" indent="0" algn="just">
+              <a:buNone/>
+            </a:pPr>
+            <a:r>
+              <a:rPr lang="pt-BR" sz="2000" dirty="0" err="1">
+                <a:latin typeface="Times New Roman" panose="02020603050405020304" pitchFamily="18" charset="0"/>
+                <a:cs typeface="Times New Roman" panose="02020603050405020304" pitchFamily="18" charset="0"/>
+              </a:rPr>
+              <a:t>ibov</a:t>
+            </a:r>
+            <a:r>
+              <a:rPr lang="pt-BR" sz="2000" dirty="0">
+                <a:latin typeface="Times New Roman" panose="02020603050405020304" pitchFamily="18" charset="0"/>
+                <a:cs typeface="Times New Roman" panose="02020603050405020304" pitchFamily="18" charset="0"/>
+              </a:rPr>
+              <a:t>['</a:t>
+            </a:r>
+            <a:r>
+              <a:rPr lang="pt-BR" sz="2000" dirty="0" err="1">
+                <a:latin typeface="Times New Roman" panose="02020603050405020304" pitchFamily="18" charset="0"/>
+                <a:cs typeface="Times New Roman" panose="02020603050405020304" pitchFamily="18" charset="0"/>
+              </a:rPr>
+              <a:t>Dif</a:t>
+            </a:r>
+            <a:r>
+              <a:rPr lang="pt-BR" sz="2000" dirty="0">
+                <a:latin typeface="Times New Roman" panose="02020603050405020304" pitchFamily="18" charset="0"/>
+                <a:cs typeface="Times New Roman" panose="02020603050405020304" pitchFamily="18" charset="0"/>
+              </a:rPr>
+              <a:t>'] = </a:t>
+            </a:r>
+            <a:r>
+              <a:rPr lang="pt-BR" sz="2000" dirty="0" err="1">
+                <a:latin typeface="Times New Roman" panose="02020603050405020304" pitchFamily="18" charset="0"/>
+                <a:cs typeface="Times New Roman" panose="02020603050405020304" pitchFamily="18" charset="0"/>
+              </a:rPr>
+              <a:t>ibov</a:t>
+            </a:r>
+            <a:r>
+              <a:rPr lang="pt-BR" sz="2000" dirty="0">
+                <a:latin typeface="Times New Roman" panose="02020603050405020304" pitchFamily="18" charset="0"/>
+                <a:cs typeface="Times New Roman" panose="02020603050405020304" pitchFamily="18" charset="0"/>
+              </a:rPr>
+              <a:t>['Close'] - </a:t>
+            </a:r>
+            <a:r>
+              <a:rPr lang="pt-BR" sz="2000" dirty="0" err="1">
+                <a:latin typeface="Times New Roman" panose="02020603050405020304" pitchFamily="18" charset="0"/>
+                <a:cs typeface="Times New Roman" panose="02020603050405020304" pitchFamily="18" charset="0"/>
+              </a:rPr>
+              <a:t>ibov</a:t>
+            </a:r>
+            <a:r>
+              <a:rPr lang="pt-BR" sz="2000" dirty="0">
+                <a:latin typeface="Times New Roman" panose="02020603050405020304" pitchFamily="18" charset="0"/>
+                <a:cs typeface="Times New Roman" panose="02020603050405020304" pitchFamily="18" charset="0"/>
+              </a:rPr>
+              <a:t>['Open’]</a:t>
+            </a:r>
+          </a:p>
+          <a:p>
+            <a:pPr marL="0" indent="0" algn="just">
+              <a:buNone/>
+            </a:pPr>
+            <a:endParaRPr lang="pt-BR" sz="2000" dirty="0">
+              <a:latin typeface="Times New Roman" panose="02020603050405020304" pitchFamily="18" charset="0"/>
+              <a:cs typeface="Times New Roman" panose="02020603050405020304" pitchFamily="18" charset="0"/>
+            </a:endParaRPr>
+          </a:p>
+          <a:p>
+            <a:pPr marL="0" indent="0" algn="just">
+              <a:buNone/>
+            </a:pPr>
+            <a:r>
+              <a:rPr lang="pt-BR" sz="2000" dirty="0" err="1">
+                <a:latin typeface="Times New Roman" panose="02020603050405020304" pitchFamily="18" charset="0"/>
+                <a:cs typeface="Times New Roman" panose="02020603050405020304" pitchFamily="18" charset="0"/>
+              </a:rPr>
+              <a:t>df</a:t>
+            </a:r>
+            <a:r>
+              <a:rPr lang="pt-BR" sz="2000" dirty="0">
+                <a:latin typeface="Times New Roman" panose="02020603050405020304" pitchFamily="18" charset="0"/>
+                <a:cs typeface="Times New Roman" panose="02020603050405020304" pitchFamily="18" charset="0"/>
+              </a:rPr>
+              <a:t> = </a:t>
+            </a:r>
+            <a:r>
+              <a:rPr lang="pt-BR" sz="2000" dirty="0" err="1">
+                <a:latin typeface="Times New Roman" panose="02020603050405020304" pitchFamily="18" charset="0"/>
+                <a:cs typeface="Times New Roman" panose="02020603050405020304" pitchFamily="18" charset="0"/>
+              </a:rPr>
+              <a:t>ibov.sort_values</a:t>
+            </a:r>
+            <a:r>
+              <a:rPr lang="pt-BR" sz="2000" dirty="0">
+                <a:latin typeface="Times New Roman" panose="02020603050405020304" pitchFamily="18" charset="0"/>
+                <a:cs typeface="Times New Roman" panose="02020603050405020304" pitchFamily="18" charset="0"/>
+              </a:rPr>
+              <a:t>(</a:t>
+            </a:r>
+            <a:r>
+              <a:rPr lang="pt-BR" sz="2000" dirty="0" err="1">
+                <a:latin typeface="Times New Roman" panose="02020603050405020304" pitchFamily="18" charset="0"/>
+                <a:cs typeface="Times New Roman" panose="02020603050405020304" pitchFamily="18" charset="0"/>
+              </a:rPr>
+              <a:t>by</a:t>
+            </a:r>
+            <a:r>
+              <a:rPr lang="pt-BR" sz="2000" dirty="0">
+                <a:latin typeface="Times New Roman" panose="02020603050405020304" pitchFamily="18" charset="0"/>
+                <a:cs typeface="Times New Roman" panose="02020603050405020304" pitchFamily="18" charset="0"/>
+              </a:rPr>
+              <a:t>=['</a:t>
+            </a:r>
+            <a:r>
+              <a:rPr lang="pt-BR" sz="2000" dirty="0" err="1">
+                <a:latin typeface="Times New Roman" panose="02020603050405020304" pitchFamily="18" charset="0"/>
+                <a:cs typeface="Times New Roman" panose="02020603050405020304" pitchFamily="18" charset="0"/>
+              </a:rPr>
+              <a:t>Dif</a:t>
+            </a:r>
+            <a:r>
+              <a:rPr lang="pt-BR" sz="2000" dirty="0">
+                <a:latin typeface="Times New Roman" panose="02020603050405020304" pitchFamily="18" charset="0"/>
+                <a:cs typeface="Times New Roman" panose="02020603050405020304" pitchFamily="18" charset="0"/>
+              </a:rPr>
+              <a:t>'], </a:t>
+            </a:r>
+            <a:r>
+              <a:rPr lang="pt-BR" sz="2000" dirty="0" err="1">
+                <a:latin typeface="Times New Roman" panose="02020603050405020304" pitchFamily="18" charset="0"/>
+                <a:cs typeface="Times New Roman" panose="02020603050405020304" pitchFamily="18" charset="0"/>
+              </a:rPr>
+              <a:t>ascending</a:t>
+            </a:r>
+            <a:r>
+              <a:rPr lang="pt-BR" sz="2000" dirty="0">
+                <a:latin typeface="Times New Roman" panose="02020603050405020304" pitchFamily="18" charset="0"/>
+                <a:cs typeface="Times New Roman" panose="02020603050405020304" pitchFamily="18" charset="0"/>
+              </a:rPr>
+              <a:t>=</a:t>
+            </a:r>
+            <a:r>
+              <a:rPr lang="pt-BR" sz="2000" dirty="0" err="1">
+                <a:latin typeface="Times New Roman" panose="02020603050405020304" pitchFamily="18" charset="0"/>
+                <a:cs typeface="Times New Roman" panose="02020603050405020304" pitchFamily="18" charset="0"/>
+              </a:rPr>
+              <a:t>True</a:t>
+            </a:r>
+            <a:r>
+              <a:rPr lang="pt-BR" sz="2000" dirty="0">
+                <a:latin typeface="Times New Roman" panose="02020603050405020304" pitchFamily="18" charset="0"/>
+                <a:cs typeface="Times New Roman" panose="02020603050405020304" pitchFamily="18" charset="0"/>
+              </a:rPr>
+              <a:t>)</a:t>
+            </a:r>
+          </a:p>
+          <a:p>
+            <a:pPr marL="0" indent="0" algn="just">
+              <a:buNone/>
+            </a:pPr>
+            <a:r>
+              <a:rPr lang="pt-BR" sz="2000" dirty="0" err="1">
+                <a:latin typeface="Times New Roman" panose="02020603050405020304" pitchFamily="18" charset="0"/>
+                <a:cs typeface="Times New Roman" panose="02020603050405020304" pitchFamily="18" charset="0"/>
+              </a:rPr>
+              <a:t>df</a:t>
+            </a:r>
+            <a:r>
+              <a:rPr lang="pt-BR" sz="2000" dirty="0">
+                <a:latin typeface="Times New Roman" panose="02020603050405020304" pitchFamily="18" charset="0"/>
+                <a:cs typeface="Times New Roman" panose="02020603050405020304" pitchFamily="18" charset="0"/>
+              </a:rPr>
+              <a:t>[:10]</a:t>
+            </a:r>
+          </a:p>
+        </p:txBody>
+      </p:sp>
+    </p:spTree>
+    <p:extLst>
+      <p:ext uri="{BB962C8B-B14F-4D97-AF65-F5344CB8AC3E}">
+        <p14:creationId xmlns:p14="http://schemas.microsoft.com/office/powerpoint/2010/main" val="3315575994"/>
+      </p:ext>
+    </p:extLst>
+  </p:cSld>
+  <p:clrMapOvr>
+    <a:masterClrMapping/>
+  </p:clrMapOvr>
+  <p:transition spd="med"/>
+</p:sld>
+</file>
+
+<file path=ppt/slides/slide17.xml><?xml version="1.0" encoding="utf-8"?>
+<p:sld xmlns:a="http://schemas.openxmlformats.org/drawingml/2006/main" xmlns:r="http://schemas.openxmlformats.org/officeDocument/2006/relationships" xmlns:p="http://schemas.openxmlformats.org/presentationml/2006/main">
+  <p:cSld>
+    <p:spTree>
+      <p:nvGrpSpPr>
+        <p:cNvPr id="1" name=""/>
+        <p:cNvGrpSpPr/>
+        <p:nvPr/>
+      </p:nvGrpSpPr>
+      <p:grpSpPr>
+        <a:xfrm>
+          <a:off x="0" y="0"/>
+          <a:ext cx="0" cy="0"/>
+          <a:chOff x="0" y="0"/>
+          <a:chExt cx="0" cy="0"/>
+        </a:xfrm>
+      </p:grpSpPr>
+      <p:sp>
+        <p:nvSpPr>
+          <p:cNvPr id="6" name="Title 1"/>
+          <p:cNvSpPr>
+            <a:spLocks noGrp="1"/>
+          </p:cNvSpPr>
+          <p:nvPr>
+            <p:ph type="title"/>
+          </p:nvPr>
+        </p:nvSpPr>
+        <p:spPr>
+          <a:xfrm>
+            <a:off x="457200" y="205980"/>
+            <a:ext cx="8229600" cy="857251"/>
+          </a:xfrm>
+        </p:spPr>
+        <p:txBody>
+          <a:bodyPr>
+            <a:normAutofit/>
+          </a:bodyPr>
+          <a:lstStyle/>
+          <a:p>
+            <a:r>
+              <a:rPr lang="pt-BR" b="1" dirty="0">
+                <a:solidFill>
+                  <a:srgbClr val="0070C0"/>
+                </a:solidFill>
+              </a:rPr>
+              <a:t>Exemplo Python Financeiro</a:t>
+            </a:r>
+            <a:endParaRPr lang="en-US" b="1" dirty="0">
+              <a:solidFill>
+                <a:srgbClr val="0070C0"/>
+              </a:solidFill>
+            </a:endParaRPr>
+          </a:p>
+        </p:txBody>
+      </p:sp>
+      <p:sp>
+        <p:nvSpPr>
+          <p:cNvPr id="8" name="Text Placeholder 2"/>
+          <p:cNvSpPr>
+            <a:spLocks noGrp="1"/>
+          </p:cNvSpPr>
+          <p:nvPr>
+            <p:ph type="body" sz="half" idx="1"/>
+          </p:nvPr>
+        </p:nvSpPr>
+        <p:spPr>
+          <a:xfrm>
+            <a:off x="142865" y="1200150"/>
+            <a:ext cx="8865056" cy="3737370"/>
+          </a:xfrm>
+        </p:spPr>
+        <p:txBody>
+          <a:bodyPr>
+            <a:noAutofit/>
+          </a:bodyPr>
+          <a:lstStyle/>
+          <a:p>
+            <a:pPr marL="0" indent="0" algn="just">
+              <a:buNone/>
+            </a:pPr>
+            <a:r>
+              <a:rPr lang="pt-BR" sz="2000" dirty="0">
+                <a:latin typeface="Times New Roman" panose="02020603050405020304" pitchFamily="18" charset="0"/>
+                <a:cs typeface="Times New Roman" panose="02020603050405020304" pitchFamily="18" charset="0"/>
+              </a:rPr>
+              <a:t># Bolsa Google</a:t>
+            </a:r>
+          </a:p>
+          <a:p>
+            <a:pPr marL="0" indent="0" algn="just">
+              <a:buNone/>
+            </a:pPr>
+            <a:endParaRPr lang="pt-BR" sz="2000" dirty="0">
+              <a:latin typeface="Times New Roman" panose="02020603050405020304" pitchFamily="18" charset="0"/>
+              <a:cs typeface="Times New Roman" panose="02020603050405020304" pitchFamily="18" charset="0"/>
+            </a:endParaRPr>
+          </a:p>
+          <a:p>
+            <a:pPr marL="0" indent="0" algn="just">
+              <a:buNone/>
+            </a:pPr>
+            <a:r>
+              <a:rPr lang="pt-BR" sz="2000" dirty="0">
+                <a:latin typeface="Times New Roman" panose="02020603050405020304" pitchFamily="18" charset="0"/>
+                <a:cs typeface="Times New Roman" panose="02020603050405020304" pitchFamily="18" charset="0"/>
+              </a:rPr>
+              <a:t>google = </a:t>
+            </a:r>
+            <a:r>
+              <a:rPr lang="pt-BR" sz="2000" dirty="0" err="1">
+                <a:latin typeface="Times New Roman" panose="02020603050405020304" pitchFamily="18" charset="0"/>
+                <a:cs typeface="Times New Roman" panose="02020603050405020304" pitchFamily="18" charset="0"/>
+              </a:rPr>
+              <a:t>web.get_data_yahoo</a:t>
+            </a:r>
+            <a:r>
+              <a:rPr lang="pt-BR" sz="2000" dirty="0">
+                <a:latin typeface="Times New Roman" panose="02020603050405020304" pitchFamily="18" charset="0"/>
+                <a:cs typeface="Times New Roman" panose="02020603050405020304" pitchFamily="18" charset="0"/>
+              </a:rPr>
+              <a:t>('GOOG')</a:t>
+            </a:r>
+          </a:p>
+          <a:p>
+            <a:pPr marL="0" indent="0" algn="just">
+              <a:buNone/>
+            </a:pPr>
+            <a:r>
+              <a:rPr lang="pt-BR" sz="2000" dirty="0">
+                <a:latin typeface="Times New Roman" panose="02020603050405020304" pitchFamily="18" charset="0"/>
+                <a:cs typeface="Times New Roman" panose="02020603050405020304" pitchFamily="18" charset="0"/>
+              </a:rPr>
+              <a:t>google['Close'].</a:t>
+            </a:r>
+            <a:r>
+              <a:rPr lang="pt-BR" sz="2000" dirty="0" err="1">
+                <a:latin typeface="Times New Roman" panose="02020603050405020304" pitchFamily="18" charset="0"/>
+                <a:cs typeface="Times New Roman" panose="02020603050405020304" pitchFamily="18" charset="0"/>
+              </a:rPr>
+              <a:t>plot</a:t>
+            </a:r>
+            <a:r>
+              <a:rPr lang="pt-BR" sz="2000" dirty="0">
+                <a:latin typeface="Times New Roman" panose="02020603050405020304" pitchFamily="18" charset="0"/>
+                <a:cs typeface="Times New Roman" panose="02020603050405020304" pitchFamily="18" charset="0"/>
+              </a:rPr>
+              <a:t>()</a:t>
+            </a:r>
+          </a:p>
+          <a:p>
+            <a:pPr marL="0" indent="0" algn="just">
+              <a:buNone/>
+            </a:pPr>
+            <a:endParaRPr lang="pt-BR" sz="2000" dirty="0">
+              <a:latin typeface="Times New Roman" panose="02020603050405020304" pitchFamily="18" charset="0"/>
+              <a:cs typeface="Times New Roman" panose="02020603050405020304" pitchFamily="18" charset="0"/>
+            </a:endParaRPr>
+          </a:p>
+          <a:p>
+            <a:pPr marL="0" indent="0" algn="just">
+              <a:buNone/>
+            </a:pPr>
+            <a:r>
+              <a:rPr lang="pt-BR" sz="2000" dirty="0">
+                <a:latin typeface="Times New Roman" panose="02020603050405020304" pitchFamily="18" charset="0"/>
+                <a:cs typeface="Times New Roman" panose="02020603050405020304" pitchFamily="18" charset="0"/>
+              </a:rPr>
+              <a:t>#google['Dif'] = google['Close'] - google['Open’]</a:t>
+            </a:r>
+          </a:p>
+          <a:p>
+            <a:pPr marL="0" indent="0" algn="just">
+              <a:buNone/>
+            </a:pPr>
+            <a:endParaRPr lang="pt-BR" sz="2000" dirty="0">
+              <a:latin typeface="Times New Roman" panose="02020603050405020304" pitchFamily="18" charset="0"/>
+              <a:cs typeface="Times New Roman" panose="02020603050405020304" pitchFamily="18" charset="0"/>
+            </a:endParaRPr>
+          </a:p>
+          <a:p>
+            <a:pPr marL="0" indent="0" algn="just">
+              <a:buNone/>
+            </a:pPr>
+            <a:r>
+              <a:rPr lang="pt-BR" sz="2000" dirty="0" err="1">
+                <a:latin typeface="Times New Roman" panose="02020603050405020304" pitchFamily="18" charset="0"/>
+                <a:cs typeface="Times New Roman" panose="02020603050405020304" pitchFamily="18" charset="0"/>
+              </a:rPr>
+              <a:t>googleM</a:t>
+            </a:r>
+            <a:r>
+              <a:rPr lang="pt-BR" sz="2000" dirty="0">
+                <a:latin typeface="Times New Roman" panose="02020603050405020304" pitchFamily="18" charset="0"/>
+                <a:cs typeface="Times New Roman" panose="02020603050405020304" pitchFamily="18" charset="0"/>
+              </a:rPr>
+              <a:t> = </a:t>
+            </a:r>
+            <a:r>
+              <a:rPr lang="pt-BR" sz="2000" dirty="0" err="1">
+                <a:latin typeface="Times New Roman" panose="02020603050405020304" pitchFamily="18" charset="0"/>
+                <a:cs typeface="Times New Roman" panose="02020603050405020304" pitchFamily="18" charset="0"/>
+              </a:rPr>
+              <a:t>google.resample</a:t>
+            </a:r>
+            <a:r>
+              <a:rPr lang="pt-BR" sz="2000" dirty="0">
+                <a:latin typeface="Times New Roman" panose="02020603050405020304" pitchFamily="18" charset="0"/>
+                <a:cs typeface="Times New Roman" panose="02020603050405020304" pitchFamily="18" charset="0"/>
+              </a:rPr>
+              <a:t>('M').</a:t>
+            </a:r>
+            <a:r>
+              <a:rPr lang="pt-BR" sz="2000" dirty="0" err="1">
+                <a:latin typeface="Times New Roman" panose="02020603050405020304" pitchFamily="18" charset="0"/>
+                <a:cs typeface="Times New Roman" panose="02020603050405020304" pitchFamily="18" charset="0"/>
+              </a:rPr>
+              <a:t>max</a:t>
+            </a:r>
+            <a:r>
+              <a:rPr lang="pt-BR" sz="2000" dirty="0">
+                <a:latin typeface="Times New Roman" panose="02020603050405020304" pitchFamily="18" charset="0"/>
+                <a:cs typeface="Times New Roman" panose="02020603050405020304" pitchFamily="18" charset="0"/>
+              </a:rPr>
+              <a:t>()</a:t>
+            </a:r>
+          </a:p>
+        </p:txBody>
+      </p:sp>
+    </p:spTree>
+    <p:extLst>
+      <p:ext uri="{BB962C8B-B14F-4D97-AF65-F5344CB8AC3E}">
+        <p14:creationId xmlns:p14="http://schemas.microsoft.com/office/powerpoint/2010/main" val="235104910"/>
+      </p:ext>
+    </p:extLst>
+  </p:cSld>
+  <p:clrMapOvr>
+    <a:masterClrMapping/>
+  </p:clrMapOvr>
+  <p:transition spd="med"/>
+</p:sld>
+</file>
+
+<file path=ppt/slides/slide18.xml><?xml version="1.0" encoding="utf-8"?>
+<p:sld xmlns:a="http://schemas.openxmlformats.org/drawingml/2006/main" xmlns:r="http://schemas.openxmlformats.org/officeDocument/2006/relationships" xmlns:p="http://schemas.openxmlformats.org/presentationml/2006/main">
+  <p:cSld>
+    <p:spTree>
+      <p:nvGrpSpPr>
+        <p:cNvPr id="1" name=""/>
+        <p:cNvGrpSpPr/>
+        <p:nvPr/>
+      </p:nvGrpSpPr>
+      <p:grpSpPr>
+        <a:xfrm>
+          <a:off x="0" y="0"/>
+          <a:ext cx="0" cy="0"/>
+          <a:chOff x="0" y="0"/>
+          <a:chExt cx="0" cy="0"/>
+        </a:xfrm>
+      </p:grpSpPr>
+      <p:sp>
+        <p:nvSpPr>
+          <p:cNvPr id="6" name="Title 1"/>
+          <p:cNvSpPr>
+            <a:spLocks noGrp="1"/>
+          </p:cNvSpPr>
+          <p:nvPr>
+            <p:ph type="title"/>
+          </p:nvPr>
+        </p:nvSpPr>
+        <p:spPr>
+          <a:xfrm>
+            <a:off x="457200" y="205980"/>
+            <a:ext cx="8229600" cy="857251"/>
+          </a:xfrm>
+        </p:spPr>
+        <p:txBody>
+          <a:bodyPr>
+            <a:normAutofit/>
+          </a:bodyPr>
+          <a:lstStyle/>
+          <a:p>
+            <a:r>
+              <a:rPr lang="pt-BR" b="1" dirty="0">
+                <a:solidFill>
+                  <a:srgbClr val="0070C0"/>
+                </a:solidFill>
+              </a:rPr>
+              <a:t>Exemplo Python Financeiro</a:t>
+            </a:r>
+            <a:endParaRPr lang="en-US" b="1" dirty="0">
+              <a:solidFill>
+                <a:srgbClr val="0070C0"/>
+              </a:solidFill>
+            </a:endParaRPr>
+          </a:p>
+        </p:txBody>
+      </p:sp>
+      <p:sp>
+        <p:nvSpPr>
+          <p:cNvPr id="8" name="Text Placeholder 2"/>
+          <p:cNvSpPr>
+            <a:spLocks noGrp="1"/>
+          </p:cNvSpPr>
+          <p:nvPr>
+            <p:ph type="body" sz="half" idx="1"/>
+          </p:nvPr>
+        </p:nvSpPr>
+        <p:spPr>
+          <a:xfrm>
+            <a:off x="142865" y="1200150"/>
+            <a:ext cx="8865056" cy="3737370"/>
+          </a:xfrm>
+        </p:spPr>
+        <p:txBody>
+          <a:bodyPr>
+            <a:noAutofit/>
+          </a:bodyPr>
+          <a:lstStyle/>
+          <a:p>
+            <a:pPr marL="0" indent="0" algn="just">
+              <a:buNone/>
+            </a:pPr>
+            <a:r>
+              <a:rPr lang="pt-BR" sz="2000" dirty="0">
+                <a:latin typeface="Times New Roman" panose="02020603050405020304" pitchFamily="18" charset="0"/>
+                <a:cs typeface="Times New Roman" panose="02020603050405020304" pitchFamily="18" charset="0"/>
+              </a:rPr>
+              <a:t># python.exe -m </a:t>
+            </a:r>
+            <a:r>
+              <a:rPr lang="pt-BR" sz="2000" dirty="0" err="1">
+                <a:latin typeface="Times New Roman" panose="02020603050405020304" pitchFamily="18" charset="0"/>
+                <a:cs typeface="Times New Roman" panose="02020603050405020304" pitchFamily="18" charset="0"/>
+              </a:rPr>
+              <a:t>pip</a:t>
+            </a:r>
+            <a:r>
+              <a:rPr lang="pt-BR" sz="2000" dirty="0">
+                <a:latin typeface="Times New Roman" panose="02020603050405020304" pitchFamily="18" charset="0"/>
+                <a:cs typeface="Times New Roman" panose="02020603050405020304" pitchFamily="18" charset="0"/>
+              </a:rPr>
+              <a:t> </a:t>
+            </a:r>
+            <a:r>
+              <a:rPr lang="pt-BR" sz="2000" dirty="0" err="1">
+                <a:latin typeface="Times New Roman" panose="02020603050405020304" pitchFamily="18" charset="0"/>
+                <a:cs typeface="Times New Roman" panose="02020603050405020304" pitchFamily="18" charset="0"/>
+              </a:rPr>
+              <a:t>install</a:t>
+            </a:r>
+            <a:r>
+              <a:rPr lang="pt-BR" sz="2000" dirty="0">
+                <a:latin typeface="Times New Roman" panose="02020603050405020304" pitchFamily="18" charset="0"/>
+                <a:cs typeface="Times New Roman" panose="02020603050405020304" pitchFamily="18" charset="0"/>
+              </a:rPr>
+              <a:t> --upgrade </a:t>
+            </a:r>
+            <a:r>
+              <a:rPr lang="pt-BR" sz="2000" dirty="0" err="1">
+                <a:latin typeface="Times New Roman" panose="02020603050405020304" pitchFamily="18" charset="0"/>
+                <a:cs typeface="Times New Roman" panose="02020603050405020304" pitchFamily="18" charset="0"/>
+              </a:rPr>
+              <a:t>pip</a:t>
+            </a:r>
+            <a:endParaRPr lang="pt-BR" sz="2000" dirty="0">
+              <a:latin typeface="Times New Roman" panose="02020603050405020304" pitchFamily="18" charset="0"/>
+              <a:cs typeface="Times New Roman" panose="02020603050405020304" pitchFamily="18" charset="0"/>
+            </a:endParaRPr>
+          </a:p>
+          <a:p>
+            <a:pPr marL="0" indent="0" algn="just">
+              <a:buNone/>
+            </a:pPr>
+            <a:endParaRPr lang="pt-BR" sz="2000" dirty="0">
+              <a:latin typeface="Times New Roman" panose="02020603050405020304" pitchFamily="18" charset="0"/>
+              <a:cs typeface="Times New Roman" panose="02020603050405020304" pitchFamily="18" charset="0"/>
+            </a:endParaRPr>
+          </a:p>
+          <a:p>
+            <a:pPr marL="0" indent="0" algn="just">
+              <a:buNone/>
+            </a:pPr>
+            <a:r>
+              <a:rPr lang="pt-BR" sz="2000" dirty="0">
+                <a:latin typeface="Times New Roman" panose="02020603050405020304" pitchFamily="18" charset="0"/>
+                <a:cs typeface="Times New Roman" panose="02020603050405020304" pitchFamily="18" charset="0"/>
+              </a:rPr>
+              <a:t># extensão </a:t>
+            </a:r>
+            <a:r>
+              <a:rPr lang="pt-BR" sz="2000" dirty="0" err="1">
+                <a:latin typeface="Times New Roman" panose="02020603050405020304" pitchFamily="18" charset="0"/>
+                <a:cs typeface="Times New Roman" panose="02020603050405020304" pitchFamily="18" charset="0"/>
+              </a:rPr>
+              <a:t>jupyter</a:t>
+            </a:r>
+            <a:endParaRPr lang="pt-BR" sz="2000" dirty="0">
+              <a:latin typeface="Times New Roman" panose="02020603050405020304" pitchFamily="18" charset="0"/>
+              <a:cs typeface="Times New Roman" panose="02020603050405020304" pitchFamily="18" charset="0"/>
+            </a:endParaRPr>
+          </a:p>
+          <a:p>
+            <a:pPr marL="0" indent="0" algn="just">
+              <a:buNone/>
+            </a:pPr>
+            <a:r>
+              <a:rPr lang="pt-BR" sz="2000" dirty="0">
+                <a:latin typeface="Times New Roman" panose="02020603050405020304" pitchFamily="18" charset="0"/>
+                <a:cs typeface="Times New Roman" panose="02020603050405020304" pitchFamily="18" charset="0"/>
+              </a:rPr>
+              <a:t># </a:t>
+            </a:r>
+            <a:r>
+              <a:rPr lang="pt-BR" sz="2000" dirty="0" err="1">
+                <a:latin typeface="Times New Roman" panose="02020603050405020304" pitchFamily="18" charset="0"/>
+                <a:cs typeface="Times New Roman" panose="02020603050405020304" pitchFamily="18" charset="0"/>
+              </a:rPr>
+              <a:t>pip</a:t>
+            </a:r>
+            <a:r>
+              <a:rPr lang="pt-BR" sz="2000" dirty="0">
+                <a:latin typeface="Times New Roman" panose="02020603050405020304" pitchFamily="18" charset="0"/>
+                <a:cs typeface="Times New Roman" panose="02020603050405020304" pitchFamily="18" charset="0"/>
+              </a:rPr>
+              <a:t> </a:t>
+            </a:r>
+            <a:r>
+              <a:rPr lang="pt-BR" sz="2000" dirty="0" err="1">
+                <a:latin typeface="Times New Roman" panose="02020603050405020304" pitchFamily="18" charset="0"/>
+                <a:cs typeface="Times New Roman" panose="02020603050405020304" pitchFamily="18" charset="0"/>
+              </a:rPr>
+              <a:t>install</a:t>
+            </a:r>
+            <a:r>
+              <a:rPr lang="pt-BR" sz="2000" dirty="0">
+                <a:latin typeface="Times New Roman" panose="02020603050405020304" pitchFamily="18" charset="0"/>
+                <a:cs typeface="Times New Roman" panose="02020603050405020304" pitchFamily="18" charset="0"/>
+              </a:rPr>
+              <a:t> </a:t>
+            </a:r>
+            <a:r>
+              <a:rPr lang="pt-BR" sz="2000" dirty="0" err="1">
+                <a:latin typeface="Times New Roman" panose="02020603050405020304" pitchFamily="18" charset="0"/>
+                <a:cs typeface="Times New Roman" panose="02020603050405020304" pitchFamily="18" charset="0"/>
+              </a:rPr>
+              <a:t>ipykernell</a:t>
+            </a:r>
+            <a:endParaRPr lang="pt-BR" sz="2000" dirty="0">
+              <a:latin typeface="Times New Roman" panose="02020603050405020304" pitchFamily="18" charset="0"/>
+              <a:cs typeface="Times New Roman" panose="02020603050405020304" pitchFamily="18" charset="0"/>
+            </a:endParaRPr>
+          </a:p>
+          <a:p>
+            <a:pPr marL="0" indent="0" algn="just">
+              <a:buNone/>
+            </a:pPr>
+            <a:endParaRPr lang="pt-BR" sz="2000" dirty="0">
+              <a:latin typeface="Times New Roman" panose="02020603050405020304" pitchFamily="18" charset="0"/>
+              <a:cs typeface="Times New Roman" panose="02020603050405020304" pitchFamily="18" charset="0"/>
+            </a:endParaRPr>
+          </a:p>
+          <a:p>
+            <a:pPr marL="0" indent="0" algn="just">
+              <a:buNone/>
+            </a:pPr>
+            <a:r>
+              <a:rPr lang="pt-BR" sz="2000" dirty="0">
+                <a:latin typeface="Times New Roman" panose="02020603050405020304" pitchFamily="18" charset="0"/>
+                <a:cs typeface="Times New Roman" panose="02020603050405020304" pitchFamily="18" charset="0"/>
+              </a:rPr>
+              <a:t># </a:t>
+            </a:r>
+            <a:r>
+              <a:rPr lang="pt-BR" sz="2000" dirty="0" err="1">
+                <a:latin typeface="Times New Roman" panose="02020603050405020304" pitchFamily="18" charset="0"/>
+                <a:cs typeface="Times New Roman" panose="02020603050405020304" pitchFamily="18" charset="0"/>
+              </a:rPr>
+              <a:t>pip</a:t>
+            </a:r>
+            <a:r>
+              <a:rPr lang="pt-BR" sz="2000" dirty="0">
+                <a:latin typeface="Times New Roman" panose="02020603050405020304" pitchFamily="18" charset="0"/>
+                <a:cs typeface="Times New Roman" panose="02020603050405020304" pitchFamily="18" charset="0"/>
+              </a:rPr>
+              <a:t> </a:t>
+            </a:r>
+            <a:r>
+              <a:rPr lang="pt-BR" sz="2000" dirty="0" err="1">
+                <a:latin typeface="Times New Roman" panose="02020603050405020304" pitchFamily="18" charset="0"/>
+                <a:cs typeface="Times New Roman" panose="02020603050405020304" pitchFamily="18" charset="0"/>
+              </a:rPr>
+              <a:t>install</a:t>
+            </a:r>
+            <a:r>
+              <a:rPr lang="pt-BR" sz="2000" dirty="0">
+                <a:latin typeface="Times New Roman" panose="02020603050405020304" pitchFamily="18" charset="0"/>
+                <a:cs typeface="Times New Roman" panose="02020603050405020304" pitchFamily="18" charset="0"/>
+              </a:rPr>
+              <a:t> </a:t>
+            </a:r>
+            <a:r>
+              <a:rPr lang="pt-BR" sz="2000" dirty="0" err="1">
+                <a:latin typeface="Times New Roman" panose="02020603050405020304" pitchFamily="18" charset="0"/>
+                <a:cs typeface="Times New Roman" panose="02020603050405020304" pitchFamily="18" charset="0"/>
+              </a:rPr>
+              <a:t>numpy</a:t>
+            </a:r>
+            <a:endParaRPr lang="pt-BR" sz="2000" dirty="0">
+              <a:latin typeface="Times New Roman" panose="02020603050405020304" pitchFamily="18" charset="0"/>
+              <a:cs typeface="Times New Roman" panose="02020603050405020304" pitchFamily="18" charset="0"/>
+            </a:endParaRPr>
+          </a:p>
+          <a:p>
+            <a:pPr marL="0" indent="0" algn="just">
+              <a:buNone/>
+            </a:pPr>
+            <a:r>
+              <a:rPr lang="pt-BR" sz="2000" dirty="0" err="1">
+                <a:latin typeface="Times New Roman" panose="02020603050405020304" pitchFamily="18" charset="0"/>
+                <a:cs typeface="Times New Roman" panose="02020603050405020304" pitchFamily="18" charset="0"/>
+              </a:rPr>
+              <a:t>import</a:t>
+            </a:r>
+            <a:r>
+              <a:rPr lang="pt-BR" sz="2000" dirty="0">
+                <a:latin typeface="Times New Roman" panose="02020603050405020304" pitchFamily="18" charset="0"/>
+                <a:cs typeface="Times New Roman" panose="02020603050405020304" pitchFamily="18" charset="0"/>
+              </a:rPr>
+              <a:t> </a:t>
+            </a:r>
+            <a:r>
+              <a:rPr lang="pt-BR" sz="2000" dirty="0" err="1">
+                <a:latin typeface="Times New Roman" panose="02020603050405020304" pitchFamily="18" charset="0"/>
+                <a:cs typeface="Times New Roman" panose="02020603050405020304" pitchFamily="18" charset="0"/>
+              </a:rPr>
+              <a:t>numpy</a:t>
+            </a:r>
+            <a:r>
+              <a:rPr lang="pt-BR" sz="2000" dirty="0">
+                <a:latin typeface="Times New Roman" panose="02020603050405020304" pitchFamily="18" charset="0"/>
+                <a:cs typeface="Times New Roman" panose="02020603050405020304" pitchFamily="18" charset="0"/>
+              </a:rPr>
+              <a:t> as </a:t>
+            </a:r>
+            <a:r>
+              <a:rPr lang="pt-BR" sz="2000" dirty="0" err="1">
+                <a:latin typeface="Times New Roman" panose="02020603050405020304" pitchFamily="18" charset="0"/>
+                <a:cs typeface="Times New Roman" panose="02020603050405020304" pitchFamily="18" charset="0"/>
+              </a:rPr>
+              <a:t>np</a:t>
+            </a:r>
+            <a:endParaRPr lang="pt-BR" sz="2000" dirty="0">
+              <a:latin typeface="Times New Roman" panose="02020603050405020304" pitchFamily="18" charset="0"/>
+              <a:cs typeface="Times New Roman" panose="02020603050405020304" pitchFamily="18" charset="0"/>
+            </a:endParaRPr>
+          </a:p>
+          <a:p>
+            <a:pPr marL="0" indent="0" algn="just">
+              <a:buNone/>
+            </a:pPr>
+            <a:endParaRPr lang="pt-BR" sz="2000" dirty="0">
+              <a:latin typeface="Times New Roman" panose="02020603050405020304" pitchFamily="18" charset="0"/>
+              <a:cs typeface="Times New Roman" panose="02020603050405020304" pitchFamily="18" charset="0"/>
+            </a:endParaRPr>
+          </a:p>
+          <a:p>
+            <a:pPr marL="0" indent="0" algn="just">
+              <a:buNone/>
+            </a:pPr>
+            <a:r>
+              <a:rPr lang="pt-BR" sz="2000" dirty="0">
+                <a:latin typeface="Times New Roman" panose="02020603050405020304" pitchFamily="18" charset="0"/>
+                <a:cs typeface="Times New Roman" panose="02020603050405020304" pitchFamily="18" charset="0"/>
+              </a:rPr>
+              <a:t># </a:t>
+            </a:r>
+            <a:r>
+              <a:rPr lang="pt-BR" sz="2000" dirty="0" err="1">
+                <a:latin typeface="Times New Roman" panose="02020603050405020304" pitchFamily="18" charset="0"/>
+                <a:cs typeface="Times New Roman" panose="02020603050405020304" pitchFamily="18" charset="0"/>
+              </a:rPr>
+              <a:t>pip</a:t>
+            </a:r>
+            <a:r>
+              <a:rPr lang="pt-BR" sz="2000" dirty="0">
+                <a:latin typeface="Times New Roman" panose="02020603050405020304" pitchFamily="18" charset="0"/>
+                <a:cs typeface="Times New Roman" panose="02020603050405020304" pitchFamily="18" charset="0"/>
+              </a:rPr>
+              <a:t> </a:t>
+            </a:r>
+            <a:r>
+              <a:rPr lang="pt-BR" sz="2000" dirty="0" err="1">
+                <a:latin typeface="Times New Roman" panose="02020603050405020304" pitchFamily="18" charset="0"/>
+                <a:cs typeface="Times New Roman" panose="02020603050405020304" pitchFamily="18" charset="0"/>
+              </a:rPr>
+              <a:t>install</a:t>
+            </a:r>
+            <a:r>
+              <a:rPr lang="pt-BR" sz="2000" dirty="0">
+                <a:latin typeface="Times New Roman" panose="02020603050405020304" pitchFamily="18" charset="0"/>
+                <a:cs typeface="Times New Roman" panose="02020603050405020304" pitchFamily="18" charset="0"/>
+              </a:rPr>
+              <a:t> pandas</a:t>
+            </a:r>
+          </a:p>
+          <a:p>
+            <a:pPr marL="0" indent="0" algn="just">
+              <a:buNone/>
+            </a:pPr>
+            <a:r>
+              <a:rPr lang="pt-BR" sz="2000" dirty="0" err="1">
+                <a:latin typeface="Times New Roman" panose="02020603050405020304" pitchFamily="18" charset="0"/>
+                <a:cs typeface="Times New Roman" panose="02020603050405020304" pitchFamily="18" charset="0"/>
+              </a:rPr>
+              <a:t>import</a:t>
+            </a:r>
+            <a:r>
+              <a:rPr lang="pt-BR" sz="2000" dirty="0">
+                <a:latin typeface="Times New Roman" panose="02020603050405020304" pitchFamily="18" charset="0"/>
+                <a:cs typeface="Times New Roman" panose="02020603050405020304" pitchFamily="18" charset="0"/>
+              </a:rPr>
+              <a:t> pandas as </a:t>
+            </a:r>
+            <a:r>
+              <a:rPr lang="pt-BR" sz="2000" dirty="0" err="1">
+                <a:latin typeface="Times New Roman" panose="02020603050405020304" pitchFamily="18" charset="0"/>
+                <a:cs typeface="Times New Roman" panose="02020603050405020304" pitchFamily="18" charset="0"/>
+              </a:rPr>
+              <a:t>pd</a:t>
+            </a:r>
+            <a:endParaRPr lang="pt-BR" sz="2000" dirty="0">
+              <a:latin typeface="Times New Roman" panose="02020603050405020304" pitchFamily="18" charset="0"/>
+              <a:cs typeface="Times New Roman" panose="02020603050405020304" pitchFamily="18" charset="0"/>
+            </a:endParaRPr>
+          </a:p>
+          <a:p>
+            <a:pPr marL="0" indent="0" algn="just">
+              <a:buNone/>
+            </a:pPr>
+            <a:endParaRPr lang="pt-BR" sz="2000" dirty="0">
+              <a:latin typeface="Times New Roman" panose="02020603050405020304" pitchFamily="18" charset="0"/>
+              <a:cs typeface="Times New Roman" panose="02020603050405020304" pitchFamily="18" charset="0"/>
+            </a:endParaRPr>
+          </a:p>
+          <a:p>
+            <a:pPr marL="0" indent="0" algn="just">
+              <a:buNone/>
+            </a:pPr>
+            <a:r>
+              <a:rPr lang="pt-BR" sz="2000" dirty="0">
+                <a:latin typeface="Times New Roman" panose="02020603050405020304" pitchFamily="18" charset="0"/>
+                <a:cs typeface="Times New Roman" panose="02020603050405020304" pitchFamily="18" charset="0"/>
+              </a:rPr>
+              <a:t># </a:t>
+            </a:r>
+            <a:r>
+              <a:rPr lang="pt-BR" sz="2000" dirty="0" err="1">
+                <a:latin typeface="Times New Roman" panose="02020603050405020304" pitchFamily="18" charset="0"/>
+                <a:cs typeface="Times New Roman" panose="02020603050405020304" pitchFamily="18" charset="0"/>
+              </a:rPr>
+              <a:t>pip</a:t>
+            </a:r>
+            <a:r>
+              <a:rPr lang="pt-BR" sz="2000" dirty="0">
+                <a:latin typeface="Times New Roman" panose="02020603050405020304" pitchFamily="18" charset="0"/>
+                <a:cs typeface="Times New Roman" panose="02020603050405020304" pitchFamily="18" charset="0"/>
+              </a:rPr>
+              <a:t> </a:t>
+            </a:r>
+            <a:r>
+              <a:rPr lang="pt-BR" sz="2000" dirty="0" err="1">
+                <a:latin typeface="Times New Roman" panose="02020603050405020304" pitchFamily="18" charset="0"/>
+                <a:cs typeface="Times New Roman" panose="02020603050405020304" pitchFamily="18" charset="0"/>
+              </a:rPr>
+              <a:t>install</a:t>
+            </a:r>
+            <a:r>
+              <a:rPr lang="pt-BR" sz="2000" dirty="0">
+                <a:latin typeface="Times New Roman" panose="02020603050405020304" pitchFamily="18" charset="0"/>
+                <a:cs typeface="Times New Roman" panose="02020603050405020304" pitchFamily="18" charset="0"/>
+              </a:rPr>
+              <a:t> </a:t>
+            </a:r>
+            <a:r>
+              <a:rPr lang="pt-BR" sz="2000" dirty="0" err="1">
+                <a:latin typeface="Times New Roman" panose="02020603050405020304" pitchFamily="18" charset="0"/>
+                <a:cs typeface="Times New Roman" panose="02020603050405020304" pitchFamily="18" charset="0"/>
+              </a:rPr>
+              <a:t>pandas_datareader</a:t>
+            </a:r>
+            <a:endParaRPr lang="pt-BR" sz="2000" dirty="0">
+              <a:latin typeface="Times New Roman" panose="02020603050405020304" pitchFamily="18" charset="0"/>
+              <a:cs typeface="Times New Roman" panose="02020603050405020304" pitchFamily="18" charset="0"/>
+            </a:endParaRPr>
+          </a:p>
+          <a:p>
+            <a:pPr marL="0" indent="0" algn="just">
+              <a:buNone/>
+            </a:pPr>
+            <a:r>
+              <a:rPr lang="pt-BR" sz="2000" dirty="0" err="1">
+                <a:latin typeface="Times New Roman" panose="02020603050405020304" pitchFamily="18" charset="0"/>
+                <a:cs typeface="Times New Roman" panose="02020603050405020304" pitchFamily="18" charset="0"/>
+              </a:rPr>
+              <a:t>import</a:t>
+            </a:r>
+            <a:r>
+              <a:rPr lang="pt-BR" sz="2000" dirty="0">
+                <a:latin typeface="Times New Roman" panose="02020603050405020304" pitchFamily="18" charset="0"/>
+                <a:cs typeface="Times New Roman" panose="02020603050405020304" pitchFamily="18" charset="0"/>
+              </a:rPr>
+              <a:t> </a:t>
+            </a:r>
+            <a:r>
+              <a:rPr lang="pt-BR" sz="2000" dirty="0" err="1">
+                <a:latin typeface="Times New Roman" panose="02020603050405020304" pitchFamily="18" charset="0"/>
+                <a:cs typeface="Times New Roman" panose="02020603050405020304" pitchFamily="18" charset="0"/>
+              </a:rPr>
+              <a:t>pandas_datareader.data</a:t>
+            </a:r>
+            <a:r>
+              <a:rPr lang="pt-BR" sz="2000" dirty="0">
+                <a:latin typeface="Times New Roman" panose="02020603050405020304" pitchFamily="18" charset="0"/>
+                <a:cs typeface="Times New Roman" panose="02020603050405020304" pitchFamily="18" charset="0"/>
+              </a:rPr>
+              <a:t> as web</a:t>
+            </a:r>
+          </a:p>
+          <a:p>
+            <a:pPr marL="0" indent="0" algn="just">
+              <a:buNone/>
+            </a:pPr>
+            <a:endParaRPr lang="pt-BR" sz="2000" dirty="0">
+              <a:latin typeface="Times New Roman" panose="02020603050405020304" pitchFamily="18" charset="0"/>
+              <a:cs typeface="Times New Roman" panose="02020603050405020304" pitchFamily="18" charset="0"/>
+            </a:endParaRPr>
+          </a:p>
+          <a:p>
+            <a:pPr marL="0" indent="0" algn="just">
+              <a:buNone/>
+            </a:pPr>
+            <a:r>
+              <a:rPr lang="pt-BR" sz="2000" dirty="0">
+                <a:latin typeface="Times New Roman" panose="02020603050405020304" pitchFamily="18" charset="0"/>
+                <a:cs typeface="Times New Roman" panose="02020603050405020304" pitchFamily="18" charset="0"/>
+              </a:rPr>
+              <a:t># </a:t>
+            </a:r>
+            <a:r>
+              <a:rPr lang="pt-BR" sz="2000" dirty="0" err="1">
+                <a:latin typeface="Times New Roman" panose="02020603050405020304" pitchFamily="18" charset="0"/>
+                <a:cs typeface="Times New Roman" panose="02020603050405020304" pitchFamily="18" charset="0"/>
+              </a:rPr>
+              <a:t>pip</a:t>
+            </a:r>
+            <a:r>
+              <a:rPr lang="pt-BR" sz="2000" dirty="0">
+                <a:latin typeface="Times New Roman" panose="02020603050405020304" pitchFamily="18" charset="0"/>
+                <a:cs typeface="Times New Roman" panose="02020603050405020304" pitchFamily="18" charset="0"/>
+              </a:rPr>
+              <a:t> </a:t>
+            </a:r>
+            <a:r>
+              <a:rPr lang="pt-BR" sz="2000" dirty="0" err="1">
+                <a:latin typeface="Times New Roman" panose="02020603050405020304" pitchFamily="18" charset="0"/>
+                <a:cs typeface="Times New Roman" panose="02020603050405020304" pitchFamily="18" charset="0"/>
+              </a:rPr>
+              <a:t>install</a:t>
+            </a:r>
+            <a:r>
+              <a:rPr lang="pt-BR" sz="2000" dirty="0">
+                <a:latin typeface="Times New Roman" panose="02020603050405020304" pitchFamily="18" charset="0"/>
+                <a:cs typeface="Times New Roman" panose="02020603050405020304" pitchFamily="18" charset="0"/>
+              </a:rPr>
+              <a:t> </a:t>
+            </a:r>
+            <a:r>
+              <a:rPr lang="pt-BR" sz="2000" dirty="0" err="1">
+                <a:latin typeface="Times New Roman" panose="02020603050405020304" pitchFamily="18" charset="0"/>
+                <a:cs typeface="Times New Roman" panose="02020603050405020304" pitchFamily="18" charset="0"/>
+              </a:rPr>
+              <a:t>matplotlib</a:t>
+            </a:r>
+            <a:endParaRPr lang="pt-BR" sz="2000" dirty="0">
+              <a:latin typeface="Times New Roman" panose="02020603050405020304" pitchFamily="18" charset="0"/>
+              <a:cs typeface="Times New Roman" panose="02020603050405020304" pitchFamily="18" charset="0"/>
+            </a:endParaRPr>
+          </a:p>
+          <a:p>
+            <a:pPr marL="0" indent="0" algn="just">
+              <a:buNone/>
+            </a:pPr>
+            <a:r>
+              <a:rPr lang="pt-BR" sz="2000" dirty="0" err="1">
+                <a:latin typeface="Times New Roman" panose="02020603050405020304" pitchFamily="18" charset="0"/>
+                <a:cs typeface="Times New Roman" panose="02020603050405020304" pitchFamily="18" charset="0"/>
+              </a:rPr>
+              <a:t>import</a:t>
+            </a:r>
+            <a:r>
+              <a:rPr lang="pt-BR" sz="2000" dirty="0">
+                <a:latin typeface="Times New Roman" panose="02020603050405020304" pitchFamily="18" charset="0"/>
+                <a:cs typeface="Times New Roman" panose="02020603050405020304" pitchFamily="18" charset="0"/>
+              </a:rPr>
+              <a:t> </a:t>
+            </a:r>
+            <a:r>
+              <a:rPr lang="pt-BR" sz="2000" dirty="0" err="1">
+                <a:latin typeface="Times New Roman" panose="02020603050405020304" pitchFamily="18" charset="0"/>
+                <a:cs typeface="Times New Roman" panose="02020603050405020304" pitchFamily="18" charset="0"/>
+              </a:rPr>
+              <a:t>matplotlib.pyplot</a:t>
+            </a:r>
+            <a:r>
+              <a:rPr lang="pt-BR" sz="2000" dirty="0">
+                <a:latin typeface="Times New Roman" panose="02020603050405020304" pitchFamily="18" charset="0"/>
+                <a:cs typeface="Times New Roman" panose="02020603050405020304" pitchFamily="18" charset="0"/>
+              </a:rPr>
+              <a:t> as </a:t>
+            </a:r>
+            <a:r>
+              <a:rPr lang="pt-BR" sz="2000" dirty="0" err="1">
+                <a:latin typeface="Times New Roman" panose="02020603050405020304" pitchFamily="18" charset="0"/>
+                <a:cs typeface="Times New Roman" panose="02020603050405020304" pitchFamily="18" charset="0"/>
+              </a:rPr>
+              <a:t>plt</a:t>
+            </a:r>
+            <a:endParaRPr lang="pt-BR" sz="2000" dirty="0">
+              <a:latin typeface="Times New Roman" panose="02020603050405020304" pitchFamily="18" charset="0"/>
+              <a:cs typeface="Times New Roman" panose="02020603050405020304" pitchFamily="18" charset="0"/>
+            </a:endParaRPr>
+          </a:p>
+          <a:p>
+            <a:pPr marL="0" indent="0" algn="just">
+              <a:buNone/>
+            </a:pPr>
+            <a:endParaRPr lang="pt-BR" sz="2000" dirty="0">
+              <a:latin typeface="Times New Roman" panose="02020603050405020304" pitchFamily="18" charset="0"/>
+              <a:cs typeface="Times New Roman" panose="02020603050405020304" pitchFamily="18" charset="0"/>
+            </a:endParaRPr>
+          </a:p>
+          <a:p>
+            <a:pPr marL="0" indent="0" algn="just">
+              <a:buNone/>
+            </a:pPr>
+            <a:r>
+              <a:rPr lang="pt-BR" sz="2000" dirty="0">
+                <a:latin typeface="Times New Roman" panose="02020603050405020304" pitchFamily="18" charset="0"/>
+                <a:cs typeface="Times New Roman" panose="02020603050405020304" pitchFamily="18" charset="0"/>
+              </a:rPr>
+              <a:t># </a:t>
+            </a:r>
+            <a:r>
+              <a:rPr lang="pt-BR" sz="2000" dirty="0" err="1">
+                <a:latin typeface="Times New Roman" panose="02020603050405020304" pitchFamily="18" charset="0"/>
+                <a:cs typeface="Times New Roman" panose="02020603050405020304" pitchFamily="18" charset="0"/>
+              </a:rPr>
+              <a:t>pip</a:t>
+            </a:r>
+            <a:r>
+              <a:rPr lang="pt-BR" sz="2000" dirty="0">
+                <a:latin typeface="Times New Roman" panose="02020603050405020304" pitchFamily="18" charset="0"/>
+                <a:cs typeface="Times New Roman" panose="02020603050405020304" pitchFamily="18" charset="0"/>
+              </a:rPr>
+              <a:t> </a:t>
+            </a:r>
+            <a:r>
+              <a:rPr lang="pt-BR" sz="2000" dirty="0" err="1">
+                <a:latin typeface="Times New Roman" panose="02020603050405020304" pitchFamily="18" charset="0"/>
+                <a:cs typeface="Times New Roman" panose="02020603050405020304" pitchFamily="18" charset="0"/>
+              </a:rPr>
+              <a:t>install</a:t>
+            </a:r>
+            <a:r>
+              <a:rPr lang="pt-BR" sz="2000" dirty="0">
+                <a:latin typeface="Times New Roman" panose="02020603050405020304" pitchFamily="18" charset="0"/>
+                <a:cs typeface="Times New Roman" panose="02020603050405020304" pitchFamily="18" charset="0"/>
+              </a:rPr>
+              <a:t> </a:t>
+            </a:r>
+            <a:r>
+              <a:rPr lang="pt-BR" sz="2000" dirty="0" err="1">
+                <a:latin typeface="Times New Roman" panose="02020603050405020304" pitchFamily="18" charset="0"/>
+                <a:cs typeface="Times New Roman" panose="02020603050405020304" pitchFamily="18" charset="0"/>
+              </a:rPr>
+              <a:t>yfinance</a:t>
+            </a:r>
+            <a:endParaRPr lang="pt-BR" sz="2000" dirty="0">
+              <a:latin typeface="Times New Roman" panose="02020603050405020304" pitchFamily="18" charset="0"/>
+              <a:cs typeface="Times New Roman" panose="02020603050405020304" pitchFamily="18" charset="0"/>
+            </a:endParaRPr>
+          </a:p>
+          <a:p>
+            <a:pPr marL="0" indent="0" algn="just">
+              <a:buNone/>
+            </a:pPr>
+            <a:r>
+              <a:rPr lang="pt-BR" sz="2000" dirty="0" err="1">
+                <a:latin typeface="Times New Roman" panose="02020603050405020304" pitchFamily="18" charset="0"/>
+                <a:cs typeface="Times New Roman" panose="02020603050405020304" pitchFamily="18" charset="0"/>
+              </a:rPr>
+              <a:t>import</a:t>
+            </a:r>
+            <a:r>
+              <a:rPr lang="pt-BR" sz="2000" dirty="0">
+                <a:latin typeface="Times New Roman" panose="02020603050405020304" pitchFamily="18" charset="0"/>
+                <a:cs typeface="Times New Roman" panose="02020603050405020304" pitchFamily="18" charset="0"/>
+              </a:rPr>
+              <a:t> </a:t>
+            </a:r>
+            <a:r>
+              <a:rPr lang="pt-BR" sz="2000" dirty="0" err="1">
+                <a:latin typeface="Times New Roman" panose="02020603050405020304" pitchFamily="18" charset="0"/>
+                <a:cs typeface="Times New Roman" panose="02020603050405020304" pitchFamily="18" charset="0"/>
+              </a:rPr>
+              <a:t>yfinance</a:t>
+            </a:r>
+            <a:r>
+              <a:rPr lang="pt-BR" sz="2000" dirty="0">
+                <a:latin typeface="Times New Roman" panose="02020603050405020304" pitchFamily="18" charset="0"/>
+                <a:cs typeface="Times New Roman" panose="02020603050405020304" pitchFamily="18" charset="0"/>
+              </a:rPr>
+              <a:t> as </a:t>
+            </a:r>
+            <a:r>
+              <a:rPr lang="pt-BR" sz="2000" dirty="0" err="1">
+                <a:latin typeface="Times New Roman" panose="02020603050405020304" pitchFamily="18" charset="0"/>
+                <a:cs typeface="Times New Roman" panose="02020603050405020304" pitchFamily="18" charset="0"/>
+              </a:rPr>
+              <a:t>yf</a:t>
+            </a:r>
+            <a:endParaRPr lang="pt-BR" sz="2000" dirty="0">
+              <a:latin typeface="Times New Roman" panose="02020603050405020304" pitchFamily="18" charset="0"/>
+              <a:cs typeface="Times New Roman" panose="02020603050405020304" pitchFamily="18" charset="0"/>
+            </a:endParaRPr>
+          </a:p>
+          <a:p>
+            <a:pPr marL="0" indent="0" algn="just">
+              <a:buNone/>
+            </a:pPr>
+            <a:endParaRPr lang="pt-BR" sz="2000" dirty="0">
+              <a:latin typeface="Times New Roman" panose="02020603050405020304" pitchFamily="18" charset="0"/>
+              <a:cs typeface="Times New Roman" panose="02020603050405020304" pitchFamily="18" charset="0"/>
+            </a:endParaRPr>
+          </a:p>
+          <a:p>
+            <a:pPr marL="0" indent="0" algn="just">
+              <a:buNone/>
+            </a:pPr>
+            <a:r>
+              <a:rPr lang="pt-BR" sz="2000" dirty="0" err="1">
+                <a:latin typeface="Times New Roman" panose="02020603050405020304" pitchFamily="18" charset="0"/>
+                <a:cs typeface="Times New Roman" panose="02020603050405020304" pitchFamily="18" charset="0"/>
+              </a:rPr>
+              <a:t>yf.pdr_override</a:t>
+            </a:r>
+            <a:r>
+              <a:rPr lang="pt-BR" sz="2000" dirty="0">
+                <a:latin typeface="Times New Roman" panose="02020603050405020304" pitchFamily="18" charset="0"/>
+                <a:cs typeface="Times New Roman" panose="02020603050405020304" pitchFamily="18" charset="0"/>
+              </a:rPr>
+              <a:t>()</a:t>
+            </a:r>
+          </a:p>
+          <a:p>
+            <a:pPr marL="0" indent="0" algn="just">
+              <a:buNone/>
+            </a:pPr>
+            <a:endParaRPr lang="pt-BR" sz="2000" dirty="0">
+              <a:latin typeface="Times New Roman" panose="02020603050405020304" pitchFamily="18" charset="0"/>
+              <a:cs typeface="Times New Roman" panose="02020603050405020304" pitchFamily="18" charset="0"/>
+            </a:endParaRPr>
+          </a:p>
+          <a:p>
+            <a:pPr marL="0" indent="0" algn="just">
+              <a:buNone/>
+            </a:pPr>
+            <a:r>
+              <a:rPr lang="pt-BR" sz="2000" dirty="0" err="1">
+                <a:latin typeface="Times New Roman" panose="02020603050405020304" pitchFamily="18" charset="0"/>
+                <a:cs typeface="Times New Roman" panose="02020603050405020304" pitchFamily="18" charset="0"/>
+              </a:rPr>
+              <a:t>ibov</a:t>
+            </a:r>
+            <a:r>
+              <a:rPr lang="pt-BR" sz="2000" dirty="0">
+                <a:latin typeface="Times New Roman" panose="02020603050405020304" pitchFamily="18" charset="0"/>
+                <a:cs typeface="Times New Roman" panose="02020603050405020304" pitchFamily="18" charset="0"/>
+              </a:rPr>
+              <a:t> = </a:t>
+            </a:r>
+            <a:r>
+              <a:rPr lang="pt-BR" sz="2000" dirty="0" err="1">
+                <a:latin typeface="Times New Roman" panose="02020603050405020304" pitchFamily="18" charset="0"/>
+                <a:cs typeface="Times New Roman" panose="02020603050405020304" pitchFamily="18" charset="0"/>
+              </a:rPr>
+              <a:t>web.get_data_yahoo</a:t>
+            </a:r>
+            <a:r>
+              <a:rPr lang="pt-BR" sz="2000" dirty="0">
+                <a:latin typeface="Times New Roman" panose="02020603050405020304" pitchFamily="18" charset="0"/>
+                <a:cs typeface="Times New Roman" panose="02020603050405020304" pitchFamily="18" charset="0"/>
+              </a:rPr>
+              <a:t>('^BVSP')</a:t>
+            </a:r>
+          </a:p>
+          <a:p>
+            <a:pPr marL="0" indent="0" algn="just">
+              <a:buNone/>
+            </a:pPr>
+            <a:endParaRPr lang="pt-BR" sz="2000" dirty="0">
+              <a:latin typeface="Times New Roman" panose="02020603050405020304" pitchFamily="18" charset="0"/>
+              <a:cs typeface="Times New Roman" panose="02020603050405020304" pitchFamily="18" charset="0"/>
+            </a:endParaRPr>
+          </a:p>
+          <a:p>
+            <a:pPr marL="0" indent="0" algn="just">
+              <a:buNone/>
+            </a:pPr>
+            <a:r>
+              <a:rPr lang="pt-BR" sz="2000" dirty="0" err="1">
+                <a:latin typeface="Times New Roman" panose="02020603050405020304" pitchFamily="18" charset="0"/>
+                <a:cs typeface="Times New Roman" panose="02020603050405020304" pitchFamily="18" charset="0"/>
+              </a:rPr>
+              <a:t>ibov</a:t>
+            </a:r>
+            <a:endParaRPr lang="pt-BR" sz="2000" dirty="0">
+              <a:latin typeface="Times New Roman" panose="02020603050405020304" pitchFamily="18" charset="0"/>
+              <a:cs typeface="Times New Roman" panose="02020603050405020304" pitchFamily="18" charset="0"/>
+            </a:endParaRPr>
+          </a:p>
+          <a:p>
+            <a:pPr marL="0" indent="0" algn="just">
+              <a:buNone/>
+            </a:pPr>
+            <a:endParaRPr lang="pt-BR" sz="2000" dirty="0">
+              <a:latin typeface="Times New Roman" panose="02020603050405020304" pitchFamily="18" charset="0"/>
+              <a:cs typeface="Times New Roman" panose="02020603050405020304" pitchFamily="18" charset="0"/>
+            </a:endParaRPr>
+          </a:p>
+          <a:p>
+            <a:pPr marL="0" indent="0" algn="just">
+              <a:buNone/>
+            </a:pPr>
+            <a:r>
+              <a:rPr lang="pt-BR" sz="2000" dirty="0" err="1">
+                <a:latin typeface="Times New Roman" panose="02020603050405020304" pitchFamily="18" charset="0"/>
+                <a:cs typeface="Times New Roman" panose="02020603050405020304" pitchFamily="18" charset="0"/>
+              </a:rPr>
+              <a:t>ibov</a:t>
+            </a:r>
+            <a:r>
+              <a:rPr lang="pt-BR" sz="2000" dirty="0">
+                <a:latin typeface="Times New Roman" panose="02020603050405020304" pitchFamily="18" charset="0"/>
+                <a:cs typeface="Times New Roman" panose="02020603050405020304" pitchFamily="18" charset="0"/>
+              </a:rPr>
+              <a:t>['Close'].</a:t>
+            </a:r>
+            <a:r>
+              <a:rPr lang="pt-BR" sz="2000" dirty="0" err="1">
+                <a:latin typeface="Times New Roman" panose="02020603050405020304" pitchFamily="18" charset="0"/>
+                <a:cs typeface="Times New Roman" panose="02020603050405020304" pitchFamily="18" charset="0"/>
+              </a:rPr>
+              <a:t>plot</a:t>
+            </a:r>
+            <a:r>
+              <a:rPr lang="pt-BR" sz="2000" dirty="0">
+                <a:latin typeface="Times New Roman" panose="02020603050405020304" pitchFamily="18" charset="0"/>
+                <a:cs typeface="Times New Roman" panose="02020603050405020304" pitchFamily="18" charset="0"/>
+              </a:rPr>
+              <a:t>()</a:t>
+            </a:r>
+          </a:p>
+          <a:p>
+            <a:pPr marL="0" indent="0" algn="just">
+              <a:buNone/>
+            </a:pPr>
+            <a:r>
+              <a:rPr lang="pt-BR" sz="2000" dirty="0" err="1">
+                <a:latin typeface="Times New Roman" panose="02020603050405020304" pitchFamily="18" charset="0"/>
+                <a:cs typeface="Times New Roman" panose="02020603050405020304" pitchFamily="18" charset="0"/>
+              </a:rPr>
+              <a:t>ibov</a:t>
+            </a:r>
+            <a:r>
+              <a:rPr lang="pt-BR" sz="2000" dirty="0">
+                <a:latin typeface="Times New Roman" panose="02020603050405020304" pitchFamily="18" charset="0"/>
+                <a:cs typeface="Times New Roman" panose="02020603050405020304" pitchFamily="18" charset="0"/>
+              </a:rPr>
+              <a:t>['</a:t>
+            </a:r>
+            <a:r>
+              <a:rPr lang="pt-BR" sz="2000" dirty="0" err="1">
+                <a:latin typeface="Times New Roman" panose="02020603050405020304" pitchFamily="18" charset="0"/>
+                <a:cs typeface="Times New Roman" panose="02020603050405020304" pitchFamily="18" charset="0"/>
+              </a:rPr>
+              <a:t>Dif</a:t>
+            </a:r>
+            <a:r>
+              <a:rPr lang="pt-BR" sz="2000" dirty="0">
+                <a:latin typeface="Times New Roman" panose="02020603050405020304" pitchFamily="18" charset="0"/>
+                <a:cs typeface="Times New Roman" panose="02020603050405020304" pitchFamily="18" charset="0"/>
+              </a:rPr>
+              <a:t>'] = </a:t>
+            </a:r>
+            <a:r>
+              <a:rPr lang="pt-BR" sz="2000" dirty="0" err="1">
+                <a:latin typeface="Times New Roman" panose="02020603050405020304" pitchFamily="18" charset="0"/>
+                <a:cs typeface="Times New Roman" panose="02020603050405020304" pitchFamily="18" charset="0"/>
+              </a:rPr>
+              <a:t>ibov</a:t>
+            </a:r>
+            <a:r>
+              <a:rPr lang="pt-BR" sz="2000" dirty="0">
+                <a:latin typeface="Times New Roman" panose="02020603050405020304" pitchFamily="18" charset="0"/>
+                <a:cs typeface="Times New Roman" panose="02020603050405020304" pitchFamily="18" charset="0"/>
+              </a:rPr>
+              <a:t>['Close'] - </a:t>
+            </a:r>
+            <a:r>
+              <a:rPr lang="pt-BR" sz="2000" dirty="0" err="1">
+                <a:latin typeface="Times New Roman" panose="02020603050405020304" pitchFamily="18" charset="0"/>
+                <a:cs typeface="Times New Roman" panose="02020603050405020304" pitchFamily="18" charset="0"/>
+              </a:rPr>
+              <a:t>ibov</a:t>
+            </a:r>
+            <a:r>
+              <a:rPr lang="pt-BR" sz="2000" dirty="0">
+                <a:latin typeface="Times New Roman" panose="02020603050405020304" pitchFamily="18" charset="0"/>
+                <a:cs typeface="Times New Roman" panose="02020603050405020304" pitchFamily="18" charset="0"/>
+              </a:rPr>
+              <a:t>['Open']</a:t>
+            </a:r>
+          </a:p>
+          <a:p>
+            <a:pPr marL="0" indent="0" algn="just">
+              <a:buNone/>
+            </a:pPr>
+            <a:endParaRPr lang="pt-BR" sz="2000" dirty="0">
+              <a:latin typeface="Times New Roman" panose="02020603050405020304" pitchFamily="18" charset="0"/>
+              <a:cs typeface="Times New Roman" panose="02020603050405020304" pitchFamily="18" charset="0"/>
+            </a:endParaRPr>
+          </a:p>
+          <a:p>
+            <a:pPr marL="0" indent="0" algn="just">
+              <a:buNone/>
+            </a:pPr>
+            <a:r>
+              <a:rPr lang="pt-BR" sz="2000" dirty="0" err="1">
+                <a:latin typeface="Times New Roman" panose="02020603050405020304" pitchFamily="18" charset="0"/>
+                <a:cs typeface="Times New Roman" panose="02020603050405020304" pitchFamily="18" charset="0"/>
+              </a:rPr>
+              <a:t>df</a:t>
+            </a:r>
+            <a:r>
+              <a:rPr lang="pt-BR" sz="2000" dirty="0">
+                <a:latin typeface="Times New Roman" panose="02020603050405020304" pitchFamily="18" charset="0"/>
+                <a:cs typeface="Times New Roman" panose="02020603050405020304" pitchFamily="18" charset="0"/>
+              </a:rPr>
+              <a:t> = </a:t>
+            </a:r>
+            <a:r>
+              <a:rPr lang="pt-BR" sz="2000" dirty="0" err="1">
+                <a:latin typeface="Times New Roman" panose="02020603050405020304" pitchFamily="18" charset="0"/>
+                <a:cs typeface="Times New Roman" panose="02020603050405020304" pitchFamily="18" charset="0"/>
+              </a:rPr>
+              <a:t>ibov.sort_values</a:t>
+            </a:r>
+            <a:r>
+              <a:rPr lang="pt-BR" sz="2000" dirty="0">
+                <a:latin typeface="Times New Roman" panose="02020603050405020304" pitchFamily="18" charset="0"/>
+                <a:cs typeface="Times New Roman" panose="02020603050405020304" pitchFamily="18" charset="0"/>
+              </a:rPr>
+              <a:t>(</a:t>
+            </a:r>
+            <a:r>
+              <a:rPr lang="pt-BR" sz="2000" dirty="0" err="1">
+                <a:latin typeface="Times New Roman" panose="02020603050405020304" pitchFamily="18" charset="0"/>
+                <a:cs typeface="Times New Roman" panose="02020603050405020304" pitchFamily="18" charset="0"/>
+              </a:rPr>
+              <a:t>by</a:t>
+            </a:r>
+            <a:r>
+              <a:rPr lang="pt-BR" sz="2000" dirty="0">
+                <a:latin typeface="Times New Roman" panose="02020603050405020304" pitchFamily="18" charset="0"/>
+                <a:cs typeface="Times New Roman" panose="02020603050405020304" pitchFamily="18" charset="0"/>
+              </a:rPr>
+              <a:t>=['</a:t>
+            </a:r>
+            <a:r>
+              <a:rPr lang="pt-BR" sz="2000" dirty="0" err="1">
+                <a:latin typeface="Times New Roman" panose="02020603050405020304" pitchFamily="18" charset="0"/>
+                <a:cs typeface="Times New Roman" panose="02020603050405020304" pitchFamily="18" charset="0"/>
+              </a:rPr>
+              <a:t>Dif</a:t>
+            </a:r>
+            <a:r>
+              <a:rPr lang="pt-BR" sz="2000" dirty="0">
+                <a:latin typeface="Times New Roman" panose="02020603050405020304" pitchFamily="18" charset="0"/>
+                <a:cs typeface="Times New Roman" panose="02020603050405020304" pitchFamily="18" charset="0"/>
+              </a:rPr>
+              <a:t>'], </a:t>
+            </a:r>
+            <a:r>
+              <a:rPr lang="pt-BR" sz="2000" dirty="0" err="1">
+                <a:latin typeface="Times New Roman" panose="02020603050405020304" pitchFamily="18" charset="0"/>
+                <a:cs typeface="Times New Roman" panose="02020603050405020304" pitchFamily="18" charset="0"/>
+              </a:rPr>
+              <a:t>ascending</a:t>
+            </a:r>
+            <a:r>
+              <a:rPr lang="pt-BR" sz="2000" dirty="0">
+                <a:latin typeface="Times New Roman" panose="02020603050405020304" pitchFamily="18" charset="0"/>
+                <a:cs typeface="Times New Roman" panose="02020603050405020304" pitchFamily="18" charset="0"/>
+              </a:rPr>
+              <a:t>=</a:t>
+            </a:r>
+            <a:r>
+              <a:rPr lang="pt-BR" sz="2000" dirty="0" err="1">
+                <a:latin typeface="Times New Roman" panose="02020603050405020304" pitchFamily="18" charset="0"/>
+                <a:cs typeface="Times New Roman" panose="02020603050405020304" pitchFamily="18" charset="0"/>
+              </a:rPr>
+              <a:t>True</a:t>
+            </a:r>
+            <a:r>
+              <a:rPr lang="pt-BR" sz="2000" dirty="0">
+                <a:latin typeface="Times New Roman" panose="02020603050405020304" pitchFamily="18" charset="0"/>
+                <a:cs typeface="Times New Roman" panose="02020603050405020304" pitchFamily="18" charset="0"/>
+              </a:rPr>
+              <a:t>)</a:t>
+            </a:r>
+          </a:p>
+          <a:p>
+            <a:pPr marL="0" indent="0" algn="just">
+              <a:buNone/>
+            </a:pPr>
+            <a:endParaRPr lang="pt-BR" sz="2000" dirty="0">
+              <a:latin typeface="Times New Roman" panose="02020603050405020304" pitchFamily="18" charset="0"/>
+              <a:cs typeface="Times New Roman" panose="02020603050405020304" pitchFamily="18" charset="0"/>
+            </a:endParaRPr>
+          </a:p>
+          <a:p>
+            <a:pPr marL="0" indent="0" algn="just">
+              <a:buNone/>
+            </a:pPr>
+            <a:r>
+              <a:rPr lang="pt-BR" sz="2000" dirty="0" err="1">
+                <a:latin typeface="Times New Roman" panose="02020603050405020304" pitchFamily="18" charset="0"/>
+                <a:cs typeface="Times New Roman" panose="02020603050405020304" pitchFamily="18" charset="0"/>
+              </a:rPr>
+              <a:t>df</a:t>
+            </a:r>
+            <a:r>
+              <a:rPr lang="pt-BR" sz="2000" dirty="0">
+                <a:latin typeface="Times New Roman" panose="02020603050405020304" pitchFamily="18" charset="0"/>
+                <a:cs typeface="Times New Roman" panose="02020603050405020304" pitchFamily="18" charset="0"/>
+              </a:rPr>
+              <a:t>[:10]</a:t>
+            </a:r>
+          </a:p>
+          <a:p>
+            <a:pPr marL="0" indent="0" algn="just">
+              <a:buNone/>
+            </a:pPr>
+            <a:endParaRPr lang="pt-BR" sz="2000" dirty="0">
+              <a:latin typeface="Times New Roman" panose="02020603050405020304" pitchFamily="18" charset="0"/>
+              <a:cs typeface="Times New Roman" panose="02020603050405020304" pitchFamily="18" charset="0"/>
+            </a:endParaRPr>
+          </a:p>
+          <a:p>
+            <a:pPr marL="0" indent="0" algn="just">
+              <a:buNone/>
+            </a:pPr>
+            <a:r>
+              <a:rPr lang="pt-BR" sz="2000" dirty="0">
+                <a:latin typeface="Times New Roman" panose="02020603050405020304" pitchFamily="18" charset="0"/>
+                <a:cs typeface="Times New Roman" panose="02020603050405020304" pitchFamily="18" charset="0"/>
+              </a:rPr>
+              <a:t>google = </a:t>
+            </a:r>
+            <a:r>
+              <a:rPr lang="pt-BR" sz="2000" dirty="0" err="1">
+                <a:latin typeface="Times New Roman" panose="02020603050405020304" pitchFamily="18" charset="0"/>
+                <a:cs typeface="Times New Roman" panose="02020603050405020304" pitchFamily="18" charset="0"/>
+              </a:rPr>
+              <a:t>web.get_data_yahoo</a:t>
+            </a:r>
+            <a:r>
+              <a:rPr lang="pt-BR" sz="2000" dirty="0">
+                <a:latin typeface="Times New Roman" panose="02020603050405020304" pitchFamily="18" charset="0"/>
+                <a:cs typeface="Times New Roman" panose="02020603050405020304" pitchFamily="18" charset="0"/>
+              </a:rPr>
+              <a:t>('GOOG')</a:t>
+            </a:r>
+          </a:p>
+          <a:p>
+            <a:pPr marL="0" indent="0" algn="just">
+              <a:buNone/>
+            </a:pPr>
+            <a:r>
+              <a:rPr lang="pt-BR" sz="2000" dirty="0">
+                <a:latin typeface="Times New Roman" panose="02020603050405020304" pitchFamily="18" charset="0"/>
+                <a:cs typeface="Times New Roman" panose="02020603050405020304" pitchFamily="18" charset="0"/>
+              </a:rPr>
+              <a:t>google['Close'].</a:t>
+            </a:r>
+            <a:r>
+              <a:rPr lang="pt-BR" sz="2000" dirty="0" err="1">
+                <a:latin typeface="Times New Roman" panose="02020603050405020304" pitchFamily="18" charset="0"/>
+                <a:cs typeface="Times New Roman" panose="02020603050405020304" pitchFamily="18" charset="0"/>
+              </a:rPr>
+              <a:t>plot</a:t>
+            </a:r>
+            <a:r>
+              <a:rPr lang="pt-BR" sz="2000" dirty="0">
+                <a:latin typeface="Times New Roman" panose="02020603050405020304" pitchFamily="18" charset="0"/>
+                <a:cs typeface="Times New Roman" panose="02020603050405020304" pitchFamily="18" charset="0"/>
+              </a:rPr>
+              <a:t>()</a:t>
+            </a:r>
+          </a:p>
+          <a:p>
+            <a:pPr marL="0" indent="0" algn="just">
+              <a:buNone/>
+            </a:pPr>
+            <a:r>
+              <a:rPr lang="pt-BR" sz="2000" dirty="0">
+                <a:latin typeface="Times New Roman" panose="02020603050405020304" pitchFamily="18" charset="0"/>
+                <a:cs typeface="Times New Roman" panose="02020603050405020304" pitchFamily="18" charset="0"/>
+              </a:rPr>
+              <a:t>#google['Dif'] = google['Close'] - google['Open']</a:t>
+            </a:r>
+          </a:p>
+          <a:p>
+            <a:pPr marL="0" indent="0" algn="just">
+              <a:buNone/>
+            </a:pPr>
+            <a:r>
+              <a:rPr lang="pt-BR" sz="2000" dirty="0" err="1">
+                <a:latin typeface="Times New Roman" panose="02020603050405020304" pitchFamily="18" charset="0"/>
+                <a:cs typeface="Times New Roman" panose="02020603050405020304" pitchFamily="18" charset="0"/>
+              </a:rPr>
+              <a:t>googleM</a:t>
+            </a:r>
+            <a:r>
+              <a:rPr lang="pt-BR" sz="2000" dirty="0">
+                <a:latin typeface="Times New Roman" panose="02020603050405020304" pitchFamily="18" charset="0"/>
+                <a:cs typeface="Times New Roman" panose="02020603050405020304" pitchFamily="18" charset="0"/>
+              </a:rPr>
+              <a:t> = </a:t>
+            </a:r>
+            <a:r>
+              <a:rPr lang="pt-BR" sz="2000" dirty="0" err="1">
+                <a:latin typeface="Times New Roman" panose="02020603050405020304" pitchFamily="18" charset="0"/>
+                <a:cs typeface="Times New Roman" panose="02020603050405020304" pitchFamily="18" charset="0"/>
+              </a:rPr>
+              <a:t>google.resample</a:t>
+            </a:r>
+            <a:r>
+              <a:rPr lang="pt-BR" sz="2000" dirty="0">
+                <a:latin typeface="Times New Roman" panose="02020603050405020304" pitchFamily="18" charset="0"/>
+                <a:cs typeface="Times New Roman" panose="02020603050405020304" pitchFamily="18" charset="0"/>
+              </a:rPr>
+              <a:t>('M').</a:t>
+            </a:r>
+            <a:r>
+              <a:rPr lang="pt-BR" sz="2000" dirty="0" err="1">
+                <a:latin typeface="Times New Roman" panose="02020603050405020304" pitchFamily="18" charset="0"/>
+                <a:cs typeface="Times New Roman" panose="02020603050405020304" pitchFamily="18" charset="0"/>
+              </a:rPr>
+              <a:t>max</a:t>
+            </a:r>
+            <a:r>
+              <a:rPr lang="pt-BR" sz="2000" dirty="0">
+                <a:latin typeface="Times New Roman" panose="02020603050405020304" pitchFamily="18" charset="0"/>
+                <a:cs typeface="Times New Roman" panose="02020603050405020304" pitchFamily="18" charset="0"/>
+              </a:rPr>
+              <a:t>()</a:t>
+            </a:r>
+          </a:p>
+        </p:txBody>
+      </p:sp>
+    </p:spTree>
+    <p:extLst>
+      <p:ext uri="{BB962C8B-B14F-4D97-AF65-F5344CB8AC3E}">
+        <p14:creationId xmlns:p14="http://schemas.microsoft.com/office/powerpoint/2010/main" val="3388036208"/>
+      </p:ext>
+    </p:extLst>
+  </p:cSld>
+  <p:clrMapOvr>
+    <a:masterClrMapping/>
+  </p:clrMapOvr>
+  <p:transition spd="med"/>
+</p:sld>
+</file>
+
+<file path=ppt/slides/slide19.xml><?xml version="1.0" encoding="utf-8"?>
+<p:sld xmlns:a="http://schemas.openxmlformats.org/drawingml/2006/main" xmlns:r="http://schemas.openxmlformats.org/officeDocument/2006/relationships" xmlns:p="http://schemas.openxmlformats.org/presentationml/2006/main">
+  <p:cSld>
+    <p:spTree>
+      <p:nvGrpSpPr>
+        <p:cNvPr id="1" name=""/>
+        <p:cNvGrpSpPr/>
+        <p:nvPr/>
+      </p:nvGrpSpPr>
+      <p:grpSpPr>
+        <a:xfrm>
+          <a:off x="0" y="0"/>
+          <a:ext cx="0" cy="0"/>
+          <a:chOff x="0" y="0"/>
+          <a:chExt cx="0" cy="0"/>
+        </a:xfrm>
+      </p:grpSpPr>
+      <p:sp>
+        <p:nvSpPr>
+          <p:cNvPr id="6" name="Title 1"/>
+          <p:cNvSpPr>
+            <a:spLocks noGrp="1"/>
+          </p:cNvSpPr>
+          <p:nvPr>
+            <p:ph type="title"/>
+          </p:nvPr>
+        </p:nvSpPr>
+        <p:spPr>
+          <a:xfrm>
+            <a:off x="457200" y="205980"/>
+            <a:ext cx="8229600" cy="857251"/>
+          </a:xfrm>
+        </p:spPr>
+        <p:txBody>
+          <a:bodyPr>
+            <a:normAutofit/>
+          </a:bodyPr>
+          <a:lstStyle/>
+          <a:p>
+            <a:r>
+              <a:rPr lang="en-US" b="1" dirty="0" err="1">
+                <a:solidFill>
+                  <a:srgbClr val="0070C0"/>
+                </a:solidFill>
+              </a:rPr>
+              <a:t>Leitura</a:t>
+            </a:r>
+            <a:r>
+              <a:rPr lang="en-US" b="1" dirty="0">
+                <a:solidFill>
+                  <a:srgbClr val="0070C0"/>
+                </a:solidFill>
+              </a:rPr>
+              <a:t> </a:t>
+            </a:r>
+            <a:r>
+              <a:rPr lang="en-US" b="1" dirty="0" err="1">
+                <a:solidFill>
+                  <a:srgbClr val="0070C0"/>
+                </a:solidFill>
+              </a:rPr>
+              <a:t>Específica</a:t>
+            </a:r>
+            <a:endParaRPr lang="en-US" b="1" dirty="0">
+              <a:solidFill>
+                <a:srgbClr val="0070C0"/>
+              </a:solidFill>
+            </a:endParaRPr>
+          </a:p>
+        </p:txBody>
+      </p:sp>
+      <p:sp>
+        <p:nvSpPr>
+          <p:cNvPr id="8" name="Text Placeholder 2"/>
+          <p:cNvSpPr>
+            <a:spLocks noGrp="1"/>
+          </p:cNvSpPr>
+          <p:nvPr>
+            <p:ph type="body" sz="half" idx="1"/>
+          </p:nvPr>
+        </p:nvSpPr>
+        <p:spPr>
+          <a:xfrm>
+            <a:off x="142865" y="1200150"/>
+            <a:ext cx="8865056" cy="3737369"/>
+          </a:xfrm>
+        </p:spPr>
+        <p:txBody>
+          <a:bodyPr>
+            <a:noAutofit/>
+          </a:bodyPr>
+          <a:lstStyle/>
+          <a:p>
+            <a:pPr marL="0" indent="0" algn="just">
+              <a:buNone/>
+            </a:pPr>
+            <a:r>
+              <a:rPr lang="pt-BR" sz="2000" dirty="0">
+                <a:latin typeface="Times New Roman" panose="02020603050405020304" pitchFamily="18" charset="0"/>
+                <a:cs typeface="Times New Roman" panose="02020603050405020304" pitchFamily="18" charset="0"/>
+              </a:rPr>
+              <a:t>[1] Python para desenvolvedores: aborda Python 3.3.</a:t>
+            </a:r>
+          </a:p>
+          <a:p>
+            <a:pPr marL="0" indent="0" algn="just">
+              <a:buNone/>
+            </a:pPr>
+            <a:r>
+              <a:rPr lang="pt-BR" sz="2000" b="1" dirty="0">
+                <a:solidFill>
+                  <a:srgbClr val="FF0000"/>
+                </a:solidFill>
+                <a:latin typeface="Times New Roman" panose="02020603050405020304" pitchFamily="18" charset="0"/>
+                <a:cs typeface="Times New Roman" panose="02020603050405020304" pitchFamily="18" charset="0"/>
+              </a:rPr>
+              <a:t>Disponível em:</a:t>
+            </a:r>
+          </a:p>
+          <a:p>
+            <a:pPr marL="0" indent="0" algn="just">
+              <a:buNone/>
+            </a:pPr>
+            <a:r>
+              <a:rPr lang="pt-BR" sz="2000" dirty="0">
+                <a:latin typeface="Times New Roman" panose="02020603050405020304" pitchFamily="18" charset="0"/>
+                <a:cs typeface="Times New Roman" panose="02020603050405020304" pitchFamily="18" charset="0"/>
+                <a:hlinkClick r:id="rId3"/>
+              </a:rPr>
+              <a:t>https://citeseerx.ist.psu.edu/document?repid=rep1&amp;type=pdf&amp;doi=1f2ee3831eebfc97bfafd514ca2abb7e2c5c86bb</a:t>
+            </a:r>
+            <a:endParaRPr lang="pt-BR" sz="2000" dirty="0">
+              <a:latin typeface="Times New Roman" panose="02020603050405020304" pitchFamily="18" charset="0"/>
+              <a:cs typeface="Times New Roman" panose="02020603050405020304" pitchFamily="18" charset="0"/>
+            </a:endParaRPr>
+          </a:p>
+          <a:p>
+            <a:pPr marL="0" indent="0" algn="just">
+              <a:buNone/>
+            </a:pPr>
+            <a:endParaRPr lang="pt-BR" sz="2000" dirty="0">
+              <a:latin typeface="Times New Roman" panose="02020603050405020304" pitchFamily="18" charset="0"/>
+              <a:cs typeface="Times New Roman" panose="02020603050405020304" pitchFamily="18" charset="0"/>
+            </a:endParaRPr>
+          </a:p>
+          <a:p>
+            <a:pPr marL="0" indent="0" algn="just">
+              <a:buNone/>
+            </a:pPr>
+            <a:r>
+              <a:rPr lang="pt-BR" sz="2000" dirty="0">
+                <a:latin typeface="Times New Roman" panose="02020603050405020304" pitchFamily="18" charset="0"/>
+                <a:cs typeface="Times New Roman" panose="02020603050405020304" pitchFamily="18" charset="0"/>
+              </a:rPr>
+              <a:t>[2] </a:t>
+            </a:r>
+            <a:r>
+              <a:rPr lang="pt-BR" sz="2000" dirty="0" err="1">
+                <a:latin typeface="Times New Roman" panose="02020603050405020304" pitchFamily="18" charset="0"/>
+                <a:cs typeface="Times New Roman" panose="02020603050405020304" pitchFamily="18" charset="0"/>
+              </a:rPr>
+              <a:t>Pattern</a:t>
+            </a:r>
+            <a:r>
+              <a:rPr lang="pt-BR" sz="2000" dirty="0">
+                <a:latin typeface="Times New Roman" panose="02020603050405020304" pitchFamily="18" charset="0"/>
+                <a:cs typeface="Times New Roman" panose="02020603050405020304" pitchFamily="18" charset="0"/>
+              </a:rPr>
+              <a:t> for Python.</a:t>
+            </a:r>
+          </a:p>
+          <a:p>
+            <a:pPr marL="0" indent="0" algn="just">
+              <a:buNone/>
+            </a:pPr>
+            <a:r>
+              <a:rPr lang="pt-BR" sz="2000" b="1" dirty="0">
+                <a:solidFill>
+                  <a:srgbClr val="FF0000"/>
+                </a:solidFill>
+                <a:latin typeface="Times New Roman" panose="02020603050405020304" pitchFamily="18" charset="0"/>
+                <a:cs typeface="Times New Roman" panose="02020603050405020304" pitchFamily="18" charset="0"/>
+              </a:rPr>
+              <a:t>Disponível em: </a:t>
+            </a:r>
+            <a:r>
+              <a:rPr lang="pt-BR" sz="2000" dirty="0">
+                <a:latin typeface="Times New Roman" panose="02020603050405020304" pitchFamily="18" charset="0"/>
+                <a:cs typeface="Times New Roman" panose="02020603050405020304" pitchFamily="18" charset="0"/>
+                <a:hlinkClick r:id="rId4"/>
+              </a:rPr>
+              <a:t>https://www.jmlr.org/papers/volume13/desmedt12a/desmedt12a.pdf</a:t>
+            </a:r>
+            <a:endParaRPr lang="pt-BR" sz="2000" dirty="0">
+              <a:latin typeface="Times New Roman" panose="02020603050405020304" pitchFamily="18" charset="0"/>
+              <a:cs typeface="Times New Roman" panose="02020603050405020304" pitchFamily="18" charset="0"/>
+            </a:endParaRPr>
+          </a:p>
+          <a:p>
+            <a:pPr marL="0" indent="0" algn="just">
+              <a:buNone/>
+            </a:pPr>
+            <a:r>
+              <a:rPr lang="pt-BR" sz="2000" dirty="0">
+                <a:latin typeface="Times New Roman" panose="02020603050405020304" pitchFamily="18" charset="0"/>
+                <a:cs typeface="Times New Roman" panose="02020603050405020304" pitchFamily="18" charset="0"/>
+              </a:rPr>
+              <a:t>			     </a:t>
+            </a:r>
+            <a:r>
+              <a:rPr lang="pt-BR" sz="2000" dirty="0">
+                <a:latin typeface="Times New Roman" panose="02020603050405020304" pitchFamily="18" charset="0"/>
+                <a:cs typeface="Times New Roman" panose="02020603050405020304" pitchFamily="18" charset="0"/>
+                <a:hlinkClick r:id="rId5"/>
+              </a:rPr>
+              <a:t>https://refactoring.guru/pt-br/design-patterns/python</a:t>
+            </a:r>
+            <a:endParaRPr lang="pt-BR" sz="2000" dirty="0">
+              <a:latin typeface="Times New Roman" panose="02020603050405020304" pitchFamily="18" charset="0"/>
+              <a:cs typeface="Times New Roman" panose="02020603050405020304" pitchFamily="18" charset="0"/>
+            </a:endParaRPr>
+          </a:p>
+          <a:p>
+            <a:pPr marL="0" indent="0" algn="just">
+              <a:buNone/>
+            </a:pPr>
+            <a:r>
+              <a:rPr lang="pt-BR" sz="2000" dirty="0">
+                <a:latin typeface="Times New Roman" panose="02020603050405020304" pitchFamily="18" charset="0"/>
+                <a:cs typeface="Times New Roman" panose="02020603050405020304" pitchFamily="18" charset="0"/>
+              </a:rPr>
+              <a:t>			     </a:t>
+            </a:r>
+            <a:r>
+              <a:rPr lang="pt-BR" sz="2000" dirty="0">
+                <a:latin typeface="Times New Roman" panose="02020603050405020304" pitchFamily="18" charset="0"/>
+                <a:cs typeface="Times New Roman" panose="02020603050405020304" pitchFamily="18" charset="0"/>
+                <a:hlinkClick r:id="rId6"/>
+              </a:rPr>
+              <a:t>https://novatec.com.br/livros/padroes-projeto-python/</a:t>
+            </a:r>
+            <a:r>
+              <a:rPr lang="pt-BR" sz="2000" dirty="0">
+                <a:latin typeface="Times New Roman" panose="02020603050405020304" pitchFamily="18" charset="0"/>
+                <a:cs typeface="Times New Roman" panose="02020603050405020304" pitchFamily="18" charset="0"/>
+              </a:rPr>
+              <a:t> </a:t>
+            </a:r>
+            <a:endParaRPr lang="pt-BR" sz="2000" dirty="0">
+              <a:latin typeface="Calibri" panose="020F0502020204030204" pitchFamily="34" charset="0"/>
+              <a:cs typeface="Times New Roman" panose="02020603050405020304" pitchFamily="18" charset="0"/>
+            </a:endParaRPr>
+          </a:p>
+        </p:txBody>
+      </p:sp>
+    </p:spTree>
+    <p:extLst>
+      <p:ext uri="{BB962C8B-B14F-4D97-AF65-F5344CB8AC3E}">
+        <p14:creationId xmlns:p14="http://schemas.microsoft.com/office/powerpoint/2010/main" val="3680270425"/>
+      </p:ext>
+    </p:extLst>
+  </p:cSld>
+  <p:clrMapOvr>
+    <a:masterClrMapping/>
+  </p:clrMapOvr>
+  <p:transition spd="med"/>
+</p:sld>
+</file>
+
 <file path=ppt/slides/slide2.xml><?xml version="1.0" encoding="utf-8"?>
 <p:sld xmlns:a="http://schemas.openxmlformats.org/drawingml/2006/main" xmlns:r="http://schemas.openxmlformats.org/officeDocument/2006/relationships" xmlns:p="http://schemas.openxmlformats.org/presentationml/2006/main">
   <p:cSld>
@@ -4315,7 +9133,7 @@
 </p:sld>
 </file>
 
-<file path=ppt/slides/slide3.xml><?xml version="1.0" encoding="utf-8"?>
+<file path=ppt/slides/slide20.xml><?xml version="1.0" encoding="utf-8"?>
 <p:sld xmlns:a="http://schemas.openxmlformats.org/drawingml/2006/main" xmlns:r="http://schemas.openxmlformats.org/officeDocument/2006/relationships" xmlns:p="http://schemas.openxmlformats.org/presentationml/2006/main">
   <p:cSld>
     <p:spTree>
@@ -4355,18 +9173,21 @@
           <a:lstStyle/>
           <a:p>
             <a:r>
-              <a:rPr lang="pt-BR" b="1" dirty="0">
+              <a:rPr lang="en-US" b="1" dirty="0" err="1">
                 <a:solidFill>
                   <a:srgbClr val="0070C0"/>
                 </a:solidFill>
               </a:rPr>
-              <a:t>Outras Soluções em Python</a:t>
-            </a:r>
-            <a:endParaRPr lang="en-US" b="1" dirty="0">
-              <a:solidFill>
-                <a:srgbClr val="0070C0"/>
-              </a:solidFill>
-            </a:endParaRPr>
+              <a:t>Aprenda</a:t>
+            </a:r>
+            <a:r>
+              <a:rPr lang="en-US" b="1" dirty="0">
+                <a:solidFill>
+                  <a:srgbClr val="0070C0"/>
+                </a:solidFill>
+              </a:rPr>
+              <a:t>+</a:t>
+            </a:r>
           </a:p>
         </p:txBody>
       </p:sp>
@@ -4396,13 +9217,122 @@
               <a:buNone/>
             </a:pPr>
             <a:r>
-              <a:rPr lang="pt-BR" sz="1400" dirty="0"/>
-              <a:t>ETAPAS</a:t>
-            </a:r>
-            <a:endParaRPr lang="pt-BR" sz="2000" dirty="0">
+              <a:rPr lang="pt-BR" sz="2400" dirty="0">
+                <a:latin typeface="Times New Roman" panose="02020603050405020304" pitchFamily="18" charset="0"/>
+                <a:cs typeface="Times New Roman" panose="02020603050405020304" pitchFamily="18" charset="0"/>
+              </a:rPr>
+              <a:t>[1] Bolsa de Valores com Python | Minuto Data </a:t>
+            </a:r>
+            <a:r>
+              <a:rPr lang="pt-BR" sz="2400" dirty="0" err="1">
+                <a:latin typeface="Times New Roman" panose="02020603050405020304" pitchFamily="18" charset="0"/>
+                <a:cs typeface="Times New Roman" panose="02020603050405020304" pitchFamily="18" charset="0"/>
+              </a:rPr>
+              <a:t>Scienc</a:t>
+            </a:r>
+            <a:r>
+              <a:rPr lang="pt-BR" sz="2400" dirty="0">
+                <a:latin typeface="Times New Roman" panose="02020603050405020304" pitchFamily="18" charset="0"/>
+                <a:cs typeface="Times New Roman" panose="02020603050405020304" pitchFamily="18" charset="0"/>
+              </a:rPr>
+              <a:t>.</a:t>
+            </a:r>
+          </a:p>
+          <a:p>
+            <a:pPr marL="0" indent="0" algn="just">
+              <a:buNone/>
+            </a:pPr>
+            <a:r>
+              <a:rPr lang="pt-BR" sz="2400" b="1" dirty="0">
+                <a:solidFill>
+                  <a:srgbClr val="FF0000"/>
+                </a:solidFill>
+                <a:latin typeface="Times New Roman" panose="02020603050405020304" pitchFamily="18" charset="0"/>
+                <a:cs typeface="Times New Roman" panose="02020603050405020304" pitchFamily="18" charset="0"/>
+              </a:rPr>
+              <a:t>Disponível em: </a:t>
+            </a:r>
+            <a:r>
+              <a:rPr lang="pt-BR" sz="2400" dirty="0">
+                <a:solidFill>
+                  <a:srgbClr val="FF0000"/>
+                </a:solidFill>
+                <a:latin typeface="Times New Roman" panose="02020603050405020304" pitchFamily="18" charset="0"/>
+                <a:cs typeface="Times New Roman" panose="02020603050405020304" pitchFamily="18" charset="0"/>
+                <a:hlinkClick r:id="rId3"/>
+              </a:rPr>
+              <a:t>https://youtu.be/FmEmlnvBcBw</a:t>
+            </a:r>
+            <a:endParaRPr lang="pt-BR" sz="2400" dirty="0">
               <a:solidFill>
-                <a:schemeClr val="tx1"/>
+                <a:srgbClr val="FF0000"/>
               </a:solidFill>
+              <a:latin typeface="Times New Roman" panose="02020603050405020304" pitchFamily="18" charset="0"/>
+              <a:cs typeface="Times New Roman" panose="02020603050405020304" pitchFamily="18" charset="0"/>
+            </a:endParaRPr>
+          </a:p>
+          <a:p>
+            <a:pPr marL="0" indent="0" algn="just">
+              <a:buNone/>
+            </a:pPr>
+            <a:endParaRPr lang="pt-BR" sz="2400" dirty="0">
+              <a:latin typeface="Times New Roman" panose="02020603050405020304" pitchFamily="18" charset="0"/>
+              <a:cs typeface="Times New Roman" panose="02020603050405020304" pitchFamily="18" charset="0"/>
+            </a:endParaRPr>
+          </a:p>
+          <a:p>
+            <a:pPr marL="0" indent="0" algn="just">
+              <a:buNone/>
+            </a:pPr>
+            <a:endParaRPr lang="pt-BR" sz="2400" dirty="0">
+              <a:latin typeface="Times New Roman" panose="02020603050405020304" pitchFamily="18" charset="0"/>
+              <a:cs typeface="Times New Roman" panose="02020603050405020304" pitchFamily="18" charset="0"/>
+            </a:endParaRPr>
+          </a:p>
+          <a:p>
+            <a:pPr marL="0" indent="0" algn="just">
+              <a:buNone/>
+            </a:pPr>
+            <a:r>
+              <a:rPr lang="pt-BR" sz="2400" dirty="0">
+                <a:latin typeface="Times New Roman" panose="02020603050405020304" pitchFamily="18" charset="0"/>
+                <a:cs typeface="Times New Roman" panose="02020603050405020304" pitchFamily="18" charset="0"/>
+              </a:rPr>
+              <a:t>[2] Solução de PIX que Você Precisa Usar em seus Projetos. </a:t>
+            </a:r>
+          </a:p>
+          <a:p>
+            <a:pPr marL="0" indent="0" algn="just">
+              <a:buNone/>
+            </a:pPr>
+            <a:r>
+              <a:rPr lang="pt-BR" sz="2400" b="1" dirty="0">
+                <a:solidFill>
+                  <a:srgbClr val="FF0000"/>
+                </a:solidFill>
+                <a:latin typeface="Times New Roman" panose="02020603050405020304" pitchFamily="18" charset="0"/>
+                <a:cs typeface="Times New Roman" panose="02020603050405020304" pitchFamily="18" charset="0"/>
+              </a:rPr>
+              <a:t>Disponível em: </a:t>
+            </a:r>
+            <a:r>
+              <a:rPr lang="pt-BR" sz="2400" dirty="0">
+                <a:latin typeface="Times New Roman" panose="02020603050405020304" pitchFamily="18" charset="0"/>
+                <a:cs typeface="Times New Roman" panose="02020603050405020304" pitchFamily="18" charset="0"/>
+                <a:hlinkClick r:id="rId4"/>
+              </a:rPr>
+              <a:t>https://youtu.be/oyQ8jK24IWg</a:t>
+            </a:r>
+            <a:endParaRPr lang="pt-BR" sz="2400" dirty="0">
+              <a:latin typeface="Times New Roman" panose="02020603050405020304" pitchFamily="18" charset="0"/>
+              <a:cs typeface="Times New Roman" panose="02020603050405020304" pitchFamily="18" charset="0"/>
+            </a:endParaRPr>
+          </a:p>
+          <a:p>
+            <a:pPr marL="0" indent="0" algn="just">
+              <a:buNone/>
+            </a:pPr>
+            <a:endParaRPr lang="pt-BR" sz="2400" dirty="0">
               <a:latin typeface="Times New Roman" panose="02020603050405020304" pitchFamily="18" charset="0"/>
               <a:cs typeface="Times New Roman" panose="02020603050405020304" pitchFamily="18" charset="0"/>
             </a:endParaRPr>
@@ -4412,7 +9342,7 @@
     </p:spTree>
     <p:extLst>
       <p:ext uri="{BB962C8B-B14F-4D97-AF65-F5344CB8AC3E}">
-        <p14:creationId xmlns:p14="http://schemas.microsoft.com/office/powerpoint/2010/main" val="1754424786"/>
+        <p14:creationId xmlns:p14="http://schemas.microsoft.com/office/powerpoint/2010/main" val="2747596967"/>
       </p:ext>
     </p:extLst>
   </p:cSld>
@@ -4423,7 +9353,7 @@
 </p:sld>
 </file>
 
-<file path=ppt/slides/slide4.xml><?xml version="1.0" encoding="utf-8"?>
+<file path=ppt/slides/slide21.xml><?xml version="1.0" encoding="utf-8"?>
 <p:sld xmlns:a="http://schemas.openxmlformats.org/drawingml/2006/main" xmlns:r="http://schemas.openxmlformats.org/officeDocument/2006/relationships" xmlns:p="http://schemas.openxmlformats.org/presentationml/2006/main">
   <p:cSld>
     <p:spTree>
@@ -4468,7 +9398,7 @@
                   <a:srgbClr val="0070C0"/>
                 </a:solidFill>
               </a:rPr>
-              <a:t>Leitura</a:t>
+              <a:t>Dinâmica</a:t>
             </a:r>
             <a:r>
               <a:rPr lang="en-US" b="1" dirty="0">
@@ -4476,7 +9406,7 @@
                   <a:srgbClr val="0070C0"/>
                 </a:solidFill>
               </a:rPr>
-              <a:t> </a:t>
+              <a:t>/</a:t>
             </a:r>
             <a:r>
               <a:rPr lang="en-US" b="1" dirty="0" err="1">
@@ -4484,7 +9414,7 @@
                   <a:srgbClr val="0070C0"/>
                 </a:solidFill>
               </a:rPr>
-              <a:t>Específica</a:t>
+              <a:t>Atividades</a:t>
             </a:r>
             <a:endParaRPr lang="en-US" b="1" dirty="0">
               <a:solidFill>
@@ -4506,8 +9436,8 @@
         </p:nvSpPr>
         <p:spPr>
           <a:xfrm>
-            <a:off x="142865" y="1200151"/>
-            <a:ext cx="8865056" cy="3394472"/>
+            <a:off x="139472" y="1063230"/>
+            <a:ext cx="8865056" cy="3874290"/>
           </a:xfrm>
         </p:spPr>
         <p:txBody>
@@ -4520,50 +9450,251 @@
               <a:buNone/>
             </a:pPr>
             <a:r>
-              <a:rPr lang="pt-BR" sz="2400" dirty="0">
-                <a:latin typeface="Times New Roman" panose="02020603050405020304" pitchFamily="18" charset="0"/>
-                <a:cs typeface="Times New Roman" panose="02020603050405020304" pitchFamily="18" charset="0"/>
-              </a:rPr>
-              <a:t>[1] </a:t>
-            </a:r>
-            <a:r>
-              <a:rPr lang="pt-BR" sz="2400" dirty="0" err="1">
-                <a:latin typeface="Times New Roman" panose="02020603050405020304" pitchFamily="18" charset="0"/>
-                <a:cs typeface="Times New Roman" panose="02020603050405020304" pitchFamily="18" charset="0"/>
-              </a:rPr>
-              <a:t>Desenv</a:t>
-            </a:r>
-            <a:r>
-              <a:rPr lang="pt-BR" sz="2400" dirty="0">
-                <a:latin typeface="Times New Roman" panose="02020603050405020304" pitchFamily="18" charset="0"/>
-                <a:cs typeface="Times New Roman" panose="02020603050405020304" pitchFamily="18" charset="0"/>
-              </a:rPr>
-              <a:t>. App Plataformas de Middleware Para IOT em Python.</a:t>
-            </a:r>
-          </a:p>
-          <a:p>
-            <a:pPr marL="0" indent="0" algn="just">
-              <a:buNone/>
-            </a:pPr>
-            <a:r>
-              <a:rPr lang="pt-BR" sz="2400" b="1" dirty="0">
+              <a:rPr lang="pt-BR" sz="2000" b="1" dirty="0">
+                <a:latin typeface="Times New Roman" panose="02020603050405020304" pitchFamily="18" charset="0"/>
+                <a:cs typeface="Times New Roman" panose="02020603050405020304" pitchFamily="18" charset="0"/>
+              </a:rPr>
+              <a:t>Nota</a:t>
+            </a:r>
+            <a:r>
+              <a:rPr lang="pt-BR" sz="2000" dirty="0">
+                <a:latin typeface="Times New Roman" panose="02020603050405020304" pitchFamily="18" charset="0"/>
+                <a:cs typeface="Times New Roman" panose="02020603050405020304" pitchFamily="18" charset="0"/>
+              </a:rPr>
+              <a:t>: O </a:t>
+            </a:r>
+            <a:r>
+              <a:rPr lang="pt-BR" sz="2000" b="1" dirty="0" err="1">
                 <a:solidFill>
                   <a:srgbClr val="FF0000"/>
                 </a:solidFill>
                 <a:latin typeface="Times New Roman" panose="02020603050405020304" pitchFamily="18" charset="0"/>
                 <a:cs typeface="Times New Roman" panose="02020603050405020304" pitchFamily="18" charset="0"/>
               </a:rPr>
-              <a:t>Disponível em: </a:t>
-            </a:r>
-            <a:r>
-              <a:rPr lang="pt-BR" sz="2400" dirty="0">
+              <a:t>PyCEPCorreios</a:t>
+            </a:r>
+            <a:r>
+              <a:rPr lang="pt-BR" sz="2000" dirty="0">
+                <a:latin typeface="Times New Roman" panose="02020603050405020304" pitchFamily="18" charset="0"/>
+                <a:cs typeface="Times New Roman" panose="02020603050405020304" pitchFamily="18" charset="0"/>
+              </a:rPr>
+              <a:t> é uma </a:t>
+            </a:r>
+            <a:r>
+              <a:rPr lang="pt-BR" sz="2000" b="1" dirty="0">
+                <a:latin typeface="Times New Roman" panose="02020603050405020304" pitchFamily="18" charset="0"/>
+                <a:cs typeface="Times New Roman" panose="02020603050405020304" pitchFamily="18" charset="0"/>
+              </a:rPr>
+              <a:t>API</a:t>
+            </a:r>
+            <a:r>
+              <a:rPr lang="pt-BR" sz="2000" dirty="0">
+                <a:latin typeface="Times New Roman" panose="02020603050405020304" pitchFamily="18" charset="0"/>
+                <a:cs typeface="Times New Roman" panose="02020603050405020304" pitchFamily="18" charset="0"/>
+              </a:rPr>
+              <a:t> desenvolvida em </a:t>
+            </a:r>
+            <a:r>
+              <a:rPr lang="pt-BR" sz="2000" b="1" dirty="0">
+                <a:latin typeface="Times New Roman" panose="02020603050405020304" pitchFamily="18" charset="0"/>
+                <a:cs typeface="Times New Roman" panose="02020603050405020304" pitchFamily="18" charset="0"/>
+              </a:rPr>
+              <a:t>Python, </a:t>
+            </a:r>
+            <a:r>
+              <a:rPr lang="pt-BR" sz="2000" dirty="0">
+                <a:latin typeface="Times New Roman" panose="02020603050405020304" pitchFamily="18" charset="0"/>
+                <a:cs typeface="Times New Roman" panose="02020603050405020304" pitchFamily="18" charset="0"/>
+              </a:rPr>
+              <a:t>webservice dos Correios, O retorno </a:t>
+            </a:r>
+            <a:r>
+              <a:rPr lang="pt-BR" sz="2000" dirty="0" err="1">
+                <a:latin typeface="Times New Roman" panose="02020603050405020304" pitchFamily="18" charset="0"/>
+                <a:cs typeface="Times New Roman" panose="02020603050405020304" pitchFamily="18" charset="0"/>
+              </a:rPr>
+              <a:t>dict</a:t>
+            </a:r>
+            <a:r>
+              <a:rPr lang="pt-BR" sz="2000" dirty="0">
+                <a:latin typeface="Times New Roman" panose="02020603050405020304" pitchFamily="18" charset="0"/>
+                <a:cs typeface="Times New Roman" panose="02020603050405020304" pitchFamily="18" charset="0"/>
+              </a:rPr>
+              <a:t>, </a:t>
+            </a:r>
+            <a:r>
+              <a:rPr lang="pt-BR" sz="2000" dirty="0">
                 <a:latin typeface="Times New Roman" panose="02020603050405020304" pitchFamily="18" charset="0"/>
                 <a:cs typeface="Times New Roman" panose="02020603050405020304" pitchFamily="18" charset="0"/>
                 <a:hlinkClick r:id="rId3"/>
               </a:rPr>
-              <a:t>https://</a:t>
-            </a:r>
-            <a:endParaRPr lang="pt-BR" sz="2400" dirty="0">
+              <a:t>https://github.com/</a:t>
+            </a:r>
+            <a:r>
+              <a:rPr lang="pt-BR" sz="2000" dirty="0" err="1">
+                <a:latin typeface="Times New Roman" panose="02020603050405020304" pitchFamily="18" charset="0"/>
+                <a:cs typeface="Times New Roman" panose="02020603050405020304" pitchFamily="18" charset="0"/>
+                <a:hlinkClick r:id="rId3"/>
+              </a:rPr>
+              <a:t>mstuttgart</a:t>
+            </a:r>
+            <a:r>
+              <a:rPr lang="pt-BR" sz="2000" dirty="0">
+                <a:latin typeface="Times New Roman" panose="02020603050405020304" pitchFamily="18" charset="0"/>
+                <a:cs typeface="Times New Roman" panose="02020603050405020304" pitchFamily="18" charset="0"/>
+                <a:hlinkClick r:id="rId3"/>
+              </a:rPr>
+              <a:t>/</a:t>
+            </a:r>
+            <a:r>
+              <a:rPr lang="pt-BR" sz="2000" dirty="0" err="1">
+                <a:latin typeface="Times New Roman" panose="02020603050405020304" pitchFamily="18" charset="0"/>
+                <a:cs typeface="Times New Roman" panose="02020603050405020304" pitchFamily="18" charset="0"/>
+                <a:hlinkClick r:id="rId3"/>
+              </a:rPr>
+              <a:t>pycep</a:t>
+            </a:r>
+            <a:r>
+              <a:rPr lang="pt-BR" sz="2000" dirty="0">
+                <a:latin typeface="Times New Roman" panose="02020603050405020304" pitchFamily="18" charset="0"/>
+                <a:cs typeface="Times New Roman" panose="02020603050405020304" pitchFamily="18" charset="0"/>
+                <a:hlinkClick r:id="rId3"/>
+              </a:rPr>
+              <a:t>-correios</a:t>
+            </a:r>
+            <a:r>
+              <a:rPr lang="pt-BR" sz="2000" dirty="0">
+                <a:latin typeface="Times New Roman" panose="02020603050405020304" pitchFamily="18" charset="0"/>
+                <a:cs typeface="Times New Roman" panose="02020603050405020304" pitchFamily="18" charset="0"/>
+              </a:rPr>
+              <a:t>.</a:t>
+            </a:r>
+          </a:p>
+          <a:p>
+            <a:pPr marL="0" indent="0" algn="just">
+              <a:buNone/>
+            </a:pPr>
+            <a:r>
+              <a:rPr lang="pt-BR" sz="1600" b="1" dirty="0" err="1">
+                <a:latin typeface="Times New Roman" panose="02020603050405020304" pitchFamily="18" charset="0"/>
+                <a:cs typeface="Times New Roman" panose="02020603050405020304" pitchFamily="18" charset="0"/>
+              </a:rPr>
+              <a:t>import</a:t>
+            </a:r>
+            <a:r>
+              <a:rPr lang="pt-BR" sz="1600" dirty="0">
+                <a:latin typeface="Times New Roman" panose="02020603050405020304" pitchFamily="18" charset="0"/>
+                <a:cs typeface="Times New Roman" panose="02020603050405020304" pitchFamily="18" charset="0"/>
+              </a:rPr>
+              <a:t> </a:t>
+            </a:r>
+            <a:r>
+              <a:rPr lang="pt-BR" sz="1600" b="1" dirty="0" err="1">
+                <a:solidFill>
+                  <a:srgbClr val="FF0000"/>
+                </a:solidFill>
+                <a:latin typeface="Times New Roman" panose="02020603050405020304" pitchFamily="18" charset="0"/>
+                <a:cs typeface="Times New Roman" panose="02020603050405020304" pitchFamily="18" charset="0"/>
+              </a:rPr>
+              <a:t>pycep_correios</a:t>
+            </a:r>
+            <a:r>
+              <a:rPr lang="pt-BR" sz="1600" dirty="0">
+                <a:latin typeface="Times New Roman" panose="02020603050405020304" pitchFamily="18" charset="0"/>
+                <a:cs typeface="Times New Roman" panose="02020603050405020304" pitchFamily="18" charset="0"/>
+              </a:rPr>
+              <a:t> # pip3 </a:t>
+            </a:r>
+            <a:r>
+              <a:rPr lang="pt-BR" sz="1600" dirty="0" err="1">
+                <a:latin typeface="Times New Roman" panose="02020603050405020304" pitchFamily="18" charset="0"/>
+                <a:cs typeface="Times New Roman" panose="02020603050405020304" pitchFamily="18" charset="0"/>
+              </a:rPr>
+              <a:t>install</a:t>
+            </a:r>
+            <a:r>
+              <a:rPr lang="pt-BR" sz="1600" dirty="0">
+                <a:latin typeface="Times New Roman" panose="02020603050405020304" pitchFamily="18" charset="0"/>
+                <a:cs typeface="Times New Roman" panose="02020603050405020304" pitchFamily="18" charset="0"/>
+              </a:rPr>
+              <a:t> </a:t>
+            </a:r>
+            <a:r>
+              <a:rPr lang="pt-BR" sz="1600" dirty="0" err="1">
+                <a:latin typeface="Times New Roman" panose="02020603050405020304" pitchFamily="18" charset="0"/>
+                <a:cs typeface="Times New Roman" panose="02020603050405020304" pitchFamily="18" charset="0"/>
+              </a:rPr>
+              <a:t>pycep</a:t>
+            </a:r>
+            <a:r>
+              <a:rPr lang="pt-BR" sz="1600" dirty="0">
+                <a:latin typeface="Times New Roman" panose="02020603050405020304" pitchFamily="18" charset="0"/>
+                <a:cs typeface="Times New Roman" panose="02020603050405020304" pitchFamily="18" charset="0"/>
+              </a:rPr>
+              <a:t>-correios</a:t>
+            </a:r>
+          </a:p>
+          <a:p>
+            <a:pPr marL="0" indent="0" algn="just">
+              <a:buNone/>
+            </a:pPr>
+            <a:r>
+              <a:rPr lang="pt-BR" sz="1600" dirty="0">
+                <a:latin typeface="Times New Roman" panose="02020603050405020304" pitchFamily="18" charset="0"/>
+                <a:cs typeface="Times New Roman" panose="02020603050405020304" pitchFamily="18" charset="0"/>
+              </a:rPr>
+              <a:t># </a:t>
+            </a:r>
+            <a:r>
+              <a:rPr lang="pt-BR" sz="1600" dirty="0" err="1">
+                <a:latin typeface="Times New Roman" panose="02020603050405020304" pitchFamily="18" charset="0"/>
+                <a:cs typeface="Times New Roman" panose="02020603050405020304" pitchFamily="18" charset="0"/>
+              </a:rPr>
+              <a:t>from</a:t>
+            </a:r>
+            <a:r>
+              <a:rPr lang="pt-BR" sz="1600" dirty="0">
+                <a:latin typeface="Times New Roman" panose="02020603050405020304" pitchFamily="18" charset="0"/>
+                <a:cs typeface="Times New Roman" panose="02020603050405020304" pitchFamily="18" charset="0"/>
+              </a:rPr>
+              <a:t> </a:t>
+            </a:r>
+            <a:r>
+              <a:rPr lang="pt-BR" sz="1600" dirty="0" err="1">
+                <a:latin typeface="Times New Roman" panose="02020603050405020304" pitchFamily="18" charset="0"/>
+                <a:cs typeface="Times New Roman" panose="02020603050405020304" pitchFamily="18" charset="0"/>
+              </a:rPr>
+              <a:t>pycep_correios.exceptions</a:t>
+            </a:r>
+            <a:r>
+              <a:rPr lang="pt-BR" sz="1600" dirty="0">
+                <a:latin typeface="Times New Roman" panose="02020603050405020304" pitchFamily="18" charset="0"/>
+                <a:cs typeface="Times New Roman" panose="02020603050405020304" pitchFamily="18" charset="0"/>
+              </a:rPr>
+              <a:t> </a:t>
+            </a:r>
+            <a:r>
+              <a:rPr lang="pt-BR" sz="1600" dirty="0" err="1">
+                <a:latin typeface="Times New Roman" panose="02020603050405020304" pitchFamily="18" charset="0"/>
+                <a:cs typeface="Times New Roman" panose="02020603050405020304" pitchFamily="18" charset="0"/>
+              </a:rPr>
+              <a:t>import</a:t>
+            </a:r>
+            <a:r>
+              <a:rPr lang="pt-BR" sz="1600" dirty="0">
+                <a:latin typeface="Times New Roman" panose="02020603050405020304" pitchFamily="18" charset="0"/>
+                <a:cs typeface="Times New Roman" panose="02020603050405020304" pitchFamily="18" charset="0"/>
+              </a:rPr>
+              <a:t> </a:t>
+            </a:r>
+            <a:r>
+              <a:rPr lang="pt-BR" sz="1600" dirty="0" err="1">
+                <a:latin typeface="Times New Roman" panose="02020603050405020304" pitchFamily="18" charset="0"/>
+                <a:cs typeface="Times New Roman" panose="02020603050405020304" pitchFamily="18" charset="0"/>
+              </a:rPr>
+              <a:t>CEPInvalido</a:t>
+            </a:r>
+            <a:endParaRPr lang="pt-BR" sz="1600" dirty="0">
               <a:latin typeface="Times New Roman" panose="02020603050405020304" pitchFamily="18" charset="0"/>
               <a:cs typeface="Times New Roman" panose="02020603050405020304" pitchFamily="18" charset="0"/>
             </a:endParaRPr>
@@ -4572,7 +9703,365 @@
             <a:pPr marL="0" indent="0" algn="just">
               <a:buNone/>
             </a:pPr>
-            <a:endParaRPr lang="pt-BR" sz="2400" dirty="0">
+            <a:r>
+              <a:rPr lang="pt-BR" sz="1600" b="1" dirty="0" err="1">
+                <a:latin typeface="Times New Roman" panose="02020603050405020304" pitchFamily="18" charset="0"/>
+                <a:cs typeface="Times New Roman" panose="02020603050405020304" pitchFamily="18" charset="0"/>
+              </a:rPr>
+              <a:t>try</a:t>
+            </a:r>
+            <a:r>
+              <a:rPr lang="pt-BR" sz="1600" dirty="0">
+                <a:latin typeface="Times New Roman" panose="02020603050405020304" pitchFamily="18" charset="0"/>
+                <a:cs typeface="Times New Roman" panose="02020603050405020304" pitchFamily="18" charset="0"/>
+              </a:rPr>
+              <a:t>:</a:t>
+            </a:r>
+          </a:p>
+          <a:p>
+            <a:pPr marL="0" indent="0" algn="just">
+              <a:buNone/>
+            </a:pPr>
+            <a:r>
+              <a:rPr lang="pt-BR" sz="1600" dirty="0">
+                <a:latin typeface="Times New Roman" panose="02020603050405020304" pitchFamily="18" charset="0"/>
+                <a:cs typeface="Times New Roman" panose="02020603050405020304" pitchFamily="18" charset="0"/>
+              </a:rPr>
+              <a:t>    </a:t>
+            </a:r>
+            <a:r>
+              <a:rPr lang="pt-BR" sz="1600" dirty="0" err="1">
+                <a:latin typeface="Times New Roman" panose="02020603050405020304" pitchFamily="18" charset="0"/>
+                <a:cs typeface="Times New Roman" panose="02020603050405020304" pitchFamily="18" charset="0"/>
+              </a:rPr>
+              <a:t>endereco</a:t>
+            </a:r>
+            <a:r>
+              <a:rPr lang="pt-BR" sz="1600" dirty="0">
+                <a:latin typeface="Times New Roman" panose="02020603050405020304" pitchFamily="18" charset="0"/>
+                <a:cs typeface="Times New Roman" panose="02020603050405020304" pitchFamily="18" charset="0"/>
+              </a:rPr>
+              <a:t> = </a:t>
+            </a:r>
+            <a:r>
+              <a:rPr lang="pt-BR" sz="1600" b="1" dirty="0" err="1">
+                <a:latin typeface="Times New Roman" panose="02020603050405020304" pitchFamily="18" charset="0"/>
+                <a:cs typeface="Times New Roman" panose="02020603050405020304" pitchFamily="18" charset="0"/>
+              </a:rPr>
+              <a:t>pycep_correios</a:t>
+            </a:r>
+            <a:r>
+              <a:rPr lang="pt-BR" sz="1600" dirty="0" err="1">
+                <a:latin typeface="Times New Roman" panose="02020603050405020304" pitchFamily="18" charset="0"/>
+                <a:cs typeface="Times New Roman" panose="02020603050405020304" pitchFamily="18" charset="0"/>
+              </a:rPr>
+              <a:t>.</a:t>
+            </a:r>
+            <a:r>
+              <a:rPr lang="pt-BR" sz="1600" b="1" dirty="0" err="1">
+                <a:solidFill>
+                  <a:srgbClr val="FF0000"/>
+                </a:solidFill>
+                <a:latin typeface="Times New Roman" panose="02020603050405020304" pitchFamily="18" charset="0"/>
+                <a:cs typeface="Times New Roman" panose="02020603050405020304" pitchFamily="18" charset="0"/>
+              </a:rPr>
+              <a:t>get_address_from_cep</a:t>
+            </a:r>
+            <a:r>
+              <a:rPr lang="pt-BR" sz="1600" dirty="0">
+                <a:latin typeface="Times New Roman" panose="02020603050405020304" pitchFamily="18" charset="0"/>
+                <a:cs typeface="Times New Roman" panose="02020603050405020304" pitchFamily="18" charset="0"/>
+              </a:rPr>
+              <a:t>('41720075') # CEP: 37503130</a:t>
+            </a:r>
+          </a:p>
+          <a:p>
+            <a:pPr marL="0" indent="0" algn="just">
+              <a:buNone/>
+            </a:pPr>
+            <a:r>
+              <a:rPr lang="pt-BR" sz="1600" dirty="0">
+                <a:latin typeface="Times New Roman" panose="02020603050405020304" pitchFamily="18" charset="0"/>
+                <a:cs typeface="Times New Roman" panose="02020603050405020304" pitchFamily="18" charset="0"/>
+              </a:rPr>
+              <a:t>    </a:t>
+            </a:r>
+            <a:r>
+              <a:rPr lang="pt-BR" sz="1600" b="1" dirty="0">
+                <a:latin typeface="Times New Roman" panose="02020603050405020304" pitchFamily="18" charset="0"/>
+                <a:cs typeface="Times New Roman" panose="02020603050405020304" pitchFamily="18" charset="0"/>
+              </a:rPr>
+              <a:t>print</a:t>
+            </a:r>
+            <a:r>
+              <a:rPr lang="pt-BR" sz="1600" dirty="0">
+                <a:latin typeface="Times New Roman" panose="02020603050405020304" pitchFamily="18" charset="0"/>
+                <a:cs typeface="Times New Roman" panose="02020603050405020304" pitchFamily="18" charset="0"/>
+              </a:rPr>
+              <a:t>(</a:t>
+            </a:r>
+            <a:r>
+              <a:rPr lang="pt-BR" sz="1600" dirty="0" err="1">
+                <a:latin typeface="Times New Roman" panose="02020603050405020304" pitchFamily="18" charset="0"/>
+                <a:cs typeface="Times New Roman" panose="02020603050405020304" pitchFamily="18" charset="0"/>
+              </a:rPr>
+              <a:t>endereco</a:t>
+            </a:r>
+            <a:r>
+              <a:rPr lang="pt-BR" sz="1600" dirty="0">
+                <a:latin typeface="Times New Roman" panose="02020603050405020304" pitchFamily="18" charset="0"/>
+                <a:cs typeface="Times New Roman" panose="02020603050405020304" pitchFamily="18" charset="0"/>
+              </a:rPr>
+              <a:t>['logradouro’]); </a:t>
+            </a:r>
+            <a:r>
+              <a:rPr lang="pt-BR" sz="1600" b="1" dirty="0">
+                <a:latin typeface="Times New Roman" panose="02020603050405020304" pitchFamily="18" charset="0"/>
+                <a:cs typeface="Times New Roman" panose="02020603050405020304" pitchFamily="18" charset="0"/>
+              </a:rPr>
+              <a:t>print</a:t>
+            </a:r>
+            <a:r>
+              <a:rPr lang="pt-BR" sz="1600" dirty="0">
+                <a:latin typeface="Times New Roman" panose="02020603050405020304" pitchFamily="18" charset="0"/>
+                <a:cs typeface="Times New Roman" panose="02020603050405020304" pitchFamily="18" charset="0"/>
+              </a:rPr>
+              <a:t>(</a:t>
+            </a:r>
+            <a:r>
+              <a:rPr lang="pt-BR" sz="1600" dirty="0" err="1">
+                <a:latin typeface="Times New Roman" panose="02020603050405020304" pitchFamily="18" charset="0"/>
+                <a:cs typeface="Times New Roman" panose="02020603050405020304" pitchFamily="18" charset="0"/>
+              </a:rPr>
+              <a:t>endereco</a:t>
+            </a:r>
+            <a:r>
+              <a:rPr lang="pt-BR" sz="1600" dirty="0">
+                <a:latin typeface="Times New Roman" panose="02020603050405020304" pitchFamily="18" charset="0"/>
+                <a:cs typeface="Times New Roman" panose="02020603050405020304" pitchFamily="18" charset="0"/>
+              </a:rPr>
+              <a:t>['bairro’]); </a:t>
+            </a:r>
+            <a:r>
+              <a:rPr lang="pt-BR" sz="1600" b="1" dirty="0">
+                <a:latin typeface="Times New Roman" panose="02020603050405020304" pitchFamily="18" charset="0"/>
+                <a:cs typeface="Times New Roman" panose="02020603050405020304" pitchFamily="18" charset="0"/>
+              </a:rPr>
+              <a:t>print</a:t>
+            </a:r>
+            <a:r>
+              <a:rPr lang="pt-BR" sz="1600" dirty="0">
+                <a:latin typeface="Times New Roman" panose="02020603050405020304" pitchFamily="18" charset="0"/>
+                <a:cs typeface="Times New Roman" panose="02020603050405020304" pitchFamily="18" charset="0"/>
+              </a:rPr>
+              <a:t>(</a:t>
+            </a:r>
+            <a:r>
+              <a:rPr lang="pt-BR" sz="1600" dirty="0" err="1">
+                <a:latin typeface="Times New Roman" panose="02020603050405020304" pitchFamily="18" charset="0"/>
+                <a:cs typeface="Times New Roman" panose="02020603050405020304" pitchFamily="18" charset="0"/>
+              </a:rPr>
+              <a:t>endereco</a:t>
+            </a:r>
+            <a:r>
+              <a:rPr lang="pt-BR" sz="1600" dirty="0">
+                <a:latin typeface="Times New Roman" panose="02020603050405020304" pitchFamily="18" charset="0"/>
+                <a:cs typeface="Times New Roman" panose="02020603050405020304" pitchFamily="18" charset="0"/>
+              </a:rPr>
+              <a:t>['cidade’])</a:t>
+            </a:r>
+          </a:p>
+          <a:p>
+            <a:pPr marL="0" indent="0" algn="just">
+              <a:buNone/>
+            </a:pPr>
+            <a:r>
+              <a:rPr lang="pt-BR" sz="1600" dirty="0">
+                <a:latin typeface="Times New Roman" panose="02020603050405020304" pitchFamily="18" charset="0"/>
+                <a:cs typeface="Times New Roman" panose="02020603050405020304" pitchFamily="18" charset="0"/>
+              </a:rPr>
+              <a:t>    </a:t>
+            </a:r>
+            <a:r>
+              <a:rPr lang="pt-BR" sz="1600" b="1" dirty="0">
+                <a:latin typeface="Times New Roman" panose="02020603050405020304" pitchFamily="18" charset="0"/>
+                <a:cs typeface="Times New Roman" panose="02020603050405020304" pitchFamily="18" charset="0"/>
+              </a:rPr>
+              <a:t>print</a:t>
+            </a:r>
+            <a:r>
+              <a:rPr lang="pt-BR" sz="1600" dirty="0">
+                <a:latin typeface="Times New Roman" panose="02020603050405020304" pitchFamily="18" charset="0"/>
+                <a:cs typeface="Times New Roman" panose="02020603050405020304" pitchFamily="18" charset="0"/>
+              </a:rPr>
+              <a:t>(</a:t>
+            </a:r>
+            <a:r>
+              <a:rPr lang="pt-BR" sz="1600" dirty="0" err="1">
+                <a:latin typeface="Times New Roman" panose="02020603050405020304" pitchFamily="18" charset="0"/>
+                <a:cs typeface="Times New Roman" panose="02020603050405020304" pitchFamily="18" charset="0"/>
+              </a:rPr>
+              <a:t>endereco</a:t>
+            </a:r>
+            <a:r>
+              <a:rPr lang="pt-BR" sz="1600" dirty="0">
+                <a:latin typeface="Times New Roman" panose="02020603050405020304" pitchFamily="18" charset="0"/>
+                <a:cs typeface="Times New Roman" panose="02020603050405020304" pitchFamily="18" charset="0"/>
+              </a:rPr>
+              <a:t>['complemento’]); </a:t>
+            </a:r>
+            <a:r>
+              <a:rPr lang="pt-BR" sz="1600" b="1" dirty="0">
+                <a:latin typeface="Times New Roman" panose="02020603050405020304" pitchFamily="18" charset="0"/>
+                <a:cs typeface="Times New Roman" panose="02020603050405020304" pitchFamily="18" charset="0"/>
+              </a:rPr>
+              <a:t>print</a:t>
+            </a:r>
+            <a:r>
+              <a:rPr lang="pt-BR" sz="1600" dirty="0">
+                <a:latin typeface="Times New Roman" panose="02020603050405020304" pitchFamily="18" charset="0"/>
+                <a:cs typeface="Times New Roman" panose="02020603050405020304" pitchFamily="18" charset="0"/>
+              </a:rPr>
+              <a:t>(</a:t>
+            </a:r>
+            <a:r>
+              <a:rPr lang="pt-BR" sz="1600" dirty="0" err="1">
+                <a:latin typeface="Times New Roman" panose="02020603050405020304" pitchFamily="18" charset="0"/>
+                <a:cs typeface="Times New Roman" panose="02020603050405020304" pitchFamily="18" charset="0"/>
+              </a:rPr>
+              <a:t>endereco</a:t>
+            </a:r>
+            <a:r>
+              <a:rPr lang="pt-BR" sz="1600" dirty="0">
+                <a:latin typeface="Times New Roman" panose="02020603050405020304" pitchFamily="18" charset="0"/>
+                <a:cs typeface="Times New Roman" panose="02020603050405020304" pitchFamily="18" charset="0"/>
+              </a:rPr>
+              <a:t>['uf’]); </a:t>
+            </a:r>
+            <a:r>
+              <a:rPr lang="pt-BR" sz="1600" b="1" dirty="0">
+                <a:latin typeface="Times New Roman" panose="02020603050405020304" pitchFamily="18" charset="0"/>
+                <a:cs typeface="Times New Roman" panose="02020603050405020304" pitchFamily="18" charset="0"/>
+              </a:rPr>
+              <a:t>print</a:t>
+            </a:r>
+            <a:r>
+              <a:rPr lang="pt-BR" sz="1600" dirty="0">
+                <a:latin typeface="Times New Roman" panose="02020603050405020304" pitchFamily="18" charset="0"/>
+                <a:cs typeface="Times New Roman" panose="02020603050405020304" pitchFamily="18" charset="0"/>
+              </a:rPr>
+              <a:t>(</a:t>
+            </a:r>
+            <a:r>
+              <a:rPr lang="pt-BR" sz="1600" dirty="0" err="1">
+                <a:latin typeface="Times New Roman" panose="02020603050405020304" pitchFamily="18" charset="0"/>
+                <a:cs typeface="Times New Roman" panose="02020603050405020304" pitchFamily="18" charset="0"/>
+              </a:rPr>
+              <a:t>endereco</a:t>
+            </a:r>
+            <a:r>
+              <a:rPr lang="pt-BR" sz="1600" dirty="0">
+                <a:latin typeface="Times New Roman" panose="02020603050405020304" pitchFamily="18" charset="0"/>
+                <a:cs typeface="Times New Roman" panose="02020603050405020304" pitchFamily="18" charset="0"/>
+              </a:rPr>
+              <a:t>['cep'])</a:t>
+            </a:r>
+          </a:p>
+          <a:p>
+            <a:pPr marL="0" indent="0" algn="just">
+              <a:buNone/>
+            </a:pPr>
+            <a:r>
+              <a:rPr lang="pt-BR" sz="1600" b="1" dirty="0" err="1">
+                <a:latin typeface="Times New Roman" panose="02020603050405020304" pitchFamily="18" charset="0"/>
+                <a:cs typeface="Times New Roman" panose="02020603050405020304" pitchFamily="18" charset="0"/>
+              </a:rPr>
+              <a:t>except</a:t>
+            </a:r>
+            <a:r>
+              <a:rPr lang="pt-BR" sz="1600" dirty="0">
+                <a:latin typeface="Times New Roman" panose="02020603050405020304" pitchFamily="18" charset="0"/>
+                <a:cs typeface="Times New Roman" panose="02020603050405020304" pitchFamily="18" charset="0"/>
+              </a:rPr>
+              <a:t>  </a:t>
+            </a:r>
+            <a:r>
+              <a:rPr lang="pt-BR" sz="1600" b="1" dirty="0" err="1">
+                <a:solidFill>
+                  <a:srgbClr val="FF0000"/>
+                </a:solidFill>
+                <a:latin typeface="Times New Roman" panose="02020603050405020304" pitchFamily="18" charset="0"/>
+                <a:cs typeface="Times New Roman" panose="02020603050405020304" pitchFamily="18" charset="0"/>
+              </a:rPr>
+              <a:t>Exception</a:t>
+            </a:r>
+            <a:r>
+              <a:rPr lang="pt-BR" sz="1600" dirty="0">
+                <a:latin typeface="Times New Roman" panose="02020603050405020304" pitchFamily="18" charset="0"/>
+                <a:cs typeface="Times New Roman" panose="02020603050405020304" pitchFamily="18" charset="0"/>
+              </a:rPr>
+              <a:t> as </a:t>
+            </a:r>
+            <a:r>
+              <a:rPr lang="pt-BR" sz="1600" dirty="0" err="1">
+                <a:latin typeface="Times New Roman" panose="02020603050405020304" pitchFamily="18" charset="0"/>
+                <a:cs typeface="Times New Roman" panose="02020603050405020304" pitchFamily="18" charset="0"/>
+              </a:rPr>
+              <a:t>exc</a:t>
+            </a:r>
+            <a:r>
+              <a:rPr lang="pt-BR" sz="1600" dirty="0">
+                <a:latin typeface="Times New Roman" panose="02020603050405020304" pitchFamily="18" charset="0"/>
+                <a:cs typeface="Times New Roman" panose="02020603050405020304" pitchFamily="18" charset="0"/>
+              </a:rPr>
+              <a:t>:</a:t>
+            </a:r>
+          </a:p>
+          <a:p>
+            <a:pPr marL="0" indent="0" algn="just">
+              <a:buNone/>
+            </a:pPr>
+            <a:r>
+              <a:rPr lang="pt-BR" sz="1600" dirty="0">
+                <a:latin typeface="Times New Roman" panose="02020603050405020304" pitchFamily="18" charset="0"/>
+                <a:cs typeface="Times New Roman" panose="02020603050405020304" pitchFamily="18" charset="0"/>
+              </a:rPr>
+              <a:t>    </a:t>
+            </a:r>
+            <a:r>
+              <a:rPr lang="pt-BR" sz="1600" b="1" dirty="0">
+                <a:latin typeface="Times New Roman" panose="02020603050405020304" pitchFamily="18" charset="0"/>
+                <a:cs typeface="Times New Roman" panose="02020603050405020304" pitchFamily="18" charset="0"/>
+              </a:rPr>
+              <a:t>print</a:t>
+            </a:r>
+            <a:r>
+              <a:rPr lang="pt-BR" sz="1600" dirty="0">
+                <a:latin typeface="Times New Roman" panose="02020603050405020304" pitchFamily="18" charset="0"/>
+                <a:cs typeface="Times New Roman" panose="02020603050405020304" pitchFamily="18" charset="0"/>
+              </a:rPr>
+              <a:t>('CEP Inválido', </a:t>
+            </a:r>
+            <a:r>
+              <a:rPr lang="pt-BR" sz="1600" dirty="0" err="1">
+                <a:latin typeface="Times New Roman" panose="02020603050405020304" pitchFamily="18" charset="0"/>
+                <a:cs typeface="Times New Roman" panose="02020603050405020304" pitchFamily="18" charset="0"/>
+              </a:rPr>
+              <a:t>exc</a:t>
+            </a:r>
+            <a:r>
+              <a:rPr lang="pt-BR" sz="1600" dirty="0">
+                <a:latin typeface="Times New Roman" panose="02020603050405020304" pitchFamily="18" charset="0"/>
+                <a:cs typeface="Times New Roman" panose="02020603050405020304" pitchFamily="18" charset="0"/>
+              </a:rPr>
+              <a:t>)</a:t>
+            </a:r>
+          </a:p>
+          <a:p>
+            <a:pPr marL="0" indent="0" algn="just">
+              <a:buNone/>
+            </a:pPr>
+            <a:endParaRPr lang="pt-BR" sz="1800" dirty="0">
               <a:latin typeface="Times New Roman" panose="02020603050405020304" pitchFamily="18" charset="0"/>
               <a:cs typeface="Times New Roman" panose="02020603050405020304" pitchFamily="18" charset="0"/>
             </a:endParaRPr>
@@ -4582,98 +10071,36 @@
               <a:buNone/>
             </a:pPr>
             <a:r>
-              <a:rPr lang="pt-BR" sz="2400" dirty="0">
-                <a:latin typeface="Times New Roman" panose="02020603050405020304" pitchFamily="18" charset="0"/>
-                <a:cs typeface="Times New Roman" panose="02020603050405020304" pitchFamily="18" charset="0"/>
-              </a:rPr>
-              <a:t>[2] </a:t>
-            </a:r>
-            <a:r>
-              <a:rPr lang="pt-BR" sz="2400" dirty="0" err="1">
-                <a:latin typeface="Times New Roman" panose="02020603050405020304" pitchFamily="18" charset="0"/>
-                <a:cs typeface="Times New Roman" panose="02020603050405020304" pitchFamily="18" charset="0"/>
-              </a:rPr>
-              <a:t>Desenv</a:t>
-            </a:r>
-            <a:r>
-              <a:rPr lang="pt-BR" sz="2400" dirty="0">
-                <a:latin typeface="Times New Roman" panose="02020603050405020304" pitchFamily="18" charset="0"/>
-                <a:cs typeface="Times New Roman" panose="02020603050405020304" pitchFamily="18" charset="0"/>
-              </a:rPr>
-              <a:t>. App Plataformas de Middleware Para IOT em Python. </a:t>
-            </a:r>
-          </a:p>
-          <a:p>
-            <a:pPr marL="0" indent="0" algn="just">
-              <a:buNone/>
-            </a:pPr>
-            <a:r>
-              <a:rPr lang="pt-BR" sz="2400" b="1" dirty="0">
+              <a:rPr lang="pt-BR" sz="1800" dirty="0">
+                <a:latin typeface="Times New Roman" panose="02020603050405020304" pitchFamily="18" charset="0"/>
+                <a:cs typeface="Times New Roman" panose="02020603050405020304" pitchFamily="18" charset="0"/>
+              </a:rPr>
+              <a:t># </a:t>
+            </a:r>
+            <a:r>
+              <a:rPr lang="pt-BR" sz="1800" b="1" dirty="0">
                 <a:solidFill>
                   <a:srgbClr val="FF0000"/>
                 </a:solidFill>
                 <a:latin typeface="Times New Roman" panose="02020603050405020304" pitchFamily="18" charset="0"/>
                 <a:cs typeface="Times New Roman" panose="02020603050405020304" pitchFamily="18" charset="0"/>
               </a:rPr>
-              <a:t>Disponível em: </a:t>
-            </a:r>
-            <a:r>
-              <a:rPr lang="pt-BR" sz="2400" dirty="0">
-                <a:latin typeface="Times New Roman" panose="02020603050405020304" pitchFamily="18" charset="0"/>
-                <a:cs typeface="Times New Roman" panose="02020603050405020304" pitchFamily="18" charset="0"/>
-                <a:hlinkClick r:id="rId4"/>
-              </a:rPr>
-              <a:t>https:</a:t>
-            </a:r>
-            <a:r>
-              <a:rPr lang="pt-BR" sz="2400" dirty="0">
-                <a:latin typeface="Times New Roman" panose="02020603050405020304" pitchFamily="18" charset="0"/>
-                <a:cs typeface="Times New Roman" panose="02020603050405020304" pitchFamily="18" charset="0"/>
-              </a:rPr>
-              <a:t>//</a:t>
-            </a:r>
-          </a:p>
-          <a:p>
-            <a:pPr marL="0" indent="0" algn="just">
-              <a:buNone/>
-            </a:pPr>
-            <a:endParaRPr lang="pt-BR" sz="2400" dirty="0">
-              <a:latin typeface="Times New Roman" panose="02020603050405020304" pitchFamily="18" charset="0"/>
-              <a:cs typeface="Times New Roman" panose="02020603050405020304" pitchFamily="18" charset="0"/>
-            </a:endParaRPr>
-          </a:p>
-          <a:p>
-            <a:pPr marL="0" indent="0" algn="just">
-              <a:buNone/>
-            </a:pPr>
-            <a:endParaRPr lang="pt-BR" sz="2400" dirty="0">
-              <a:latin typeface="Times New Roman" panose="02020603050405020304" pitchFamily="18" charset="0"/>
-              <a:cs typeface="Times New Roman" panose="02020603050405020304" pitchFamily="18" charset="0"/>
-            </a:endParaRPr>
-          </a:p>
-          <a:p>
-            <a:pPr marL="0" indent="0" algn="just">
-              <a:buNone/>
-            </a:pPr>
-            <a:endParaRPr lang="pt-BR" sz="2400" dirty="0">
-              <a:latin typeface="Times New Roman" panose="02020603050405020304" pitchFamily="18" charset="0"/>
-              <a:cs typeface="Times New Roman" panose="02020603050405020304" pitchFamily="18" charset="0"/>
-            </a:endParaRPr>
-          </a:p>
-          <a:p>
-            <a:pPr marL="0" indent="0" algn="just">
-              <a:buNone/>
-            </a:pPr>
-            <a:endParaRPr lang="pt-BR" sz="2400" dirty="0">
-              <a:latin typeface="Calibri" panose="020F0502020204030204" pitchFamily="34" charset="0"/>
-            </a:endParaRPr>
+              <a:t>Criar sua própria rotina em Python para consultar a API do VIACEP</a:t>
+            </a:r>
+            <a:r>
+              <a:rPr lang="pt-BR" sz="1800" dirty="0">
+                <a:latin typeface="Times New Roman" panose="02020603050405020304" pitchFamily="18" charset="0"/>
+                <a:cs typeface="Times New Roman" panose="02020603050405020304" pitchFamily="18" charset="0"/>
+              </a:rPr>
+              <a:t>.</a:t>
+            </a:r>
           </a:p>
         </p:txBody>
       </p:sp>
     </p:spTree>
     <p:extLst>
       <p:ext uri="{BB962C8B-B14F-4D97-AF65-F5344CB8AC3E}">
-        <p14:creationId xmlns:p14="http://schemas.microsoft.com/office/powerpoint/2010/main" val="3680270425"/>
+        <p14:creationId xmlns:p14="http://schemas.microsoft.com/office/powerpoint/2010/main" val="1397642976"/>
       </p:ext>
     </p:extLst>
   </p:cSld>
@@ -4684,7 +10111,7 @@
 </p:sld>
 </file>
 
-<file path=ppt/slides/slide5.xml><?xml version="1.0" encoding="utf-8"?>
+<file path=ppt/slides/slide22.xml><?xml version="1.0" encoding="utf-8"?>
 <p:sld xmlns:a="http://schemas.openxmlformats.org/drawingml/2006/main" xmlns:r="http://schemas.openxmlformats.org/officeDocument/2006/relationships" xmlns:p="http://schemas.openxmlformats.org/presentationml/2006/main">
   <p:cSld>
     <p:spTree>
@@ -4729,7 +10156,7 @@
                   <a:srgbClr val="0070C0"/>
                 </a:solidFill>
               </a:rPr>
-              <a:t>Aprenda</a:t>
+              <a:t>Referências</a:t>
             </a:r>
             <a:r>
               <a:rPr lang="en-US" b="1" dirty="0">
@@ -4737,8 +10164,21 @@
                   <a:srgbClr val="0070C0"/>
                 </a:solidFill>
               </a:rPr>
-              <a:t>+</a:t>
-            </a:r>
+              <a:t> </a:t>
+            </a:r>
+            <a:r>
+              <a:rPr lang="en-US" b="1" dirty="0" err="1">
+                <a:solidFill>
+                  <a:srgbClr val="0070C0"/>
+                </a:solidFill>
+              </a:rPr>
+              <a:t>Bibliográficas</a:t>
+            </a:r>
+            <a:endParaRPr lang="en-US" b="1" dirty="0">
+              <a:solidFill>
+                <a:srgbClr val="0070C0"/>
+              </a:solidFill>
+            </a:endParaRPr>
           </a:p>
         </p:txBody>
       </p:sp>
@@ -4755,7 +10195,7 @@
         <p:spPr>
           <a:xfrm>
             <a:off x="142865" y="1200150"/>
-            <a:ext cx="8865056" cy="3737370"/>
+            <a:ext cx="8865056" cy="3591305"/>
           </a:xfrm>
         </p:spPr>
         <p:txBody>
@@ -4768,387 +10208,29 @@
               <a:buNone/>
             </a:pPr>
             <a:r>
-              <a:rPr lang="pt-BR" sz="2400" dirty="0">
+              <a:rPr lang="pt-BR" sz="2000" dirty="0">
                 <a:latin typeface="Times New Roman" panose="02020603050405020304" pitchFamily="18" charset="0"/>
                 <a:cs typeface="Times New Roman" panose="02020603050405020304" pitchFamily="18" charset="0"/>
               </a:rPr>
               <a:t>[1] </a:t>
             </a:r>
             <a:r>
-              <a:rPr lang="pt-BR" sz="2400" dirty="0" err="1">
-                <a:latin typeface="Times New Roman" panose="02020603050405020304" pitchFamily="18" charset="0"/>
-                <a:cs typeface="Times New Roman" panose="02020603050405020304" pitchFamily="18" charset="0"/>
-              </a:rPr>
-              <a:t>Desenv</a:t>
-            </a:r>
-            <a:r>
-              <a:rPr lang="pt-BR" sz="2400" dirty="0">
-                <a:latin typeface="Times New Roman" panose="02020603050405020304" pitchFamily="18" charset="0"/>
-                <a:cs typeface="Times New Roman" panose="02020603050405020304" pitchFamily="18" charset="0"/>
-              </a:rPr>
-              <a:t>. App Plataformas de Middleware Para IOT em Python.</a:t>
-            </a:r>
-          </a:p>
-          <a:p>
-            <a:pPr marL="0" indent="0" algn="just">
-              <a:buNone/>
-            </a:pPr>
-            <a:r>
-              <a:rPr lang="pt-BR" sz="2400" b="1" dirty="0">
+              <a:rPr lang="en-US" sz="2000" b="1" dirty="0">
                 <a:solidFill>
                   <a:srgbClr val="FF0000"/>
                 </a:solidFill>
                 <a:latin typeface="Times New Roman" panose="02020603050405020304" pitchFamily="18" charset="0"/>
                 <a:cs typeface="Times New Roman" panose="02020603050405020304" pitchFamily="18" charset="0"/>
               </a:rPr>
-              <a:t>Disponível em: </a:t>
-            </a:r>
-            <a:r>
-              <a:rPr lang="pt-BR" sz="2400" dirty="0">
-                <a:latin typeface="Times New Roman" panose="02020603050405020304" pitchFamily="18" charset="0"/>
-                <a:cs typeface="Times New Roman" panose="02020603050405020304" pitchFamily="18" charset="0"/>
-                <a:hlinkClick r:id="rId3"/>
-              </a:rPr>
-              <a:t>https://</a:t>
-            </a:r>
-            <a:endParaRPr lang="pt-BR" sz="2400" dirty="0">
-              <a:latin typeface="Times New Roman" panose="02020603050405020304" pitchFamily="18" charset="0"/>
-              <a:cs typeface="Times New Roman" panose="02020603050405020304" pitchFamily="18" charset="0"/>
-            </a:endParaRPr>
-          </a:p>
-          <a:p>
-            <a:pPr marL="0" indent="0" algn="just">
-              <a:buNone/>
-            </a:pPr>
-            <a:endParaRPr lang="pt-BR" sz="2400" dirty="0">
-              <a:latin typeface="Times New Roman" panose="02020603050405020304" pitchFamily="18" charset="0"/>
-              <a:cs typeface="Times New Roman" panose="02020603050405020304" pitchFamily="18" charset="0"/>
-            </a:endParaRPr>
-          </a:p>
-          <a:p>
-            <a:pPr marL="0" indent="0" algn="just">
-              <a:buNone/>
-            </a:pPr>
-            <a:r>
-              <a:rPr lang="pt-BR" sz="2400" dirty="0">
-                <a:latin typeface="Times New Roman" panose="02020603050405020304" pitchFamily="18" charset="0"/>
-                <a:cs typeface="Times New Roman" panose="02020603050405020304" pitchFamily="18" charset="0"/>
-              </a:rPr>
-              <a:t>[2] </a:t>
-            </a:r>
-            <a:r>
-              <a:rPr lang="pt-BR" sz="2400" dirty="0" err="1">
-                <a:latin typeface="Times New Roman" panose="02020603050405020304" pitchFamily="18" charset="0"/>
-                <a:cs typeface="Times New Roman" panose="02020603050405020304" pitchFamily="18" charset="0"/>
-              </a:rPr>
-              <a:t>Desenv</a:t>
-            </a:r>
-            <a:r>
-              <a:rPr lang="pt-BR" sz="2400" dirty="0">
-                <a:latin typeface="Times New Roman" panose="02020603050405020304" pitchFamily="18" charset="0"/>
-                <a:cs typeface="Times New Roman" panose="02020603050405020304" pitchFamily="18" charset="0"/>
-              </a:rPr>
-              <a:t>. App Plataformas de Middleware Para IOT em Python. </a:t>
-            </a:r>
-          </a:p>
-          <a:p>
-            <a:pPr marL="0" indent="0" algn="just">
-              <a:buNone/>
-            </a:pPr>
-            <a:r>
-              <a:rPr lang="pt-BR" sz="2400" b="1" dirty="0">
-                <a:solidFill>
-                  <a:srgbClr val="FF0000"/>
-                </a:solidFill>
-                <a:latin typeface="Times New Roman" panose="02020603050405020304" pitchFamily="18" charset="0"/>
-                <a:cs typeface="Times New Roman" panose="02020603050405020304" pitchFamily="18" charset="0"/>
-              </a:rPr>
-              <a:t>Disponível em: </a:t>
-            </a:r>
-            <a:r>
-              <a:rPr lang="pt-BR" sz="2400" dirty="0">
-                <a:latin typeface="Times New Roman" panose="02020603050405020304" pitchFamily="18" charset="0"/>
-                <a:cs typeface="Times New Roman" panose="02020603050405020304" pitchFamily="18" charset="0"/>
-                <a:hlinkClick r:id="rId4"/>
-              </a:rPr>
-              <a:t>https://</a:t>
-            </a:r>
-            <a:endParaRPr lang="pt-BR" sz="2400" dirty="0">
-              <a:latin typeface="Times New Roman" panose="02020603050405020304" pitchFamily="18" charset="0"/>
-              <a:cs typeface="Times New Roman" panose="02020603050405020304" pitchFamily="18" charset="0"/>
-            </a:endParaRPr>
-          </a:p>
-          <a:p>
-            <a:pPr marL="0" indent="0" algn="just">
-              <a:buNone/>
-            </a:pPr>
-            <a:endParaRPr lang="pt-BR" sz="2400" dirty="0">
-              <a:latin typeface="Times New Roman" panose="02020603050405020304" pitchFamily="18" charset="0"/>
-              <a:cs typeface="Times New Roman" panose="02020603050405020304" pitchFamily="18" charset="0"/>
-            </a:endParaRPr>
-          </a:p>
-        </p:txBody>
-      </p:sp>
-    </p:spTree>
-    <p:extLst>
-      <p:ext uri="{BB962C8B-B14F-4D97-AF65-F5344CB8AC3E}">
-        <p14:creationId xmlns:p14="http://schemas.microsoft.com/office/powerpoint/2010/main" val="2747596967"/>
-      </p:ext>
-    </p:extLst>
-  </p:cSld>
-  <p:clrMapOvr>
-    <a:masterClrMapping/>
-  </p:clrMapOvr>
-  <p:transition spd="med"/>
-</p:sld>
-</file>
-
-<file path=ppt/slides/slide6.xml><?xml version="1.0" encoding="utf-8"?>
-<p:sld xmlns:a="http://schemas.openxmlformats.org/drawingml/2006/main" xmlns:r="http://schemas.openxmlformats.org/officeDocument/2006/relationships" xmlns:p="http://schemas.openxmlformats.org/presentationml/2006/main">
-  <p:cSld>
-    <p:spTree>
-      <p:nvGrpSpPr>
-        <p:cNvPr id="1" name=""/>
-        <p:cNvGrpSpPr/>
-        <p:nvPr/>
-      </p:nvGrpSpPr>
-      <p:grpSpPr>
-        <a:xfrm>
-          <a:off x="0" y="0"/>
-          <a:ext cx="0" cy="0"/>
-          <a:chOff x="0" y="0"/>
-          <a:chExt cx="0" cy="0"/>
-        </a:xfrm>
-      </p:grpSpPr>
-      <p:sp>
-        <p:nvSpPr>
-          <p:cNvPr id="6" name="Title 1"/>
-          <p:cNvSpPr>
-            <a:spLocks noGrp="1"/>
-          </p:cNvSpPr>
-          <p:nvPr>
-            <p:ph type="title"/>
-          </p:nvPr>
-        </p:nvSpPr>
-        <p:spPr>
-          <a:xfrm>
-            <a:off x="457200" y="205980"/>
-            <a:ext cx="8229600" cy="857251"/>
-          </a:xfrm>
-        </p:spPr>
-        <p:txBody>
-          <a:bodyPr>
-            <a:normAutofit/>
-          </a:bodyPr>
-          <a:lstStyle/>
-          <a:p>
-            <a:r>
-              <a:rPr lang="en-US" b="1" dirty="0" err="1">
-                <a:solidFill>
-                  <a:srgbClr val="0070C0"/>
-                </a:solidFill>
-              </a:rPr>
-              <a:t>Dinâmica</a:t>
-            </a:r>
-            <a:r>
-              <a:rPr lang="en-US" b="1" dirty="0">
-                <a:solidFill>
-                  <a:srgbClr val="0070C0"/>
-                </a:solidFill>
-              </a:rPr>
-              <a:t>/</a:t>
-            </a:r>
-            <a:r>
-              <a:rPr lang="en-US" b="1" dirty="0" err="1">
-                <a:solidFill>
-                  <a:srgbClr val="0070C0"/>
-                </a:solidFill>
-              </a:rPr>
-              <a:t>Atividades</a:t>
-            </a:r>
-            <a:endParaRPr lang="en-US" b="1" dirty="0">
-              <a:solidFill>
-                <a:srgbClr val="0070C0"/>
-              </a:solidFill>
-            </a:endParaRPr>
-          </a:p>
-        </p:txBody>
-      </p:sp>
-      <p:sp>
-        <p:nvSpPr>
-          <p:cNvPr id="8" name="Text Placeholder 2"/>
-          <p:cNvSpPr>
-            <a:spLocks noGrp="1"/>
-          </p:cNvSpPr>
-          <p:nvPr>
-            <p:ph type="body" sz="half" idx="1"/>
-          </p:nvPr>
-        </p:nvSpPr>
-        <p:spPr>
-          <a:xfrm>
-            <a:off x="139472" y="1063230"/>
-            <a:ext cx="8865056" cy="3606305"/>
-          </a:xfrm>
-        </p:spPr>
-        <p:txBody>
-          <a:bodyPr>
-            <a:noAutofit/>
-          </a:bodyPr>
-          <a:lstStyle/>
-          <a:p>
-            <a:pPr marL="0" indent="0" algn="just">
-              <a:buNone/>
-            </a:pPr>
-            <a:r>
-              <a:rPr lang="pt-BR" sz="2400" dirty="0">
-                <a:latin typeface="Times New Roman" panose="02020603050405020304" pitchFamily="18" charset="0"/>
-                <a:cs typeface="Times New Roman" panose="02020603050405020304" pitchFamily="18" charset="0"/>
-              </a:rPr>
-              <a:t>Exercícios (Atividade Verificadora de Aprendizagem)</a:t>
-            </a:r>
-          </a:p>
-          <a:p>
-            <a:pPr marL="0" indent="0" algn="just">
-              <a:buNone/>
-            </a:pPr>
-            <a:endParaRPr lang="pt-BR" sz="2400">
-              <a:latin typeface="Times New Roman" panose="02020603050405020304" pitchFamily="18" charset="0"/>
-              <a:cs typeface="Times New Roman" panose="02020603050405020304" pitchFamily="18" charset="0"/>
-            </a:endParaRPr>
-          </a:p>
-          <a:p>
-            <a:pPr marL="0" indent="0" algn="just">
-              <a:buNone/>
-            </a:pPr>
-            <a:endParaRPr lang="pt-BR" sz="2400" dirty="0">
-              <a:latin typeface="Times New Roman" panose="02020603050405020304" pitchFamily="18" charset="0"/>
-              <a:cs typeface="Times New Roman" panose="02020603050405020304" pitchFamily="18" charset="0"/>
-            </a:endParaRPr>
-          </a:p>
-        </p:txBody>
-      </p:sp>
-    </p:spTree>
-    <p:extLst>
-      <p:ext uri="{BB962C8B-B14F-4D97-AF65-F5344CB8AC3E}">
-        <p14:creationId xmlns:p14="http://schemas.microsoft.com/office/powerpoint/2010/main" val="1397642976"/>
-      </p:ext>
-    </p:extLst>
-  </p:cSld>
-  <p:clrMapOvr>
-    <a:masterClrMapping/>
-  </p:clrMapOvr>
-  <p:transition spd="med"/>
-</p:sld>
-</file>
-
-<file path=ppt/slides/slide7.xml><?xml version="1.0" encoding="utf-8"?>
-<p:sld xmlns:a="http://schemas.openxmlformats.org/drawingml/2006/main" xmlns:r="http://schemas.openxmlformats.org/officeDocument/2006/relationships" xmlns:p="http://schemas.openxmlformats.org/presentationml/2006/main">
-  <p:cSld>
-    <p:spTree>
-      <p:nvGrpSpPr>
-        <p:cNvPr id="1" name=""/>
-        <p:cNvGrpSpPr/>
-        <p:nvPr/>
-      </p:nvGrpSpPr>
-      <p:grpSpPr>
-        <a:xfrm>
-          <a:off x="0" y="0"/>
-          <a:ext cx="0" cy="0"/>
-          <a:chOff x="0" y="0"/>
-          <a:chExt cx="0" cy="0"/>
-        </a:xfrm>
-      </p:grpSpPr>
-      <p:sp>
-        <p:nvSpPr>
-          <p:cNvPr id="6" name="Title 1"/>
-          <p:cNvSpPr>
-            <a:spLocks noGrp="1"/>
-          </p:cNvSpPr>
-          <p:nvPr>
-            <p:ph type="title"/>
-          </p:nvPr>
-        </p:nvSpPr>
-        <p:spPr>
-          <a:xfrm>
-            <a:off x="457200" y="205980"/>
-            <a:ext cx="8229600" cy="857251"/>
-          </a:xfrm>
-        </p:spPr>
-        <p:txBody>
-          <a:bodyPr>
-            <a:normAutofit/>
-          </a:bodyPr>
-          <a:lstStyle/>
-          <a:p>
-            <a:r>
-              <a:rPr lang="en-US" b="1" dirty="0" err="1">
-                <a:solidFill>
-                  <a:srgbClr val="0070C0"/>
-                </a:solidFill>
-              </a:rPr>
-              <a:t>Referências</a:t>
-            </a:r>
-            <a:r>
-              <a:rPr lang="en-US" b="1" dirty="0">
-                <a:solidFill>
-                  <a:srgbClr val="0070C0"/>
-                </a:solidFill>
-              </a:rPr>
-              <a:t> </a:t>
-            </a:r>
-            <a:r>
-              <a:rPr lang="en-US" b="1" dirty="0" err="1">
-                <a:solidFill>
-                  <a:srgbClr val="0070C0"/>
-                </a:solidFill>
-              </a:rPr>
-              <a:t>Bibliográficas</a:t>
-            </a:r>
-            <a:endParaRPr lang="en-US" b="1" dirty="0">
-              <a:solidFill>
-                <a:srgbClr val="0070C0"/>
-              </a:solidFill>
-            </a:endParaRPr>
-          </a:p>
-        </p:txBody>
-      </p:sp>
-      <p:sp>
-        <p:nvSpPr>
-          <p:cNvPr id="8" name="Text Placeholder 2"/>
-          <p:cNvSpPr>
-            <a:spLocks noGrp="1"/>
-          </p:cNvSpPr>
-          <p:nvPr>
-            <p:ph type="body" sz="half" idx="1"/>
-          </p:nvPr>
-        </p:nvSpPr>
-        <p:spPr>
-          <a:xfrm>
-            <a:off x="142865" y="1200151"/>
-            <a:ext cx="8865056" cy="3394472"/>
-          </a:xfrm>
-        </p:spPr>
-        <p:txBody>
-          <a:bodyPr>
-            <a:noAutofit/>
-          </a:bodyPr>
-          <a:lstStyle/>
-          <a:p>
-            <a:pPr marL="0" indent="0" algn="just">
-              <a:buNone/>
-            </a:pPr>
-            <a:r>
-              <a:rPr lang="pt-BR" sz="2000" dirty="0">
-                <a:latin typeface="Times New Roman" panose="02020603050405020304" pitchFamily="18" charset="0"/>
-                <a:cs typeface="Times New Roman" panose="02020603050405020304" pitchFamily="18" charset="0"/>
-              </a:rPr>
-              <a:t>[1] .</a:t>
-            </a:r>
-          </a:p>
-          <a:p>
-            <a:pPr marL="0" indent="0" algn="just">
-              <a:buNone/>
-            </a:pPr>
+              <a:t>FONTENROSE, Joseph</a:t>
+            </a:r>
+            <a:r>
+              <a:rPr lang="en-US" sz="2000" dirty="0">
+                <a:latin typeface="Times New Roman" panose="02020603050405020304" pitchFamily="18" charset="0"/>
+                <a:cs typeface="Times New Roman" panose="02020603050405020304" pitchFamily="18" charset="0"/>
+              </a:rPr>
+              <a:t>. Python. University of California Press, 1959.</a:t>
+            </a:r>
             <a:endParaRPr lang="pt-BR" sz="2000" dirty="0">
               <a:latin typeface="Times New Roman" panose="02020603050405020304" pitchFamily="18" charset="0"/>
               <a:cs typeface="Times New Roman" panose="02020603050405020304" pitchFamily="18" charset="0"/>
@@ -5158,6 +10240,15 @@
             <a:pPr marL="0" indent="0" algn="just">
               <a:buNone/>
             </a:pPr>
+            <a:endParaRPr lang="pt-BR" sz="2000" dirty="0">
+              <a:latin typeface="Times New Roman" panose="02020603050405020304" pitchFamily="18" charset="0"/>
+              <a:cs typeface="Times New Roman" panose="02020603050405020304" pitchFamily="18" charset="0"/>
+            </a:endParaRPr>
+          </a:p>
+          <a:p>
+            <a:pPr marL="0" indent="0" algn="just">
+              <a:buNone/>
+            </a:pPr>
             <a:r>
               <a:rPr lang="pt-BR" sz="2000" dirty="0">
                 <a:latin typeface="Times New Roman" panose="02020603050405020304" pitchFamily="18" charset="0"/>
@@ -5166,16 +10257,22 @@
               <a:t>[2] </a:t>
             </a:r>
             <a:r>
-              <a:rPr lang="pt-BR" sz="2000" dirty="0">
-                <a:latin typeface="Calibri" panose="020F0502020204030204" pitchFamily="34" charset="0"/>
-              </a:rPr>
-              <a:t>.</a:t>
-            </a:r>
-          </a:p>
-          <a:p>
-            <a:pPr marL="0" indent="0" algn="just">
-              <a:buNone/>
-            </a:pPr>
+              <a:rPr lang="en-US" sz="2000" b="1" dirty="0">
+                <a:solidFill>
+                  <a:srgbClr val="FF0000"/>
+                </a:solidFill>
+                <a:latin typeface="Times New Roman" panose="02020603050405020304" pitchFamily="18" charset="0"/>
+                <a:cs typeface="Times New Roman" panose="02020603050405020304" pitchFamily="18" charset="0"/>
+              </a:rPr>
+              <a:t>DE SMEDT, Tom; DAELEMANS, Walter</a:t>
+            </a:r>
+            <a:r>
+              <a:rPr lang="en-US" sz="2000" dirty="0">
+                <a:latin typeface="Times New Roman" panose="02020603050405020304" pitchFamily="18" charset="0"/>
+                <a:cs typeface="Times New Roman" panose="02020603050405020304" pitchFamily="18" charset="0"/>
+              </a:rPr>
+              <a:t>. Pattern for python. The Journal of Machine Learning Research, v. 13, n. 1, p. 2063-2067, 2012.</a:t>
+            </a:r>
             <a:endParaRPr lang="pt-BR" sz="2000" dirty="0">
               <a:latin typeface="Calibri" panose="020F0502020204030204" pitchFamily="34" charset="0"/>
             </a:endParaRPr>
@@ -5184,11 +10281,140 @@
             <a:pPr marL="0" indent="0" algn="just">
               <a:buNone/>
             </a:pPr>
+            <a:endParaRPr lang="pt-BR" sz="2000" dirty="0">
+              <a:latin typeface="Calibri" panose="020F0502020204030204" pitchFamily="34" charset="0"/>
+            </a:endParaRPr>
+          </a:p>
+          <a:p>
+            <a:pPr marL="0" indent="0" algn="just">
+              <a:buNone/>
+            </a:pPr>
             <a:r>
               <a:rPr lang="pt-BR" sz="2000" dirty="0">
                 <a:latin typeface="Calibri" panose="020F0502020204030204" pitchFamily="34" charset="0"/>
               </a:rPr>
-              <a:t>[3] .</a:t>
+              <a:t>[3] </a:t>
+            </a:r>
+            <a:r>
+              <a:rPr lang="pt-BR" sz="2000" b="1" dirty="0">
+                <a:solidFill>
+                  <a:srgbClr val="FF0000"/>
+                </a:solidFill>
+                <a:latin typeface="Calibri" panose="020F0502020204030204" pitchFamily="34" charset="0"/>
+              </a:rPr>
+              <a:t>BORGES, Luiz Eduardo</a:t>
+            </a:r>
+            <a:r>
+              <a:rPr lang="pt-BR" sz="2000" dirty="0">
+                <a:latin typeface="Calibri" panose="020F0502020204030204" pitchFamily="34" charset="0"/>
+              </a:rPr>
+              <a:t>. Python para desenvolvedores: aborda Python 3.3. </a:t>
+            </a:r>
+            <a:r>
+              <a:rPr lang="pt-BR" sz="2000" dirty="0" err="1">
+                <a:latin typeface="Calibri" panose="020F0502020204030204" pitchFamily="34" charset="0"/>
+              </a:rPr>
+              <a:t>Novatec</a:t>
+            </a:r>
+            <a:r>
+              <a:rPr lang="pt-BR" sz="2000" dirty="0">
+                <a:latin typeface="Calibri" panose="020F0502020204030204" pitchFamily="34" charset="0"/>
+              </a:rPr>
+              <a:t> Editora, 2014.</a:t>
+            </a:r>
+          </a:p>
+          <a:p>
+            <a:pPr marL="0" indent="0" algn="just">
+              <a:buNone/>
+            </a:pPr>
+            <a:endParaRPr lang="pt-BR" sz="2000" dirty="0">
+              <a:latin typeface="Calibri" panose="020F0502020204030204" pitchFamily="34" charset="0"/>
+            </a:endParaRPr>
+          </a:p>
+          <a:p>
+            <a:pPr marL="0" indent="0" algn="just">
+              <a:buNone/>
+            </a:pPr>
+            <a:r>
+              <a:rPr lang="pt-BR" sz="2000" dirty="0">
+                <a:latin typeface="Calibri" panose="020F0502020204030204" pitchFamily="34" charset="0"/>
+              </a:rPr>
+              <a:t>[4] </a:t>
+            </a:r>
+            <a:r>
+              <a:rPr lang="pt-BR" sz="2000" b="1" dirty="0">
+                <a:solidFill>
+                  <a:srgbClr val="FF0000"/>
+                </a:solidFill>
+                <a:latin typeface="Calibri" panose="020F0502020204030204" pitchFamily="34" charset="0"/>
+              </a:rPr>
+              <a:t>VAN ROSSUM, Guido; DRAKE JR, Fred L</a:t>
+            </a:r>
+            <a:r>
+              <a:rPr lang="pt-BR" sz="2000" dirty="0">
+                <a:latin typeface="Calibri" panose="020F0502020204030204" pitchFamily="34" charset="0"/>
+              </a:rPr>
+              <a:t>. Python tutorial. Amsterdam, The Netherlands: </a:t>
+            </a:r>
+            <a:r>
+              <a:rPr lang="pt-BR" sz="2000" dirty="0" err="1">
+                <a:latin typeface="Calibri" panose="020F0502020204030204" pitchFamily="34" charset="0"/>
+              </a:rPr>
+              <a:t>Centrum</a:t>
+            </a:r>
+            <a:r>
+              <a:rPr lang="pt-BR" sz="2000" dirty="0">
+                <a:latin typeface="Calibri" panose="020F0502020204030204" pitchFamily="34" charset="0"/>
+              </a:rPr>
+              <a:t> </a:t>
+            </a:r>
+            <a:r>
+              <a:rPr lang="pt-BR" sz="2000" dirty="0" err="1">
+                <a:latin typeface="Calibri" panose="020F0502020204030204" pitchFamily="34" charset="0"/>
+              </a:rPr>
+              <a:t>voor</a:t>
+            </a:r>
+            <a:r>
+              <a:rPr lang="pt-BR" sz="2000" dirty="0">
+                <a:latin typeface="Calibri" panose="020F0502020204030204" pitchFamily="34" charset="0"/>
+              </a:rPr>
+              <a:t> </a:t>
+            </a:r>
+            <a:r>
+              <a:rPr lang="pt-BR" sz="2000" dirty="0" err="1">
+                <a:latin typeface="Calibri" panose="020F0502020204030204" pitchFamily="34" charset="0"/>
+              </a:rPr>
+              <a:t>Wiskunde</a:t>
+            </a:r>
+            <a:r>
+              <a:rPr lang="pt-BR" sz="2000" dirty="0">
+                <a:latin typeface="Calibri" panose="020F0502020204030204" pitchFamily="34" charset="0"/>
+              </a:rPr>
+              <a:t> </a:t>
+            </a:r>
+            <a:r>
+              <a:rPr lang="pt-BR" sz="2000" dirty="0" err="1">
+                <a:latin typeface="Calibri" panose="020F0502020204030204" pitchFamily="34" charset="0"/>
+              </a:rPr>
+              <a:t>en</a:t>
+            </a:r>
+            <a:r>
+              <a:rPr lang="pt-BR" sz="2000" dirty="0">
+                <a:latin typeface="Calibri" panose="020F0502020204030204" pitchFamily="34" charset="0"/>
+              </a:rPr>
+              <a:t> </a:t>
+            </a:r>
+            <a:r>
+              <a:rPr lang="pt-BR" sz="2000" dirty="0" err="1">
+                <a:latin typeface="Calibri" panose="020F0502020204030204" pitchFamily="34" charset="0"/>
+              </a:rPr>
+              <a:t>Informatica</a:t>
+            </a:r>
+            <a:r>
+              <a:rPr lang="pt-BR" sz="2000" dirty="0">
+                <a:latin typeface="Calibri" panose="020F0502020204030204" pitchFamily="34" charset="0"/>
+              </a:rPr>
+              <a:t>, 1995.</a:t>
             </a:r>
           </a:p>
         </p:txBody>
@@ -5207,7 +10433,7 @@
 </p:sld>
 </file>
 
-<file path=ppt/slides/slide8.xml><?xml version="1.0" encoding="utf-8"?>
+<file path=ppt/slides/slide23.xml><?xml version="1.0" encoding="utf-8"?>
 <p:sld xmlns:a="http://schemas.openxmlformats.org/drawingml/2006/main" xmlns:r="http://schemas.openxmlformats.org/officeDocument/2006/relationships" xmlns:p="http://schemas.openxmlformats.org/presentationml/2006/main">
   <p:cSld>
     <p:spTree>
@@ -5654,6 +10880,1909 @@
         </p:spPr>
       </p:pic>
     </p:spTree>
+  </p:cSld>
+  <p:clrMapOvr>
+    <a:masterClrMapping/>
+  </p:clrMapOvr>
+  <p:transition spd="med"/>
+</p:sld>
+</file>
+
+<file path=ppt/slides/slide3.xml><?xml version="1.0" encoding="utf-8"?>
+<p:sld xmlns:a="http://schemas.openxmlformats.org/drawingml/2006/main" xmlns:r="http://schemas.openxmlformats.org/officeDocument/2006/relationships" xmlns:p="http://schemas.openxmlformats.org/presentationml/2006/main">
+  <p:cSld>
+    <p:spTree>
+      <p:nvGrpSpPr>
+        <p:cNvPr id="1" name=""/>
+        <p:cNvGrpSpPr/>
+        <p:nvPr/>
+      </p:nvGrpSpPr>
+      <p:grpSpPr>
+        <a:xfrm>
+          <a:off x="0" y="0"/>
+          <a:ext cx="0" cy="0"/>
+          <a:chOff x="0" y="0"/>
+          <a:chExt cx="0" cy="0"/>
+        </a:xfrm>
+      </p:grpSpPr>
+      <p:sp>
+        <p:nvSpPr>
+          <p:cNvPr id="6" name="Title 1"/>
+          <p:cNvSpPr>
+            <a:spLocks noGrp="1"/>
+          </p:cNvSpPr>
+          <p:nvPr>
+            <p:ph type="title"/>
+          </p:nvPr>
+        </p:nvSpPr>
+        <p:spPr>
+          <a:xfrm>
+            <a:off x="457200" y="205980"/>
+            <a:ext cx="8229600" cy="857251"/>
+          </a:xfrm>
+        </p:spPr>
+        <p:txBody>
+          <a:bodyPr>
+            <a:normAutofit/>
+          </a:bodyPr>
+          <a:lstStyle/>
+          <a:p>
+            <a:r>
+              <a:rPr lang="pt-BR" b="1" dirty="0">
+                <a:solidFill>
+                  <a:srgbClr val="0070C0"/>
+                </a:solidFill>
+              </a:rPr>
+              <a:t>Outras Soluções em Python</a:t>
+            </a:r>
+            <a:endParaRPr lang="en-US" b="1" dirty="0">
+              <a:solidFill>
+                <a:srgbClr val="0070C0"/>
+              </a:solidFill>
+            </a:endParaRPr>
+          </a:p>
+        </p:txBody>
+      </p:sp>
+      <p:sp>
+        <p:nvSpPr>
+          <p:cNvPr id="8" name="Text Placeholder 2"/>
+          <p:cNvSpPr>
+            <a:spLocks noGrp="1"/>
+          </p:cNvSpPr>
+          <p:nvPr>
+            <p:ph type="body" sz="half" idx="1"/>
+          </p:nvPr>
+        </p:nvSpPr>
+        <p:spPr>
+          <a:xfrm>
+            <a:off x="142865" y="1200150"/>
+            <a:ext cx="8865056" cy="3737370"/>
+          </a:xfrm>
+        </p:spPr>
+        <p:txBody>
+          <a:bodyPr>
+            <a:noAutofit/>
+          </a:bodyPr>
+          <a:lstStyle/>
+          <a:p>
+            <a:pPr marL="0" indent="0" algn="just">
+              <a:buNone/>
+            </a:pPr>
+            <a:r>
+              <a:rPr lang="pt-BR" sz="2400" b="1" dirty="0">
+                <a:latin typeface="Times New Roman" panose="02020603050405020304" pitchFamily="18" charset="0"/>
+                <a:cs typeface="Times New Roman" panose="02020603050405020304" pitchFamily="18" charset="0"/>
+              </a:rPr>
+              <a:t>Python</a:t>
+            </a:r>
+            <a:r>
+              <a:rPr lang="pt-BR" sz="2400" dirty="0">
+                <a:latin typeface="Times New Roman" panose="02020603050405020304" pitchFamily="18" charset="0"/>
+                <a:cs typeface="Times New Roman" panose="02020603050405020304" pitchFamily="18" charset="0"/>
+              </a:rPr>
+              <a:t> é usada por empresas como Intel, NASA, Netflix, </a:t>
+            </a:r>
+            <a:r>
+              <a:rPr lang="pt-BR" sz="2400" dirty="0" err="1">
+                <a:latin typeface="Times New Roman" panose="02020603050405020304" pitchFamily="18" charset="0"/>
+                <a:cs typeface="Times New Roman" panose="02020603050405020304" pitchFamily="18" charset="0"/>
+              </a:rPr>
+              <a:t>Spotify</a:t>
+            </a:r>
+            <a:r>
+              <a:rPr lang="pt-BR" sz="2400" dirty="0">
+                <a:latin typeface="Times New Roman" panose="02020603050405020304" pitchFamily="18" charset="0"/>
+                <a:cs typeface="Times New Roman" panose="02020603050405020304" pitchFamily="18" charset="0"/>
+              </a:rPr>
+              <a:t>, IBM, uma das linguagens mais utilizadas em instituições financeiras e </a:t>
+            </a:r>
+            <a:r>
+              <a:rPr lang="pt-BR" sz="2400" dirty="0" err="1">
+                <a:latin typeface="Times New Roman" panose="02020603050405020304" pitchFamily="18" charset="0"/>
+                <a:cs typeface="Times New Roman" panose="02020603050405020304" pitchFamily="18" charset="0"/>
+              </a:rPr>
+              <a:t>fintechs</a:t>
+            </a:r>
+            <a:r>
+              <a:rPr lang="pt-BR" sz="2400" dirty="0">
+                <a:latin typeface="Times New Roman" panose="02020603050405020304" pitchFamily="18" charset="0"/>
+                <a:cs typeface="Times New Roman" panose="02020603050405020304" pitchFamily="18" charset="0"/>
+              </a:rPr>
+              <a:t>,  dentre outras.</a:t>
+            </a:r>
+          </a:p>
+          <a:p>
+            <a:pPr marL="0" indent="0" algn="just">
+              <a:buNone/>
+            </a:pPr>
+            <a:endParaRPr lang="pt-BR" sz="2400" dirty="0">
+              <a:latin typeface="Times New Roman" panose="02020603050405020304" pitchFamily="18" charset="0"/>
+              <a:cs typeface="Times New Roman" panose="02020603050405020304" pitchFamily="18" charset="0"/>
+            </a:endParaRPr>
+          </a:p>
+          <a:p>
+            <a:pPr marL="0" indent="0" algn="just">
+              <a:buNone/>
+            </a:pPr>
+            <a:r>
+              <a:rPr lang="pt-BR" sz="2400" dirty="0">
+                <a:latin typeface="Times New Roman" panose="02020603050405020304" pitchFamily="18" charset="0"/>
+                <a:cs typeface="Times New Roman" panose="02020603050405020304" pitchFamily="18" charset="0"/>
+              </a:rPr>
+              <a:t>É versátil, fácil de ler e usado para tudo, desde desenvolvimento web até aprendizado de máquina.</a:t>
+            </a:r>
+          </a:p>
+          <a:p>
+            <a:pPr marL="0" indent="0" algn="just">
+              <a:buNone/>
+            </a:pPr>
+            <a:endParaRPr lang="pt-BR" sz="2400" dirty="0">
+              <a:latin typeface="Times New Roman" panose="02020603050405020304" pitchFamily="18" charset="0"/>
+              <a:cs typeface="Times New Roman" panose="02020603050405020304" pitchFamily="18" charset="0"/>
+            </a:endParaRPr>
+          </a:p>
+          <a:p>
+            <a:pPr marL="0" indent="0" algn="just">
+              <a:buNone/>
+            </a:pPr>
+            <a:r>
+              <a:rPr lang="pt-BR" sz="2400" dirty="0">
+                <a:latin typeface="Times New Roman" panose="02020603050405020304" pitchFamily="18" charset="0"/>
+                <a:cs typeface="Times New Roman" panose="02020603050405020304" pitchFamily="18" charset="0"/>
+              </a:rPr>
+              <a:t>Usada em </a:t>
+            </a:r>
+            <a:r>
+              <a:rPr lang="pt-BR" sz="2400" b="1" dirty="0" err="1">
+                <a:solidFill>
+                  <a:srgbClr val="FF0000"/>
+                </a:solidFill>
+                <a:latin typeface="Times New Roman" panose="02020603050405020304" pitchFamily="18" charset="0"/>
+                <a:cs typeface="Times New Roman" panose="02020603050405020304" pitchFamily="18" charset="0"/>
+              </a:rPr>
+              <a:t>IoT</a:t>
+            </a:r>
+            <a:r>
+              <a:rPr lang="pt-BR" sz="2400" b="1" dirty="0">
+                <a:latin typeface="Times New Roman" panose="02020603050405020304" pitchFamily="18" charset="0"/>
+                <a:cs typeface="Times New Roman" panose="02020603050405020304" pitchFamily="18" charset="0"/>
+              </a:rPr>
+              <a:t> na indústria 4.0</a:t>
+            </a:r>
+            <a:r>
+              <a:rPr lang="pt-BR" sz="2400" dirty="0">
+                <a:latin typeface="Times New Roman" panose="02020603050405020304" pitchFamily="18" charset="0"/>
+                <a:cs typeface="Times New Roman" panose="02020603050405020304" pitchFamily="18" charset="0"/>
+              </a:rPr>
+              <a:t>.</a:t>
+            </a:r>
+          </a:p>
+        </p:txBody>
+      </p:sp>
+    </p:spTree>
+    <p:extLst>
+      <p:ext uri="{BB962C8B-B14F-4D97-AF65-F5344CB8AC3E}">
+        <p14:creationId xmlns:p14="http://schemas.microsoft.com/office/powerpoint/2010/main" val="1754424786"/>
+      </p:ext>
+    </p:extLst>
+  </p:cSld>
+  <p:clrMapOvr>
+    <a:masterClrMapping/>
+  </p:clrMapOvr>
+  <p:transition spd="med"/>
+</p:sld>
+</file>
+
+<file path=ppt/slides/slide4.xml><?xml version="1.0" encoding="utf-8"?>
+<p:sld xmlns:a="http://schemas.openxmlformats.org/drawingml/2006/main" xmlns:r="http://schemas.openxmlformats.org/officeDocument/2006/relationships" xmlns:p="http://schemas.openxmlformats.org/presentationml/2006/main">
+  <p:cSld>
+    <p:spTree>
+      <p:nvGrpSpPr>
+        <p:cNvPr id="1" name=""/>
+        <p:cNvGrpSpPr/>
+        <p:nvPr/>
+      </p:nvGrpSpPr>
+      <p:grpSpPr>
+        <a:xfrm>
+          <a:off x="0" y="0"/>
+          <a:ext cx="0" cy="0"/>
+          <a:chOff x="0" y="0"/>
+          <a:chExt cx="0" cy="0"/>
+        </a:xfrm>
+      </p:grpSpPr>
+      <p:sp>
+        <p:nvSpPr>
+          <p:cNvPr id="6" name="Title 1"/>
+          <p:cNvSpPr>
+            <a:spLocks noGrp="1"/>
+          </p:cNvSpPr>
+          <p:nvPr>
+            <p:ph type="title"/>
+          </p:nvPr>
+        </p:nvSpPr>
+        <p:spPr>
+          <a:xfrm>
+            <a:off x="457200" y="205980"/>
+            <a:ext cx="8229600" cy="857251"/>
+          </a:xfrm>
+        </p:spPr>
+        <p:txBody>
+          <a:bodyPr>
+            <a:normAutofit/>
+          </a:bodyPr>
+          <a:lstStyle/>
+          <a:p>
+            <a:r>
+              <a:rPr lang="pt-BR" b="1" dirty="0">
+                <a:solidFill>
+                  <a:srgbClr val="0070C0"/>
+                </a:solidFill>
+              </a:rPr>
+              <a:t>Comunidades Python</a:t>
+            </a:r>
+            <a:endParaRPr lang="en-US" b="1" dirty="0">
+              <a:solidFill>
+                <a:srgbClr val="0070C0"/>
+              </a:solidFill>
+            </a:endParaRPr>
+          </a:p>
+        </p:txBody>
+      </p:sp>
+      <p:sp>
+        <p:nvSpPr>
+          <p:cNvPr id="8" name="Text Placeholder 2"/>
+          <p:cNvSpPr>
+            <a:spLocks noGrp="1"/>
+          </p:cNvSpPr>
+          <p:nvPr>
+            <p:ph type="body" sz="half" idx="1"/>
+          </p:nvPr>
+        </p:nvSpPr>
+        <p:spPr>
+          <a:xfrm>
+            <a:off x="142865" y="1200150"/>
+            <a:ext cx="8865056" cy="3737370"/>
+          </a:xfrm>
+        </p:spPr>
+        <p:txBody>
+          <a:bodyPr>
+            <a:noAutofit/>
+          </a:bodyPr>
+          <a:lstStyle/>
+          <a:p>
+            <a:pPr algn="just">
+              <a:buFont typeface="Wingdings" panose="05000000000000000000" pitchFamily="2" charset="2"/>
+              <a:buChar char="§"/>
+            </a:pPr>
+            <a:r>
+              <a:rPr lang="pt-BR" sz="2000" dirty="0">
+                <a:solidFill>
+                  <a:schemeClr val="tx1"/>
+                </a:solidFill>
+                <a:latin typeface="Times New Roman" panose="02020603050405020304" pitchFamily="18" charset="0"/>
+                <a:cs typeface="Times New Roman" panose="02020603050405020304" pitchFamily="18" charset="0"/>
+              </a:rPr>
+              <a:t>Python Brasil - </a:t>
+            </a:r>
+            <a:r>
+              <a:rPr lang="pt-BR" sz="2000" dirty="0">
+                <a:solidFill>
+                  <a:schemeClr val="tx1"/>
+                </a:solidFill>
+                <a:latin typeface="Times New Roman" panose="02020603050405020304" pitchFamily="18" charset="0"/>
+                <a:cs typeface="Times New Roman" panose="02020603050405020304" pitchFamily="18" charset="0"/>
+                <a:hlinkClick r:id="rId3"/>
+              </a:rPr>
+              <a:t>https://groups.google.com/forum/#!forum/python-brasil</a:t>
+            </a:r>
+            <a:endParaRPr lang="pt-BR" sz="2000" dirty="0">
+              <a:solidFill>
+                <a:schemeClr val="tx1"/>
+              </a:solidFill>
+              <a:latin typeface="Times New Roman" panose="02020603050405020304" pitchFamily="18" charset="0"/>
+              <a:cs typeface="Times New Roman" panose="02020603050405020304" pitchFamily="18" charset="0"/>
+            </a:endParaRPr>
+          </a:p>
+          <a:p>
+            <a:pPr algn="just">
+              <a:buFont typeface="Wingdings" panose="05000000000000000000" pitchFamily="2" charset="2"/>
+              <a:buChar char="§"/>
+            </a:pPr>
+            <a:endParaRPr lang="pt-BR" sz="2000" dirty="0">
+              <a:solidFill>
+                <a:schemeClr val="tx1"/>
+              </a:solidFill>
+              <a:latin typeface="Times New Roman" panose="02020603050405020304" pitchFamily="18" charset="0"/>
+              <a:cs typeface="Times New Roman" panose="02020603050405020304" pitchFamily="18" charset="0"/>
+            </a:endParaRPr>
+          </a:p>
+          <a:p>
+            <a:pPr algn="just">
+              <a:buFont typeface="Wingdings" panose="05000000000000000000" pitchFamily="2" charset="2"/>
+              <a:buChar char="§"/>
+            </a:pPr>
+            <a:r>
+              <a:rPr lang="pt-BR" sz="2000" dirty="0">
+                <a:solidFill>
+                  <a:schemeClr val="tx1"/>
+                </a:solidFill>
+                <a:latin typeface="Times New Roman" panose="02020603050405020304" pitchFamily="18" charset="0"/>
+                <a:cs typeface="Times New Roman" panose="02020603050405020304" pitchFamily="18" charset="0"/>
+              </a:rPr>
+              <a:t>Django Brasil - </a:t>
+            </a:r>
+            <a:r>
+              <a:rPr lang="pt-BR" sz="2000" dirty="0">
+                <a:solidFill>
+                  <a:schemeClr val="tx1"/>
+                </a:solidFill>
+                <a:latin typeface="Times New Roman" panose="02020603050405020304" pitchFamily="18" charset="0"/>
+                <a:cs typeface="Times New Roman" panose="02020603050405020304" pitchFamily="18" charset="0"/>
+                <a:hlinkClick r:id="rId4"/>
+              </a:rPr>
+              <a:t>https://groups.google.com/forum/#!forum/django-brasil</a:t>
+            </a:r>
+            <a:endParaRPr lang="pt-BR" sz="2000" dirty="0">
+              <a:solidFill>
+                <a:schemeClr val="tx1"/>
+              </a:solidFill>
+              <a:latin typeface="Times New Roman" panose="02020603050405020304" pitchFamily="18" charset="0"/>
+              <a:cs typeface="Times New Roman" panose="02020603050405020304" pitchFamily="18" charset="0"/>
+            </a:endParaRPr>
+          </a:p>
+          <a:p>
+            <a:pPr algn="just">
+              <a:buFont typeface="Wingdings" panose="05000000000000000000" pitchFamily="2" charset="2"/>
+              <a:buChar char="§"/>
+            </a:pPr>
+            <a:endParaRPr lang="pt-BR" sz="2000" dirty="0">
+              <a:solidFill>
+                <a:schemeClr val="tx1"/>
+              </a:solidFill>
+              <a:latin typeface="Times New Roman" panose="02020603050405020304" pitchFamily="18" charset="0"/>
+              <a:cs typeface="Times New Roman" panose="02020603050405020304" pitchFamily="18" charset="0"/>
+            </a:endParaRPr>
+          </a:p>
+          <a:p>
+            <a:pPr algn="just">
+              <a:buFont typeface="Wingdings" panose="05000000000000000000" pitchFamily="2" charset="2"/>
+              <a:buChar char="§"/>
+            </a:pPr>
+            <a:r>
+              <a:rPr lang="pt-BR" sz="2000" dirty="0">
+                <a:solidFill>
+                  <a:schemeClr val="tx1"/>
+                </a:solidFill>
+                <a:latin typeface="Times New Roman" panose="02020603050405020304" pitchFamily="18" charset="0"/>
+                <a:cs typeface="Times New Roman" panose="02020603050405020304" pitchFamily="18" charset="0"/>
+              </a:rPr>
+              <a:t>Web2py Brasil - </a:t>
+            </a:r>
+            <a:r>
+              <a:rPr lang="pt-BR" sz="2000" dirty="0">
+                <a:solidFill>
+                  <a:schemeClr val="tx1"/>
+                </a:solidFill>
+                <a:latin typeface="Times New Roman" panose="02020603050405020304" pitchFamily="18" charset="0"/>
+                <a:cs typeface="Times New Roman" panose="02020603050405020304" pitchFamily="18" charset="0"/>
+                <a:hlinkClick r:id="rId5"/>
+              </a:rPr>
+              <a:t>https://groups.google.com/forum/#!forum/web2py-users-brazil</a:t>
+            </a:r>
+            <a:endParaRPr lang="pt-BR" sz="2000" dirty="0">
+              <a:solidFill>
+                <a:schemeClr val="tx1"/>
+              </a:solidFill>
+              <a:latin typeface="Times New Roman" panose="02020603050405020304" pitchFamily="18" charset="0"/>
+              <a:cs typeface="Times New Roman" panose="02020603050405020304" pitchFamily="18" charset="0"/>
+            </a:endParaRPr>
+          </a:p>
+          <a:p>
+            <a:pPr algn="just">
+              <a:buFont typeface="Wingdings" panose="05000000000000000000" pitchFamily="2" charset="2"/>
+              <a:buChar char="§"/>
+            </a:pPr>
+            <a:endParaRPr lang="pt-BR" sz="2000" dirty="0">
+              <a:solidFill>
+                <a:schemeClr val="tx1"/>
+              </a:solidFill>
+              <a:latin typeface="Times New Roman" panose="02020603050405020304" pitchFamily="18" charset="0"/>
+              <a:cs typeface="Times New Roman" panose="02020603050405020304" pitchFamily="18" charset="0"/>
+            </a:endParaRPr>
+          </a:p>
+          <a:p>
+            <a:pPr algn="just">
+              <a:buFont typeface="Wingdings" panose="05000000000000000000" pitchFamily="2" charset="2"/>
+              <a:buChar char="§"/>
+            </a:pPr>
+            <a:r>
+              <a:rPr lang="pt-BR" sz="2000" dirty="0" err="1">
+                <a:solidFill>
+                  <a:schemeClr val="tx1"/>
+                </a:solidFill>
+                <a:latin typeface="Times New Roman" panose="02020603050405020304" pitchFamily="18" charset="0"/>
+                <a:cs typeface="Times New Roman" panose="02020603050405020304" pitchFamily="18" charset="0"/>
+              </a:rPr>
+              <a:t>Flask</a:t>
+            </a:r>
+            <a:r>
+              <a:rPr lang="pt-BR" sz="2000" dirty="0">
+                <a:solidFill>
+                  <a:schemeClr val="tx1"/>
+                </a:solidFill>
+                <a:latin typeface="Times New Roman" panose="02020603050405020304" pitchFamily="18" charset="0"/>
+                <a:cs typeface="Times New Roman" panose="02020603050405020304" pitchFamily="18" charset="0"/>
+              </a:rPr>
+              <a:t> Brasil - </a:t>
+            </a:r>
+            <a:r>
+              <a:rPr lang="pt-BR" sz="2000" dirty="0">
+                <a:solidFill>
+                  <a:schemeClr val="tx1"/>
+                </a:solidFill>
+                <a:latin typeface="Times New Roman" panose="02020603050405020304" pitchFamily="18" charset="0"/>
+                <a:cs typeface="Times New Roman" panose="02020603050405020304" pitchFamily="18" charset="0"/>
+                <a:hlinkClick r:id="rId6"/>
+              </a:rPr>
+              <a:t>https://groups.google.com/forum/#!forum/flask-brasil</a:t>
+            </a:r>
+            <a:endParaRPr lang="pt-BR" sz="2000" dirty="0">
+              <a:solidFill>
+                <a:schemeClr val="tx1"/>
+              </a:solidFill>
+              <a:latin typeface="Times New Roman" panose="02020603050405020304" pitchFamily="18" charset="0"/>
+              <a:cs typeface="Times New Roman" panose="02020603050405020304" pitchFamily="18" charset="0"/>
+            </a:endParaRPr>
+          </a:p>
+          <a:p>
+            <a:pPr algn="just">
+              <a:buFont typeface="Wingdings" panose="05000000000000000000" pitchFamily="2" charset="2"/>
+              <a:buChar char="§"/>
+            </a:pPr>
+            <a:endParaRPr lang="pt-BR" sz="2000" dirty="0">
+              <a:solidFill>
+                <a:schemeClr val="tx1"/>
+              </a:solidFill>
+              <a:latin typeface="Times New Roman" panose="02020603050405020304" pitchFamily="18" charset="0"/>
+              <a:cs typeface="Times New Roman" panose="02020603050405020304" pitchFamily="18" charset="0"/>
+            </a:endParaRPr>
+          </a:p>
+          <a:p>
+            <a:pPr algn="just">
+              <a:buFont typeface="Wingdings" panose="05000000000000000000" pitchFamily="2" charset="2"/>
+              <a:buChar char="§"/>
+            </a:pPr>
+            <a:r>
+              <a:rPr lang="pt-BR" sz="2000" dirty="0">
+                <a:solidFill>
+                  <a:schemeClr val="tx1"/>
+                </a:solidFill>
+                <a:latin typeface="Times New Roman" panose="02020603050405020304" pitchFamily="18" charset="0"/>
+                <a:cs typeface="Times New Roman" panose="02020603050405020304" pitchFamily="18" charset="0"/>
+              </a:rPr>
+              <a:t>Comunidades locais da comunidade Python ao redor do Brasil - </a:t>
+            </a:r>
+            <a:r>
+              <a:rPr lang="pt-BR" sz="2000" dirty="0">
+                <a:solidFill>
+                  <a:schemeClr val="tx1"/>
+                </a:solidFill>
+                <a:latin typeface="Times New Roman" panose="02020603050405020304" pitchFamily="18" charset="0"/>
+                <a:cs typeface="Times New Roman" panose="02020603050405020304" pitchFamily="18" charset="0"/>
+                <a:hlinkClick r:id="rId7"/>
+              </a:rPr>
+              <a:t>http://pythonbrasil.github.io/wiki/comunidades-locais</a:t>
+            </a:r>
+            <a:endParaRPr lang="pt-BR" sz="2000" dirty="0">
+              <a:solidFill>
+                <a:schemeClr val="tx1"/>
+              </a:solidFill>
+              <a:latin typeface="Times New Roman" panose="02020603050405020304" pitchFamily="18" charset="0"/>
+              <a:cs typeface="Times New Roman" panose="02020603050405020304" pitchFamily="18" charset="0"/>
+            </a:endParaRPr>
+          </a:p>
+        </p:txBody>
+      </p:sp>
+    </p:spTree>
+    <p:extLst>
+      <p:ext uri="{BB962C8B-B14F-4D97-AF65-F5344CB8AC3E}">
+        <p14:creationId xmlns:p14="http://schemas.microsoft.com/office/powerpoint/2010/main" val="1409346291"/>
+      </p:ext>
+    </p:extLst>
+  </p:cSld>
+  <p:clrMapOvr>
+    <a:masterClrMapping/>
+  </p:clrMapOvr>
+  <p:transition spd="med"/>
+</p:sld>
+</file>
+
+<file path=ppt/slides/slide5.xml><?xml version="1.0" encoding="utf-8"?>
+<p:sld xmlns:a="http://schemas.openxmlformats.org/drawingml/2006/main" xmlns:r="http://schemas.openxmlformats.org/officeDocument/2006/relationships" xmlns:p="http://schemas.openxmlformats.org/presentationml/2006/main">
+  <p:cSld>
+    <p:spTree>
+      <p:nvGrpSpPr>
+        <p:cNvPr id="1" name=""/>
+        <p:cNvGrpSpPr/>
+        <p:nvPr/>
+      </p:nvGrpSpPr>
+      <p:grpSpPr>
+        <a:xfrm>
+          <a:off x="0" y="0"/>
+          <a:ext cx="0" cy="0"/>
+          <a:chOff x="0" y="0"/>
+          <a:chExt cx="0" cy="0"/>
+        </a:xfrm>
+      </p:grpSpPr>
+      <p:sp>
+        <p:nvSpPr>
+          <p:cNvPr id="6" name="Title 1"/>
+          <p:cNvSpPr>
+            <a:spLocks noGrp="1"/>
+          </p:cNvSpPr>
+          <p:nvPr>
+            <p:ph type="title"/>
+          </p:nvPr>
+        </p:nvSpPr>
+        <p:spPr>
+          <a:xfrm>
+            <a:off x="457200" y="205980"/>
+            <a:ext cx="8229600" cy="857251"/>
+          </a:xfrm>
+        </p:spPr>
+        <p:txBody>
+          <a:bodyPr>
+            <a:normAutofit/>
+          </a:bodyPr>
+          <a:lstStyle/>
+          <a:p>
+            <a:r>
+              <a:rPr lang="pt-BR" b="1" dirty="0">
+                <a:solidFill>
+                  <a:srgbClr val="0070C0"/>
+                </a:solidFill>
+              </a:rPr>
+              <a:t>Python no Windows</a:t>
+            </a:r>
+            <a:endParaRPr lang="en-US" b="1" dirty="0">
+              <a:solidFill>
+                <a:srgbClr val="0070C0"/>
+              </a:solidFill>
+            </a:endParaRPr>
+          </a:p>
+        </p:txBody>
+      </p:sp>
+      <p:sp>
+        <p:nvSpPr>
+          <p:cNvPr id="8" name="Text Placeholder 2"/>
+          <p:cNvSpPr>
+            <a:spLocks noGrp="1"/>
+          </p:cNvSpPr>
+          <p:nvPr>
+            <p:ph type="body" sz="half" idx="1"/>
+          </p:nvPr>
+        </p:nvSpPr>
+        <p:spPr>
+          <a:xfrm>
+            <a:off x="142865" y="1200150"/>
+            <a:ext cx="8865056" cy="3737370"/>
+          </a:xfrm>
+        </p:spPr>
+        <p:txBody>
+          <a:bodyPr>
+            <a:noAutofit/>
+          </a:bodyPr>
+          <a:lstStyle/>
+          <a:p>
+            <a:pPr marL="0" indent="0" algn="just">
+              <a:buNone/>
+            </a:pPr>
+            <a:r>
+              <a:rPr lang="pt-BR" sz="2000" dirty="0">
+                <a:latin typeface="Times New Roman" panose="02020603050405020304" pitchFamily="18" charset="0"/>
+                <a:cs typeface="Times New Roman" panose="02020603050405020304" pitchFamily="18" charset="0"/>
+              </a:rPr>
+              <a:t>O </a:t>
+            </a:r>
+            <a:r>
+              <a:rPr lang="pt-BR" sz="2000" b="1" dirty="0" err="1">
+                <a:latin typeface="Times New Roman" panose="02020603050405020304" pitchFamily="18" charset="0"/>
+                <a:cs typeface="Times New Roman" panose="02020603050405020304" pitchFamily="18" charset="0"/>
+              </a:rPr>
+              <a:t>Pycharm</a:t>
+            </a:r>
+            <a:r>
+              <a:rPr lang="pt-BR" sz="2000" dirty="0">
+                <a:latin typeface="Times New Roman" panose="02020603050405020304" pitchFamily="18" charset="0"/>
+                <a:cs typeface="Times New Roman" panose="02020603050405020304" pitchFamily="18" charset="0"/>
+              </a:rPr>
+              <a:t> é muito bom para quem deseja criar projetos grandes, além de auxiliar com o preenchimento automático dos códigos e até dá algumas dicas.</a:t>
+            </a:r>
+          </a:p>
+          <a:p>
+            <a:pPr marL="0" indent="0" algn="just">
+              <a:buNone/>
+            </a:pPr>
+            <a:endParaRPr lang="pt-BR" sz="2000" dirty="0">
+              <a:latin typeface="Times New Roman" panose="02020603050405020304" pitchFamily="18" charset="0"/>
+              <a:cs typeface="Times New Roman" panose="02020603050405020304" pitchFamily="18" charset="0"/>
+            </a:endParaRPr>
+          </a:p>
+          <a:p>
+            <a:pPr marL="0" indent="0" algn="just">
+              <a:buNone/>
+            </a:pPr>
+            <a:r>
+              <a:rPr lang="pt-BR" sz="2000" dirty="0">
+                <a:latin typeface="Times New Roman" panose="02020603050405020304" pitchFamily="18" charset="0"/>
+                <a:cs typeface="Times New Roman" panose="02020603050405020304" pitchFamily="18" charset="0"/>
+              </a:rPr>
+              <a:t>Download e instalação </a:t>
+            </a:r>
+            <a:r>
+              <a:rPr lang="pt-BR" sz="2000" b="1" dirty="0" err="1">
+                <a:latin typeface="Times New Roman" panose="02020603050405020304" pitchFamily="18" charset="0"/>
+                <a:cs typeface="Times New Roman" panose="02020603050405020304" pitchFamily="18" charset="0"/>
+              </a:rPr>
+              <a:t>PyCharm</a:t>
+            </a:r>
+            <a:r>
+              <a:rPr lang="pt-BR" sz="2000" dirty="0">
+                <a:latin typeface="Times New Roman" panose="02020603050405020304" pitchFamily="18" charset="0"/>
+                <a:cs typeface="Times New Roman" panose="02020603050405020304" pitchFamily="18" charset="0"/>
+              </a:rPr>
+              <a:t>, link:</a:t>
+            </a:r>
+          </a:p>
+          <a:p>
+            <a:pPr marL="0" indent="0" algn="just">
+              <a:buNone/>
+            </a:pPr>
+            <a:r>
+              <a:rPr lang="pt-BR" sz="2000" dirty="0">
+                <a:latin typeface="Times New Roman" panose="02020603050405020304" pitchFamily="18" charset="0"/>
+                <a:cs typeface="Times New Roman" panose="02020603050405020304" pitchFamily="18" charset="0"/>
+              </a:rPr>
+              <a:t>	</a:t>
+            </a:r>
+            <a:r>
+              <a:rPr lang="pt-BR" sz="2000" dirty="0">
+                <a:latin typeface="Times New Roman" panose="02020603050405020304" pitchFamily="18" charset="0"/>
+                <a:cs typeface="Times New Roman" panose="02020603050405020304" pitchFamily="18" charset="0"/>
+                <a:hlinkClick r:id="rId3"/>
+              </a:rPr>
+              <a:t>https://www.jetbrains.com/pt-br/pycharm/download/#section=windows</a:t>
+            </a:r>
+            <a:endParaRPr lang="pt-BR" sz="2000" dirty="0">
+              <a:latin typeface="Times New Roman" panose="02020603050405020304" pitchFamily="18" charset="0"/>
+              <a:cs typeface="Times New Roman" panose="02020603050405020304" pitchFamily="18" charset="0"/>
+            </a:endParaRPr>
+          </a:p>
+          <a:p>
+            <a:pPr marL="0" indent="0" algn="just">
+              <a:buNone/>
+            </a:pPr>
+            <a:endParaRPr lang="pt-BR" sz="2000" dirty="0">
+              <a:latin typeface="Times New Roman" panose="02020603050405020304" pitchFamily="18" charset="0"/>
+              <a:cs typeface="Times New Roman" panose="02020603050405020304" pitchFamily="18" charset="0"/>
+            </a:endParaRPr>
+          </a:p>
+          <a:p>
+            <a:pPr marL="0" indent="0" algn="just">
+              <a:buNone/>
+            </a:pPr>
+            <a:r>
+              <a:rPr lang="pt-BR" sz="2000" dirty="0">
+                <a:latin typeface="Times New Roman" panose="02020603050405020304" pitchFamily="18" charset="0"/>
+                <a:cs typeface="Times New Roman" panose="02020603050405020304" pitchFamily="18" charset="0"/>
+              </a:rPr>
+              <a:t>Verificar se o Python 3 está instalado executando o seguinte comando:</a:t>
+            </a:r>
+          </a:p>
+          <a:p>
+            <a:pPr marL="0" indent="0" algn="just">
+              <a:buNone/>
+            </a:pPr>
+            <a:r>
+              <a:rPr lang="pt-BR" sz="2000" dirty="0">
+                <a:latin typeface="Times New Roman" panose="02020603050405020304" pitchFamily="18" charset="0"/>
+                <a:cs typeface="Times New Roman" panose="02020603050405020304" pitchFamily="18" charset="0"/>
+              </a:rPr>
+              <a:t>	</a:t>
+            </a:r>
+            <a:r>
+              <a:rPr lang="pt-BR" sz="2000" b="1" dirty="0">
+                <a:latin typeface="Times New Roman" panose="02020603050405020304" pitchFamily="18" charset="0"/>
+                <a:cs typeface="Times New Roman" panose="02020603050405020304" pitchFamily="18" charset="0"/>
+              </a:rPr>
+              <a:t>python3 –V</a:t>
+            </a:r>
+          </a:p>
+          <a:p>
+            <a:pPr marL="0" indent="0" algn="just">
+              <a:buNone/>
+            </a:pPr>
+            <a:endParaRPr lang="pt-BR" sz="2000" dirty="0">
+              <a:latin typeface="Times New Roman" panose="02020603050405020304" pitchFamily="18" charset="0"/>
+              <a:cs typeface="Times New Roman" panose="02020603050405020304" pitchFamily="18" charset="0"/>
+            </a:endParaRPr>
+          </a:p>
+          <a:p>
+            <a:pPr marL="0" indent="0" algn="just">
+              <a:buNone/>
+            </a:pPr>
+            <a:r>
+              <a:rPr lang="pt-BR" sz="2000" dirty="0">
+                <a:latin typeface="Times New Roman" panose="02020603050405020304" pitchFamily="18" charset="0"/>
+                <a:cs typeface="Times New Roman" panose="02020603050405020304" pitchFamily="18" charset="0"/>
+              </a:rPr>
+              <a:t>Executar o Python 3, basta rodar o comando </a:t>
+            </a:r>
+            <a:r>
+              <a:rPr lang="pt-BR" sz="2000" b="1" dirty="0">
+                <a:latin typeface="Times New Roman" panose="02020603050405020304" pitchFamily="18" charset="0"/>
+                <a:cs typeface="Times New Roman" panose="02020603050405020304" pitchFamily="18" charset="0"/>
+              </a:rPr>
+              <a:t>python3</a:t>
+            </a:r>
+            <a:r>
+              <a:rPr lang="pt-BR" sz="2000" dirty="0">
+                <a:latin typeface="Times New Roman" panose="02020603050405020304" pitchFamily="18" charset="0"/>
+                <a:cs typeface="Times New Roman" panose="02020603050405020304" pitchFamily="18" charset="0"/>
+              </a:rPr>
+              <a:t> no terminal.</a:t>
+            </a:r>
+          </a:p>
+          <a:p>
+            <a:pPr marL="0" indent="0" algn="just">
+              <a:buNone/>
+            </a:pPr>
+            <a:endParaRPr lang="pt-BR" sz="2000" dirty="0">
+              <a:latin typeface="Times New Roman" panose="02020603050405020304" pitchFamily="18" charset="0"/>
+              <a:cs typeface="Times New Roman" panose="02020603050405020304" pitchFamily="18" charset="0"/>
+            </a:endParaRPr>
+          </a:p>
+        </p:txBody>
+      </p:sp>
+    </p:spTree>
+    <p:extLst>
+      <p:ext uri="{BB962C8B-B14F-4D97-AF65-F5344CB8AC3E}">
+        <p14:creationId xmlns:p14="http://schemas.microsoft.com/office/powerpoint/2010/main" val="1953759745"/>
+      </p:ext>
+    </p:extLst>
+  </p:cSld>
+  <p:clrMapOvr>
+    <a:masterClrMapping/>
+  </p:clrMapOvr>
+  <p:transition spd="med"/>
+</p:sld>
+</file>
+
+<file path=ppt/slides/slide6.xml><?xml version="1.0" encoding="utf-8"?>
+<p:sld xmlns:a="http://schemas.openxmlformats.org/drawingml/2006/main" xmlns:r="http://schemas.openxmlformats.org/officeDocument/2006/relationships" xmlns:p="http://schemas.openxmlformats.org/presentationml/2006/main">
+  <p:cSld>
+    <p:spTree>
+      <p:nvGrpSpPr>
+        <p:cNvPr id="1" name=""/>
+        <p:cNvGrpSpPr/>
+        <p:nvPr/>
+      </p:nvGrpSpPr>
+      <p:grpSpPr>
+        <a:xfrm>
+          <a:off x="0" y="0"/>
+          <a:ext cx="0" cy="0"/>
+          <a:chOff x="0" y="0"/>
+          <a:chExt cx="0" cy="0"/>
+        </a:xfrm>
+      </p:grpSpPr>
+      <p:sp>
+        <p:nvSpPr>
+          <p:cNvPr id="6" name="Title 1"/>
+          <p:cNvSpPr>
+            <a:spLocks noGrp="1"/>
+          </p:cNvSpPr>
+          <p:nvPr>
+            <p:ph type="title"/>
+          </p:nvPr>
+        </p:nvSpPr>
+        <p:spPr>
+          <a:xfrm>
+            <a:off x="457200" y="205980"/>
+            <a:ext cx="8229600" cy="857251"/>
+          </a:xfrm>
+        </p:spPr>
+        <p:txBody>
+          <a:bodyPr>
+            <a:normAutofit/>
+          </a:bodyPr>
+          <a:lstStyle/>
+          <a:p>
+            <a:r>
+              <a:rPr lang="pt-BR" b="1" dirty="0">
+                <a:solidFill>
+                  <a:srgbClr val="0070C0"/>
+                </a:solidFill>
+              </a:rPr>
+              <a:t>Python no Linux Ubuntu/Debian</a:t>
+            </a:r>
+            <a:endParaRPr lang="en-US" b="1" dirty="0">
+              <a:solidFill>
+                <a:srgbClr val="0070C0"/>
+              </a:solidFill>
+            </a:endParaRPr>
+          </a:p>
+        </p:txBody>
+      </p:sp>
+      <p:sp>
+        <p:nvSpPr>
+          <p:cNvPr id="8" name="Text Placeholder 2"/>
+          <p:cNvSpPr>
+            <a:spLocks noGrp="1"/>
+          </p:cNvSpPr>
+          <p:nvPr>
+            <p:ph type="body" sz="half" idx="1"/>
+          </p:nvPr>
+        </p:nvSpPr>
+        <p:spPr>
+          <a:xfrm>
+            <a:off x="142865" y="1200150"/>
+            <a:ext cx="8865056" cy="3737370"/>
+          </a:xfrm>
+        </p:spPr>
+        <p:txBody>
+          <a:bodyPr>
+            <a:noAutofit/>
+          </a:bodyPr>
+          <a:lstStyle/>
+          <a:p>
+            <a:pPr marL="0" indent="0" algn="just">
+              <a:buNone/>
+            </a:pPr>
+            <a:r>
+              <a:rPr lang="pt-BR" sz="2000" dirty="0">
+                <a:latin typeface="Times New Roman" panose="02020603050405020304" pitchFamily="18" charset="0"/>
+                <a:cs typeface="Times New Roman" panose="02020603050405020304" pitchFamily="18" charset="0"/>
+              </a:rPr>
+              <a:t>Os SO baseados no </a:t>
+            </a:r>
+            <a:r>
+              <a:rPr lang="pt-BR" sz="2000" b="1" dirty="0">
+                <a:latin typeface="Times New Roman" panose="02020603050405020304" pitchFamily="18" charset="0"/>
+                <a:cs typeface="Times New Roman" panose="02020603050405020304" pitchFamily="18" charset="0"/>
+              </a:rPr>
+              <a:t>Ubuntu/Debian</a:t>
+            </a:r>
+            <a:r>
+              <a:rPr lang="pt-BR" sz="2000" dirty="0">
+                <a:latin typeface="Times New Roman" panose="02020603050405020304" pitchFamily="18" charset="0"/>
+                <a:cs typeface="Times New Roman" panose="02020603050405020304" pitchFamily="18" charset="0"/>
+              </a:rPr>
+              <a:t> já possuem o </a:t>
+            </a:r>
+            <a:r>
+              <a:rPr lang="pt-BR" sz="2000" b="1" dirty="0">
+                <a:solidFill>
+                  <a:srgbClr val="FF0000"/>
+                </a:solidFill>
+                <a:latin typeface="Times New Roman" panose="02020603050405020304" pitchFamily="18" charset="0"/>
+                <a:cs typeface="Times New Roman" panose="02020603050405020304" pitchFamily="18" charset="0"/>
+              </a:rPr>
+              <a:t>Python 3</a:t>
+            </a:r>
+            <a:r>
+              <a:rPr lang="pt-BR" sz="2000" dirty="0">
+                <a:latin typeface="Times New Roman" panose="02020603050405020304" pitchFamily="18" charset="0"/>
+                <a:cs typeface="Times New Roman" panose="02020603050405020304" pitchFamily="18" charset="0"/>
+              </a:rPr>
+              <a:t> pré-instalado, mas o comandos para instalá-lo pelo terminal é:</a:t>
+            </a:r>
+          </a:p>
+          <a:p>
+            <a:pPr marL="0" indent="0" algn="just">
+              <a:buNone/>
+            </a:pPr>
+            <a:endParaRPr lang="pt-BR" sz="2000" dirty="0">
+              <a:latin typeface="Times New Roman" panose="02020603050405020304" pitchFamily="18" charset="0"/>
+              <a:cs typeface="Times New Roman" panose="02020603050405020304" pitchFamily="18" charset="0"/>
+            </a:endParaRPr>
+          </a:p>
+          <a:p>
+            <a:pPr marL="0" indent="0" algn="just">
+              <a:buNone/>
+            </a:pPr>
+            <a:r>
+              <a:rPr lang="pt-BR" sz="2000" dirty="0" err="1">
+                <a:latin typeface="Times New Roman" panose="02020603050405020304" pitchFamily="18" charset="0"/>
+                <a:cs typeface="Times New Roman" panose="02020603050405020304" pitchFamily="18" charset="0"/>
+              </a:rPr>
+              <a:t>sudo</a:t>
+            </a:r>
+            <a:r>
+              <a:rPr lang="pt-BR" sz="2000" dirty="0">
+                <a:latin typeface="Times New Roman" panose="02020603050405020304" pitchFamily="18" charset="0"/>
+                <a:cs typeface="Times New Roman" panose="02020603050405020304" pitchFamily="18" charset="0"/>
+              </a:rPr>
+              <a:t> </a:t>
+            </a:r>
+            <a:r>
+              <a:rPr lang="pt-BR" sz="2000" dirty="0" err="1">
+                <a:latin typeface="Times New Roman" panose="02020603050405020304" pitchFamily="18" charset="0"/>
+                <a:cs typeface="Times New Roman" panose="02020603050405020304" pitchFamily="18" charset="0"/>
+              </a:rPr>
+              <a:t>apt-get</a:t>
+            </a:r>
+            <a:r>
+              <a:rPr lang="pt-BR" sz="2000" dirty="0">
+                <a:latin typeface="Times New Roman" panose="02020603050405020304" pitchFamily="18" charset="0"/>
+                <a:cs typeface="Times New Roman" panose="02020603050405020304" pitchFamily="18" charset="0"/>
+              </a:rPr>
+              <a:t> update</a:t>
+            </a:r>
+          </a:p>
+          <a:p>
+            <a:pPr marL="0" indent="0" algn="just">
+              <a:buNone/>
+            </a:pPr>
+            <a:r>
+              <a:rPr lang="pt-BR" sz="2000" dirty="0" err="1">
+                <a:latin typeface="Times New Roman" panose="02020603050405020304" pitchFamily="18" charset="0"/>
+                <a:cs typeface="Times New Roman" panose="02020603050405020304" pitchFamily="18" charset="0"/>
+              </a:rPr>
+              <a:t>sudo</a:t>
+            </a:r>
+            <a:r>
+              <a:rPr lang="pt-BR" sz="2000" dirty="0">
+                <a:latin typeface="Times New Roman" panose="02020603050405020304" pitchFamily="18" charset="0"/>
+                <a:cs typeface="Times New Roman" panose="02020603050405020304" pitchFamily="18" charset="0"/>
+              </a:rPr>
+              <a:t> </a:t>
+            </a:r>
+            <a:r>
+              <a:rPr lang="pt-BR" sz="2000" dirty="0" err="1">
+                <a:latin typeface="Times New Roman" panose="02020603050405020304" pitchFamily="18" charset="0"/>
+                <a:cs typeface="Times New Roman" panose="02020603050405020304" pitchFamily="18" charset="0"/>
+              </a:rPr>
+              <a:t>apt-get</a:t>
+            </a:r>
+            <a:r>
+              <a:rPr lang="pt-BR" sz="2000" dirty="0">
+                <a:latin typeface="Times New Roman" panose="02020603050405020304" pitchFamily="18" charset="0"/>
+                <a:cs typeface="Times New Roman" panose="02020603050405020304" pitchFamily="18" charset="0"/>
+              </a:rPr>
+              <a:t> </a:t>
+            </a:r>
+            <a:r>
+              <a:rPr lang="pt-BR" sz="2000" dirty="0" err="1">
+                <a:latin typeface="Times New Roman" panose="02020603050405020304" pitchFamily="18" charset="0"/>
+                <a:cs typeface="Times New Roman" panose="02020603050405020304" pitchFamily="18" charset="0"/>
+              </a:rPr>
+              <a:t>install</a:t>
+            </a:r>
+            <a:r>
+              <a:rPr lang="pt-BR" sz="2000" dirty="0">
+                <a:latin typeface="Times New Roman" panose="02020603050405020304" pitchFamily="18" charset="0"/>
+                <a:cs typeface="Times New Roman" panose="02020603050405020304" pitchFamily="18" charset="0"/>
+              </a:rPr>
+              <a:t> python3</a:t>
+            </a:r>
+          </a:p>
+          <a:p>
+            <a:pPr marL="0" indent="0" algn="just">
+              <a:buNone/>
+            </a:pPr>
+            <a:endParaRPr lang="pt-BR" sz="2000" dirty="0">
+              <a:latin typeface="Times New Roman" panose="02020603050405020304" pitchFamily="18" charset="0"/>
+              <a:cs typeface="Times New Roman" panose="02020603050405020304" pitchFamily="18" charset="0"/>
+            </a:endParaRPr>
+          </a:p>
+          <a:p>
+            <a:pPr marL="0" indent="0" algn="just">
+              <a:buNone/>
+            </a:pPr>
+            <a:r>
+              <a:rPr lang="pt-BR" sz="2000" b="1" dirty="0">
+                <a:latin typeface="Times New Roman" panose="02020603050405020304" pitchFamily="18" charset="0"/>
+                <a:cs typeface="Times New Roman" panose="02020603050405020304" pitchFamily="18" charset="0"/>
+              </a:rPr>
+              <a:t>Verificar se o Python 3</a:t>
+            </a:r>
+            <a:r>
+              <a:rPr lang="pt-BR" sz="2000" dirty="0">
+                <a:latin typeface="Times New Roman" panose="02020603050405020304" pitchFamily="18" charset="0"/>
+                <a:cs typeface="Times New Roman" panose="02020603050405020304" pitchFamily="18" charset="0"/>
+              </a:rPr>
+              <a:t>:</a:t>
+            </a:r>
+          </a:p>
+          <a:p>
+            <a:pPr marL="0" indent="0" algn="just">
+              <a:buNone/>
+            </a:pPr>
+            <a:r>
+              <a:rPr lang="pt-BR" sz="2000" dirty="0">
+                <a:latin typeface="Times New Roman" panose="02020603050405020304" pitchFamily="18" charset="0"/>
+                <a:cs typeface="Times New Roman" panose="02020603050405020304" pitchFamily="18" charset="0"/>
+              </a:rPr>
+              <a:t>	python3 -V</a:t>
+            </a:r>
+          </a:p>
+        </p:txBody>
+      </p:sp>
+    </p:spTree>
+    <p:extLst>
+      <p:ext uri="{BB962C8B-B14F-4D97-AF65-F5344CB8AC3E}">
+        <p14:creationId xmlns:p14="http://schemas.microsoft.com/office/powerpoint/2010/main" val="1111239744"/>
+      </p:ext>
+    </p:extLst>
+  </p:cSld>
+  <p:clrMapOvr>
+    <a:masterClrMapping/>
+  </p:clrMapOvr>
+  <p:transition spd="med"/>
+</p:sld>
+</file>
+
+<file path=ppt/slides/slide7.xml><?xml version="1.0" encoding="utf-8"?>
+<p:sld xmlns:a="http://schemas.openxmlformats.org/drawingml/2006/main" xmlns:r="http://schemas.openxmlformats.org/officeDocument/2006/relationships" xmlns:p="http://schemas.openxmlformats.org/presentationml/2006/main">
+  <p:cSld>
+    <p:spTree>
+      <p:nvGrpSpPr>
+        <p:cNvPr id="1" name=""/>
+        <p:cNvGrpSpPr/>
+        <p:nvPr/>
+      </p:nvGrpSpPr>
+      <p:grpSpPr>
+        <a:xfrm>
+          <a:off x="0" y="0"/>
+          <a:ext cx="0" cy="0"/>
+          <a:chOff x="0" y="0"/>
+          <a:chExt cx="0" cy="0"/>
+        </a:xfrm>
+      </p:grpSpPr>
+      <p:sp>
+        <p:nvSpPr>
+          <p:cNvPr id="6" name="Title 1"/>
+          <p:cNvSpPr>
+            <a:spLocks noGrp="1"/>
+          </p:cNvSpPr>
+          <p:nvPr>
+            <p:ph type="title"/>
+          </p:nvPr>
+        </p:nvSpPr>
+        <p:spPr>
+          <a:xfrm>
+            <a:off x="457200" y="205980"/>
+            <a:ext cx="8229600" cy="857251"/>
+          </a:xfrm>
+        </p:spPr>
+        <p:txBody>
+          <a:bodyPr>
+            <a:normAutofit/>
+          </a:bodyPr>
+          <a:lstStyle/>
+          <a:p>
+            <a:r>
+              <a:rPr lang="pt-BR" b="1" dirty="0">
+                <a:solidFill>
+                  <a:srgbClr val="0070C0"/>
+                </a:solidFill>
+              </a:rPr>
+              <a:t>Python no MacOS</a:t>
+            </a:r>
+            <a:endParaRPr lang="en-US" b="1" dirty="0">
+              <a:solidFill>
+                <a:srgbClr val="0070C0"/>
+              </a:solidFill>
+            </a:endParaRPr>
+          </a:p>
+        </p:txBody>
+      </p:sp>
+      <p:sp>
+        <p:nvSpPr>
+          <p:cNvPr id="8" name="Text Placeholder 2"/>
+          <p:cNvSpPr>
+            <a:spLocks noGrp="1"/>
+          </p:cNvSpPr>
+          <p:nvPr>
+            <p:ph type="body" sz="half" idx="1"/>
+          </p:nvPr>
+        </p:nvSpPr>
+        <p:spPr>
+          <a:xfrm>
+            <a:off x="142865" y="1200150"/>
+            <a:ext cx="8865056" cy="3737370"/>
+          </a:xfrm>
+        </p:spPr>
+        <p:txBody>
+          <a:bodyPr>
+            <a:noAutofit/>
+          </a:bodyPr>
+          <a:lstStyle/>
+          <a:p>
+            <a:pPr marL="0" indent="0" algn="just">
+              <a:buNone/>
+            </a:pPr>
+            <a:r>
+              <a:rPr lang="pt-BR" sz="2000" dirty="0">
+                <a:latin typeface="Times New Roman" panose="02020603050405020304" pitchFamily="18" charset="0"/>
+                <a:cs typeface="Times New Roman" panose="02020603050405020304" pitchFamily="18" charset="0"/>
+              </a:rPr>
+              <a:t>Temos duas opções, através do </a:t>
+            </a:r>
+            <a:r>
+              <a:rPr lang="pt-BR" sz="2000" b="1" dirty="0" err="1">
+                <a:latin typeface="Times New Roman" panose="02020603050405020304" pitchFamily="18" charset="0"/>
+                <a:cs typeface="Times New Roman" panose="02020603050405020304" pitchFamily="18" charset="0"/>
+              </a:rPr>
+              <a:t>Homebrew</a:t>
+            </a:r>
+            <a:r>
+              <a:rPr lang="pt-BR" sz="2000" dirty="0">
+                <a:latin typeface="Times New Roman" panose="02020603050405020304" pitchFamily="18" charset="0"/>
+                <a:cs typeface="Times New Roman" panose="02020603050405020304" pitchFamily="18" charset="0"/>
+              </a:rPr>
+              <a:t>, fazemos:</a:t>
+            </a:r>
+          </a:p>
+          <a:p>
+            <a:pPr marL="0" indent="0" algn="just">
+              <a:buNone/>
+            </a:pPr>
+            <a:endParaRPr lang="pt-BR" sz="2000" dirty="0">
+              <a:latin typeface="Times New Roman" panose="02020603050405020304" pitchFamily="18" charset="0"/>
+              <a:cs typeface="Times New Roman" panose="02020603050405020304" pitchFamily="18" charset="0"/>
+            </a:endParaRPr>
+          </a:p>
+          <a:p>
+            <a:pPr marL="0" indent="0" algn="just">
+              <a:buNone/>
+            </a:pPr>
+            <a:r>
+              <a:rPr lang="pt-BR" sz="2000" dirty="0" err="1">
+                <a:latin typeface="Times New Roman" panose="02020603050405020304" pitchFamily="18" charset="0"/>
+                <a:cs typeface="Times New Roman" panose="02020603050405020304" pitchFamily="18" charset="0"/>
+              </a:rPr>
+              <a:t>brew</a:t>
+            </a:r>
+            <a:r>
+              <a:rPr lang="pt-BR" sz="2000" dirty="0">
+                <a:latin typeface="Times New Roman" panose="02020603050405020304" pitchFamily="18" charset="0"/>
+                <a:cs typeface="Times New Roman" panose="02020603050405020304" pitchFamily="18" charset="0"/>
+              </a:rPr>
+              <a:t> update</a:t>
+            </a:r>
+          </a:p>
+          <a:p>
+            <a:pPr marL="0" indent="0" algn="just">
+              <a:buNone/>
+            </a:pPr>
+            <a:r>
+              <a:rPr lang="pt-BR" sz="2000" dirty="0" err="1">
+                <a:latin typeface="Times New Roman" panose="02020603050405020304" pitchFamily="18" charset="0"/>
+                <a:cs typeface="Times New Roman" panose="02020603050405020304" pitchFamily="18" charset="0"/>
+              </a:rPr>
+              <a:t>brew</a:t>
+            </a:r>
+            <a:r>
+              <a:rPr lang="pt-BR" sz="2000" dirty="0">
+                <a:latin typeface="Times New Roman" panose="02020603050405020304" pitchFamily="18" charset="0"/>
+                <a:cs typeface="Times New Roman" panose="02020603050405020304" pitchFamily="18" charset="0"/>
+              </a:rPr>
+              <a:t> </a:t>
+            </a:r>
+            <a:r>
+              <a:rPr lang="pt-BR" sz="2000" dirty="0" err="1">
+                <a:latin typeface="Times New Roman" panose="02020603050405020304" pitchFamily="18" charset="0"/>
+                <a:cs typeface="Times New Roman" panose="02020603050405020304" pitchFamily="18" charset="0"/>
+              </a:rPr>
+              <a:t>install</a:t>
+            </a:r>
+            <a:r>
+              <a:rPr lang="pt-BR" sz="2000" dirty="0">
+                <a:latin typeface="Times New Roman" panose="02020603050405020304" pitchFamily="18" charset="0"/>
+                <a:cs typeface="Times New Roman" panose="02020603050405020304" pitchFamily="18" charset="0"/>
+              </a:rPr>
+              <a:t> python3</a:t>
+            </a:r>
+          </a:p>
+          <a:p>
+            <a:pPr marL="0" indent="0" algn="just">
+              <a:buNone/>
+            </a:pPr>
+            <a:endParaRPr lang="pt-BR" sz="2000" dirty="0">
+              <a:latin typeface="Times New Roman" panose="02020603050405020304" pitchFamily="18" charset="0"/>
+              <a:cs typeface="Times New Roman" panose="02020603050405020304" pitchFamily="18" charset="0"/>
+            </a:endParaRPr>
+          </a:p>
+          <a:p>
+            <a:pPr marL="0" indent="0" algn="just">
+              <a:buNone/>
+            </a:pPr>
+            <a:r>
+              <a:rPr lang="pt-BR" sz="2000" dirty="0">
+                <a:latin typeface="Times New Roman" panose="02020603050405020304" pitchFamily="18" charset="0"/>
+                <a:cs typeface="Times New Roman" panose="02020603050405020304" pitchFamily="18" charset="0"/>
+              </a:rPr>
+              <a:t>Mas caso você não utiliza o </a:t>
+            </a:r>
+            <a:r>
+              <a:rPr lang="pt-BR" sz="2000" b="1" dirty="0" err="1">
+                <a:latin typeface="Times New Roman" panose="02020603050405020304" pitchFamily="18" charset="0"/>
+                <a:cs typeface="Times New Roman" panose="02020603050405020304" pitchFamily="18" charset="0"/>
+              </a:rPr>
+              <a:t>Homebrew</a:t>
+            </a:r>
+            <a:r>
+              <a:rPr lang="pt-BR" sz="2000" dirty="0">
+                <a:latin typeface="Times New Roman" panose="02020603050405020304" pitchFamily="18" charset="0"/>
+                <a:cs typeface="Times New Roman" panose="02020603050405020304" pitchFamily="18" charset="0"/>
+              </a:rPr>
+              <a:t>, baixar o instalador do Python através do seu site oficial, </a:t>
+            </a:r>
+            <a:r>
+              <a:rPr lang="pt-BR" sz="2000" dirty="0">
+                <a:latin typeface="Times New Roman" panose="02020603050405020304" pitchFamily="18" charset="0"/>
+                <a:cs typeface="Times New Roman" panose="02020603050405020304" pitchFamily="18" charset="0"/>
+                <a:hlinkClick r:id="rId3"/>
+              </a:rPr>
+              <a:t>https://www.jetbrains.com/</a:t>
+            </a:r>
+            <a:r>
+              <a:rPr lang="pt-BR" sz="2000" dirty="0" err="1">
+                <a:latin typeface="Times New Roman" panose="02020603050405020304" pitchFamily="18" charset="0"/>
+                <a:cs typeface="Times New Roman" panose="02020603050405020304" pitchFamily="18" charset="0"/>
+                <a:hlinkClick r:id="rId3"/>
+              </a:rPr>
+              <a:t>pt-br</a:t>
+            </a:r>
+            <a:r>
+              <a:rPr lang="pt-BR" sz="2000" dirty="0">
+                <a:latin typeface="Times New Roman" panose="02020603050405020304" pitchFamily="18" charset="0"/>
+                <a:cs typeface="Times New Roman" panose="02020603050405020304" pitchFamily="18" charset="0"/>
+                <a:hlinkClick r:id="rId3"/>
+              </a:rPr>
+              <a:t>/</a:t>
+            </a:r>
+            <a:r>
+              <a:rPr lang="pt-BR" sz="2000" dirty="0" err="1">
+                <a:latin typeface="Times New Roman" panose="02020603050405020304" pitchFamily="18" charset="0"/>
+                <a:cs typeface="Times New Roman" panose="02020603050405020304" pitchFamily="18" charset="0"/>
+                <a:hlinkClick r:id="rId3"/>
+              </a:rPr>
+              <a:t>pycharm</a:t>
+            </a:r>
+            <a:r>
+              <a:rPr lang="pt-BR" sz="2000" dirty="0">
+                <a:latin typeface="Times New Roman" panose="02020603050405020304" pitchFamily="18" charset="0"/>
+                <a:cs typeface="Times New Roman" panose="02020603050405020304" pitchFamily="18" charset="0"/>
+                <a:hlinkClick r:id="rId3"/>
+              </a:rPr>
+              <a:t>/download/#section=mac</a:t>
+            </a:r>
+            <a:r>
+              <a:rPr lang="pt-BR" sz="2000" dirty="0">
+                <a:latin typeface="Times New Roman" panose="02020603050405020304" pitchFamily="18" charset="0"/>
+                <a:cs typeface="Times New Roman" panose="02020603050405020304" pitchFamily="18" charset="0"/>
+              </a:rPr>
+              <a:t>.</a:t>
+            </a:r>
+          </a:p>
+          <a:p>
+            <a:pPr marL="0" indent="0" algn="just">
+              <a:buNone/>
+            </a:pPr>
+            <a:endParaRPr lang="pt-BR" sz="2000" dirty="0">
+              <a:latin typeface="Times New Roman" panose="02020603050405020304" pitchFamily="18" charset="0"/>
+              <a:cs typeface="Times New Roman" panose="02020603050405020304" pitchFamily="18" charset="0"/>
+            </a:endParaRPr>
+          </a:p>
+          <a:p>
+            <a:pPr marL="0" indent="0" algn="just">
+              <a:buNone/>
+            </a:pPr>
+            <a:r>
+              <a:rPr lang="pt-BR" sz="2000" b="1" dirty="0">
+                <a:latin typeface="Times New Roman" panose="02020603050405020304" pitchFamily="18" charset="0"/>
+                <a:cs typeface="Times New Roman" panose="02020603050405020304" pitchFamily="18" charset="0"/>
+              </a:rPr>
+              <a:t>Verificar se o Python 3</a:t>
+            </a:r>
+            <a:r>
+              <a:rPr lang="pt-BR" sz="2000" dirty="0">
+                <a:latin typeface="Times New Roman" panose="02020603050405020304" pitchFamily="18" charset="0"/>
+                <a:cs typeface="Times New Roman" panose="02020603050405020304" pitchFamily="18" charset="0"/>
+              </a:rPr>
+              <a:t>:</a:t>
+            </a:r>
+          </a:p>
+          <a:p>
+            <a:pPr marL="0" indent="0" algn="just">
+              <a:buNone/>
+            </a:pPr>
+            <a:r>
+              <a:rPr lang="pt-BR" sz="2000" dirty="0">
+                <a:latin typeface="Times New Roman" panose="02020603050405020304" pitchFamily="18" charset="0"/>
+                <a:cs typeface="Times New Roman" panose="02020603050405020304" pitchFamily="18" charset="0"/>
+              </a:rPr>
+              <a:t>	python3 -V</a:t>
+            </a:r>
+          </a:p>
+        </p:txBody>
+      </p:sp>
+    </p:spTree>
+    <p:extLst>
+      <p:ext uri="{BB962C8B-B14F-4D97-AF65-F5344CB8AC3E}">
+        <p14:creationId xmlns:p14="http://schemas.microsoft.com/office/powerpoint/2010/main" val="3894280324"/>
+      </p:ext>
+    </p:extLst>
+  </p:cSld>
+  <p:clrMapOvr>
+    <a:masterClrMapping/>
+  </p:clrMapOvr>
+  <p:transition spd="med"/>
+</p:sld>
+</file>
+
+<file path=ppt/slides/slide8.xml><?xml version="1.0" encoding="utf-8"?>
+<p:sld xmlns:a="http://schemas.openxmlformats.org/drawingml/2006/main" xmlns:r="http://schemas.openxmlformats.org/officeDocument/2006/relationships" xmlns:p="http://schemas.openxmlformats.org/presentationml/2006/main">
+  <p:cSld>
+    <p:spTree>
+      <p:nvGrpSpPr>
+        <p:cNvPr id="1" name=""/>
+        <p:cNvGrpSpPr/>
+        <p:nvPr/>
+      </p:nvGrpSpPr>
+      <p:grpSpPr>
+        <a:xfrm>
+          <a:off x="0" y="0"/>
+          <a:ext cx="0" cy="0"/>
+          <a:chOff x="0" y="0"/>
+          <a:chExt cx="0" cy="0"/>
+        </a:xfrm>
+      </p:grpSpPr>
+      <p:sp>
+        <p:nvSpPr>
+          <p:cNvPr id="6" name="Title 1"/>
+          <p:cNvSpPr>
+            <a:spLocks noGrp="1"/>
+          </p:cNvSpPr>
+          <p:nvPr>
+            <p:ph type="title"/>
+          </p:nvPr>
+        </p:nvSpPr>
+        <p:spPr>
+          <a:xfrm>
+            <a:off x="457200" y="205980"/>
+            <a:ext cx="8229600" cy="857251"/>
+          </a:xfrm>
+        </p:spPr>
+        <p:txBody>
+          <a:bodyPr>
+            <a:normAutofit/>
+          </a:bodyPr>
+          <a:lstStyle/>
+          <a:p>
+            <a:r>
+              <a:rPr lang="pt-BR" b="1" dirty="0">
+                <a:solidFill>
+                  <a:srgbClr val="0070C0"/>
+                </a:solidFill>
+              </a:rPr>
+              <a:t>Python </a:t>
+            </a:r>
+            <a:r>
+              <a:rPr lang="pt-BR" b="1" dirty="0" err="1">
+                <a:solidFill>
+                  <a:srgbClr val="0070C0"/>
+                </a:solidFill>
+              </a:rPr>
+              <a:t>Jupyter</a:t>
+            </a:r>
+            <a:r>
+              <a:rPr lang="pt-BR" b="1" dirty="0">
+                <a:solidFill>
+                  <a:srgbClr val="0070C0"/>
+                </a:solidFill>
+              </a:rPr>
+              <a:t> - Data Science</a:t>
+            </a:r>
+            <a:endParaRPr lang="en-US" b="1" dirty="0">
+              <a:solidFill>
+                <a:srgbClr val="0070C0"/>
+              </a:solidFill>
+            </a:endParaRPr>
+          </a:p>
+        </p:txBody>
+      </p:sp>
+      <p:sp>
+        <p:nvSpPr>
+          <p:cNvPr id="8" name="Text Placeholder 2"/>
+          <p:cNvSpPr>
+            <a:spLocks noGrp="1"/>
+          </p:cNvSpPr>
+          <p:nvPr>
+            <p:ph type="body" sz="half" idx="1"/>
+          </p:nvPr>
+        </p:nvSpPr>
+        <p:spPr>
+          <a:xfrm>
+            <a:off x="142865" y="1200150"/>
+            <a:ext cx="8865056" cy="3737370"/>
+          </a:xfrm>
+        </p:spPr>
+        <p:txBody>
+          <a:bodyPr>
+            <a:noAutofit/>
+          </a:bodyPr>
+          <a:lstStyle/>
+          <a:p>
+            <a:pPr marL="0" indent="0" algn="just">
+              <a:buNone/>
+            </a:pPr>
+            <a:r>
+              <a:rPr lang="pt-BR" sz="2000" dirty="0">
+                <a:latin typeface="Times New Roman" panose="02020603050405020304" pitchFamily="18" charset="0"/>
+                <a:cs typeface="Times New Roman" panose="02020603050405020304" pitchFamily="18" charset="0"/>
+              </a:rPr>
+              <a:t>Diferente do </a:t>
+            </a:r>
+            <a:r>
+              <a:rPr lang="pt-BR" sz="2000" dirty="0" err="1">
+                <a:latin typeface="Times New Roman" panose="02020603050405020304" pitchFamily="18" charset="0"/>
+                <a:cs typeface="Times New Roman" panose="02020603050405020304" pitchFamily="18" charset="0"/>
+              </a:rPr>
+              <a:t>Pycharm</a:t>
+            </a:r>
+            <a:r>
+              <a:rPr lang="pt-BR" sz="2000" dirty="0">
+                <a:latin typeface="Times New Roman" panose="02020603050405020304" pitchFamily="18" charset="0"/>
+                <a:cs typeface="Times New Roman" panose="02020603050405020304" pitchFamily="18" charset="0"/>
+              </a:rPr>
+              <a:t> o </a:t>
+            </a:r>
+            <a:r>
+              <a:rPr lang="pt-BR" sz="2000" dirty="0" err="1">
+                <a:latin typeface="Times New Roman" panose="02020603050405020304" pitchFamily="18" charset="0"/>
+                <a:cs typeface="Times New Roman" panose="02020603050405020304" pitchFamily="18" charset="0"/>
+              </a:rPr>
+              <a:t>Jupyter</a:t>
+            </a:r>
+            <a:r>
+              <a:rPr lang="pt-BR" sz="2000" dirty="0">
+                <a:latin typeface="Times New Roman" panose="02020603050405020304" pitchFamily="18" charset="0"/>
+                <a:cs typeface="Times New Roman" panose="02020603050405020304" pitchFamily="18" charset="0"/>
+              </a:rPr>
+              <a:t> é um pouco mais pesado e ele vai ser indicado para trabalhar com análise de dados (</a:t>
+            </a:r>
+            <a:r>
+              <a:rPr lang="pt-BR" sz="2000" b="1" dirty="0" err="1">
+                <a:solidFill>
+                  <a:srgbClr val="FF0000"/>
+                </a:solidFill>
+                <a:latin typeface="Times New Roman" panose="02020603050405020304" pitchFamily="18" charset="0"/>
+                <a:cs typeface="Times New Roman" panose="02020603050405020304" pitchFamily="18" charset="0"/>
+              </a:rPr>
+              <a:t>machine</a:t>
+            </a:r>
+            <a:r>
+              <a:rPr lang="pt-BR" sz="2000" b="1" dirty="0">
+                <a:solidFill>
+                  <a:srgbClr val="FF0000"/>
+                </a:solidFill>
+                <a:latin typeface="Times New Roman" panose="02020603050405020304" pitchFamily="18" charset="0"/>
+                <a:cs typeface="Times New Roman" panose="02020603050405020304" pitchFamily="18" charset="0"/>
+              </a:rPr>
+              <a:t> </a:t>
+            </a:r>
+            <a:r>
+              <a:rPr lang="pt-BR" sz="2000" b="1" dirty="0" err="1">
+                <a:solidFill>
+                  <a:srgbClr val="FF0000"/>
+                </a:solidFill>
+                <a:latin typeface="Times New Roman" panose="02020603050405020304" pitchFamily="18" charset="0"/>
+                <a:cs typeface="Times New Roman" panose="02020603050405020304" pitchFamily="18" charset="0"/>
+              </a:rPr>
+              <a:t>learning</a:t>
+            </a:r>
+            <a:r>
+              <a:rPr lang="pt-BR" sz="2000" b="1" dirty="0">
+                <a:solidFill>
+                  <a:srgbClr val="FF0000"/>
+                </a:solidFill>
+                <a:latin typeface="Times New Roman" panose="02020603050405020304" pitchFamily="18" charset="0"/>
+                <a:cs typeface="Times New Roman" panose="02020603050405020304" pitchFamily="18" charset="0"/>
+              </a:rPr>
+              <a:t>, ciência de dados, business </a:t>
+            </a:r>
+            <a:r>
+              <a:rPr lang="pt-BR" sz="2000" b="1" dirty="0" err="1">
+                <a:solidFill>
+                  <a:srgbClr val="FF0000"/>
+                </a:solidFill>
+                <a:latin typeface="Times New Roman" panose="02020603050405020304" pitchFamily="18" charset="0"/>
+                <a:cs typeface="Times New Roman" panose="02020603050405020304" pitchFamily="18" charset="0"/>
+              </a:rPr>
+              <a:t>inteligence</a:t>
+            </a:r>
+            <a:r>
+              <a:rPr lang="pt-BR" sz="2000" dirty="0">
+                <a:latin typeface="Times New Roman" panose="02020603050405020304" pitchFamily="18" charset="0"/>
+                <a:cs typeface="Times New Roman" panose="02020603050405020304" pitchFamily="18" charset="0"/>
+              </a:rPr>
+              <a:t>).</a:t>
+            </a:r>
+          </a:p>
+          <a:p>
+            <a:pPr marL="0" indent="0" algn="just">
+              <a:buNone/>
+            </a:pPr>
+            <a:endParaRPr lang="pt-BR" sz="2000" dirty="0">
+              <a:latin typeface="Times New Roman" panose="02020603050405020304" pitchFamily="18" charset="0"/>
+              <a:cs typeface="Times New Roman" panose="02020603050405020304" pitchFamily="18" charset="0"/>
+            </a:endParaRPr>
+          </a:p>
+          <a:p>
+            <a:pPr marL="0" indent="0" algn="just">
+              <a:buNone/>
+            </a:pPr>
+            <a:r>
+              <a:rPr lang="pt-BR" sz="2000" dirty="0">
+                <a:latin typeface="Times New Roman" panose="02020603050405020304" pitchFamily="18" charset="0"/>
+                <a:cs typeface="Times New Roman" panose="02020603050405020304" pitchFamily="18" charset="0"/>
+              </a:rPr>
+              <a:t>Download </a:t>
+            </a:r>
+            <a:r>
+              <a:rPr lang="pt-BR" sz="2000" b="1" dirty="0">
+                <a:latin typeface="Times New Roman" panose="02020603050405020304" pitchFamily="18" charset="0"/>
+                <a:cs typeface="Times New Roman" panose="02020603050405020304" pitchFamily="18" charset="0"/>
+              </a:rPr>
+              <a:t>Python </a:t>
+            </a:r>
+            <a:r>
+              <a:rPr lang="pt-BR" sz="2000" b="1" dirty="0" err="1">
+                <a:latin typeface="Times New Roman" panose="02020603050405020304" pitchFamily="18" charset="0"/>
+                <a:cs typeface="Times New Roman" panose="02020603050405020304" pitchFamily="18" charset="0"/>
+              </a:rPr>
+              <a:t>Jupyter</a:t>
+            </a:r>
+            <a:r>
+              <a:rPr lang="pt-BR" sz="2000" dirty="0">
+                <a:latin typeface="Times New Roman" panose="02020603050405020304" pitchFamily="18" charset="0"/>
+                <a:cs typeface="Times New Roman" panose="02020603050405020304" pitchFamily="18" charset="0"/>
+              </a:rPr>
+              <a:t>:</a:t>
+            </a:r>
+          </a:p>
+          <a:p>
+            <a:pPr marL="0" indent="0" algn="just">
+              <a:buNone/>
+            </a:pPr>
+            <a:r>
+              <a:rPr lang="pt-BR" sz="2000" dirty="0">
+                <a:latin typeface="Times New Roman" panose="02020603050405020304" pitchFamily="18" charset="0"/>
+                <a:cs typeface="Times New Roman" panose="02020603050405020304" pitchFamily="18" charset="0"/>
+              </a:rPr>
+              <a:t>		</a:t>
+            </a:r>
+            <a:r>
+              <a:rPr lang="pt-BR" sz="2000" dirty="0">
+                <a:latin typeface="Times New Roman" panose="02020603050405020304" pitchFamily="18" charset="0"/>
+                <a:cs typeface="Times New Roman" panose="02020603050405020304" pitchFamily="18" charset="0"/>
+                <a:hlinkClick r:id="rId3"/>
+              </a:rPr>
+              <a:t>https://jupyter.org/</a:t>
+            </a:r>
+            <a:endParaRPr lang="pt-BR" sz="2000" dirty="0">
+              <a:latin typeface="Times New Roman" panose="02020603050405020304" pitchFamily="18" charset="0"/>
+              <a:cs typeface="Times New Roman" panose="02020603050405020304" pitchFamily="18" charset="0"/>
+            </a:endParaRPr>
+          </a:p>
+          <a:p>
+            <a:pPr marL="0" indent="0" algn="just">
+              <a:buNone/>
+            </a:pPr>
+            <a:endParaRPr lang="pt-BR" sz="2000" dirty="0">
+              <a:latin typeface="Times New Roman" panose="02020603050405020304" pitchFamily="18" charset="0"/>
+              <a:cs typeface="Times New Roman" panose="02020603050405020304" pitchFamily="18" charset="0"/>
+            </a:endParaRPr>
+          </a:p>
+        </p:txBody>
+      </p:sp>
+    </p:spTree>
+    <p:extLst>
+      <p:ext uri="{BB962C8B-B14F-4D97-AF65-F5344CB8AC3E}">
+        <p14:creationId xmlns:p14="http://schemas.microsoft.com/office/powerpoint/2010/main" val="4178767447"/>
+      </p:ext>
+    </p:extLst>
+  </p:cSld>
+  <p:clrMapOvr>
+    <a:masterClrMapping/>
+  </p:clrMapOvr>
+  <p:transition spd="med"/>
+</p:sld>
+</file>
+
+<file path=ppt/slides/slide9.xml><?xml version="1.0" encoding="utf-8"?>
+<p:sld xmlns:a="http://schemas.openxmlformats.org/drawingml/2006/main" xmlns:r="http://schemas.openxmlformats.org/officeDocument/2006/relationships" xmlns:p="http://schemas.openxmlformats.org/presentationml/2006/main">
+  <p:cSld>
+    <p:spTree>
+      <p:nvGrpSpPr>
+        <p:cNvPr id="1" name=""/>
+        <p:cNvGrpSpPr/>
+        <p:nvPr/>
+      </p:nvGrpSpPr>
+      <p:grpSpPr>
+        <a:xfrm>
+          <a:off x="0" y="0"/>
+          <a:ext cx="0" cy="0"/>
+          <a:chOff x="0" y="0"/>
+          <a:chExt cx="0" cy="0"/>
+        </a:xfrm>
+      </p:grpSpPr>
+      <p:sp>
+        <p:nvSpPr>
+          <p:cNvPr id="6" name="Title 1"/>
+          <p:cNvSpPr>
+            <a:spLocks noGrp="1"/>
+          </p:cNvSpPr>
+          <p:nvPr>
+            <p:ph type="title"/>
+          </p:nvPr>
+        </p:nvSpPr>
+        <p:spPr>
+          <a:xfrm>
+            <a:off x="457200" y="205980"/>
+            <a:ext cx="8229600" cy="857251"/>
+          </a:xfrm>
+        </p:spPr>
+        <p:txBody>
+          <a:bodyPr>
+            <a:normAutofit/>
+          </a:bodyPr>
+          <a:lstStyle/>
+          <a:p>
+            <a:r>
+              <a:rPr lang="pt-BR" b="1" dirty="0">
+                <a:solidFill>
+                  <a:srgbClr val="0070C0"/>
+                </a:solidFill>
+              </a:rPr>
+              <a:t>Áreas de Aplicações com Python</a:t>
+            </a:r>
+            <a:endParaRPr lang="en-US" b="1" dirty="0">
+              <a:solidFill>
+                <a:srgbClr val="0070C0"/>
+              </a:solidFill>
+            </a:endParaRPr>
+          </a:p>
+        </p:txBody>
+      </p:sp>
+      <p:sp>
+        <p:nvSpPr>
+          <p:cNvPr id="8" name="Text Placeholder 2"/>
+          <p:cNvSpPr>
+            <a:spLocks noGrp="1"/>
+          </p:cNvSpPr>
+          <p:nvPr>
+            <p:ph type="body" sz="half" idx="1"/>
+          </p:nvPr>
+        </p:nvSpPr>
+        <p:spPr>
+          <a:xfrm>
+            <a:off x="142865" y="1200150"/>
+            <a:ext cx="8865056" cy="3737370"/>
+          </a:xfrm>
+        </p:spPr>
+        <p:txBody>
+          <a:bodyPr>
+            <a:noAutofit/>
+          </a:bodyPr>
+          <a:lstStyle/>
+          <a:p>
+            <a:pPr marL="0" indent="0" algn="just">
+              <a:buNone/>
+            </a:pPr>
+            <a:r>
+              <a:rPr lang="pt-BR" sz="2000" b="1" dirty="0">
+                <a:latin typeface="Times New Roman" panose="02020603050405020304" pitchFamily="18" charset="0"/>
+                <a:cs typeface="Times New Roman" panose="02020603050405020304" pitchFamily="18" charset="0"/>
+              </a:rPr>
+              <a:t>Automações em Python </a:t>
+            </a:r>
+            <a:r>
+              <a:rPr lang="pt-BR" sz="2000" dirty="0">
+                <a:latin typeface="Times New Roman" panose="02020603050405020304" pitchFamily="18" charset="0"/>
+                <a:cs typeface="Times New Roman" panose="02020603050405020304" pitchFamily="18" charset="0"/>
+              </a:rPr>
+              <a:t>- Automatizar tarefas repetitivas e otimizar processos.</a:t>
+            </a:r>
+          </a:p>
+          <a:p>
+            <a:pPr marL="0" indent="0" algn="just">
+              <a:buNone/>
+            </a:pPr>
+            <a:endParaRPr lang="pt-BR" sz="2000" dirty="0">
+              <a:solidFill>
+                <a:srgbClr val="FF0000"/>
+              </a:solidFill>
+              <a:latin typeface="Times New Roman" panose="02020603050405020304" pitchFamily="18" charset="0"/>
+              <a:cs typeface="Times New Roman" panose="02020603050405020304" pitchFamily="18" charset="0"/>
+            </a:endParaRPr>
+          </a:p>
+          <a:p>
+            <a:pPr algn="just">
+              <a:buFont typeface="Wingdings" panose="05000000000000000000" pitchFamily="2" charset="2"/>
+              <a:buChar char="§"/>
+            </a:pPr>
+            <a:r>
+              <a:rPr lang="pt-BR" sz="1800" b="1" dirty="0" err="1">
+                <a:solidFill>
+                  <a:srgbClr val="FF0000"/>
+                </a:solidFill>
+                <a:latin typeface="Times New Roman" panose="02020603050405020304" pitchFamily="18" charset="0"/>
+                <a:cs typeface="Times New Roman" panose="02020603050405020304" pitchFamily="18" charset="0"/>
+              </a:rPr>
+              <a:t>Selenium</a:t>
+            </a:r>
+            <a:r>
+              <a:rPr lang="pt-BR" sz="1800" dirty="0">
+                <a:solidFill>
+                  <a:srgbClr val="FF0000"/>
+                </a:solidFill>
+                <a:latin typeface="Times New Roman" panose="02020603050405020304" pitchFamily="18" charset="0"/>
+                <a:cs typeface="Times New Roman" panose="02020603050405020304" pitchFamily="18" charset="0"/>
+              </a:rPr>
+              <a:t> → Automação web, busca na internet, preenchimento de formulário, etc.</a:t>
+            </a:r>
+          </a:p>
+          <a:p>
+            <a:pPr algn="just">
+              <a:buFont typeface="Wingdings" panose="05000000000000000000" pitchFamily="2" charset="2"/>
+              <a:buChar char="§"/>
+            </a:pPr>
+            <a:r>
+              <a:rPr lang="pt-BR" sz="1800" b="1" dirty="0" err="1">
+                <a:solidFill>
+                  <a:srgbClr val="FF0000"/>
+                </a:solidFill>
+                <a:latin typeface="Times New Roman" panose="02020603050405020304" pitchFamily="18" charset="0"/>
+                <a:cs typeface="Times New Roman" panose="02020603050405020304" pitchFamily="18" charset="0"/>
+              </a:rPr>
+              <a:t>BeautifulSoup</a:t>
+            </a:r>
+            <a:r>
+              <a:rPr lang="pt-BR" sz="1800" dirty="0">
+                <a:solidFill>
+                  <a:srgbClr val="FF0000"/>
+                </a:solidFill>
+                <a:latin typeface="Times New Roman" panose="02020603050405020304" pitchFamily="18" charset="0"/>
+                <a:cs typeface="Times New Roman" panose="02020603050405020304" pitchFamily="18" charset="0"/>
+              </a:rPr>
+              <a:t> → Buscar informações de sites automaticamente, lembre-se que esta não é única </a:t>
+            </a:r>
+            <a:r>
+              <a:rPr lang="pt-BR" sz="1800" dirty="0">
+                <a:latin typeface="Times New Roman" panose="02020603050405020304" pitchFamily="18" charset="0"/>
+                <a:cs typeface="Times New Roman" panose="02020603050405020304" pitchFamily="18" charset="0"/>
+              </a:rPr>
+              <a:t>solução possível, é apenas o que recomendo hoje para estas tarefas.</a:t>
+            </a:r>
+          </a:p>
+          <a:p>
+            <a:pPr algn="just">
+              <a:buFont typeface="Wingdings" panose="05000000000000000000" pitchFamily="2" charset="2"/>
+              <a:buChar char="§"/>
+            </a:pPr>
+            <a:r>
+              <a:rPr lang="pt-BR" sz="1800" b="1" dirty="0" err="1">
+                <a:solidFill>
+                  <a:srgbClr val="FF0000"/>
+                </a:solidFill>
+                <a:latin typeface="Times New Roman" panose="02020603050405020304" pitchFamily="18" charset="0"/>
+                <a:cs typeface="Times New Roman" panose="02020603050405020304" pitchFamily="18" charset="0"/>
+              </a:rPr>
+              <a:t>Playwright</a:t>
+            </a:r>
+            <a:r>
+              <a:rPr lang="pt-BR" sz="1800" dirty="0">
+                <a:latin typeface="Times New Roman" panose="02020603050405020304" pitchFamily="18" charset="0"/>
+                <a:cs typeface="Times New Roman" panose="02020603050405020304" pitchFamily="18" charset="0"/>
+              </a:rPr>
+              <a:t> → buscar informações online, automatizar processos dentro do navegador.</a:t>
+            </a:r>
+          </a:p>
+          <a:p>
+            <a:pPr algn="just">
+              <a:buFont typeface="Wingdings" panose="05000000000000000000" pitchFamily="2" charset="2"/>
+              <a:buChar char="§"/>
+            </a:pPr>
+            <a:r>
+              <a:rPr lang="pt-BR" sz="1800" b="1" dirty="0" err="1">
+                <a:solidFill>
+                  <a:srgbClr val="FF0000"/>
+                </a:solidFill>
+                <a:latin typeface="Times New Roman" panose="02020603050405020304" pitchFamily="18" charset="0"/>
+                <a:cs typeface="Times New Roman" panose="02020603050405020304" pitchFamily="18" charset="0"/>
+              </a:rPr>
+              <a:t>Pyautogui</a:t>
+            </a:r>
+            <a:r>
+              <a:rPr lang="pt-BR" sz="1800" dirty="0">
+                <a:latin typeface="Times New Roman" panose="02020603050405020304" pitchFamily="18" charset="0"/>
+                <a:cs typeface="Times New Roman" panose="02020603050405020304" pitchFamily="18" charset="0"/>
+              </a:rPr>
+              <a:t> → para automatizar aplicativos dentro do seu computador, basicamente ele controla o mouse, o teclado e a tela, automação por meio de robôs.</a:t>
+            </a:r>
+          </a:p>
+          <a:p>
+            <a:pPr algn="just">
+              <a:buFont typeface="Wingdings" panose="05000000000000000000" pitchFamily="2" charset="2"/>
+              <a:buChar char="§"/>
+            </a:pPr>
+            <a:r>
+              <a:rPr lang="pt-BR" sz="1800" b="1" dirty="0" err="1">
+                <a:solidFill>
+                  <a:srgbClr val="FF0000"/>
+                </a:solidFill>
+                <a:latin typeface="Times New Roman" panose="02020603050405020304" pitchFamily="18" charset="0"/>
+                <a:cs typeface="Times New Roman" panose="02020603050405020304" pitchFamily="18" charset="0"/>
+              </a:rPr>
+              <a:t>Requests</a:t>
+            </a:r>
+            <a:r>
+              <a:rPr lang="pt-BR" sz="1800" dirty="0">
+                <a:latin typeface="Times New Roman" panose="02020603050405020304" pitchFamily="18" charset="0"/>
+                <a:cs typeface="Times New Roman" panose="02020603050405020304" pitchFamily="18" charset="0"/>
+              </a:rPr>
+              <a:t> e </a:t>
+            </a:r>
+            <a:r>
+              <a:rPr lang="pt-BR" sz="1800" b="1" dirty="0" err="1">
+                <a:solidFill>
+                  <a:srgbClr val="FF0000"/>
+                </a:solidFill>
+                <a:latin typeface="Times New Roman" panose="02020603050405020304" pitchFamily="18" charset="0"/>
+                <a:cs typeface="Times New Roman" panose="02020603050405020304" pitchFamily="18" charset="0"/>
+              </a:rPr>
+              <a:t>urllib</a:t>
+            </a:r>
+            <a:r>
+              <a:rPr lang="pt-BR" sz="1800" dirty="0">
+                <a:latin typeface="Times New Roman" panose="02020603050405020304" pitchFamily="18" charset="0"/>
+                <a:cs typeface="Times New Roman" panose="02020603050405020304" pitchFamily="18" charset="0"/>
+              </a:rPr>
+              <a:t> → essas são duas bibliotecas importantíssimas para interagir com sites online, buscar informações, interagir com API, etc.</a:t>
+            </a:r>
+          </a:p>
+        </p:txBody>
+      </p:sp>
+    </p:spTree>
+    <p:extLst>
+      <p:ext uri="{BB962C8B-B14F-4D97-AF65-F5344CB8AC3E}">
+        <p14:creationId xmlns:p14="http://schemas.microsoft.com/office/powerpoint/2010/main" val="3507580569"/>
+      </p:ext>
+    </p:extLst>
   </p:cSld>
   <p:clrMapOvr>
     <a:masterClrMapping/>
